--- a/_BaoCao/quocdunginfo/model.pptx
+++ b/_BaoCao/quocdunginfo/model.pptx
@@ -7,6 +7,8 @@
   <p:sldIdLst>
     <p:sldId id="256" r:id="rId2"/>
     <p:sldId id="257" r:id="rId3"/>
+    <p:sldId id="258" r:id="rId4"/>
+    <p:sldId id="259" r:id="rId5"/>
   </p:sldIdLst>
   <p:sldSz cx="12192000" cy="6858000"/>
   <p:notesSz cx="6858000" cy="9144000"/>
@@ -105,6 +107,11 @@
       </a:defRPr>
     </a:lvl9pPr>
   </p:defaultTextStyle>
+  <p:extLst>
+    <p:ext uri="{EFAFB233-063F-42B5-8137-9DF3F51BA10A}">
+      <p15:sldGuideLst xmlns:p15="http://schemas.microsoft.com/office/powerpoint/2012/main"/>
+    </p:ext>
+  </p:extLst>
 </p:presentation>
 </file>
 
@@ -239,7 +246,7 @@
           <a:p>
             <a:fld id="{AB78E5E6-0990-4F48-9424-E063849A9480}" type="datetimeFigureOut">
               <a:rPr lang="en-US" smtClean="0"/>
-              <a:t>22/09/2014</a:t>
+              <a:t>9/23/2014</a:t>
             </a:fld>
             <a:endParaRPr lang="en-US"/>
           </a:p>
@@ -409,7 +416,7 @@
           <a:p>
             <a:fld id="{AB78E5E6-0990-4F48-9424-E063849A9480}" type="datetimeFigureOut">
               <a:rPr lang="en-US" smtClean="0"/>
-              <a:t>22/09/2014</a:t>
+              <a:t>9/23/2014</a:t>
             </a:fld>
             <a:endParaRPr lang="en-US"/>
           </a:p>
@@ -589,7 +596,7 @@
           <a:p>
             <a:fld id="{AB78E5E6-0990-4F48-9424-E063849A9480}" type="datetimeFigureOut">
               <a:rPr lang="en-US" smtClean="0"/>
-              <a:t>22/09/2014</a:t>
+              <a:t>9/23/2014</a:t>
             </a:fld>
             <a:endParaRPr lang="en-US"/>
           </a:p>
@@ -759,7 +766,7 @@
           <a:p>
             <a:fld id="{AB78E5E6-0990-4F48-9424-E063849A9480}" type="datetimeFigureOut">
               <a:rPr lang="en-US" smtClean="0"/>
-              <a:t>22/09/2014</a:t>
+              <a:t>9/23/2014</a:t>
             </a:fld>
             <a:endParaRPr lang="en-US"/>
           </a:p>
@@ -1005,7 +1012,7 @@
           <a:p>
             <a:fld id="{AB78E5E6-0990-4F48-9424-E063849A9480}" type="datetimeFigureOut">
               <a:rPr lang="en-US" smtClean="0"/>
-              <a:t>22/09/2014</a:t>
+              <a:t>9/23/2014</a:t>
             </a:fld>
             <a:endParaRPr lang="en-US"/>
           </a:p>
@@ -1237,7 +1244,7 @@
           <a:p>
             <a:fld id="{AB78E5E6-0990-4F48-9424-E063849A9480}" type="datetimeFigureOut">
               <a:rPr lang="en-US" smtClean="0"/>
-              <a:t>22/09/2014</a:t>
+              <a:t>9/23/2014</a:t>
             </a:fld>
             <a:endParaRPr lang="en-US"/>
           </a:p>
@@ -1604,7 +1611,7 @@
           <a:p>
             <a:fld id="{AB78E5E6-0990-4F48-9424-E063849A9480}" type="datetimeFigureOut">
               <a:rPr lang="en-US" smtClean="0"/>
-              <a:t>22/09/2014</a:t>
+              <a:t>9/23/2014</a:t>
             </a:fld>
             <a:endParaRPr lang="en-US"/>
           </a:p>
@@ -1722,7 +1729,7 @@
           <a:p>
             <a:fld id="{AB78E5E6-0990-4F48-9424-E063849A9480}" type="datetimeFigureOut">
               <a:rPr lang="en-US" smtClean="0"/>
-              <a:t>22/09/2014</a:t>
+              <a:t>9/23/2014</a:t>
             </a:fld>
             <a:endParaRPr lang="en-US"/>
           </a:p>
@@ -1817,7 +1824,7 @@
           <a:p>
             <a:fld id="{AB78E5E6-0990-4F48-9424-E063849A9480}" type="datetimeFigureOut">
               <a:rPr lang="en-US" smtClean="0"/>
-              <a:t>22/09/2014</a:t>
+              <a:t>9/23/2014</a:t>
             </a:fld>
             <a:endParaRPr lang="en-US"/>
           </a:p>
@@ -2094,7 +2101,7 @@
           <a:p>
             <a:fld id="{AB78E5E6-0990-4F48-9424-E063849A9480}" type="datetimeFigureOut">
               <a:rPr lang="en-US" smtClean="0"/>
-              <a:t>22/09/2014</a:t>
+              <a:t>9/23/2014</a:t>
             </a:fld>
             <a:endParaRPr lang="en-US"/>
           </a:p>
@@ -2347,7 +2354,7 @@
           <a:p>
             <a:fld id="{AB78E5E6-0990-4F48-9424-E063849A9480}" type="datetimeFigureOut">
               <a:rPr lang="en-US" smtClean="0"/>
-              <a:t>22/09/2014</a:t>
+              <a:t>9/23/2014</a:t>
             </a:fld>
             <a:endParaRPr lang="en-US"/>
           </a:p>
@@ -2560,7 +2567,7 @@
           <a:p>
             <a:fld id="{AB78E5E6-0990-4F48-9424-E063849A9480}" type="datetimeFigureOut">
               <a:rPr lang="en-US" smtClean="0"/>
-              <a:t>22/09/2014</a:t>
+              <a:t>9/23/2014</a:t>
             </a:fld>
             <a:endParaRPr lang="en-US"/>
           </a:p>
@@ -4168,6 +4175,107 @@
           </p:style>
         </p:cxnSp>
       </p:grpSp>
+      <p:cxnSp>
+        <p:nvCxnSpPr>
+          <p:cNvPr id="3" name="Elbow Connector 2"/>
+          <p:cNvCxnSpPr>
+            <a:stCxn id="18" idx="3"/>
+            <a:endCxn id="9" idx="3"/>
+          </p:cNvCxnSpPr>
+          <p:nvPr/>
+        </p:nvCxnSpPr>
+        <p:spPr>
+          <a:xfrm rot="5400000">
+            <a:off x="7415290" y="2093616"/>
+            <a:ext cx="2516196" cy="2853742"/>
+          </a:xfrm>
+          <a:prstGeom prst="bentConnector2">
+            <a:avLst/>
+          </a:prstGeom>
+          <a:ln w="19050">
+            <a:solidFill>
+              <a:schemeClr val="tx1"/>
+            </a:solidFill>
+            <a:prstDash val="dash"/>
+          </a:ln>
+        </p:spPr>
+        <p:style>
+          <a:lnRef idx="1">
+            <a:schemeClr val="accent1"/>
+          </a:lnRef>
+          <a:fillRef idx="0">
+            <a:schemeClr val="accent1"/>
+          </a:fillRef>
+          <a:effectRef idx="0">
+            <a:schemeClr val="accent1"/>
+          </a:effectRef>
+          <a:fontRef idx="minor">
+            <a:schemeClr val="tx1"/>
+          </a:fontRef>
+        </p:style>
+      </p:cxnSp>
+      <p:sp>
+        <p:nvSpPr>
+          <p:cNvPr id="29" name="Rectangle 28"/>
+          <p:cNvSpPr/>
+          <p:nvPr/>
+        </p:nvSpPr>
+        <p:spPr>
+          <a:xfrm>
+            <a:off x="8466782" y="4287040"/>
+            <a:ext cx="1640991" cy="491544"/>
+          </a:xfrm>
+          <a:prstGeom prst="rect">
+            <a:avLst/>
+          </a:prstGeom>
+          <a:noFill/>
+          <a:ln>
+            <a:noFill/>
+          </a:ln>
+        </p:spPr>
+        <p:style>
+          <a:lnRef idx="2">
+            <a:schemeClr val="accent1">
+              <a:shade val="50000"/>
+            </a:schemeClr>
+          </a:lnRef>
+          <a:fillRef idx="1">
+            <a:schemeClr val="accent1"/>
+          </a:fillRef>
+          <a:effectRef idx="0">
+            <a:schemeClr val="accent1"/>
+          </a:effectRef>
+          <a:fontRef idx="minor">
+            <a:schemeClr val="lt1"/>
+          </a:fontRef>
+        </p:style>
+        <p:txBody>
+          <a:bodyPr rtlCol="0" anchor="ctr"/>
+          <a:lstStyle/>
+          <a:p>
+            <a:pPr algn="ctr"/>
+            <a:r>
+              <a:rPr lang="en-US" dirty="0" smtClean="0">
+                <a:solidFill>
+                  <a:schemeClr val="tx1"/>
+                </a:solidFill>
+                <a:latin typeface="Tahoma" panose="020B0604030504040204" pitchFamily="34" charset="0"/>
+                <a:ea typeface="Tahoma" panose="020B0604030504040204" pitchFamily="34" charset="0"/>
+                <a:cs typeface="Tahoma" panose="020B0604030504040204" pitchFamily="34" charset="0"/>
+              </a:rPr>
+              <a:t>File checksum</a:t>
+            </a:r>
+            <a:endParaRPr lang="en-US" dirty="0">
+              <a:solidFill>
+                <a:schemeClr val="tx1"/>
+              </a:solidFill>
+              <a:latin typeface="Tahoma" panose="020B0604030504040204" pitchFamily="34" charset="0"/>
+              <a:ea typeface="Tahoma" panose="020B0604030504040204" pitchFamily="34" charset="0"/>
+              <a:cs typeface="Tahoma" panose="020B0604030504040204" pitchFamily="34" charset="0"/>
+            </a:endParaRPr>
+          </a:p>
+        </p:txBody>
+      </p:sp>
     </p:spTree>
     <p:extLst>
       <p:ext uri="{BB962C8B-B14F-4D97-AF65-F5344CB8AC3E}">
@@ -4206,7 +4314,7 @@
         </p:nvSpPr>
         <p:spPr>
           <a:xfrm>
-            <a:off x="1654672" y="1858852"/>
+            <a:off x="1654672" y="1833094"/>
             <a:ext cx="7811300" cy="491544"/>
           </a:xfrm>
           <a:prstGeom prst="rect">
@@ -4441,7 +4549,7 @@
                 <a:ea typeface="Tahoma" panose="020B0604030504040204" pitchFamily="34" charset="0"/>
                 <a:cs typeface="Tahoma" panose="020B0604030504040204" pitchFamily="34" charset="0"/>
               </a:rPr>
-              <a:t>.NET Application</a:t>
+              <a:t>Application</a:t>
             </a:r>
             <a:endParaRPr lang="en-US" dirty="0">
               <a:solidFill>
@@ -5499,10 +5607,1810 @@
           </a:p>
         </p:txBody>
       </p:sp>
+      <p:sp>
+        <p:nvSpPr>
+          <p:cNvPr id="30" name="Rectangle 29"/>
+          <p:cNvSpPr/>
+          <p:nvPr/>
+        </p:nvSpPr>
+        <p:spPr>
+          <a:xfrm rot="5400000">
+            <a:off x="9321328" y="2138553"/>
+            <a:ext cx="1239231" cy="595516"/>
+          </a:xfrm>
+          <a:prstGeom prst="rect">
+            <a:avLst/>
+          </a:prstGeom>
+          <a:noFill/>
+          <a:ln>
+            <a:solidFill>
+              <a:schemeClr val="tx1"/>
+            </a:solidFill>
+          </a:ln>
+        </p:spPr>
+        <p:style>
+          <a:lnRef idx="2">
+            <a:schemeClr val="accent1">
+              <a:shade val="50000"/>
+            </a:schemeClr>
+          </a:lnRef>
+          <a:fillRef idx="1">
+            <a:schemeClr val="accent1"/>
+          </a:fillRef>
+          <a:effectRef idx="0">
+            <a:schemeClr val="accent1"/>
+          </a:effectRef>
+          <a:fontRef idx="minor">
+            <a:schemeClr val="lt1"/>
+          </a:fontRef>
+        </p:style>
+        <p:txBody>
+          <a:bodyPr rtlCol="0" anchor="ctr"/>
+          <a:lstStyle/>
+          <a:p>
+            <a:pPr algn="ctr"/>
+            <a:r>
+              <a:rPr lang="en-US" sz="1600" dirty="0" smtClean="0">
+                <a:solidFill>
+                  <a:schemeClr val="tx1"/>
+                </a:solidFill>
+                <a:latin typeface="Tahoma" panose="020B0604030504040204" pitchFamily="34" charset="0"/>
+                <a:ea typeface="Tahoma" panose="020B0604030504040204" pitchFamily="34" charset="0"/>
+                <a:cs typeface="Tahoma" panose="020B0604030504040204" pitchFamily="34" charset="0"/>
+              </a:rPr>
+              <a:t>Sync framework</a:t>
+            </a:r>
+            <a:endParaRPr lang="en-US" sz="1600" dirty="0">
+              <a:solidFill>
+                <a:schemeClr val="tx1"/>
+              </a:solidFill>
+              <a:latin typeface="Tahoma" panose="020B0604030504040204" pitchFamily="34" charset="0"/>
+              <a:ea typeface="Tahoma" panose="020B0604030504040204" pitchFamily="34" charset="0"/>
+              <a:cs typeface="Tahoma" panose="020B0604030504040204" pitchFamily="34" charset="0"/>
+            </a:endParaRPr>
+          </a:p>
+        </p:txBody>
+      </p:sp>
+      <p:sp>
+        <p:nvSpPr>
+          <p:cNvPr id="33" name="Rectangle 32"/>
+          <p:cNvSpPr/>
+          <p:nvPr/>
+        </p:nvSpPr>
+        <p:spPr>
+          <a:xfrm rot="5400000">
+            <a:off x="9375206" y="1446998"/>
+            <a:ext cx="2622336" cy="595516"/>
+          </a:xfrm>
+          <a:prstGeom prst="rect">
+            <a:avLst/>
+          </a:prstGeom>
+          <a:noFill/>
+          <a:ln>
+            <a:solidFill>
+              <a:schemeClr val="tx1"/>
+            </a:solidFill>
+          </a:ln>
+        </p:spPr>
+        <p:style>
+          <a:lnRef idx="2">
+            <a:schemeClr val="accent1">
+              <a:shade val="50000"/>
+            </a:schemeClr>
+          </a:lnRef>
+          <a:fillRef idx="1">
+            <a:schemeClr val="accent1"/>
+          </a:fillRef>
+          <a:effectRef idx="0">
+            <a:schemeClr val="accent1"/>
+          </a:effectRef>
+          <a:fontRef idx="minor">
+            <a:schemeClr val="lt1"/>
+          </a:fontRef>
+        </p:style>
+        <p:txBody>
+          <a:bodyPr rtlCol="0" anchor="ctr"/>
+          <a:lstStyle/>
+          <a:p>
+            <a:pPr algn="ctr"/>
+            <a:r>
+              <a:rPr lang="en-US" sz="1600" dirty="0" smtClean="0">
+                <a:solidFill>
+                  <a:schemeClr val="tx1"/>
+                </a:solidFill>
+                <a:latin typeface="Tahoma" panose="020B0604030504040204" pitchFamily="34" charset="0"/>
+                <a:ea typeface="Tahoma" panose="020B0604030504040204" pitchFamily="34" charset="0"/>
+                <a:cs typeface="Tahoma" panose="020B0604030504040204" pitchFamily="34" charset="0"/>
+              </a:rPr>
+              <a:t>.NET Runtime</a:t>
+            </a:r>
+            <a:endParaRPr lang="en-US" sz="1600" dirty="0">
+              <a:solidFill>
+                <a:schemeClr val="tx1"/>
+              </a:solidFill>
+              <a:latin typeface="Tahoma" panose="020B0604030504040204" pitchFamily="34" charset="0"/>
+              <a:ea typeface="Tahoma" panose="020B0604030504040204" pitchFamily="34" charset="0"/>
+              <a:cs typeface="Tahoma" panose="020B0604030504040204" pitchFamily="34" charset="0"/>
+            </a:endParaRPr>
+          </a:p>
+        </p:txBody>
+      </p:sp>
     </p:spTree>
     <p:extLst>
       <p:ext uri="{BB962C8B-B14F-4D97-AF65-F5344CB8AC3E}">
         <p14:creationId xmlns:p14="http://schemas.microsoft.com/office/powerpoint/2010/main" val="1667923746"/>
+      </p:ext>
+    </p:extLst>
+  </p:cSld>
+  <p:clrMapOvr>
+    <a:masterClrMapping/>
+  </p:clrMapOvr>
+</p:sld>
+</file>
+
+<file path=ppt/slides/slide3.xml><?xml version="1.0" encoding="utf-8"?>
+<p:sld xmlns:a="http://schemas.openxmlformats.org/drawingml/2006/main" xmlns:r="http://schemas.openxmlformats.org/officeDocument/2006/relationships" xmlns:p="http://schemas.openxmlformats.org/presentationml/2006/main">
+  <p:cSld>
+    <p:spTree>
+      <p:nvGrpSpPr>
+        <p:cNvPr id="1" name=""/>
+        <p:cNvGrpSpPr/>
+        <p:nvPr/>
+      </p:nvGrpSpPr>
+      <p:grpSpPr>
+        <a:xfrm>
+          <a:off x="0" y="0"/>
+          <a:ext cx="0" cy="0"/>
+          <a:chOff x="0" y="0"/>
+          <a:chExt cx="0" cy="0"/>
+        </a:xfrm>
+      </p:grpSpPr>
+      <p:sp>
+        <p:nvSpPr>
+          <p:cNvPr id="4" name="Rectangle 3"/>
+          <p:cNvSpPr/>
+          <p:nvPr/>
+        </p:nvSpPr>
+        <p:spPr>
+          <a:xfrm>
+            <a:off x="740273" y="2541430"/>
+            <a:ext cx="7811300" cy="491544"/>
+          </a:xfrm>
+          <a:prstGeom prst="rect">
+            <a:avLst/>
+          </a:prstGeom>
+          <a:noFill/>
+          <a:ln>
+            <a:solidFill>
+              <a:schemeClr val="tx1"/>
+            </a:solidFill>
+          </a:ln>
+        </p:spPr>
+        <p:style>
+          <a:lnRef idx="2">
+            <a:schemeClr val="accent1">
+              <a:shade val="50000"/>
+            </a:schemeClr>
+          </a:lnRef>
+          <a:fillRef idx="1">
+            <a:schemeClr val="accent1"/>
+          </a:fillRef>
+          <a:effectRef idx="0">
+            <a:schemeClr val="accent1"/>
+          </a:effectRef>
+          <a:fontRef idx="minor">
+            <a:schemeClr val="lt1"/>
+          </a:fontRef>
+        </p:style>
+        <p:txBody>
+          <a:bodyPr rtlCol="0" anchor="ctr"/>
+          <a:lstStyle/>
+          <a:p>
+            <a:pPr algn="ctr"/>
+            <a:r>
+              <a:rPr lang="en-US" dirty="0" smtClean="0">
+                <a:solidFill>
+                  <a:schemeClr val="tx1"/>
+                </a:solidFill>
+                <a:latin typeface="Tahoma" panose="020B0604030504040204" pitchFamily="34" charset="0"/>
+                <a:ea typeface="Tahoma" panose="020B0604030504040204" pitchFamily="34" charset="0"/>
+                <a:cs typeface="Tahoma" panose="020B0604030504040204" pitchFamily="34" charset="0"/>
+              </a:rPr>
+              <a:t>Singleton database provider</a:t>
+            </a:r>
+            <a:endParaRPr lang="en-US" dirty="0">
+              <a:solidFill>
+                <a:schemeClr val="tx1"/>
+              </a:solidFill>
+              <a:latin typeface="Tahoma" panose="020B0604030504040204" pitchFamily="34" charset="0"/>
+              <a:ea typeface="Tahoma" panose="020B0604030504040204" pitchFamily="34" charset="0"/>
+              <a:cs typeface="Tahoma" panose="020B0604030504040204" pitchFamily="34" charset="0"/>
+            </a:endParaRPr>
+          </a:p>
+        </p:txBody>
+      </p:sp>
+      <p:sp>
+        <p:nvSpPr>
+          <p:cNvPr id="7" name="Rectangle 6"/>
+          <p:cNvSpPr/>
+          <p:nvPr/>
+        </p:nvSpPr>
+        <p:spPr>
+          <a:xfrm>
+            <a:off x="3649825" y="405680"/>
+            <a:ext cx="2067322" cy="491544"/>
+          </a:xfrm>
+          <a:prstGeom prst="rect">
+            <a:avLst/>
+          </a:prstGeom>
+          <a:noFill/>
+          <a:ln>
+            <a:solidFill>
+              <a:schemeClr val="tx1"/>
+            </a:solidFill>
+          </a:ln>
+        </p:spPr>
+        <p:style>
+          <a:lnRef idx="2">
+            <a:schemeClr val="accent1">
+              <a:shade val="50000"/>
+            </a:schemeClr>
+          </a:lnRef>
+          <a:fillRef idx="1">
+            <a:schemeClr val="accent1"/>
+          </a:fillRef>
+          <a:effectRef idx="0">
+            <a:schemeClr val="accent1"/>
+          </a:effectRef>
+          <a:fontRef idx="minor">
+            <a:schemeClr val="lt1"/>
+          </a:fontRef>
+        </p:style>
+        <p:txBody>
+          <a:bodyPr rtlCol="0" anchor="ctr"/>
+          <a:lstStyle/>
+          <a:p>
+            <a:pPr algn="ctr"/>
+            <a:r>
+              <a:rPr lang="en-US" dirty="0" err="1" smtClean="0">
+                <a:solidFill>
+                  <a:schemeClr val="tx1"/>
+                </a:solidFill>
+                <a:latin typeface="Tahoma" panose="020B0604030504040204" pitchFamily="34" charset="0"/>
+                <a:ea typeface="Tahoma" panose="020B0604030504040204" pitchFamily="34" charset="0"/>
+                <a:cs typeface="Tahoma" panose="020B0604030504040204" pitchFamily="34" charset="0"/>
+              </a:rPr>
+              <a:t>DataFilter</a:t>
+            </a:r>
+            <a:endParaRPr lang="en-US" dirty="0">
+              <a:solidFill>
+                <a:schemeClr val="tx1"/>
+              </a:solidFill>
+              <a:latin typeface="Tahoma" panose="020B0604030504040204" pitchFamily="34" charset="0"/>
+              <a:ea typeface="Tahoma" panose="020B0604030504040204" pitchFamily="34" charset="0"/>
+              <a:cs typeface="Tahoma" panose="020B0604030504040204" pitchFamily="34" charset="0"/>
+            </a:endParaRPr>
+          </a:p>
+        </p:txBody>
+      </p:sp>
+      <p:sp>
+        <p:nvSpPr>
+          <p:cNvPr id="30" name="Rectangle 29"/>
+          <p:cNvSpPr/>
+          <p:nvPr/>
+        </p:nvSpPr>
+        <p:spPr>
+          <a:xfrm>
+            <a:off x="3000514" y="3695575"/>
+            <a:ext cx="3290816" cy="491544"/>
+          </a:xfrm>
+          <a:prstGeom prst="rect">
+            <a:avLst/>
+          </a:prstGeom>
+          <a:noFill/>
+          <a:ln>
+            <a:solidFill>
+              <a:schemeClr val="tx1"/>
+            </a:solidFill>
+          </a:ln>
+        </p:spPr>
+        <p:style>
+          <a:lnRef idx="2">
+            <a:schemeClr val="accent1">
+              <a:shade val="50000"/>
+            </a:schemeClr>
+          </a:lnRef>
+          <a:fillRef idx="1">
+            <a:schemeClr val="accent1"/>
+          </a:fillRef>
+          <a:effectRef idx="0">
+            <a:schemeClr val="accent1"/>
+          </a:effectRef>
+          <a:fontRef idx="minor">
+            <a:schemeClr val="lt1"/>
+          </a:fontRef>
+        </p:style>
+        <p:txBody>
+          <a:bodyPr rtlCol="0" anchor="ctr"/>
+          <a:lstStyle/>
+          <a:p>
+            <a:pPr algn="ctr"/>
+            <a:r>
+              <a:rPr lang="en-US" dirty="0" smtClean="0">
+                <a:solidFill>
+                  <a:schemeClr val="tx1"/>
+                </a:solidFill>
+                <a:latin typeface="Tahoma" panose="020B0604030504040204" pitchFamily="34" charset="0"/>
+                <a:ea typeface="Tahoma" panose="020B0604030504040204" pitchFamily="34" charset="0"/>
+                <a:cs typeface="Tahoma" panose="020B0604030504040204" pitchFamily="34" charset="0"/>
+              </a:rPr>
+              <a:t>Entity Framework </a:t>
+            </a:r>
+            <a:r>
+              <a:rPr lang="en-US" dirty="0" err="1" smtClean="0">
+                <a:solidFill>
+                  <a:schemeClr val="tx1"/>
+                </a:solidFill>
+                <a:latin typeface="Tahoma" panose="020B0604030504040204" pitchFamily="34" charset="0"/>
+                <a:ea typeface="Tahoma" panose="020B0604030504040204" pitchFamily="34" charset="0"/>
+                <a:cs typeface="Tahoma" panose="020B0604030504040204" pitchFamily="34" charset="0"/>
+              </a:rPr>
+              <a:t>DbContext</a:t>
+            </a:r>
+            <a:endParaRPr lang="en-US" dirty="0">
+              <a:solidFill>
+                <a:schemeClr val="tx1"/>
+              </a:solidFill>
+              <a:latin typeface="Tahoma" panose="020B0604030504040204" pitchFamily="34" charset="0"/>
+              <a:ea typeface="Tahoma" panose="020B0604030504040204" pitchFamily="34" charset="0"/>
+              <a:cs typeface="Tahoma" panose="020B0604030504040204" pitchFamily="34" charset="0"/>
+            </a:endParaRPr>
+          </a:p>
+        </p:txBody>
+      </p:sp>
+      <p:sp>
+        <p:nvSpPr>
+          <p:cNvPr id="31" name="Rectangle 30"/>
+          <p:cNvSpPr/>
+          <p:nvPr/>
+        </p:nvSpPr>
+        <p:spPr>
+          <a:xfrm>
+            <a:off x="2487111" y="4512722"/>
+            <a:ext cx="1118972" cy="491544"/>
+          </a:xfrm>
+          <a:prstGeom prst="rect">
+            <a:avLst/>
+          </a:prstGeom>
+          <a:noFill/>
+          <a:ln>
+            <a:solidFill>
+              <a:schemeClr val="tx1"/>
+            </a:solidFill>
+          </a:ln>
+        </p:spPr>
+        <p:style>
+          <a:lnRef idx="2">
+            <a:schemeClr val="accent1">
+              <a:shade val="50000"/>
+            </a:schemeClr>
+          </a:lnRef>
+          <a:fillRef idx="1">
+            <a:schemeClr val="accent1"/>
+          </a:fillRef>
+          <a:effectRef idx="0">
+            <a:schemeClr val="accent1"/>
+          </a:effectRef>
+          <a:fontRef idx="minor">
+            <a:schemeClr val="lt1"/>
+          </a:fontRef>
+        </p:style>
+        <p:txBody>
+          <a:bodyPr rtlCol="0" anchor="ctr"/>
+          <a:lstStyle/>
+          <a:p>
+            <a:pPr algn="ctr"/>
+            <a:r>
+              <a:rPr lang="en-US" dirty="0" err="1" smtClean="0">
+                <a:solidFill>
+                  <a:schemeClr val="tx1"/>
+                </a:solidFill>
+                <a:latin typeface="Tahoma" panose="020B0604030504040204" pitchFamily="34" charset="0"/>
+                <a:ea typeface="Tahoma" panose="020B0604030504040204" pitchFamily="34" charset="0"/>
+                <a:cs typeface="Tahoma" panose="020B0604030504040204" pitchFamily="34" charset="0"/>
+              </a:rPr>
+              <a:t>DbSet</a:t>
+            </a:r>
+            <a:endParaRPr lang="en-US" dirty="0">
+              <a:solidFill>
+                <a:schemeClr val="tx1"/>
+              </a:solidFill>
+              <a:latin typeface="Tahoma" panose="020B0604030504040204" pitchFamily="34" charset="0"/>
+              <a:ea typeface="Tahoma" panose="020B0604030504040204" pitchFamily="34" charset="0"/>
+              <a:cs typeface="Tahoma" panose="020B0604030504040204" pitchFamily="34" charset="0"/>
+            </a:endParaRPr>
+          </a:p>
+        </p:txBody>
+      </p:sp>
+      <p:sp>
+        <p:nvSpPr>
+          <p:cNvPr id="32" name="Rectangle 31"/>
+          <p:cNvSpPr/>
+          <p:nvPr/>
+        </p:nvSpPr>
+        <p:spPr>
+          <a:xfrm>
+            <a:off x="5942551" y="4512722"/>
+            <a:ext cx="1118972" cy="491544"/>
+          </a:xfrm>
+          <a:prstGeom prst="rect">
+            <a:avLst/>
+          </a:prstGeom>
+          <a:noFill/>
+          <a:ln>
+            <a:solidFill>
+              <a:schemeClr val="tx1"/>
+            </a:solidFill>
+          </a:ln>
+        </p:spPr>
+        <p:style>
+          <a:lnRef idx="2">
+            <a:schemeClr val="accent1">
+              <a:shade val="50000"/>
+            </a:schemeClr>
+          </a:lnRef>
+          <a:fillRef idx="1">
+            <a:schemeClr val="accent1"/>
+          </a:fillRef>
+          <a:effectRef idx="0">
+            <a:schemeClr val="accent1"/>
+          </a:effectRef>
+          <a:fontRef idx="minor">
+            <a:schemeClr val="lt1"/>
+          </a:fontRef>
+        </p:style>
+        <p:txBody>
+          <a:bodyPr rtlCol="0" anchor="ctr"/>
+          <a:lstStyle/>
+          <a:p>
+            <a:pPr algn="ctr"/>
+            <a:r>
+              <a:rPr lang="en-US" dirty="0" smtClean="0">
+                <a:solidFill>
+                  <a:schemeClr val="tx1"/>
+                </a:solidFill>
+                <a:latin typeface="Tahoma" panose="020B0604030504040204" pitchFamily="34" charset="0"/>
+                <a:ea typeface="Tahoma" panose="020B0604030504040204" pitchFamily="34" charset="0"/>
+                <a:cs typeface="Tahoma" panose="020B0604030504040204" pitchFamily="34" charset="0"/>
+              </a:rPr>
+              <a:t>…</a:t>
+            </a:r>
+            <a:endParaRPr lang="en-US" dirty="0">
+              <a:solidFill>
+                <a:schemeClr val="tx1"/>
+              </a:solidFill>
+              <a:latin typeface="Tahoma" panose="020B0604030504040204" pitchFamily="34" charset="0"/>
+              <a:ea typeface="Tahoma" panose="020B0604030504040204" pitchFamily="34" charset="0"/>
+              <a:cs typeface="Tahoma" panose="020B0604030504040204" pitchFamily="34" charset="0"/>
+            </a:endParaRPr>
+          </a:p>
+        </p:txBody>
+      </p:sp>
+      <p:sp>
+        <p:nvSpPr>
+          <p:cNvPr id="33" name="Rectangle 32"/>
+          <p:cNvSpPr/>
+          <p:nvPr/>
+        </p:nvSpPr>
+        <p:spPr>
+          <a:xfrm>
+            <a:off x="4214831" y="4512722"/>
+            <a:ext cx="1118972" cy="491544"/>
+          </a:xfrm>
+          <a:prstGeom prst="rect">
+            <a:avLst/>
+          </a:prstGeom>
+          <a:noFill/>
+          <a:ln>
+            <a:solidFill>
+              <a:schemeClr val="tx1"/>
+            </a:solidFill>
+          </a:ln>
+        </p:spPr>
+        <p:style>
+          <a:lnRef idx="2">
+            <a:schemeClr val="accent1">
+              <a:shade val="50000"/>
+            </a:schemeClr>
+          </a:lnRef>
+          <a:fillRef idx="1">
+            <a:schemeClr val="accent1"/>
+          </a:fillRef>
+          <a:effectRef idx="0">
+            <a:schemeClr val="accent1"/>
+          </a:effectRef>
+          <a:fontRef idx="minor">
+            <a:schemeClr val="lt1"/>
+          </a:fontRef>
+        </p:style>
+        <p:txBody>
+          <a:bodyPr rtlCol="0" anchor="ctr"/>
+          <a:lstStyle/>
+          <a:p>
+            <a:pPr algn="ctr"/>
+            <a:r>
+              <a:rPr lang="en-US" dirty="0" err="1" smtClean="0">
+                <a:solidFill>
+                  <a:schemeClr val="tx1"/>
+                </a:solidFill>
+                <a:latin typeface="Tahoma" panose="020B0604030504040204" pitchFamily="34" charset="0"/>
+                <a:ea typeface="Tahoma" panose="020B0604030504040204" pitchFamily="34" charset="0"/>
+                <a:cs typeface="Tahoma" panose="020B0604030504040204" pitchFamily="34" charset="0"/>
+              </a:rPr>
+              <a:t>DbSet</a:t>
+            </a:r>
+            <a:endParaRPr lang="en-US" dirty="0">
+              <a:solidFill>
+                <a:schemeClr val="tx1"/>
+              </a:solidFill>
+              <a:latin typeface="Tahoma" panose="020B0604030504040204" pitchFamily="34" charset="0"/>
+              <a:ea typeface="Tahoma" panose="020B0604030504040204" pitchFamily="34" charset="0"/>
+              <a:cs typeface="Tahoma" panose="020B0604030504040204" pitchFamily="34" charset="0"/>
+            </a:endParaRPr>
+          </a:p>
+        </p:txBody>
+      </p:sp>
+      <p:sp>
+        <p:nvSpPr>
+          <p:cNvPr id="36" name="Rectangle 35"/>
+          <p:cNvSpPr/>
+          <p:nvPr/>
+        </p:nvSpPr>
+        <p:spPr>
+          <a:xfrm>
+            <a:off x="6484251" y="367045"/>
+            <a:ext cx="2067322" cy="491544"/>
+          </a:xfrm>
+          <a:prstGeom prst="rect">
+            <a:avLst/>
+          </a:prstGeom>
+          <a:noFill/>
+          <a:ln>
+            <a:solidFill>
+              <a:schemeClr val="tx1"/>
+            </a:solidFill>
+          </a:ln>
+        </p:spPr>
+        <p:style>
+          <a:lnRef idx="2">
+            <a:schemeClr val="accent1">
+              <a:shade val="50000"/>
+            </a:schemeClr>
+          </a:lnRef>
+          <a:fillRef idx="1">
+            <a:schemeClr val="accent1"/>
+          </a:fillRef>
+          <a:effectRef idx="0">
+            <a:schemeClr val="accent1"/>
+          </a:effectRef>
+          <a:fontRef idx="minor">
+            <a:schemeClr val="lt1"/>
+          </a:fontRef>
+        </p:style>
+        <p:txBody>
+          <a:bodyPr rtlCol="0" anchor="ctr"/>
+          <a:lstStyle/>
+          <a:p>
+            <a:pPr algn="ctr"/>
+            <a:r>
+              <a:rPr lang="en-US" dirty="0" smtClean="0">
+                <a:solidFill>
+                  <a:schemeClr val="tx1"/>
+                </a:solidFill>
+                <a:latin typeface="Tahoma" panose="020B0604030504040204" pitchFamily="34" charset="0"/>
+                <a:ea typeface="Tahoma" panose="020B0604030504040204" pitchFamily="34" charset="0"/>
+                <a:cs typeface="Tahoma" panose="020B0604030504040204" pitchFamily="34" charset="0"/>
+              </a:rPr>
+              <a:t>Entity</a:t>
+            </a:r>
+            <a:endParaRPr lang="en-US" dirty="0">
+              <a:solidFill>
+                <a:schemeClr val="tx1"/>
+              </a:solidFill>
+              <a:latin typeface="Tahoma" panose="020B0604030504040204" pitchFamily="34" charset="0"/>
+              <a:ea typeface="Tahoma" panose="020B0604030504040204" pitchFamily="34" charset="0"/>
+              <a:cs typeface="Tahoma" panose="020B0604030504040204" pitchFamily="34" charset="0"/>
+            </a:endParaRPr>
+          </a:p>
+        </p:txBody>
+      </p:sp>
+      <p:cxnSp>
+        <p:nvCxnSpPr>
+          <p:cNvPr id="37" name="Straight Arrow Connector 36"/>
+          <p:cNvCxnSpPr/>
+          <p:nvPr/>
+        </p:nvCxnSpPr>
+        <p:spPr>
+          <a:xfrm flipV="1">
+            <a:off x="1773934" y="922985"/>
+            <a:ext cx="0" cy="1511121"/>
+          </a:xfrm>
+          <a:prstGeom prst="straightConnector1">
+            <a:avLst/>
+          </a:prstGeom>
+          <a:ln w="28575">
+            <a:solidFill>
+              <a:schemeClr val="tx1"/>
+            </a:solidFill>
+            <a:headEnd type="arrow" w="med" len="med"/>
+            <a:tailEnd type="arrow" w="med" len="med"/>
+          </a:ln>
+        </p:spPr>
+        <p:style>
+          <a:lnRef idx="1">
+            <a:schemeClr val="accent1"/>
+          </a:lnRef>
+          <a:fillRef idx="0">
+            <a:schemeClr val="accent1"/>
+          </a:fillRef>
+          <a:effectRef idx="0">
+            <a:schemeClr val="accent1"/>
+          </a:effectRef>
+          <a:fontRef idx="minor">
+            <a:schemeClr val="tx1"/>
+          </a:fontRef>
+        </p:style>
+      </p:cxnSp>
+      <p:cxnSp>
+        <p:nvCxnSpPr>
+          <p:cNvPr id="42" name="Straight Arrow Connector 41"/>
+          <p:cNvCxnSpPr/>
+          <p:nvPr/>
+        </p:nvCxnSpPr>
+        <p:spPr>
+          <a:xfrm flipV="1">
+            <a:off x="7502887" y="965914"/>
+            <a:ext cx="0" cy="1511121"/>
+          </a:xfrm>
+          <a:prstGeom prst="straightConnector1">
+            <a:avLst/>
+          </a:prstGeom>
+          <a:ln w="28575">
+            <a:solidFill>
+              <a:schemeClr val="tx1"/>
+            </a:solidFill>
+            <a:headEnd type="arrow" w="med" len="med"/>
+            <a:tailEnd type="arrow" w="med" len="med"/>
+          </a:ln>
+        </p:spPr>
+        <p:style>
+          <a:lnRef idx="1">
+            <a:schemeClr val="accent1"/>
+          </a:lnRef>
+          <a:fillRef idx="0">
+            <a:schemeClr val="accent1"/>
+          </a:fillRef>
+          <a:effectRef idx="0">
+            <a:schemeClr val="accent1"/>
+          </a:effectRef>
+          <a:fontRef idx="minor">
+            <a:schemeClr val="tx1"/>
+          </a:fontRef>
+        </p:style>
+      </p:cxnSp>
+      <p:sp>
+        <p:nvSpPr>
+          <p:cNvPr id="43" name="Rectangle 42"/>
+          <p:cNvSpPr/>
+          <p:nvPr/>
+        </p:nvSpPr>
+        <p:spPr>
+          <a:xfrm>
+            <a:off x="802520" y="405680"/>
+            <a:ext cx="2067322" cy="491544"/>
+          </a:xfrm>
+          <a:prstGeom prst="rect">
+            <a:avLst/>
+          </a:prstGeom>
+          <a:noFill/>
+          <a:ln>
+            <a:solidFill>
+              <a:schemeClr val="tx1"/>
+            </a:solidFill>
+          </a:ln>
+        </p:spPr>
+        <p:style>
+          <a:lnRef idx="2">
+            <a:schemeClr val="accent1">
+              <a:shade val="50000"/>
+            </a:schemeClr>
+          </a:lnRef>
+          <a:fillRef idx="1">
+            <a:schemeClr val="accent1"/>
+          </a:fillRef>
+          <a:effectRef idx="0">
+            <a:schemeClr val="accent1"/>
+          </a:effectRef>
+          <a:fontRef idx="minor">
+            <a:schemeClr val="lt1"/>
+          </a:fontRef>
+        </p:style>
+        <p:txBody>
+          <a:bodyPr rtlCol="0" anchor="ctr"/>
+          <a:lstStyle/>
+          <a:p>
+            <a:pPr algn="ctr"/>
+            <a:r>
+              <a:rPr lang="en-US" dirty="0" smtClean="0">
+                <a:solidFill>
+                  <a:schemeClr val="tx1"/>
+                </a:solidFill>
+                <a:latin typeface="Tahoma" panose="020B0604030504040204" pitchFamily="34" charset="0"/>
+                <a:ea typeface="Tahoma" panose="020B0604030504040204" pitchFamily="34" charset="0"/>
+                <a:cs typeface="Tahoma" panose="020B0604030504040204" pitchFamily="34" charset="0"/>
+              </a:rPr>
+              <a:t>Entity</a:t>
+            </a:r>
+            <a:endParaRPr lang="en-US" dirty="0">
+              <a:solidFill>
+                <a:schemeClr val="tx1"/>
+              </a:solidFill>
+              <a:latin typeface="Tahoma" panose="020B0604030504040204" pitchFamily="34" charset="0"/>
+              <a:ea typeface="Tahoma" panose="020B0604030504040204" pitchFamily="34" charset="0"/>
+              <a:cs typeface="Tahoma" panose="020B0604030504040204" pitchFamily="34" charset="0"/>
+            </a:endParaRPr>
+          </a:p>
+        </p:txBody>
+      </p:sp>
+      <p:cxnSp>
+        <p:nvCxnSpPr>
+          <p:cNvPr id="44" name="Straight Arrow Connector 43"/>
+          <p:cNvCxnSpPr/>
+          <p:nvPr/>
+        </p:nvCxnSpPr>
+        <p:spPr>
+          <a:xfrm flipV="1">
+            <a:off x="4683486" y="965914"/>
+            <a:ext cx="0" cy="1517561"/>
+          </a:xfrm>
+          <a:prstGeom prst="straightConnector1">
+            <a:avLst/>
+          </a:prstGeom>
+          <a:ln w="28575">
+            <a:solidFill>
+              <a:schemeClr val="tx1"/>
+            </a:solidFill>
+            <a:headEnd type="arrow" w="med" len="med"/>
+            <a:tailEnd type="arrow" w="med" len="med"/>
+          </a:ln>
+        </p:spPr>
+        <p:style>
+          <a:lnRef idx="1">
+            <a:schemeClr val="accent1"/>
+          </a:lnRef>
+          <a:fillRef idx="0">
+            <a:schemeClr val="accent1"/>
+          </a:fillRef>
+          <a:effectRef idx="0">
+            <a:schemeClr val="accent1"/>
+          </a:effectRef>
+          <a:fontRef idx="minor">
+            <a:schemeClr val="tx1"/>
+          </a:fontRef>
+        </p:style>
+      </p:cxnSp>
+      <p:cxnSp>
+        <p:nvCxnSpPr>
+          <p:cNvPr id="46" name="Straight Arrow Connector 45"/>
+          <p:cNvCxnSpPr/>
+          <p:nvPr/>
+        </p:nvCxnSpPr>
+        <p:spPr>
+          <a:xfrm flipV="1">
+            <a:off x="4689795" y="3092415"/>
+            <a:ext cx="0" cy="487249"/>
+          </a:xfrm>
+          <a:prstGeom prst="straightConnector1">
+            <a:avLst/>
+          </a:prstGeom>
+          <a:ln w="28575">
+            <a:solidFill>
+              <a:schemeClr val="tx1"/>
+            </a:solidFill>
+            <a:headEnd type="arrow" w="med" len="med"/>
+            <a:tailEnd type="arrow" w="med" len="med"/>
+          </a:ln>
+        </p:spPr>
+        <p:style>
+          <a:lnRef idx="1">
+            <a:schemeClr val="accent1"/>
+          </a:lnRef>
+          <a:fillRef idx="0">
+            <a:schemeClr val="accent1"/>
+          </a:fillRef>
+          <a:effectRef idx="0">
+            <a:schemeClr val="accent1"/>
+          </a:effectRef>
+          <a:fontRef idx="minor">
+            <a:schemeClr val="tx1"/>
+          </a:fontRef>
+        </p:style>
+      </p:cxnSp>
+    </p:spTree>
+    <p:extLst>
+      <p:ext uri="{BB962C8B-B14F-4D97-AF65-F5344CB8AC3E}">
+        <p14:creationId xmlns:p14="http://schemas.microsoft.com/office/powerpoint/2010/main" val="1915818980"/>
+      </p:ext>
+    </p:extLst>
+  </p:cSld>
+  <p:clrMapOvr>
+    <a:masterClrMapping/>
+  </p:clrMapOvr>
+</p:sld>
+</file>
+
+<file path=ppt/slides/slide4.xml><?xml version="1.0" encoding="utf-8"?>
+<p:sld xmlns:a="http://schemas.openxmlformats.org/drawingml/2006/main" xmlns:r="http://schemas.openxmlformats.org/officeDocument/2006/relationships" xmlns:p="http://schemas.openxmlformats.org/presentationml/2006/main">
+  <p:cSld>
+    <p:spTree>
+      <p:nvGrpSpPr>
+        <p:cNvPr id="1" name=""/>
+        <p:cNvGrpSpPr/>
+        <p:nvPr/>
+      </p:nvGrpSpPr>
+      <p:grpSpPr>
+        <a:xfrm>
+          <a:off x="0" y="0"/>
+          <a:ext cx="0" cy="0"/>
+          <a:chOff x="0" y="0"/>
+          <a:chExt cx="0" cy="0"/>
+        </a:xfrm>
+      </p:grpSpPr>
+      <p:sp>
+        <p:nvSpPr>
+          <p:cNvPr id="5" name="Rectangle 4"/>
+          <p:cNvSpPr/>
+          <p:nvPr/>
+        </p:nvSpPr>
+        <p:spPr>
+          <a:xfrm>
+            <a:off x="4416929" y="3680131"/>
+            <a:ext cx="2067322" cy="491544"/>
+          </a:xfrm>
+          <a:prstGeom prst="rect">
+            <a:avLst/>
+          </a:prstGeom>
+          <a:noFill/>
+          <a:ln>
+            <a:solidFill>
+              <a:schemeClr val="tx1"/>
+            </a:solidFill>
+          </a:ln>
+        </p:spPr>
+        <p:style>
+          <a:lnRef idx="2">
+            <a:schemeClr val="accent1">
+              <a:shade val="50000"/>
+            </a:schemeClr>
+          </a:lnRef>
+          <a:fillRef idx="1">
+            <a:schemeClr val="accent1"/>
+          </a:fillRef>
+          <a:effectRef idx="0">
+            <a:schemeClr val="accent1"/>
+          </a:effectRef>
+          <a:fontRef idx="minor">
+            <a:schemeClr val="lt1"/>
+          </a:fontRef>
+        </p:style>
+        <p:txBody>
+          <a:bodyPr rtlCol="0" anchor="ctr"/>
+          <a:lstStyle/>
+          <a:p>
+            <a:pPr algn="ctr"/>
+            <a:r>
+              <a:rPr lang="en-US" dirty="0" smtClean="0">
+                <a:solidFill>
+                  <a:schemeClr val="tx1"/>
+                </a:solidFill>
+                <a:latin typeface="Tahoma" panose="020B0604030504040204" pitchFamily="34" charset="0"/>
+                <a:ea typeface="Tahoma" panose="020B0604030504040204" pitchFamily="34" charset="0"/>
+                <a:cs typeface="Tahoma" panose="020B0604030504040204" pitchFamily="34" charset="0"/>
+              </a:rPr>
+              <a:t>Concreted class</a:t>
+            </a:r>
+            <a:endParaRPr lang="en-US" dirty="0">
+              <a:solidFill>
+                <a:schemeClr val="tx1"/>
+              </a:solidFill>
+              <a:latin typeface="Tahoma" panose="020B0604030504040204" pitchFamily="34" charset="0"/>
+              <a:ea typeface="Tahoma" panose="020B0604030504040204" pitchFamily="34" charset="0"/>
+              <a:cs typeface="Tahoma" panose="020B0604030504040204" pitchFamily="34" charset="0"/>
+            </a:endParaRPr>
+          </a:p>
+        </p:txBody>
+      </p:sp>
+      <p:sp>
+        <p:nvSpPr>
+          <p:cNvPr id="13" name="Rectangle 12"/>
+          <p:cNvSpPr/>
+          <p:nvPr/>
+        </p:nvSpPr>
+        <p:spPr>
+          <a:xfrm>
+            <a:off x="4416929" y="67608"/>
+            <a:ext cx="2067322" cy="491544"/>
+          </a:xfrm>
+          <a:prstGeom prst="rect">
+            <a:avLst/>
+          </a:prstGeom>
+          <a:noFill/>
+          <a:ln>
+            <a:solidFill>
+              <a:schemeClr val="tx1"/>
+            </a:solidFill>
+            <a:prstDash val="dash"/>
+          </a:ln>
+        </p:spPr>
+        <p:style>
+          <a:lnRef idx="2">
+            <a:schemeClr val="accent1">
+              <a:shade val="50000"/>
+            </a:schemeClr>
+          </a:lnRef>
+          <a:fillRef idx="1">
+            <a:schemeClr val="accent1"/>
+          </a:fillRef>
+          <a:effectRef idx="0">
+            <a:schemeClr val="accent1"/>
+          </a:effectRef>
+          <a:fontRef idx="minor">
+            <a:schemeClr val="lt1"/>
+          </a:fontRef>
+        </p:style>
+        <p:txBody>
+          <a:bodyPr rtlCol="0" anchor="ctr"/>
+          <a:lstStyle/>
+          <a:p>
+            <a:pPr algn="ctr"/>
+            <a:r>
+              <a:rPr lang="en-US" dirty="0" smtClean="0">
+                <a:solidFill>
+                  <a:schemeClr val="tx1"/>
+                </a:solidFill>
+                <a:latin typeface="Tahoma" panose="020B0604030504040204" pitchFamily="34" charset="0"/>
+                <a:ea typeface="Tahoma" panose="020B0604030504040204" pitchFamily="34" charset="0"/>
+                <a:cs typeface="Tahoma" panose="020B0604030504040204" pitchFamily="34" charset="0"/>
+              </a:rPr>
+              <a:t>Abstract class</a:t>
+            </a:r>
+            <a:endParaRPr lang="en-US" dirty="0">
+              <a:solidFill>
+                <a:schemeClr val="tx1"/>
+              </a:solidFill>
+              <a:latin typeface="Tahoma" panose="020B0604030504040204" pitchFamily="34" charset="0"/>
+              <a:ea typeface="Tahoma" panose="020B0604030504040204" pitchFamily="34" charset="0"/>
+              <a:cs typeface="Tahoma" panose="020B0604030504040204" pitchFamily="34" charset="0"/>
+            </a:endParaRPr>
+          </a:p>
+        </p:txBody>
+      </p:sp>
+      <p:sp>
+        <p:nvSpPr>
+          <p:cNvPr id="16" name="Rectangle 15"/>
+          <p:cNvSpPr/>
+          <p:nvPr/>
+        </p:nvSpPr>
+        <p:spPr>
+          <a:xfrm>
+            <a:off x="4408234" y="1624345"/>
+            <a:ext cx="2067322" cy="491544"/>
+          </a:xfrm>
+          <a:prstGeom prst="rect">
+            <a:avLst/>
+          </a:prstGeom>
+          <a:noFill/>
+          <a:ln>
+            <a:solidFill>
+              <a:schemeClr val="tx1"/>
+            </a:solidFill>
+            <a:prstDash val="dash"/>
+          </a:ln>
+        </p:spPr>
+        <p:style>
+          <a:lnRef idx="2">
+            <a:schemeClr val="accent1">
+              <a:shade val="50000"/>
+            </a:schemeClr>
+          </a:lnRef>
+          <a:fillRef idx="1">
+            <a:schemeClr val="accent1"/>
+          </a:fillRef>
+          <a:effectRef idx="0">
+            <a:schemeClr val="accent1"/>
+          </a:effectRef>
+          <a:fontRef idx="minor">
+            <a:schemeClr val="lt1"/>
+          </a:fontRef>
+        </p:style>
+        <p:txBody>
+          <a:bodyPr rtlCol="0" anchor="ctr"/>
+          <a:lstStyle/>
+          <a:p>
+            <a:pPr algn="ctr"/>
+            <a:r>
+              <a:rPr lang="en-US" dirty="0" smtClean="0">
+                <a:solidFill>
+                  <a:schemeClr val="tx1"/>
+                </a:solidFill>
+                <a:latin typeface="Tahoma" panose="020B0604030504040204" pitchFamily="34" charset="0"/>
+                <a:ea typeface="Tahoma" panose="020B0604030504040204" pitchFamily="34" charset="0"/>
+                <a:cs typeface="Tahoma" panose="020B0604030504040204" pitchFamily="34" charset="0"/>
+              </a:rPr>
+              <a:t>Abstract class</a:t>
+            </a:r>
+            <a:endParaRPr lang="en-US" dirty="0">
+              <a:solidFill>
+                <a:schemeClr val="tx1"/>
+              </a:solidFill>
+              <a:latin typeface="Tahoma" panose="020B0604030504040204" pitchFamily="34" charset="0"/>
+              <a:ea typeface="Tahoma" panose="020B0604030504040204" pitchFamily="34" charset="0"/>
+              <a:cs typeface="Tahoma" panose="020B0604030504040204" pitchFamily="34" charset="0"/>
+            </a:endParaRPr>
+          </a:p>
+        </p:txBody>
+      </p:sp>
+      <p:sp>
+        <p:nvSpPr>
+          <p:cNvPr id="17" name="Rectangle 16"/>
+          <p:cNvSpPr/>
+          <p:nvPr/>
+        </p:nvSpPr>
+        <p:spPr>
+          <a:xfrm>
+            <a:off x="1568549" y="2456640"/>
+            <a:ext cx="2067322" cy="491544"/>
+          </a:xfrm>
+          <a:prstGeom prst="rect">
+            <a:avLst/>
+          </a:prstGeom>
+          <a:noFill/>
+          <a:ln>
+            <a:solidFill>
+              <a:schemeClr val="tx1"/>
+            </a:solidFill>
+          </a:ln>
+        </p:spPr>
+        <p:style>
+          <a:lnRef idx="2">
+            <a:schemeClr val="accent1">
+              <a:shade val="50000"/>
+            </a:schemeClr>
+          </a:lnRef>
+          <a:fillRef idx="1">
+            <a:schemeClr val="accent1"/>
+          </a:fillRef>
+          <a:effectRef idx="0">
+            <a:schemeClr val="accent1"/>
+          </a:effectRef>
+          <a:fontRef idx="minor">
+            <a:schemeClr val="lt1"/>
+          </a:fontRef>
+        </p:style>
+        <p:txBody>
+          <a:bodyPr rtlCol="0" anchor="ctr"/>
+          <a:lstStyle/>
+          <a:p>
+            <a:pPr algn="ctr"/>
+            <a:r>
+              <a:rPr lang="en-US" dirty="0" smtClean="0">
+                <a:solidFill>
+                  <a:schemeClr val="tx1"/>
+                </a:solidFill>
+                <a:latin typeface="Tahoma" panose="020B0604030504040204" pitchFamily="34" charset="0"/>
+                <a:ea typeface="Tahoma" panose="020B0604030504040204" pitchFamily="34" charset="0"/>
+                <a:cs typeface="Tahoma" panose="020B0604030504040204" pitchFamily="34" charset="0"/>
+              </a:rPr>
+              <a:t>Concreted class</a:t>
+            </a:r>
+            <a:endParaRPr lang="en-US" dirty="0">
+              <a:solidFill>
+                <a:schemeClr val="tx1"/>
+              </a:solidFill>
+              <a:latin typeface="Tahoma" panose="020B0604030504040204" pitchFamily="34" charset="0"/>
+              <a:ea typeface="Tahoma" panose="020B0604030504040204" pitchFamily="34" charset="0"/>
+              <a:cs typeface="Tahoma" panose="020B0604030504040204" pitchFamily="34" charset="0"/>
+            </a:endParaRPr>
+          </a:p>
+        </p:txBody>
+      </p:sp>
+      <p:sp>
+        <p:nvSpPr>
+          <p:cNvPr id="24" name="Rectangle 23"/>
+          <p:cNvSpPr/>
+          <p:nvPr/>
+        </p:nvSpPr>
+        <p:spPr>
+          <a:xfrm>
+            <a:off x="7374777" y="3680131"/>
+            <a:ext cx="2067322" cy="491544"/>
+          </a:xfrm>
+          <a:prstGeom prst="rect">
+            <a:avLst/>
+          </a:prstGeom>
+          <a:noFill/>
+          <a:ln>
+            <a:solidFill>
+              <a:schemeClr val="tx1"/>
+            </a:solidFill>
+          </a:ln>
+        </p:spPr>
+        <p:style>
+          <a:lnRef idx="2">
+            <a:schemeClr val="accent1">
+              <a:shade val="50000"/>
+            </a:schemeClr>
+          </a:lnRef>
+          <a:fillRef idx="1">
+            <a:schemeClr val="accent1"/>
+          </a:fillRef>
+          <a:effectRef idx="0">
+            <a:schemeClr val="accent1"/>
+          </a:effectRef>
+          <a:fontRef idx="minor">
+            <a:schemeClr val="lt1"/>
+          </a:fontRef>
+        </p:style>
+        <p:txBody>
+          <a:bodyPr rtlCol="0" anchor="ctr"/>
+          <a:lstStyle/>
+          <a:p>
+            <a:pPr algn="ctr"/>
+            <a:r>
+              <a:rPr lang="en-US" dirty="0" smtClean="0">
+                <a:solidFill>
+                  <a:schemeClr val="tx1"/>
+                </a:solidFill>
+                <a:latin typeface="Tahoma" panose="020B0604030504040204" pitchFamily="34" charset="0"/>
+                <a:ea typeface="Tahoma" panose="020B0604030504040204" pitchFamily="34" charset="0"/>
+                <a:cs typeface="Tahoma" panose="020B0604030504040204" pitchFamily="34" charset="0"/>
+              </a:rPr>
+              <a:t>Concreted class</a:t>
+            </a:r>
+            <a:endParaRPr lang="en-US" dirty="0">
+              <a:solidFill>
+                <a:schemeClr val="tx1"/>
+              </a:solidFill>
+              <a:latin typeface="Tahoma" panose="020B0604030504040204" pitchFamily="34" charset="0"/>
+              <a:ea typeface="Tahoma" panose="020B0604030504040204" pitchFamily="34" charset="0"/>
+              <a:cs typeface="Tahoma" panose="020B0604030504040204" pitchFamily="34" charset="0"/>
+            </a:endParaRPr>
+          </a:p>
+        </p:txBody>
+      </p:sp>
+      <p:sp>
+        <p:nvSpPr>
+          <p:cNvPr id="25" name="Rectangle 24"/>
+          <p:cNvSpPr/>
+          <p:nvPr/>
+        </p:nvSpPr>
+        <p:spPr>
+          <a:xfrm>
+            <a:off x="7374777" y="2338584"/>
+            <a:ext cx="2067322" cy="491544"/>
+          </a:xfrm>
+          <a:prstGeom prst="rect">
+            <a:avLst/>
+          </a:prstGeom>
+          <a:noFill/>
+          <a:ln>
+            <a:solidFill>
+              <a:schemeClr val="tx1"/>
+            </a:solidFill>
+          </a:ln>
+        </p:spPr>
+        <p:style>
+          <a:lnRef idx="2">
+            <a:schemeClr val="accent1">
+              <a:shade val="50000"/>
+            </a:schemeClr>
+          </a:lnRef>
+          <a:fillRef idx="1">
+            <a:schemeClr val="accent1"/>
+          </a:fillRef>
+          <a:effectRef idx="0">
+            <a:schemeClr val="accent1"/>
+          </a:effectRef>
+          <a:fontRef idx="minor">
+            <a:schemeClr val="lt1"/>
+          </a:fontRef>
+        </p:style>
+        <p:txBody>
+          <a:bodyPr rtlCol="0" anchor="ctr"/>
+          <a:lstStyle/>
+          <a:p>
+            <a:pPr algn="ctr"/>
+            <a:r>
+              <a:rPr lang="en-US" dirty="0" smtClean="0">
+                <a:solidFill>
+                  <a:schemeClr val="tx1"/>
+                </a:solidFill>
+                <a:latin typeface="Tahoma" panose="020B0604030504040204" pitchFamily="34" charset="0"/>
+                <a:ea typeface="Tahoma" panose="020B0604030504040204" pitchFamily="34" charset="0"/>
+                <a:cs typeface="Tahoma" panose="020B0604030504040204" pitchFamily="34" charset="0"/>
+              </a:rPr>
+              <a:t>Concreted class</a:t>
+            </a:r>
+            <a:endParaRPr lang="en-US" dirty="0">
+              <a:solidFill>
+                <a:schemeClr val="tx1"/>
+              </a:solidFill>
+              <a:latin typeface="Tahoma" panose="020B0604030504040204" pitchFamily="34" charset="0"/>
+              <a:ea typeface="Tahoma" panose="020B0604030504040204" pitchFamily="34" charset="0"/>
+              <a:cs typeface="Tahoma" panose="020B0604030504040204" pitchFamily="34" charset="0"/>
+            </a:endParaRPr>
+          </a:p>
+        </p:txBody>
+      </p:sp>
+      <p:sp>
+        <p:nvSpPr>
+          <p:cNvPr id="26" name="Rectangle 25"/>
+          <p:cNvSpPr/>
+          <p:nvPr/>
+        </p:nvSpPr>
+        <p:spPr>
+          <a:xfrm>
+            <a:off x="1568549" y="3680131"/>
+            <a:ext cx="2067322" cy="491544"/>
+          </a:xfrm>
+          <a:prstGeom prst="rect">
+            <a:avLst/>
+          </a:prstGeom>
+          <a:noFill/>
+          <a:ln>
+            <a:solidFill>
+              <a:schemeClr val="tx1"/>
+            </a:solidFill>
+          </a:ln>
+        </p:spPr>
+        <p:style>
+          <a:lnRef idx="2">
+            <a:schemeClr val="accent1">
+              <a:shade val="50000"/>
+            </a:schemeClr>
+          </a:lnRef>
+          <a:fillRef idx="1">
+            <a:schemeClr val="accent1"/>
+          </a:fillRef>
+          <a:effectRef idx="0">
+            <a:schemeClr val="accent1"/>
+          </a:effectRef>
+          <a:fontRef idx="minor">
+            <a:schemeClr val="lt1"/>
+          </a:fontRef>
+        </p:style>
+        <p:txBody>
+          <a:bodyPr rtlCol="0" anchor="ctr"/>
+          <a:lstStyle/>
+          <a:p>
+            <a:pPr algn="ctr"/>
+            <a:r>
+              <a:rPr lang="en-US" dirty="0" smtClean="0">
+                <a:solidFill>
+                  <a:schemeClr val="tx1"/>
+                </a:solidFill>
+                <a:latin typeface="Tahoma" panose="020B0604030504040204" pitchFamily="34" charset="0"/>
+                <a:ea typeface="Tahoma" panose="020B0604030504040204" pitchFamily="34" charset="0"/>
+                <a:cs typeface="Tahoma" panose="020B0604030504040204" pitchFamily="34" charset="0"/>
+              </a:rPr>
+              <a:t>Concreted class</a:t>
+            </a:r>
+            <a:endParaRPr lang="en-US" dirty="0">
+              <a:solidFill>
+                <a:schemeClr val="tx1"/>
+              </a:solidFill>
+              <a:latin typeface="Tahoma" panose="020B0604030504040204" pitchFamily="34" charset="0"/>
+              <a:ea typeface="Tahoma" panose="020B0604030504040204" pitchFamily="34" charset="0"/>
+              <a:cs typeface="Tahoma" panose="020B0604030504040204" pitchFamily="34" charset="0"/>
+            </a:endParaRPr>
+          </a:p>
+        </p:txBody>
+      </p:sp>
+      <p:grpSp>
+        <p:nvGrpSpPr>
+          <p:cNvPr id="43" name="Group 42"/>
+          <p:cNvGrpSpPr/>
+          <p:nvPr/>
+        </p:nvGrpSpPr>
+        <p:grpSpPr>
+          <a:xfrm>
+            <a:off x="2594984" y="2143782"/>
+            <a:ext cx="5813454" cy="1536349"/>
+            <a:chOff x="2594984" y="2066508"/>
+            <a:chExt cx="5813454" cy="1536349"/>
+          </a:xfrm>
+        </p:grpSpPr>
+        <p:grpSp>
+          <p:nvGrpSpPr>
+            <p:cNvPr id="40" name="Group 39"/>
+            <p:cNvGrpSpPr/>
+            <p:nvPr/>
+          </p:nvGrpSpPr>
+          <p:grpSpPr>
+            <a:xfrm>
+              <a:off x="2594984" y="2261310"/>
+              <a:ext cx="5813454" cy="1341547"/>
+              <a:chOff x="2594984" y="2261310"/>
+              <a:chExt cx="5813454" cy="1341547"/>
+            </a:xfrm>
+          </p:grpSpPr>
+          <p:cxnSp>
+            <p:nvCxnSpPr>
+              <p:cNvPr id="28" name="Straight Connector 27"/>
+              <p:cNvCxnSpPr/>
+              <p:nvPr/>
+            </p:nvCxnSpPr>
+            <p:spPr>
+              <a:xfrm>
+                <a:off x="5450590" y="2261310"/>
+                <a:ext cx="0" cy="842498"/>
+              </a:xfrm>
+              <a:prstGeom prst="line">
+                <a:avLst/>
+              </a:prstGeom>
+              <a:ln w="28575">
+                <a:solidFill>
+                  <a:schemeClr val="tx1"/>
+                </a:solidFill>
+              </a:ln>
+            </p:spPr>
+            <p:style>
+              <a:lnRef idx="1">
+                <a:schemeClr val="accent1"/>
+              </a:lnRef>
+              <a:fillRef idx="0">
+                <a:schemeClr val="accent1"/>
+              </a:fillRef>
+              <a:effectRef idx="0">
+                <a:schemeClr val="accent1"/>
+              </a:effectRef>
+              <a:fontRef idx="minor">
+                <a:schemeClr val="tx1"/>
+              </a:fontRef>
+            </p:style>
+          </p:cxnSp>
+          <p:cxnSp>
+            <p:nvCxnSpPr>
+              <p:cNvPr id="29" name="Straight Connector 28"/>
+              <p:cNvCxnSpPr/>
+              <p:nvPr/>
+            </p:nvCxnSpPr>
+            <p:spPr>
+              <a:xfrm flipH="1">
+                <a:off x="5450590" y="3103808"/>
+                <a:ext cx="2957848" cy="0"/>
+              </a:xfrm>
+              <a:prstGeom prst="line">
+                <a:avLst/>
+              </a:prstGeom>
+              <a:ln w="28575">
+                <a:solidFill>
+                  <a:schemeClr val="tx1"/>
+                </a:solidFill>
+              </a:ln>
+            </p:spPr>
+            <p:style>
+              <a:lnRef idx="1">
+                <a:schemeClr val="accent1"/>
+              </a:lnRef>
+              <a:fillRef idx="0">
+                <a:schemeClr val="accent1"/>
+              </a:fillRef>
+              <a:effectRef idx="0">
+                <a:schemeClr val="accent1"/>
+              </a:effectRef>
+              <a:fontRef idx="minor">
+                <a:schemeClr val="tx1"/>
+              </a:fontRef>
+            </p:style>
+          </p:cxnSp>
+          <p:cxnSp>
+            <p:nvCxnSpPr>
+              <p:cNvPr id="32" name="Straight Connector 31"/>
+              <p:cNvCxnSpPr/>
+              <p:nvPr/>
+            </p:nvCxnSpPr>
+            <p:spPr>
+              <a:xfrm flipH="1">
+                <a:off x="2602210" y="3103808"/>
+                <a:ext cx="2848380" cy="0"/>
+              </a:xfrm>
+              <a:prstGeom prst="line">
+                <a:avLst/>
+              </a:prstGeom>
+              <a:ln w="28575">
+                <a:solidFill>
+                  <a:schemeClr val="tx1"/>
+                </a:solidFill>
+              </a:ln>
+            </p:spPr>
+            <p:style>
+              <a:lnRef idx="1">
+                <a:schemeClr val="accent1"/>
+              </a:lnRef>
+              <a:fillRef idx="0">
+                <a:schemeClr val="accent1"/>
+              </a:fillRef>
+              <a:effectRef idx="0">
+                <a:schemeClr val="accent1"/>
+              </a:effectRef>
+              <a:fontRef idx="minor">
+                <a:schemeClr val="tx1"/>
+              </a:fontRef>
+            </p:style>
+          </p:cxnSp>
+          <p:cxnSp>
+            <p:nvCxnSpPr>
+              <p:cNvPr id="33" name="Straight Connector 32"/>
+              <p:cNvCxnSpPr/>
+              <p:nvPr/>
+            </p:nvCxnSpPr>
+            <p:spPr>
+              <a:xfrm flipV="1">
+                <a:off x="2594984" y="3103809"/>
+                <a:ext cx="0" cy="499048"/>
+              </a:xfrm>
+              <a:prstGeom prst="line">
+                <a:avLst/>
+              </a:prstGeom>
+              <a:ln w="28575">
+                <a:solidFill>
+                  <a:schemeClr val="tx1"/>
+                </a:solidFill>
+              </a:ln>
+            </p:spPr>
+            <p:style>
+              <a:lnRef idx="1">
+                <a:schemeClr val="accent1"/>
+              </a:lnRef>
+              <a:fillRef idx="0">
+                <a:schemeClr val="accent1"/>
+              </a:fillRef>
+              <a:effectRef idx="0">
+                <a:schemeClr val="accent1"/>
+              </a:effectRef>
+              <a:fontRef idx="minor">
+                <a:schemeClr val="tx1"/>
+              </a:fontRef>
+            </p:style>
+          </p:cxnSp>
+          <p:cxnSp>
+            <p:nvCxnSpPr>
+              <p:cNvPr id="37" name="Straight Connector 36"/>
+              <p:cNvCxnSpPr/>
+              <p:nvPr/>
+            </p:nvCxnSpPr>
+            <p:spPr>
+              <a:xfrm flipV="1">
+                <a:off x="5441895" y="3103809"/>
+                <a:ext cx="0" cy="499048"/>
+              </a:xfrm>
+              <a:prstGeom prst="line">
+                <a:avLst/>
+              </a:prstGeom>
+              <a:ln w="28575">
+                <a:solidFill>
+                  <a:schemeClr val="tx1"/>
+                </a:solidFill>
+              </a:ln>
+            </p:spPr>
+            <p:style>
+              <a:lnRef idx="1">
+                <a:schemeClr val="accent1"/>
+              </a:lnRef>
+              <a:fillRef idx="0">
+                <a:schemeClr val="accent1"/>
+              </a:fillRef>
+              <a:effectRef idx="0">
+                <a:schemeClr val="accent1"/>
+              </a:effectRef>
+              <a:fontRef idx="minor">
+                <a:schemeClr val="tx1"/>
+              </a:fontRef>
+            </p:style>
+          </p:cxnSp>
+          <p:cxnSp>
+            <p:nvCxnSpPr>
+              <p:cNvPr id="38" name="Straight Connector 37"/>
+              <p:cNvCxnSpPr/>
+              <p:nvPr/>
+            </p:nvCxnSpPr>
+            <p:spPr>
+              <a:xfrm flipV="1">
+                <a:off x="8408438" y="3103809"/>
+                <a:ext cx="0" cy="499048"/>
+              </a:xfrm>
+              <a:prstGeom prst="line">
+                <a:avLst/>
+              </a:prstGeom>
+              <a:ln w="28575">
+                <a:solidFill>
+                  <a:schemeClr val="tx1"/>
+                </a:solidFill>
+              </a:ln>
+            </p:spPr>
+            <p:style>
+              <a:lnRef idx="1">
+                <a:schemeClr val="accent1"/>
+              </a:lnRef>
+              <a:fillRef idx="0">
+                <a:schemeClr val="accent1"/>
+              </a:fillRef>
+              <a:effectRef idx="0">
+                <a:schemeClr val="accent1"/>
+              </a:effectRef>
+              <a:fontRef idx="minor">
+                <a:schemeClr val="tx1"/>
+              </a:fontRef>
+            </p:style>
+          </p:cxnSp>
+        </p:grpSp>
+        <p:sp>
+          <p:nvSpPr>
+            <p:cNvPr id="41" name="Isosceles Triangle 40"/>
+            <p:cNvSpPr/>
+            <p:nvPr/>
+          </p:nvSpPr>
+          <p:spPr>
+            <a:xfrm>
+              <a:off x="5325985" y="2066508"/>
+              <a:ext cx="231820" cy="206062"/>
+            </a:xfrm>
+            <a:prstGeom prst="triangle">
+              <a:avLst/>
+            </a:prstGeom>
+            <a:solidFill>
+              <a:schemeClr val="tx1"/>
+            </a:solidFill>
+            <a:ln>
+              <a:solidFill>
+                <a:schemeClr val="tx1"/>
+              </a:solidFill>
+            </a:ln>
+          </p:spPr>
+          <p:style>
+            <a:lnRef idx="2">
+              <a:schemeClr val="accent1">
+                <a:shade val="50000"/>
+              </a:schemeClr>
+            </a:lnRef>
+            <a:fillRef idx="1">
+              <a:schemeClr val="accent1"/>
+            </a:fillRef>
+            <a:effectRef idx="0">
+              <a:schemeClr val="accent1"/>
+            </a:effectRef>
+            <a:fontRef idx="minor">
+              <a:schemeClr val="lt1"/>
+            </a:fontRef>
+          </p:style>
+          <p:txBody>
+            <a:bodyPr rtlCol="0" anchor="ctr"/>
+            <a:lstStyle/>
+            <a:p>
+              <a:pPr algn="ctr"/>
+              <a:endParaRPr lang="en-US"/>
+            </a:p>
+          </p:txBody>
+        </p:sp>
+      </p:grpSp>
+      <p:grpSp>
+        <p:nvGrpSpPr>
+          <p:cNvPr id="56" name="Group 55"/>
+          <p:cNvGrpSpPr/>
+          <p:nvPr/>
+        </p:nvGrpSpPr>
+        <p:grpSpPr>
+          <a:xfrm>
+            <a:off x="2615769" y="550294"/>
+            <a:ext cx="5792669" cy="1906346"/>
+            <a:chOff x="2615769" y="473020"/>
+            <a:chExt cx="5792669" cy="1906346"/>
+          </a:xfrm>
+        </p:grpSpPr>
+        <p:sp>
+          <p:nvSpPr>
+            <p:cNvPr id="42" name="Isosceles Triangle 41"/>
+            <p:cNvSpPr/>
+            <p:nvPr/>
+          </p:nvSpPr>
+          <p:spPr>
+            <a:xfrm>
+              <a:off x="5334680" y="473020"/>
+              <a:ext cx="231820" cy="206062"/>
+            </a:xfrm>
+            <a:prstGeom prst="triangle">
+              <a:avLst/>
+            </a:prstGeom>
+            <a:solidFill>
+              <a:schemeClr val="tx1"/>
+            </a:solidFill>
+            <a:ln>
+              <a:solidFill>
+                <a:schemeClr val="tx1"/>
+              </a:solidFill>
+            </a:ln>
+          </p:spPr>
+          <p:style>
+            <a:lnRef idx="2">
+              <a:schemeClr val="accent1">
+                <a:shade val="50000"/>
+              </a:schemeClr>
+            </a:lnRef>
+            <a:fillRef idx="1">
+              <a:schemeClr val="accent1"/>
+            </a:fillRef>
+            <a:effectRef idx="0">
+              <a:schemeClr val="accent1"/>
+            </a:effectRef>
+            <a:fontRef idx="minor">
+              <a:schemeClr val="lt1"/>
+            </a:fontRef>
+          </p:style>
+          <p:txBody>
+            <a:bodyPr rtlCol="0" anchor="ctr"/>
+            <a:lstStyle/>
+            <a:p>
+              <a:pPr algn="ctr"/>
+              <a:endParaRPr lang="en-US"/>
+            </a:p>
+          </p:txBody>
+        </p:sp>
+        <p:cxnSp>
+          <p:nvCxnSpPr>
+            <p:cNvPr id="44" name="Straight Connector 43"/>
+            <p:cNvCxnSpPr/>
+            <p:nvPr/>
+          </p:nvCxnSpPr>
+          <p:spPr>
+            <a:xfrm>
+              <a:off x="2615769" y="1113076"/>
+              <a:ext cx="0" cy="1266290"/>
+            </a:xfrm>
+            <a:prstGeom prst="line">
+              <a:avLst/>
+            </a:prstGeom>
+            <a:ln w="28575">
+              <a:solidFill>
+                <a:schemeClr val="tx1"/>
+              </a:solidFill>
+            </a:ln>
+          </p:spPr>
+          <p:style>
+            <a:lnRef idx="1">
+              <a:schemeClr val="accent1"/>
+            </a:lnRef>
+            <a:fillRef idx="0">
+              <a:schemeClr val="accent1"/>
+            </a:fillRef>
+            <a:effectRef idx="0">
+              <a:schemeClr val="accent1"/>
+            </a:effectRef>
+            <a:fontRef idx="minor">
+              <a:schemeClr val="tx1"/>
+            </a:fontRef>
+          </p:style>
+        </p:cxnSp>
+        <p:cxnSp>
+          <p:nvCxnSpPr>
+            <p:cNvPr id="46" name="Straight Connector 45"/>
+            <p:cNvCxnSpPr/>
+            <p:nvPr/>
+          </p:nvCxnSpPr>
+          <p:spPr>
+            <a:xfrm>
+              <a:off x="8408438" y="1113076"/>
+              <a:ext cx="0" cy="1148234"/>
+            </a:xfrm>
+            <a:prstGeom prst="line">
+              <a:avLst/>
+            </a:prstGeom>
+            <a:ln w="28575">
+              <a:solidFill>
+                <a:schemeClr val="tx1"/>
+              </a:solidFill>
+            </a:ln>
+          </p:spPr>
+          <p:style>
+            <a:lnRef idx="1">
+              <a:schemeClr val="accent1"/>
+            </a:lnRef>
+            <a:fillRef idx="0">
+              <a:schemeClr val="accent1"/>
+            </a:fillRef>
+            <a:effectRef idx="0">
+              <a:schemeClr val="accent1"/>
+            </a:effectRef>
+            <a:fontRef idx="minor">
+              <a:schemeClr val="tx1"/>
+            </a:fontRef>
+          </p:style>
+        </p:cxnSp>
+        <p:cxnSp>
+          <p:nvCxnSpPr>
+            <p:cNvPr id="48" name="Straight Connector 47"/>
+            <p:cNvCxnSpPr/>
+            <p:nvPr/>
+          </p:nvCxnSpPr>
+          <p:spPr>
+            <a:xfrm>
+              <a:off x="5441895" y="691961"/>
+              <a:ext cx="0" cy="867989"/>
+            </a:xfrm>
+            <a:prstGeom prst="line">
+              <a:avLst/>
+            </a:prstGeom>
+            <a:ln w="28575">
+              <a:solidFill>
+                <a:schemeClr val="tx1"/>
+              </a:solidFill>
+            </a:ln>
+          </p:spPr>
+          <p:style>
+            <a:lnRef idx="1">
+              <a:schemeClr val="accent1"/>
+            </a:lnRef>
+            <a:fillRef idx="0">
+              <a:schemeClr val="accent1"/>
+            </a:fillRef>
+            <a:effectRef idx="0">
+              <a:schemeClr val="accent1"/>
+            </a:effectRef>
+            <a:fontRef idx="minor">
+              <a:schemeClr val="tx1"/>
+            </a:fontRef>
+          </p:style>
+        </p:cxnSp>
+        <p:cxnSp>
+          <p:nvCxnSpPr>
+            <p:cNvPr id="52" name="Straight Connector 51"/>
+            <p:cNvCxnSpPr/>
+            <p:nvPr/>
+          </p:nvCxnSpPr>
+          <p:spPr>
+            <a:xfrm>
+              <a:off x="2615769" y="1113076"/>
+              <a:ext cx="5792669" cy="0"/>
+            </a:xfrm>
+            <a:prstGeom prst="line">
+              <a:avLst/>
+            </a:prstGeom>
+            <a:ln w="28575">
+              <a:solidFill>
+                <a:schemeClr val="tx1"/>
+              </a:solidFill>
+            </a:ln>
+          </p:spPr>
+          <p:style>
+            <a:lnRef idx="1">
+              <a:schemeClr val="accent1"/>
+            </a:lnRef>
+            <a:fillRef idx="0">
+              <a:schemeClr val="accent1"/>
+            </a:fillRef>
+            <a:effectRef idx="0">
+              <a:schemeClr val="accent1"/>
+            </a:effectRef>
+            <a:fontRef idx="minor">
+              <a:schemeClr val="tx1"/>
+            </a:fontRef>
+          </p:style>
+        </p:cxnSp>
+      </p:grpSp>
+    </p:spTree>
+    <p:extLst>
+      <p:ext uri="{BB962C8B-B14F-4D97-AF65-F5344CB8AC3E}">
+        <p14:creationId xmlns:p14="http://schemas.microsoft.com/office/powerpoint/2010/main" val="2941586299"/>
       </p:ext>
     </p:extLst>
   </p:cSld>

--- a/_BaoCao/quocdunginfo/model.pptx
+++ b/_BaoCao/quocdunginfo/model.pptx
@@ -9,6 +9,8 @@
     <p:sldId id="257" r:id="rId3"/>
     <p:sldId id="258" r:id="rId4"/>
     <p:sldId id="259" r:id="rId5"/>
+    <p:sldId id="260" r:id="rId6"/>
+    <p:sldId id="261" r:id="rId7"/>
   </p:sldIdLst>
   <p:sldSz cx="12192000" cy="6858000"/>
   <p:notesSz cx="6858000" cy="9144000"/>
@@ -246,7 +248,7 @@
           <a:p>
             <a:fld id="{AB78E5E6-0990-4F48-9424-E063849A9480}" type="datetimeFigureOut">
               <a:rPr lang="en-US" smtClean="0"/>
-              <a:t>9/23/2014</a:t>
+              <a:t>9/29/2014</a:t>
             </a:fld>
             <a:endParaRPr lang="en-US"/>
           </a:p>
@@ -416,7 +418,7 @@
           <a:p>
             <a:fld id="{AB78E5E6-0990-4F48-9424-E063849A9480}" type="datetimeFigureOut">
               <a:rPr lang="en-US" smtClean="0"/>
-              <a:t>9/23/2014</a:t>
+              <a:t>9/29/2014</a:t>
             </a:fld>
             <a:endParaRPr lang="en-US"/>
           </a:p>
@@ -596,7 +598,7 @@
           <a:p>
             <a:fld id="{AB78E5E6-0990-4F48-9424-E063849A9480}" type="datetimeFigureOut">
               <a:rPr lang="en-US" smtClean="0"/>
-              <a:t>9/23/2014</a:t>
+              <a:t>9/29/2014</a:t>
             </a:fld>
             <a:endParaRPr lang="en-US"/>
           </a:p>
@@ -766,7 +768,7 @@
           <a:p>
             <a:fld id="{AB78E5E6-0990-4F48-9424-E063849A9480}" type="datetimeFigureOut">
               <a:rPr lang="en-US" smtClean="0"/>
-              <a:t>9/23/2014</a:t>
+              <a:t>9/29/2014</a:t>
             </a:fld>
             <a:endParaRPr lang="en-US"/>
           </a:p>
@@ -1012,7 +1014,7 @@
           <a:p>
             <a:fld id="{AB78E5E6-0990-4F48-9424-E063849A9480}" type="datetimeFigureOut">
               <a:rPr lang="en-US" smtClean="0"/>
-              <a:t>9/23/2014</a:t>
+              <a:t>9/29/2014</a:t>
             </a:fld>
             <a:endParaRPr lang="en-US"/>
           </a:p>
@@ -1244,7 +1246,7 @@
           <a:p>
             <a:fld id="{AB78E5E6-0990-4F48-9424-E063849A9480}" type="datetimeFigureOut">
               <a:rPr lang="en-US" smtClean="0"/>
-              <a:t>9/23/2014</a:t>
+              <a:t>9/29/2014</a:t>
             </a:fld>
             <a:endParaRPr lang="en-US"/>
           </a:p>
@@ -1611,7 +1613,7 @@
           <a:p>
             <a:fld id="{AB78E5E6-0990-4F48-9424-E063849A9480}" type="datetimeFigureOut">
               <a:rPr lang="en-US" smtClean="0"/>
-              <a:t>9/23/2014</a:t>
+              <a:t>9/29/2014</a:t>
             </a:fld>
             <a:endParaRPr lang="en-US"/>
           </a:p>
@@ -1729,7 +1731,7 @@
           <a:p>
             <a:fld id="{AB78E5E6-0990-4F48-9424-E063849A9480}" type="datetimeFigureOut">
               <a:rPr lang="en-US" smtClean="0"/>
-              <a:t>9/23/2014</a:t>
+              <a:t>9/29/2014</a:t>
             </a:fld>
             <a:endParaRPr lang="en-US"/>
           </a:p>
@@ -1824,7 +1826,7 @@
           <a:p>
             <a:fld id="{AB78E5E6-0990-4F48-9424-E063849A9480}" type="datetimeFigureOut">
               <a:rPr lang="en-US" smtClean="0"/>
-              <a:t>9/23/2014</a:t>
+              <a:t>9/29/2014</a:t>
             </a:fld>
             <a:endParaRPr lang="en-US"/>
           </a:p>
@@ -2101,7 +2103,7 @@
           <a:p>
             <a:fld id="{AB78E5E6-0990-4F48-9424-E063849A9480}" type="datetimeFigureOut">
               <a:rPr lang="en-US" smtClean="0"/>
-              <a:t>9/23/2014</a:t>
+              <a:t>9/29/2014</a:t>
             </a:fld>
             <a:endParaRPr lang="en-US"/>
           </a:p>
@@ -2354,7 +2356,7 @@
           <a:p>
             <a:fld id="{AB78E5E6-0990-4F48-9424-E063849A9480}" type="datetimeFigureOut">
               <a:rPr lang="en-US" smtClean="0"/>
-              <a:t>9/23/2014</a:t>
+              <a:t>9/29/2014</a:t>
             </a:fld>
             <a:endParaRPr lang="en-US"/>
           </a:p>
@@ -2567,7 +2569,7 @@
           <a:p>
             <a:fld id="{AB78E5E6-0990-4F48-9424-E063849A9480}" type="datetimeFigureOut">
               <a:rPr lang="en-US" smtClean="0"/>
-              <a:t>9/23/2014</a:t>
+              <a:t>9/29/2014</a:t>
             </a:fld>
             <a:endParaRPr lang="en-US"/>
           </a:p>
@@ -7420,6 +7422,1764 @@
 </p:sld>
 </file>
 
+<file path=ppt/slides/slide5.xml><?xml version="1.0" encoding="utf-8"?>
+<p:sld xmlns:a="http://schemas.openxmlformats.org/drawingml/2006/main" xmlns:r="http://schemas.openxmlformats.org/officeDocument/2006/relationships" xmlns:p="http://schemas.openxmlformats.org/presentationml/2006/main">
+  <p:cSld>
+    <p:spTree>
+      <p:nvGrpSpPr>
+        <p:cNvPr id="1" name=""/>
+        <p:cNvGrpSpPr/>
+        <p:nvPr/>
+      </p:nvGrpSpPr>
+      <p:grpSpPr>
+        <a:xfrm>
+          <a:off x="0" y="0"/>
+          <a:ext cx="0" cy="0"/>
+          <a:chOff x="0" y="0"/>
+          <a:chExt cx="0" cy="0"/>
+        </a:xfrm>
+      </p:grpSpPr>
+      <p:sp>
+        <p:nvSpPr>
+          <p:cNvPr id="4" name="Rectangle 3"/>
+          <p:cNvSpPr/>
+          <p:nvPr/>
+        </p:nvSpPr>
+        <p:spPr>
+          <a:xfrm>
+            <a:off x="815930" y="2110640"/>
+            <a:ext cx="916743" cy="491544"/>
+          </a:xfrm>
+          <a:prstGeom prst="rect">
+            <a:avLst/>
+          </a:prstGeom>
+          <a:noFill/>
+          <a:ln>
+            <a:solidFill>
+              <a:schemeClr val="tx1"/>
+            </a:solidFill>
+          </a:ln>
+        </p:spPr>
+        <p:style>
+          <a:lnRef idx="2">
+            <a:schemeClr val="accent1">
+              <a:shade val="50000"/>
+            </a:schemeClr>
+          </a:lnRef>
+          <a:fillRef idx="1">
+            <a:schemeClr val="accent1"/>
+          </a:fillRef>
+          <a:effectRef idx="0">
+            <a:schemeClr val="accent1"/>
+          </a:effectRef>
+          <a:fontRef idx="minor">
+            <a:schemeClr val="lt1"/>
+          </a:fontRef>
+        </p:style>
+        <p:txBody>
+          <a:bodyPr rtlCol="0" anchor="ctr"/>
+          <a:lstStyle/>
+          <a:p>
+            <a:pPr algn="ctr"/>
+            <a:r>
+              <a:rPr lang="en-US" dirty="0" smtClean="0">
+                <a:solidFill>
+                  <a:schemeClr val="tx1"/>
+                </a:solidFill>
+                <a:latin typeface="Tahoma" panose="020B0604030504040204" pitchFamily="34" charset="0"/>
+                <a:ea typeface="Tahoma" panose="020B0604030504040204" pitchFamily="34" charset="0"/>
+                <a:cs typeface="Tahoma" panose="020B0604030504040204" pitchFamily="34" charset="0"/>
+              </a:rPr>
+              <a:t>View</a:t>
+            </a:r>
+            <a:endParaRPr lang="en-US" dirty="0">
+              <a:solidFill>
+                <a:schemeClr val="tx1"/>
+              </a:solidFill>
+              <a:latin typeface="Tahoma" panose="020B0604030504040204" pitchFamily="34" charset="0"/>
+              <a:ea typeface="Tahoma" panose="020B0604030504040204" pitchFamily="34" charset="0"/>
+              <a:cs typeface="Tahoma" panose="020B0604030504040204" pitchFamily="34" charset="0"/>
+            </a:endParaRPr>
+          </a:p>
+        </p:txBody>
+      </p:sp>
+      <p:sp>
+        <p:nvSpPr>
+          <p:cNvPr id="5" name="Rectangle 4"/>
+          <p:cNvSpPr/>
+          <p:nvPr/>
+        </p:nvSpPr>
+        <p:spPr>
+          <a:xfrm>
+            <a:off x="2881537" y="2110640"/>
+            <a:ext cx="858128" cy="491544"/>
+          </a:xfrm>
+          <a:prstGeom prst="rect">
+            <a:avLst/>
+          </a:prstGeom>
+          <a:noFill/>
+          <a:ln>
+            <a:solidFill>
+              <a:schemeClr val="tx1"/>
+            </a:solidFill>
+          </a:ln>
+        </p:spPr>
+        <p:style>
+          <a:lnRef idx="2">
+            <a:schemeClr val="accent1">
+              <a:shade val="50000"/>
+            </a:schemeClr>
+          </a:lnRef>
+          <a:fillRef idx="1">
+            <a:schemeClr val="accent1"/>
+          </a:fillRef>
+          <a:effectRef idx="0">
+            <a:schemeClr val="accent1"/>
+          </a:effectRef>
+          <a:fontRef idx="minor">
+            <a:schemeClr val="lt1"/>
+          </a:fontRef>
+        </p:style>
+        <p:txBody>
+          <a:bodyPr rtlCol="0" anchor="ctr"/>
+          <a:lstStyle/>
+          <a:p>
+            <a:pPr algn="ctr"/>
+            <a:r>
+              <a:rPr lang="en-US" dirty="0" smtClean="0">
+                <a:solidFill>
+                  <a:schemeClr val="tx1"/>
+                </a:solidFill>
+                <a:latin typeface="Tahoma" panose="020B0604030504040204" pitchFamily="34" charset="0"/>
+                <a:ea typeface="Tahoma" panose="020B0604030504040204" pitchFamily="34" charset="0"/>
+                <a:cs typeface="Tahoma" panose="020B0604030504040204" pitchFamily="34" charset="0"/>
+              </a:rPr>
+              <a:t>Model</a:t>
+            </a:r>
+            <a:endParaRPr lang="en-US" dirty="0">
+              <a:solidFill>
+                <a:schemeClr val="tx1"/>
+              </a:solidFill>
+              <a:latin typeface="Tahoma" panose="020B0604030504040204" pitchFamily="34" charset="0"/>
+              <a:ea typeface="Tahoma" panose="020B0604030504040204" pitchFamily="34" charset="0"/>
+              <a:cs typeface="Tahoma" panose="020B0604030504040204" pitchFamily="34" charset="0"/>
+            </a:endParaRPr>
+          </a:p>
+        </p:txBody>
+      </p:sp>
+      <p:sp>
+        <p:nvSpPr>
+          <p:cNvPr id="6" name="Rectangle 5"/>
+          <p:cNvSpPr/>
+          <p:nvPr/>
+        </p:nvSpPr>
+        <p:spPr>
+          <a:xfrm>
+            <a:off x="1732673" y="3804794"/>
+            <a:ext cx="1174650" cy="491544"/>
+          </a:xfrm>
+          <a:prstGeom prst="rect">
+            <a:avLst/>
+          </a:prstGeom>
+          <a:noFill/>
+          <a:ln>
+            <a:solidFill>
+              <a:schemeClr val="tx1"/>
+            </a:solidFill>
+          </a:ln>
+        </p:spPr>
+        <p:style>
+          <a:lnRef idx="2">
+            <a:schemeClr val="accent1">
+              <a:shade val="50000"/>
+            </a:schemeClr>
+          </a:lnRef>
+          <a:fillRef idx="1">
+            <a:schemeClr val="accent1"/>
+          </a:fillRef>
+          <a:effectRef idx="0">
+            <a:schemeClr val="accent1"/>
+          </a:effectRef>
+          <a:fontRef idx="minor">
+            <a:schemeClr val="lt1"/>
+          </a:fontRef>
+        </p:style>
+        <p:txBody>
+          <a:bodyPr rtlCol="0" anchor="ctr"/>
+          <a:lstStyle/>
+          <a:p>
+            <a:pPr algn="ctr"/>
+            <a:r>
+              <a:rPr lang="en-US" dirty="0" smtClean="0">
+                <a:solidFill>
+                  <a:schemeClr val="tx1"/>
+                </a:solidFill>
+                <a:latin typeface="Tahoma" panose="020B0604030504040204" pitchFamily="34" charset="0"/>
+                <a:ea typeface="Tahoma" panose="020B0604030504040204" pitchFamily="34" charset="0"/>
+                <a:cs typeface="Tahoma" panose="020B0604030504040204" pitchFamily="34" charset="0"/>
+              </a:rPr>
+              <a:t>Presenter</a:t>
+            </a:r>
+            <a:endParaRPr lang="en-US" dirty="0">
+              <a:solidFill>
+                <a:schemeClr val="tx1"/>
+              </a:solidFill>
+              <a:latin typeface="Tahoma" panose="020B0604030504040204" pitchFamily="34" charset="0"/>
+              <a:ea typeface="Tahoma" panose="020B0604030504040204" pitchFamily="34" charset="0"/>
+              <a:cs typeface="Tahoma" panose="020B0604030504040204" pitchFamily="34" charset="0"/>
+            </a:endParaRPr>
+          </a:p>
+        </p:txBody>
+      </p:sp>
+      <p:sp>
+        <p:nvSpPr>
+          <p:cNvPr id="9" name="Rectangle 8"/>
+          <p:cNvSpPr/>
+          <p:nvPr/>
+        </p:nvSpPr>
+        <p:spPr>
+          <a:xfrm>
+            <a:off x="1732673" y="323040"/>
+            <a:ext cx="1174650" cy="491544"/>
+          </a:xfrm>
+          <a:prstGeom prst="rect">
+            <a:avLst/>
+          </a:prstGeom>
+          <a:noFill/>
+          <a:ln>
+            <a:solidFill>
+              <a:schemeClr val="tx1"/>
+            </a:solidFill>
+          </a:ln>
+        </p:spPr>
+        <p:style>
+          <a:lnRef idx="2">
+            <a:schemeClr val="accent1">
+              <a:shade val="50000"/>
+            </a:schemeClr>
+          </a:lnRef>
+          <a:fillRef idx="1">
+            <a:schemeClr val="accent1"/>
+          </a:fillRef>
+          <a:effectRef idx="0">
+            <a:schemeClr val="accent1"/>
+          </a:effectRef>
+          <a:fontRef idx="minor">
+            <a:schemeClr val="lt1"/>
+          </a:fontRef>
+        </p:style>
+        <p:txBody>
+          <a:bodyPr rtlCol="0" anchor="ctr"/>
+          <a:lstStyle/>
+          <a:p>
+            <a:pPr algn="ctr"/>
+            <a:r>
+              <a:rPr lang="en-US" dirty="0" smtClean="0">
+                <a:solidFill>
+                  <a:schemeClr val="tx1"/>
+                </a:solidFill>
+                <a:latin typeface="Tahoma" panose="020B0604030504040204" pitchFamily="34" charset="0"/>
+                <a:ea typeface="Tahoma" panose="020B0604030504040204" pitchFamily="34" charset="0"/>
+                <a:cs typeface="Tahoma" panose="020B0604030504040204" pitchFamily="34" charset="0"/>
+              </a:rPr>
+              <a:t>Presenter</a:t>
+            </a:r>
+            <a:endParaRPr lang="en-US" dirty="0">
+              <a:solidFill>
+                <a:schemeClr val="tx1"/>
+              </a:solidFill>
+              <a:latin typeface="Tahoma" panose="020B0604030504040204" pitchFamily="34" charset="0"/>
+              <a:ea typeface="Tahoma" panose="020B0604030504040204" pitchFamily="34" charset="0"/>
+              <a:cs typeface="Tahoma" panose="020B0604030504040204" pitchFamily="34" charset="0"/>
+            </a:endParaRPr>
+          </a:p>
+        </p:txBody>
+      </p:sp>
+      <p:sp>
+        <p:nvSpPr>
+          <p:cNvPr id="10" name="Rectangle 9"/>
+          <p:cNvSpPr/>
+          <p:nvPr/>
+        </p:nvSpPr>
+        <p:spPr>
+          <a:xfrm>
+            <a:off x="4914315" y="2110640"/>
+            <a:ext cx="916743" cy="491544"/>
+          </a:xfrm>
+          <a:prstGeom prst="rect">
+            <a:avLst/>
+          </a:prstGeom>
+          <a:noFill/>
+          <a:ln>
+            <a:solidFill>
+              <a:schemeClr val="tx1"/>
+            </a:solidFill>
+          </a:ln>
+        </p:spPr>
+        <p:style>
+          <a:lnRef idx="2">
+            <a:schemeClr val="accent1">
+              <a:shade val="50000"/>
+            </a:schemeClr>
+          </a:lnRef>
+          <a:fillRef idx="1">
+            <a:schemeClr val="accent1"/>
+          </a:fillRef>
+          <a:effectRef idx="0">
+            <a:schemeClr val="accent1"/>
+          </a:effectRef>
+          <a:fontRef idx="minor">
+            <a:schemeClr val="lt1"/>
+          </a:fontRef>
+        </p:style>
+        <p:txBody>
+          <a:bodyPr rtlCol="0" anchor="ctr"/>
+          <a:lstStyle/>
+          <a:p>
+            <a:pPr algn="ctr"/>
+            <a:r>
+              <a:rPr lang="en-US" dirty="0" smtClean="0">
+                <a:solidFill>
+                  <a:schemeClr val="tx1"/>
+                </a:solidFill>
+                <a:latin typeface="Tahoma" panose="020B0604030504040204" pitchFamily="34" charset="0"/>
+                <a:ea typeface="Tahoma" panose="020B0604030504040204" pitchFamily="34" charset="0"/>
+                <a:cs typeface="Tahoma" panose="020B0604030504040204" pitchFamily="34" charset="0"/>
+              </a:rPr>
+              <a:t>View</a:t>
+            </a:r>
+            <a:endParaRPr lang="en-US" dirty="0">
+              <a:solidFill>
+                <a:schemeClr val="tx1"/>
+              </a:solidFill>
+              <a:latin typeface="Tahoma" panose="020B0604030504040204" pitchFamily="34" charset="0"/>
+              <a:ea typeface="Tahoma" panose="020B0604030504040204" pitchFamily="34" charset="0"/>
+              <a:cs typeface="Tahoma" panose="020B0604030504040204" pitchFamily="34" charset="0"/>
+            </a:endParaRPr>
+          </a:p>
+        </p:txBody>
+      </p:sp>
+      <p:sp>
+        <p:nvSpPr>
+          <p:cNvPr id="12" name="Rectangle 11"/>
+          <p:cNvSpPr/>
+          <p:nvPr/>
+        </p:nvSpPr>
+        <p:spPr>
+          <a:xfrm>
+            <a:off x="3739665" y="3804794"/>
+            <a:ext cx="1174650" cy="491544"/>
+          </a:xfrm>
+          <a:prstGeom prst="rect">
+            <a:avLst/>
+          </a:prstGeom>
+          <a:noFill/>
+          <a:ln>
+            <a:solidFill>
+              <a:schemeClr val="tx1"/>
+            </a:solidFill>
+          </a:ln>
+        </p:spPr>
+        <p:style>
+          <a:lnRef idx="2">
+            <a:schemeClr val="accent1">
+              <a:shade val="50000"/>
+            </a:schemeClr>
+          </a:lnRef>
+          <a:fillRef idx="1">
+            <a:schemeClr val="accent1"/>
+          </a:fillRef>
+          <a:effectRef idx="0">
+            <a:schemeClr val="accent1"/>
+          </a:effectRef>
+          <a:fontRef idx="minor">
+            <a:schemeClr val="lt1"/>
+          </a:fontRef>
+        </p:style>
+        <p:txBody>
+          <a:bodyPr rtlCol="0" anchor="ctr"/>
+          <a:lstStyle/>
+          <a:p>
+            <a:pPr algn="ctr"/>
+            <a:r>
+              <a:rPr lang="en-US" dirty="0" smtClean="0">
+                <a:solidFill>
+                  <a:schemeClr val="tx1"/>
+                </a:solidFill>
+                <a:latin typeface="Tahoma" panose="020B0604030504040204" pitchFamily="34" charset="0"/>
+                <a:ea typeface="Tahoma" panose="020B0604030504040204" pitchFamily="34" charset="0"/>
+                <a:cs typeface="Tahoma" panose="020B0604030504040204" pitchFamily="34" charset="0"/>
+              </a:rPr>
+              <a:t>Presenter</a:t>
+            </a:r>
+            <a:endParaRPr lang="en-US" dirty="0">
+              <a:solidFill>
+                <a:schemeClr val="tx1"/>
+              </a:solidFill>
+              <a:latin typeface="Tahoma" panose="020B0604030504040204" pitchFamily="34" charset="0"/>
+              <a:ea typeface="Tahoma" panose="020B0604030504040204" pitchFamily="34" charset="0"/>
+              <a:cs typeface="Tahoma" panose="020B0604030504040204" pitchFamily="34" charset="0"/>
+            </a:endParaRPr>
+          </a:p>
+        </p:txBody>
+      </p:sp>
+      <p:cxnSp>
+        <p:nvCxnSpPr>
+          <p:cNvPr id="19" name="Straight Arrow Connector 18"/>
+          <p:cNvCxnSpPr>
+            <a:stCxn id="4" idx="3"/>
+            <a:endCxn id="5" idx="1"/>
+          </p:cNvCxnSpPr>
+          <p:nvPr/>
+        </p:nvCxnSpPr>
+        <p:spPr>
+          <a:xfrm>
+            <a:off x="1732673" y="2356412"/>
+            <a:ext cx="1148864" cy="0"/>
+          </a:xfrm>
+          <a:prstGeom prst="straightConnector1">
+            <a:avLst/>
+          </a:prstGeom>
+          <a:ln w="28575">
+            <a:solidFill>
+              <a:schemeClr val="tx1"/>
+            </a:solidFill>
+            <a:headEnd type="none" w="med" len="med"/>
+            <a:tailEnd type="arrow" w="med" len="med"/>
+          </a:ln>
+        </p:spPr>
+        <p:style>
+          <a:lnRef idx="1">
+            <a:schemeClr val="accent1"/>
+          </a:lnRef>
+          <a:fillRef idx="0">
+            <a:schemeClr val="accent1"/>
+          </a:fillRef>
+          <a:effectRef idx="0">
+            <a:schemeClr val="accent1"/>
+          </a:effectRef>
+          <a:fontRef idx="minor">
+            <a:schemeClr val="tx1"/>
+          </a:fontRef>
+        </p:style>
+      </p:cxnSp>
+      <p:cxnSp>
+        <p:nvCxnSpPr>
+          <p:cNvPr id="22" name="Straight Arrow Connector 21"/>
+          <p:cNvCxnSpPr>
+            <a:stCxn id="6" idx="0"/>
+            <a:endCxn id="5" idx="2"/>
+          </p:cNvCxnSpPr>
+          <p:nvPr/>
+        </p:nvCxnSpPr>
+        <p:spPr>
+          <a:xfrm flipV="1">
+            <a:off x="2319998" y="2602184"/>
+            <a:ext cx="990603" cy="1202610"/>
+          </a:xfrm>
+          <a:prstGeom prst="straightConnector1">
+            <a:avLst/>
+          </a:prstGeom>
+          <a:ln w="28575">
+            <a:solidFill>
+              <a:schemeClr val="tx1"/>
+            </a:solidFill>
+            <a:headEnd type="none" w="med" len="med"/>
+            <a:tailEnd type="arrow" w="med" len="med"/>
+          </a:ln>
+        </p:spPr>
+        <p:style>
+          <a:lnRef idx="1">
+            <a:schemeClr val="accent1"/>
+          </a:lnRef>
+          <a:fillRef idx="0">
+            <a:schemeClr val="accent1"/>
+          </a:fillRef>
+          <a:effectRef idx="0">
+            <a:schemeClr val="accent1"/>
+          </a:effectRef>
+          <a:fontRef idx="minor">
+            <a:schemeClr val="tx1"/>
+          </a:fontRef>
+        </p:style>
+      </p:cxnSp>
+      <p:cxnSp>
+        <p:nvCxnSpPr>
+          <p:cNvPr id="25" name="Straight Arrow Connector 24"/>
+          <p:cNvCxnSpPr>
+            <a:endCxn id="6" idx="0"/>
+          </p:cNvCxnSpPr>
+          <p:nvPr/>
+        </p:nvCxnSpPr>
+        <p:spPr>
+          <a:xfrm>
+            <a:off x="1411464" y="2602184"/>
+            <a:ext cx="908534" cy="1202610"/>
+          </a:xfrm>
+          <a:prstGeom prst="straightConnector1">
+            <a:avLst/>
+          </a:prstGeom>
+          <a:ln w="28575">
+            <a:solidFill>
+              <a:schemeClr val="tx1"/>
+            </a:solidFill>
+            <a:headEnd type="none" w="med" len="med"/>
+            <a:tailEnd type="arrow" w="med" len="med"/>
+          </a:ln>
+        </p:spPr>
+        <p:style>
+          <a:lnRef idx="1">
+            <a:schemeClr val="accent1"/>
+          </a:lnRef>
+          <a:fillRef idx="0">
+            <a:schemeClr val="accent1"/>
+          </a:fillRef>
+          <a:effectRef idx="0">
+            <a:schemeClr val="accent1"/>
+          </a:effectRef>
+          <a:fontRef idx="minor">
+            <a:schemeClr val="tx1"/>
+          </a:fontRef>
+        </p:style>
+      </p:cxnSp>
+      <p:cxnSp>
+        <p:nvCxnSpPr>
+          <p:cNvPr id="28" name="Straight Arrow Connector 27"/>
+          <p:cNvCxnSpPr/>
+          <p:nvPr/>
+        </p:nvCxnSpPr>
+        <p:spPr>
+          <a:xfrm flipH="1" flipV="1">
+            <a:off x="815931" y="2602184"/>
+            <a:ext cx="942528" cy="1202610"/>
+          </a:xfrm>
+          <a:prstGeom prst="straightConnector1">
+            <a:avLst/>
+          </a:prstGeom>
+          <a:ln w="28575">
+            <a:solidFill>
+              <a:schemeClr val="tx1"/>
+            </a:solidFill>
+            <a:headEnd type="none" w="med" len="med"/>
+            <a:tailEnd type="arrow" w="med" len="med"/>
+          </a:ln>
+        </p:spPr>
+        <p:style>
+          <a:lnRef idx="1">
+            <a:schemeClr val="accent1"/>
+          </a:lnRef>
+          <a:fillRef idx="0">
+            <a:schemeClr val="accent1"/>
+          </a:fillRef>
+          <a:effectRef idx="0">
+            <a:schemeClr val="accent1"/>
+          </a:effectRef>
+          <a:fontRef idx="minor">
+            <a:schemeClr val="tx1"/>
+          </a:fontRef>
+        </p:style>
+      </p:cxnSp>
+      <p:sp>
+        <p:nvSpPr>
+          <p:cNvPr id="33" name="Rectangle 32"/>
+          <p:cNvSpPr/>
+          <p:nvPr/>
+        </p:nvSpPr>
+        <p:spPr>
+          <a:xfrm rot="18544129">
+            <a:off x="2329625" y="3080433"/>
+            <a:ext cx="1256399" cy="373489"/>
+          </a:xfrm>
+          <a:prstGeom prst="rect">
+            <a:avLst/>
+          </a:prstGeom>
+          <a:noFill/>
+          <a:ln>
+            <a:noFill/>
+            <a:prstDash val="dash"/>
+          </a:ln>
+        </p:spPr>
+        <p:style>
+          <a:lnRef idx="2">
+            <a:schemeClr val="accent1">
+              <a:shade val="50000"/>
+            </a:schemeClr>
+          </a:lnRef>
+          <a:fillRef idx="1">
+            <a:schemeClr val="accent1"/>
+          </a:fillRef>
+          <a:effectRef idx="0">
+            <a:schemeClr val="accent1"/>
+          </a:effectRef>
+          <a:fontRef idx="minor">
+            <a:schemeClr val="lt1"/>
+          </a:fontRef>
+        </p:style>
+        <p:txBody>
+          <a:bodyPr rtlCol="0" anchor="ctr"/>
+          <a:lstStyle/>
+          <a:p>
+            <a:pPr algn="ctr"/>
+            <a:r>
+              <a:rPr lang="en-US" sz="1400" dirty="0" smtClean="0">
+                <a:solidFill>
+                  <a:schemeClr val="tx1"/>
+                </a:solidFill>
+                <a:latin typeface="Tahoma" panose="020B0604030504040204" pitchFamily="34" charset="0"/>
+                <a:ea typeface="Tahoma" panose="020B0604030504040204" pitchFamily="34" charset="0"/>
+                <a:cs typeface="Tahoma" panose="020B0604030504040204" pitchFamily="34" charset="0"/>
+              </a:rPr>
+              <a:t>Data request</a:t>
+            </a:r>
+            <a:endParaRPr lang="en-US" sz="1400" dirty="0">
+              <a:solidFill>
+                <a:schemeClr val="tx1"/>
+              </a:solidFill>
+              <a:latin typeface="Tahoma" panose="020B0604030504040204" pitchFamily="34" charset="0"/>
+              <a:ea typeface="Tahoma" panose="020B0604030504040204" pitchFamily="34" charset="0"/>
+              <a:cs typeface="Tahoma" panose="020B0604030504040204" pitchFamily="34" charset="0"/>
+            </a:endParaRPr>
+          </a:p>
+        </p:txBody>
+      </p:sp>
+      <p:sp>
+        <p:nvSpPr>
+          <p:cNvPr id="35" name="Rectangle 34"/>
+          <p:cNvSpPr/>
+          <p:nvPr/>
+        </p:nvSpPr>
+        <p:spPr>
+          <a:xfrm>
+            <a:off x="1650924" y="1971121"/>
+            <a:ext cx="1256399" cy="373489"/>
+          </a:xfrm>
+          <a:prstGeom prst="rect">
+            <a:avLst/>
+          </a:prstGeom>
+          <a:noFill/>
+          <a:ln>
+            <a:noFill/>
+            <a:prstDash val="dash"/>
+          </a:ln>
+        </p:spPr>
+        <p:style>
+          <a:lnRef idx="2">
+            <a:schemeClr val="accent1">
+              <a:shade val="50000"/>
+            </a:schemeClr>
+          </a:lnRef>
+          <a:fillRef idx="1">
+            <a:schemeClr val="accent1"/>
+          </a:fillRef>
+          <a:effectRef idx="0">
+            <a:schemeClr val="accent1"/>
+          </a:effectRef>
+          <a:fontRef idx="minor">
+            <a:schemeClr val="lt1"/>
+          </a:fontRef>
+        </p:style>
+        <p:txBody>
+          <a:bodyPr rtlCol="0" anchor="ctr"/>
+          <a:lstStyle/>
+          <a:p>
+            <a:pPr algn="ctr"/>
+            <a:r>
+              <a:rPr lang="en-US" sz="1400" dirty="0" smtClean="0">
+                <a:solidFill>
+                  <a:schemeClr val="tx1"/>
+                </a:solidFill>
+                <a:latin typeface="Tahoma" panose="020B0604030504040204" pitchFamily="34" charset="0"/>
+                <a:ea typeface="Tahoma" panose="020B0604030504040204" pitchFamily="34" charset="0"/>
+                <a:cs typeface="Tahoma" panose="020B0604030504040204" pitchFamily="34" charset="0"/>
+              </a:rPr>
+              <a:t>Data biding</a:t>
+            </a:r>
+            <a:endParaRPr lang="en-US" sz="1400" dirty="0">
+              <a:solidFill>
+                <a:schemeClr val="tx1"/>
+              </a:solidFill>
+              <a:latin typeface="Tahoma" panose="020B0604030504040204" pitchFamily="34" charset="0"/>
+              <a:ea typeface="Tahoma" panose="020B0604030504040204" pitchFamily="34" charset="0"/>
+              <a:cs typeface="Tahoma" panose="020B0604030504040204" pitchFamily="34" charset="0"/>
+            </a:endParaRPr>
+          </a:p>
+        </p:txBody>
+      </p:sp>
+      <p:sp>
+        <p:nvSpPr>
+          <p:cNvPr id="36" name="Rectangle 35"/>
+          <p:cNvSpPr/>
+          <p:nvPr/>
+        </p:nvSpPr>
+        <p:spPr>
+          <a:xfrm rot="3198644">
+            <a:off x="1340691" y="2904637"/>
+            <a:ext cx="1256399" cy="373489"/>
+          </a:xfrm>
+          <a:prstGeom prst="rect">
+            <a:avLst/>
+          </a:prstGeom>
+          <a:noFill/>
+          <a:ln>
+            <a:noFill/>
+            <a:prstDash val="dash"/>
+          </a:ln>
+        </p:spPr>
+        <p:style>
+          <a:lnRef idx="2">
+            <a:schemeClr val="accent1">
+              <a:shade val="50000"/>
+            </a:schemeClr>
+          </a:lnRef>
+          <a:fillRef idx="1">
+            <a:schemeClr val="accent1"/>
+          </a:fillRef>
+          <a:effectRef idx="0">
+            <a:schemeClr val="accent1"/>
+          </a:effectRef>
+          <a:fontRef idx="minor">
+            <a:schemeClr val="lt1"/>
+          </a:fontRef>
+        </p:style>
+        <p:txBody>
+          <a:bodyPr rtlCol="0" anchor="ctr"/>
+          <a:lstStyle/>
+          <a:p>
+            <a:pPr algn="ctr"/>
+            <a:r>
+              <a:rPr lang="en-US" sz="1400" dirty="0" smtClean="0">
+                <a:solidFill>
+                  <a:schemeClr val="tx1"/>
+                </a:solidFill>
+                <a:latin typeface="Tahoma" panose="020B0604030504040204" pitchFamily="34" charset="0"/>
+                <a:ea typeface="Tahoma" panose="020B0604030504040204" pitchFamily="34" charset="0"/>
+                <a:cs typeface="Tahoma" panose="020B0604030504040204" pitchFamily="34" charset="0"/>
+              </a:rPr>
+              <a:t>Fire event</a:t>
+            </a:r>
+            <a:endParaRPr lang="en-US" sz="1400" dirty="0">
+              <a:solidFill>
+                <a:schemeClr val="tx1"/>
+              </a:solidFill>
+              <a:latin typeface="Tahoma" panose="020B0604030504040204" pitchFamily="34" charset="0"/>
+              <a:ea typeface="Tahoma" panose="020B0604030504040204" pitchFamily="34" charset="0"/>
+              <a:cs typeface="Tahoma" panose="020B0604030504040204" pitchFamily="34" charset="0"/>
+            </a:endParaRPr>
+          </a:p>
+        </p:txBody>
+      </p:sp>
+      <p:sp>
+        <p:nvSpPr>
+          <p:cNvPr id="37" name="Rectangle 36"/>
+          <p:cNvSpPr/>
+          <p:nvPr/>
+        </p:nvSpPr>
+        <p:spPr>
+          <a:xfrm rot="3037585">
+            <a:off x="561696" y="3101918"/>
+            <a:ext cx="1256399" cy="373489"/>
+          </a:xfrm>
+          <a:prstGeom prst="rect">
+            <a:avLst/>
+          </a:prstGeom>
+          <a:noFill/>
+          <a:ln>
+            <a:noFill/>
+            <a:prstDash val="dash"/>
+          </a:ln>
+        </p:spPr>
+        <p:style>
+          <a:lnRef idx="2">
+            <a:schemeClr val="accent1">
+              <a:shade val="50000"/>
+            </a:schemeClr>
+          </a:lnRef>
+          <a:fillRef idx="1">
+            <a:schemeClr val="accent1"/>
+          </a:fillRef>
+          <a:effectRef idx="0">
+            <a:schemeClr val="accent1"/>
+          </a:effectRef>
+          <a:fontRef idx="minor">
+            <a:schemeClr val="lt1"/>
+          </a:fontRef>
+        </p:style>
+        <p:txBody>
+          <a:bodyPr rtlCol="0" anchor="ctr"/>
+          <a:lstStyle/>
+          <a:p>
+            <a:pPr algn="ctr"/>
+            <a:r>
+              <a:rPr lang="en-US" sz="1400" dirty="0" smtClean="0">
+                <a:solidFill>
+                  <a:schemeClr val="tx1"/>
+                </a:solidFill>
+                <a:latin typeface="Tahoma" panose="020B0604030504040204" pitchFamily="34" charset="0"/>
+                <a:ea typeface="Tahoma" panose="020B0604030504040204" pitchFamily="34" charset="0"/>
+                <a:cs typeface="Tahoma" panose="020B0604030504040204" pitchFamily="34" charset="0"/>
+              </a:rPr>
+              <a:t>Update UI</a:t>
+            </a:r>
+            <a:endParaRPr lang="en-US" sz="1400" dirty="0">
+              <a:solidFill>
+                <a:schemeClr val="tx1"/>
+              </a:solidFill>
+              <a:latin typeface="Tahoma" panose="020B0604030504040204" pitchFamily="34" charset="0"/>
+              <a:ea typeface="Tahoma" panose="020B0604030504040204" pitchFamily="34" charset="0"/>
+              <a:cs typeface="Tahoma" panose="020B0604030504040204" pitchFamily="34" charset="0"/>
+            </a:endParaRPr>
+          </a:p>
+        </p:txBody>
+      </p:sp>
+      <p:cxnSp>
+        <p:nvCxnSpPr>
+          <p:cNvPr id="38" name="Straight Arrow Connector 37"/>
+          <p:cNvCxnSpPr>
+            <a:endCxn id="9" idx="2"/>
+          </p:cNvCxnSpPr>
+          <p:nvPr/>
+        </p:nvCxnSpPr>
+        <p:spPr>
+          <a:xfrm flipV="1">
+            <a:off x="1411464" y="814584"/>
+            <a:ext cx="908534" cy="1286752"/>
+          </a:xfrm>
+          <a:prstGeom prst="straightConnector1">
+            <a:avLst/>
+          </a:prstGeom>
+          <a:ln w="28575">
+            <a:solidFill>
+              <a:schemeClr val="tx1"/>
+            </a:solidFill>
+            <a:headEnd type="none" w="med" len="med"/>
+            <a:tailEnd type="arrow" w="med" len="med"/>
+          </a:ln>
+        </p:spPr>
+        <p:style>
+          <a:lnRef idx="1">
+            <a:schemeClr val="accent1"/>
+          </a:lnRef>
+          <a:fillRef idx="0">
+            <a:schemeClr val="accent1"/>
+          </a:fillRef>
+          <a:effectRef idx="0">
+            <a:schemeClr val="accent1"/>
+          </a:effectRef>
+          <a:fontRef idx="minor">
+            <a:schemeClr val="tx1"/>
+          </a:fontRef>
+        </p:style>
+      </p:cxnSp>
+      <p:cxnSp>
+        <p:nvCxnSpPr>
+          <p:cNvPr id="40" name="Straight Arrow Connector 39"/>
+          <p:cNvCxnSpPr/>
+          <p:nvPr/>
+        </p:nvCxnSpPr>
+        <p:spPr>
+          <a:xfrm flipH="1">
+            <a:off x="803038" y="821700"/>
+            <a:ext cx="932761" cy="1306354"/>
+          </a:xfrm>
+          <a:prstGeom prst="straightConnector1">
+            <a:avLst/>
+          </a:prstGeom>
+          <a:ln w="28575">
+            <a:solidFill>
+              <a:schemeClr val="tx1"/>
+            </a:solidFill>
+            <a:headEnd type="none" w="med" len="med"/>
+            <a:tailEnd type="arrow" w="med" len="med"/>
+          </a:ln>
+        </p:spPr>
+        <p:style>
+          <a:lnRef idx="1">
+            <a:schemeClr val="accent1"/>
+          </a:lnRef>
+          <a:fillRef idx="0">
+            <a:schemeClr val="accent1"/>
+          </a:fillRef>
+          <a:effectRef idx="0">
+            <a:schemeClr val="accent1"/>
+          </a:effectRef>
+          <a:fontRef idx="minor">
+            <a:schemeClr val="tx1"/>
+          </a:fontRef>
+        </p:style>
+      </p:cxnSp>
+      <p:cxnSp>
+        <p:nvCxnSpPr>
+          <p:cNvPr id="44" name="Straight Arrow Connector 43"/>
+          <p:cNvCxnSpPr>
+            <a:endCxn id="5" idx="0"/>
+          </p:cNvCxnSpPr>
+          <p:nvPr/>
+        </p:nvCxnSpPr>
+        <p:spPr>
+          <a:xfrm>
+            <a:off x="2319998" y="835013"/>
+            <a:ext cx="990603" cy="1275627"/>
+          </a:xfrm>
+          <a:prstGeom prst="straightConnector1">
+            <a:avLst/>
+          </a:prstGeom>
+          <a:ln w="28575">
+            <a:solidFill>
+              <a:schemeClr val="tx1"/>
+            </a:solidFill>
+            <a:headEnd type="none" w="med" len="med"/>
+            <a:tailEnd type="arrow" w="med" len="med"/>
+          </a:ln>
+        </p:spPr>
+        <p:style>
+          <a:lnRef idx="1">
+            <a:schemeClr val="accent1"/>
+          </a:lnRef>
+          <a:fillRef idx="0">
+            <a:schemeClr val="accent1"/>
+          </a:fillRef>
+          <a:effectRef idx="0">
+            <a:schemeClr val="accent1"/>
+          </a:effectRef>
+          <a:fontRef idx="minor">
+            <a:schemeClr val="tx1"/>
+          </a:fontRef>
+        </p:style>
+      </p:cxnSp>
+      <p:sp>
+        <p:nvSpPr>
+          <p:cNvPr id="46" name="Rectangle 45"/>
+          <p:cNvSpPr/>
+          <p:nvPr/>
+        </p:nvSpPr>
+        <p:spPr>
+          <a:xfrm rot="3127920">
+            <a:off x="2361615" y="1227112"/>
+            <a:ext cx="1256399" cy="373489"/>
+          </a:xfrm>
+          <a:prstGeom prst="rect">
+            <a:avLst/>
+          </a:prstGeom>
+          <a:noFill/>
+          <a:ln>
+            <a:noFill/>
+            <a:prstDash val="dash"/>
+          </a:ln>
+        </p:spPr>
+        <p:style>
+          <a:lnRef idx="2">
+            <a:schemeClr val="accent1">
+              <a:shade val="50000"/>
+            </a:schemeClr>
+          </a:lnRef>
+          <a:fillRef idx="1">
+            <a:schemeClr val="accent1"/>
+          </a:fillRef>
+          <a:effectRef idx="0">
+            <a:schemeClr val="accent1"/>
+          </a:effectRef>
+          <a:fontRef idx="minor">
+            <a:schemeClr val="lt1"/>
+          </a:fontRef>
+        </p:style>
+        <p:txBody>
+          <a:bodyPr rtlCol="0" anchor="ctr"/>
+          <a:lstStyle/>
+          <a:p>
+            <a:pPr algn="ctr"/>
+            <a:r>
+              <a:rPr lang="en-US" sz="1400" dirty="0" smtClean="0">
+                <a:solidFill>
+                  <a:schemeClr val="tx1"/>
+                </a:solidFill>
+                <a:latin typeface="Tahoma" panose="020B0604030504040204" pitchFamily="34" charset="0"/>
+                <a:ea typeface="Tahoma" panose="020B0604030504040204" pitchFamily="34" charset="0"/>
+                <a:cs typeface="Tahoma" panose="020B0604030504040204" pitchFamily="34" charset="0"/>
+              </a:rPr>
+              <a:t>Data request</a:t>
+            </a:r>
+            <a:endParaRPr lang="en-US" sz="1400" dirty="0">
+              <a:solidFill>
+                <a:schemeClr val="tx1"/>
+              </a:solidFill>
+              <a:latin typeface="Tahoma" panose="020B0604030504040204" pitchFamily="34" charset="0"/>
+              <a:ea typeface="Tahoma" panose="020B0604030504040204" pitchFamily="34" charset="0"/>
+              <a:cs typeface="Tahoma" panose="020B0604030504040204" pitchFamily="34" charset="0"/>
+            </a:endParaRPr>
+          </a:p>
+        </p:txBody>
+      </p:sp>
+      <p:cxnSp>
+        <p:nvCxnSpPr>
+          <p:cNvPr id="47" name="Straight Arrow Connector 46"/>
+          <p:cNvCxnSpPr>
+            <a:stCxn id="12" idx="0"/>
+            <a:endCxn id="5" idx="2"/>
+          </p:cNvCxnSpPr>
+          <p:nvPr/>
+        </p:nvCxnSpPr>
+        <p:spPr>
+          <a:xfrm flipH="1" flipV="1">
+            <a:off x="3310601" y="2602184"/>
+            <a:ext cx="1016389" cy="1202610"/>
+          </a:xfrm>
+          <a:prstGeom prst="straightConnector1">
+            <a:avLst/>
+          </a:prstGeom>
+          <a:ln w="28575">
+            <a:solidFill>
+              <a:schemeClr val="tx1"/>
+            </a:solidFill>
+            <a:headEnd type="none" w="med" len="med"/>
+            <a:tailEnd type="arrow" w="med" len="med"/>
+          </a:ln>
+        </p:spPr>
+        <p:style>
+          <a:lnRef idx="1">
+            <a:schemeClr val="accent1"/>
+          </a:lnRef>
+          <a:fillRef idx="0">
+            <a:schemeClr val="accent1"/>
+          </a:fillRef>
+          <a:effectRef idx="0">
+            <a:schemeClr val="accent1"/>
+          </a:effectRef>
+          <a:fontRef idx="minor">
+            <a:schemeClr val="tx1"/>
+          </a:fontRef>
+        </p:style>
+      </p:cxnSp>
+      <p:sp>
+        <p:nvSpPr>
+          <p:cNvPr id="50" name="Rectangle 49"/>
+          <p:cNvSpPr/>
+          <p:nvPr/>
+        </p:nvSpPr>
+        <p:spPr>
+          <a:xfrm rot="3007938">
+            <a:off x="3138440" y="3154337"/>
+            <a:ext cx="1256399" cy="373489"/>
+          </a:xfrm>
+          <a:prstGeom prst="rect">
+            <a:avLst/>
+          </a:prstGeom>
+          <a:noFill/>
+          <a:ln>
+            <a:noFill/>
+            <a:prstDash val="dash"/>
+          </a:ln>
+        </p:spPr>
+        <p:style>
+          <a:lnRef idx="2">
+            <a:schemeClr val="accent1">
+              <a:shade val="50000"/>
+            </a:schemeClr>
+          </a:lnRef>
+          <a:fillRef idx="1">
+            <a:schemeClr val="accent1"/>
+          </a:fillRef>
+          <a:effectRef idx="0">
+            <a:schemeClr val="accent1"/>
+          </a:effectRef>
+          <a:fontRef idx="minor">
+            <a:schemeClr val="lt1"/>
+          </a:fontRef>
+        </p:style>
+        <p:txBody>
+          <a:bodyPr rtlCol="0" anchor="ctr"/>
+          <a:lstStyle/>
+          <a:p>
+            <a:pPr algn="ctr"/>
+            <a:r>
+              <a:rPr lang="en-US" sz="1400" dirty="0" smtClean="0">
+                <a:solidFill>
+                  <a:schemeClr val="tx1"/>
+                </a:solidFill>
+                <a:latin typeface="Tahoma" panose="020B0604030504040204" pitchFamily="34" charset="0"/>
+                <a:ea typeface="Tahoma" panose="020B0604030504040204" pitchFamily="34" charset="0"/>
+                <a:cs typeface="Tahoma" panose="020B0604030504040204" pitchFamily="34" charset="0"/>
+              </a:rPr>
+              <a:t>Data request</a:t>
+            </a:r>
+            <a:endParaRPr lang="en-US" sz="1400" dirty="0">
+              <a:solidFill>
+                <a:schemeClr val="tx1"/>
+              </a:solidFill>
+              <a:latin typeface="Tahoma" panose="020B0604030504040204" pitchFamily="34" charset="0"/>
+              <a:ea typeface="Tahoma" panose="020B0604030504040204" pitchFamily="34" charset="0"/>
+              <a:cs typeface="Tahoma" panose="020B0604030504040204" pitchFamily="34" charset="0"/>
+            </a:endParaRPr>
+          </a:p>
+        </p:txBody>
+      </p:sp>
+      <p:cxnSp>
+        <p:nvCxnSpPr>
+          <p:cNvPr id="51" name="Straight Arrow Connector 50"/>
+          <p:cNvCxnSpPr/>
+          <p:nvPr/>
+        </p:nvCxnSpPr>
+        <p:spPr>
+          <a:xfrm flipV="1">
+            <a:off x="4917933" y="2602184"/>
+            <a:ext cx="913125" cy="1202610"/>
+          </a:xfrm>
+          <a:prstGeom prst="straightConnector1">
+            <a:avLst/>
+          </a:prstGeom>
+          <a:ln w="28575">
+            <a:solidFill>
+              <a:schemeClr val="tx1"/>
+            </a:solidFill>
+            <a:headEnd type="none" w="med" len="med"/>
+            <a:tailEnd type="arrow" w="med" len="med"/>
+          </a:ln>
+        </p:spPr>
+        <p:style>
+          <a:lnRef idx="1">
+            <a:schemeClr val="accent1"/>
+          </a:lnRef>
+          <a:fillRef idx="0">
+            <a:schemeClr val="accent1"/>
+          </a:fillRef>
+          <a:effectRef idx="0">
+            <a:schemeClr val="accent1"/>
+          </a:effectRef>
+          <a:fontRef idx="minor">
+            <a:schemeClr val="tx1"/>
+          </a:fontRef>
+        </p:style>
+      </p:cxnSp>
+      <p:cxnSp>
+        <p:nvCxnSpPr>
+          <p:cNvPr id="53" name="Straight Arrow Connector 52"/>
+          <p:cNvCxnSpPr>
+            <a:endCxn id="12" idx="0"/>
+          </p:cNvCxnSpPr>
+          <p:nvPr/>
+        </p:nvCxnSpPr>
+        <p:spPr>
+          <a:xfrm flipH="1">
+            <a:off x="4326990" y="2602184"/>
+            <a:ext cx="965400" cy="1202610"/>
+          </a:xfrm>
+          <a:prstGeom prst="straightConnector1">
+            <a:avLst/>
+          </a:prstGeom>
+          <a:ln w="28575">
+            <a:solidFill>
+              <a:schemeClr val="tx1"/>
+            </a:solidFill>
+            <a:headEnd type="none" w="med" len="med"/>
+            <a:tailEnd type="arrow" w="med" len="med"/>
+          </a:ln>
+        </p:spPr>
+        <p:style>
+          <a:lnRef idx="1">
+            <a:schemeClr val="accent1"/>
+          </a:lnRef>
+          <a:fillRef idx="0">
+            <a:schemeClr val="accent1"/>
+          </a:fillRef>
+          <a:effectRef idx="0">
+            <a:schemeClr val="accent1"/>
+          </a:effectRef>
+          <a:fontRef idx="minor">
+            <a:schemeClr val="tx1"/>
+          </a:fontRef>
+        </p:style>
+      </p:cxnSp>
+      <p:cxnSp>
+        <p:nvCxnSpPr>
+          <p:cNvPr id="55" name="Straight Arrow Connector 54"/>
+          <p:cNvCxnSpPr>
+            <a:stCxn id="10" idx="1"/>
+            <a:endCxn id="5" idx="3"/>
+          </p:cNvCxnSpPr>
+          <p:nvPr/>
+        </p:nvCxnSpPr>
+        <p:spPr>
+          <a:xfrm flipH="1">
+            <a:off x="3739665" y="2356412"/>
+            <a:ext cx="1174650" cy="0"/>
+          </a:xfrm>
+          <a:prstGeom prst="straightConnector1">
+            <a:avLst/>
+          </a:prstGeom>
+          <a:ln w="28575">
+            <a:solidFill>
+              <a:schemeClr val="tx1"/>
+            </a:solidFill>
+            <a:headEnd type="none" w="med" len="med"/>
+            <a:tailEnd type="arrow" w="med" len="med"/>
+          </a:ln>
+        </p:spPr>
+        <p:style>
+          <a:lnRef idx="1">
+            <a:schemeClr val="accent1"/>
+          </a:lnRef>
+          <a:fillRef idx="0">
+            <a:schemeClr val="accent1"/>
+          </a:fillRef>
+          <a:effectRef idx="0">
+            <a:schemeClr val="accent1"/>
+          </a:effectRef>
+          <a:fontRef idx="minor">
+            <a:schemeClr val="tx1"/>
+          </a:fontRef>
+        </p:style>
+      </p:cxnSp>
+      <p:sp>
+        <p:nvSpPr>
+          <p:cNvPr id="58" name="Rectangle 57"/>
+          <p:cNvSpPr/>
+          <p:nvPr/>
+        </p:nvSpPr>
+        <p:spPr>
+          <a:xfrm>
+            <a:off x="3772645" y="2019552"/>
+            <a:ext cx="1256399" cy="373489"/>
+          </a:xfrm>
+          <a:prstGeom prst="rect">
+            <a:avLst/>
+          </a:prstGeom>
+          <a:noFill/>
+          <a:ln>
+            <a:noFill/>
+            <a:prstDash val="dash"/>
+          </a:ln>
+        </p:spPr>
+        <p:style>
+          <a:lnRef idx="2">
+            <a:schemeClr val="accent1">
+              <a:shade val="50000"/>
+            </a:schemeClr>
+          </a:lnRef>
+          <a:fillRef idx="1">
+            <a:schemeClr val="accent1"/>
+          </a:fillRef>
+          <a:effectRef idx="0">
+            <a:schemeClr val="accent1"/>
+          </a:effectRef>
+          <a:fontRef idx="minor">
+            <a:schemeClr val="lt1"/>
+          </a:fontRef>
+        </p:style>
+        <p:txBody>
+          <a:bodyPr rtlCol="0" anchor="ctr"/>
+          <a:lstStyle/>
+          <a:p>
+            <a:pPr algn="ctr"/>
+            <a:r>
+              <a:rPr lang="en-US" sz="1400" dirty="0" smtClean="0">
+                <a:solidFill>
+                  <a:schemeClr val="tx1"/>
+                </a:solidFill>
+                <a:latin typeface="Tahoma" panose="020B0604030504040204" pitchFamily="34" charset="0"/>
+                <a:ea typeface="Tahoma" panose="020B0604030504040204" pitchFamily="34" charset="0"/>
+                <a:cs typeface="Tahoma" panose="020B0604030504040204" pitchFamily="34" charset="0"/>
+              </a:rPr>
+              <a:t>Data biding</a:t>
+            </a:r>
+            <a:endParaRPr lang="en-US" sz="1400" dirty="0">
+              <a:solidFill>
+                <a:schemeClr val="tx1"/>
+              </a:solidFill>
+              <a:latin typeface="Tahoma" panose="020B0604030504040204" pitchFamily="34" charset="0"/>
+              <a:ea typeface="Tahoma" panose="020B0604030504040204" pitchFamily="34" charset="0"/>
+              <a:cs typeface="Tahoma" panose="020B0604030504040204" pitchFamily="34" charset="0"/>
+            </a:endParaRPr>
+          </a:p>
+        </p:txBody>
+      </p:sp>
+      <p:sp>
+        <p:nvSpPr>
+          <p:cNvPr id="59" name="Rectangle 58"/>
+          <p:cNvSpPr/>
+          <p:nvPr/>
+        </p:nvSpPr>
+        <p:spPr>
+          <a:xfrm rot="18447011">
+            <a:off x="1338621" y="1391519"/>
+            <a:ext cx="1256399" cy="373489"/>
+          </a:xfrm>
+          <a:prstGeom prst="rect">
+            <a:avLst/>
+          </a:prstGeom>
+          <a:noFill/>
+          <a:ln>
+            <a:noFill/>
+            <a:prstDash val="dash"/>
+          </a:ln>
+        </p:spPr>
+        <p:style>
+          <a:lnRef idx="2">
+            <a:schemeClr val="accent1">
+              <a:shade val="50000"/>
+            </a:schemeClr>
+          </a:lnRef>
+          <a:fillRef idx="1">
+            <a:schemeClr val="accent1"/>
+          </a:fillRef>
+          <a:effectRef idx="0">
+            <a:schemeClr val="accent1"/>
+          </a:effectRef>
+          <a:fontRef idx="minor">
+            <a:schemeClr val="lt1"/>
+          </a:fontRef>
+        </p:style>
+        <p:txBody>
+          <a:bodyPr rtlCol="0" anchor="ctr"/>
+          <a:lstStyle/>
+          <a:p>
+            <a:pPr algn="ctr"/>
+            <a:r>
+              <a:rPr lang="en-US" sz="1400" dirty="0" smtClean="0">
+                <a:solidFill>
+                  <a:schemeClr val="tx1"/>
+                </a:solidFill>
+                <a:latin typeface="Tahoma" panose="020B0604030504040204" pitchFamily="34" charset="0"/>
+                <a:ea typeface="Tahoma" panose="020B0604030504040204" pitchFamily="34" charset="0"/>
+                <a:cs typeface="Tahoma" panose="020B0604030504040204" pitchFamily="34" charset="0"/>
+              </a:rPr>
+              <a:t>Fire event</a:t>
+            </a:r>
+            <a:endParaRPr lang="en-US" sz="1400" dirty="0">
+              <a:solidFill>
+                <a:schemeClr val="tx1"/>
+              </a:solidFill>
+              <a:latin typeface="Tahoma" panose="020B0604030504040204" pitchFamily="34" charset="0"/>
+              <a:ea typeface="Tahoma" panose="020B0604030504040204" pitchFamily="34" charset="0"/>
+              <a:cs typeface="Tahoma" panose="020B0604030504040204" pitchFamily="34" charset="0"/>
+            </a:endParaRPr>
+          </a:p>
+        </p:txBody>
+      </p:sp>
+      <p:sp>
+        <p:nvSpPr>
+          <p:cNvPr id="60" name="Rectangle 59"/>
+          <p:cNvSpPr/>
+          <p:nvPr/>
+        </p:nvSpPr>
+        <p:spPr>
+          <a:xfrm rot="18360100">
+            <a:off x="588517" y="1088105"/>
+            <a:ext cx="1256399" cy="373489"/>
+          </a:xfrm>
+          <a:prstGeom prst="rect">
+            <a:avLst/>
+          </a:prstGeom>
+          <a:noFill/>
+          <a:ln>
+            <a:noFill/>
+            <a:prstDash val="dash"/>
+          </a:ln>
+        </p:spPr>
+        <p:style>
+          <a:lnRef idx="2">
+            <a:schemeClr val="accent1">
+              <a:shade val="50000"/>
+            </a:schemeClr>
+          </a:lnRef>
+          <a:fillRef idx="1">
+            <a:schemeClr val="accent1"/>
+          </a:fillRef>
+          <a:effectRef idx="0">
+            <a:schemeClr val="accent1"/>
+          </a:effectRef>
+          <a:fontRef idx="minor">
+            <a:schemeClr val="lt1"/>
+          </a:fontRef>
+        </p:style>
+        <p:txBody>
+          <a:bodyPr rtlCol="0" anchor="ctr"/>
+          <a:lstStyle/>
+          <a:p>
+            <a:pPr algn="ctr"/>
+            <a:r>
+              <a:rPr lang="en-US" sz="1400" dirty="0" smtClean="0">
+                <a:solidFill>
+                  <a:schemeClr val="tx1"/>
+                </a:solidFill>
+                <a:latin typeface="Tahoma" panose="020B0604030504040204" pitchFamily="34" charset="0"/>
+                <a:ea typeface="Tahoma" panose="020B0604030504040204" pitchFamily="34" charset="0"/>
+                <a:cs typeface="Tahoma" panose="020B0604030504040204" pitchFamily="34" charset="0"/>
+              </a:rPr>
+              <a:t>Update UI</a:t>
+            </a:r>
+            <a:endParaRPr lang="en-US" sz="1400" dirty="0">
+              <a:solidFill>
+                <a:schemeClr val="tx1"/>
+              </a:solidFill>
+              <a:latin typeface="Tahoma" panose="020B0604030504040204" pitchFamily="34" charset="0"/>
+              <a:ea typeface="Tahoma" panose="020B0604030504040204" pitchFamily="34" charset="0"/>
+              <a:cs typeface="Tahoma" panose="020B0604030504040204" pitchFamily="34" charset="0"/>
+            </a:endParaRPr>
+          </a:p>
+        </p:txBody>
+      </p:sp>
+      <p:sp>
+        <p:nvSpPr>
+          <p:cNvPr id="61" name="Rectangle 60"/>
+          <p:cNvSpPr/>
+          <p:nvPr/>
+        </p:nvSpPr>
+        <p:spPr>
+          <a:xfrm rot="18366018">
+            <a:off x="4821470" y="3174072"/>
+            <a:ext cx="1256399" cy="373489"/>
+          </a:xfrm>
+          <a:prstGeom prst="rect">
+            <a:avLst/>
+          </a:prstGeom>
+          <a:noFill/>
+          <a:ln>
+            <a:noFill/>
+            <a:prstDash val="dash"/>
+          </a:ln>
+        </p:spPr>
+        <p:style>
+          <a:lnRef idx="2">
+            <a:schemeClr val="accent1">
+              <a:shade val="50000"/>
+            </a:schemeClr>
+          </a:lnRef>
+          <a:fillRef idx="1">
+            <a:schemeClr val="accent1"/>
+          </a:fillRef>
+          <a:effectRef idx="0">
+            <a:schemeClr val="accent1"/>
+          </a:effectRef>
+          <a:fontRef idx="minor">
+            <a:schemeClr val="lt1"/>
+          </a:fontRef>
+        </p:style>
+        <p:txBody>
+          <a:bodyPr rtlCol="0" anchor="ctr"/>
+          <a:lstStyle/>
+          <a:p>
+            <a:pPr algn="ctr"/>
+            <a:r>
+              <a:rPr lang="en-US" sz="1400" dirty="0" smtClean="0">
+                <a:solidFill>
+                  <a:schemeClr val="tx1"/>
+                </a:solidFill>
+                <a:latin typeface="Tahoma" panose="020B0604030504040204" pitchFamily="34" charset="0"/>
+                <a:ea typeface="Tahoma" panose="020B0604030504040204" pitchFamily="34" charset="0"/>
+                <a:cs typeface="Tahoma" panose="020B0604030504040204" pitchFamily="34" charset="0"/>
+              </a:rPr>
+              <a:t>Update UI</a:t>
+            </a:r>
+            <a:endParaRPr lang="en-US" sz="1400" dirty="0">
+              <a:solidFill>
+                <a:schemeClr val="tx1"/>
+              </a:solidFill>
+              <a:latin typeface="Tahoma" panose="020B0604030504040204" pitchFamily="34" charset="0"/>
+              <a:ea typeface="Tahoma" panose="020B0604030504040204" pitchFamily="34" charset="0"/>
+              <a:cs typeface="Tahoma" panose="020B0604030504040204" pitchFamily="34" charset="0"/>
+            </a:endParaRPr>
+          </a:p>
+        </p:txBody>
+      </p:sp>
+      <p:sp>
+        <p:nvSpPr>
+          <p:cNvPr id="62" name="Rectangle 61"/>
+          <p:cNvSpPr/>
+          <p:nvPr/>
+        </p:nvSpPr>
+        <p:spPr>
+          <a:xfrm rot="18442062">
+            <a:off x="4032691" y="2979408"/>
+            <a:ext cx="1256399" cy="373489"/>
+          </a:xfrm>
+          <a:prstGeom prst="rect">
+            <a:avLst/>
+          </a:prstGeom>
+          <a:noFill/>
+          <a:ln>
+            <a:noFill/>
+            <a:prstDash val="dash"/>
+          </a:ln>
+        </p:spPr>
+        <p:style>
+          <a:lnRef idx="2">
+            <a:schemeClr val="accent1">
+              <a:shade val="50000"/>
+            </a:schemeClr>
+          </a:lnRef>
+          <a:fillRef idx="1">
+            <a:schemeClr val="accent1"/>
+          </a:fillRef>
+          <a:effectRef idx="0">
+            <a:schemeClr val="accent1"/>
+          </a:effectRef>
+          <a:fontRef idx="minor">
+            <a:schemeClr val="lt1"/>
+          </a:fontRef>
+        </p:style>
+        <p:txBody>
+          <a:bodyPr rtlCol="0" anchor="ctr"/>
+          <a:lstStyle/>
+          <a:p>
+            <a:pPr algn="ctr"/>
+            <a:r>
+              <a:rPr lang="en-US" sz="1400" dirty="0" smtClean="0">
+                <a:solidFill>
+                  <a:schemeClr val="tx1"/>
+                </a:solidFill>
+                <a:latin typeface="Tahoma" panose="020B0604030504040204" pitchFamily="34" charset="0"/>
+                <a:ea typeface="Tahoma" panose="020B0604030504040204" pitchFamily="34" charset="0"/>
+                <a:cs typeface="Tahoma" panose="020B0604030504040204" pitchFamily="34" charset="0"/>
+              </a:rPr>
+              <a:t>Fire event</a:t>
+            </a:r>
+            <a:endParaRPr lang="en-US" sz="1400" dirty="0">
+              <a:solidFill>
+                <a:schemeClr val="tx1"/>
+              </a:solidFill>
+              <a:latin typeface="Tahoma" panose="020B0604030504040204" pitchFamily="34" charset="0"/>
+              <a:ea typeface="Tahoma" panose="020B0604030504040204" pitchFamily="34" charset="0"/>
+              <a:cs typeface="Tahoma" panose="020B0604030504040204" pitchFamily="34" charset="0"/>
+            </a:endParaRPr>
+          </a:p>
+        </p:txBody>
+      </p:sp>
+      <p:sp>
+        <p:nvSpPr>
+          <p:cNvPr id="63" name="Rectangle 62"/>
+          <p:cNvSpPr/>
+          <p:nvPr/>
+        </p:nvSpPr>
+        <p:spPr>
+          <a:xfrm>
+            <a:off x="803039" y="4938181"/>
+            <a:ext cx="5028020" cy="724066"/>
+          </a:xfrm>
+          <a:prstGeom prst="rect">
+            <a:avLst/>
+          </a:prstGeom>
+          <a:noFill/>
+          <a:ln>
+            <a:solidFill>
+              <a:schemeClr val="tx1"/>
+            </a:solidFill>
+          </a:ln>
+        </p:spPr>
+        <p:style>
+          <a:lnRef idx="2">
+            <a:schemeClr val="accent1">
+              <a:shade val="50000"/>
+            </a:schemeClr>
+          </a:lnRef>
+          <a:fillRef idx="1">
+            <a:schemeClr val="accent1"/>
+          </a:fillRef>
+          <a:effectRef idx="0">
+            <a:schemeClr val="accent1"/>
+          </a:effectRef>
+          <a:fontRef idx="minor">
+            <a:schemeClr val="lt1"/>
+          </a:fontRef>
+        </p:style>
+        <p:txBody>
+          <a:bodyPr rtlCol="0" anchor="ctr"/>
+          <a:lstStyle/>
+          <a:p>
+            <a:pPr algn="ctr"/>
+            <a:r>
+              <a:rPr lang="en-US" dirty="0" smtClean="0">
+                <a:solidFill>
+                  <a:schemeClr val="tx1"/>
+                </a:solidFill>
+                <a:latin typeface="Tahoma" panose="020B0604030504040204" pitchFamily="34" charset="0"/>
+                <a:ea typeface="Tahoma" panose="020B0604030504040204" pitchFamily="34" charset="0"/>
+                <a:cs typeface="Tahoma" panose="020B0604030504040204" pitchFamily="34" charset="0"/>
+              </a:rPr>
+              <a:t>View, Model, Presenter in this model are instance NOT class</a:t>
+            </a:r>
+            <a:endParaRPr lang="en-US" dirty="0">
+              <a:solidFill>
+                <a:schemeClr val="tx1"/>
+              </a:solidFill>
+              <a:latin typeface="Tahoma" panose="020B0604030504040204" pitchFamily="34" charset="0"/>
+              <a:ea typeface="Tahoma" panose="020B0604030504040204" pitchFamily="34" charset="0"/>
+              <a:cs typeface="Tahoma" panose="020B0604030504040204" pitchFamily="34" charset="0"/>
+            </a:endParaRPr>
+          </a:p>
+        </p:txBody>
+      </p:sp>
+    </p:spTree>
+    <p:extLst>
+      <p:ext uri="{BB962C8B-B14F-4D97-AF65-F5344CB8AC3E}">
+        <p14:creationId xmlns:p14="http://schemas.microsoft.com/office/powerpoint/2010/main" val="160480805"/>
+      </p:ext>
+    </p:extLst>
+  </p:cSld>
+  <p:clrMapOvr>
+    <a:masterClrMapping/>
+  </p:clrMapOvr>
+</p:sld>
+</file>
+
+<file path=ppt/slides/slide6.xml><?xml version="1.0" encoding="utf-8"?>
+<p:sld xmlns:a="http://schemas.openxmlformats.org/drawingml/2006/main" xmlns:r="http://schemas.openxmlformats.org/officeDocument/2006/relationships" xmlns:p="http://schemas.openxmlformats.org/presentationml/2006/main">
+  <p:cSld>
+    <p:spTree>
+      <p:nvGrpSpPr>
+        <p:cNvPr id="1" name=""/>
+        <p:cNvGrpSpPr/>
+        <p:nvPr/>
+      </p:nvGrpSpPr>
+      <p:grpSpPr>
+        <a:xfrm>
+          <a:off x="0" y="0"/>
+          <a:ext cx="0" cy="0"/>
+          <a:chOff x="0" y="0"/>
+          <a:chExt cx="0" cy="0"/>
+        </a:xfrm>
+      </p:grpSpPr>
+      <p:sp>
+        <p:nvSpPr>
+          <p:cNvPr id="4" name="Rectangle 3"/>
+          <p:cNvSpPr/>
+          <p:nvPr/>
+        </p:nvSpPr>
+        <p:spPr>
+          <a:xfrm>
+            <a:off x="4914315" y="2614731"/>
+            <a:ext cx="1463039" cy="949083"/>
+          </a:xfrm>
+          <a:prstGeom prst="rect">
+            <a:avLst/>
+          </a:prstGeom>
+          <a:noFill/>
+          <a:ln>
+            <a:solidFill>
+              <a:schemeClr val="tx1"/>
+            </a:solidFill>
+          </a:ln>
+        </p:spPr>
+        <p:style>
+          <a:lnRef idx="2">
+            <a:schemeClr val="accent1">
+              <a:shade val="50000"/>
+            </a:schemeClr>
+          </a:lnRef>
+          <a:fillRef idx="1">
+            <a:schemeClr val="accent1"/>
+          </a:fillRef>
+          <a:effectRef idx="0">
+            <a:schemeClr val="accent1"/>
+          </a:effectRef>
+          <a:fontRef idx="minor">
+            <a:schemeClr val="lt1"/>
+          </a:fontRef>
+        </p:style>
+        <p:txBody>
+          <a:bodyPr rtlCol="0" anchor="ctr"/>
+          <a:lstStyle/>
+          <a:p>
+            <a:pPr algn="ctr"/>
+            <a:r>
+              <a:rPr lang="en-US" dirty="0" err="1" smtClean="0">
+                <a:solidFill>
+                  <a:schemeClr val="tx1"/>
+                </a:solidFill>
+                <a:latin typeface="Tahoma" panose="020B0604030504040204" pitchFamily="34" charset="0"/>
+                <a:ea typeface="Tahoma" panose="020B0604030504040204" pitchFamily="34" charset="0"/>
+                <a:cs typeface="Tahoma" panose="020B0604030504040204" pitchFamily="34" charset="0"/>
+              </a:rPr>
+              <a:t>Phân</a:t>
+            </a:r>
+            <a:r>
+              <a:rPr lang="en-US" dirty="0" smtClean="0">
+                <a:solidFill>
+                  <a:schemeClr val="tx1"/>
+                </a:solidFill>
+                <a:latin typeface="Tahoma" panose="020B0604030504040204" pitchFamily="34" charset="0"/>
+                <a:ea typeface="Tahoma" panose="020B0604030504040204" pitchFamily="34" charset="0"/>
+                <a:cs typeface="Tahoma" panose="020B0604030504040204" pitchFamily="34" charset="0"/>
+              </a:rPr>
+              <a:t> </a:t>
+            </a:r>
+            <a:r>
+              <a:rPr lang="en-US" dirty="0" err="1" smtClean="0">
+                <a:solidFill>
+                  <a:schemeClr val="tx1"/>
+                </a:solidFill>
+                <a:latin typeface="Tahoma" panose="020B0604030504040204" pitchFamily="34" charset="0"/>
+                <a:ea typeface="Tahoma" panose="020B0604030504040204" pitchFamily="34" charset="0"/>
+                <a:cs typeface="Tahoma" panose="020B0604030504040204" pitchFamily="34" charset="0"/>
+              </a:rPr>
+              <a:t>tích</a:t>
+            </a:r>
+            <a:r>
+              <a:rPr lang="en-US" dirty="0" smtClean="0">
+                <a:solidFill>
+                  <a:schemeClr val="tx1"/>
+                </a:solidFill>
+                <a:latin typeface="Tahoma" panose="020B0604030504040204" pitchFamily="34" charset="0"/>
+                <a:ea typeface="Tahoma" panose="020B0604030504040204" pitchFamily="34" charset="0"/>
+                <a:cs typeface="Tahoma" panose="020B0604030504040204" pitchFamily="34" charset="0"/>
+              </a:rPr>
+              <a:t>, </a:t>
+            </a:r>
+            <a:r>
+              <a:rPr lang="en-US" dirty="0" err="1" smtClean="0">
+                <a:solidFill>
+                  <a:schemeClr val="tx1"/>
+                </a:solidFill>
+                <a:latin typeface="Tahoma" panose="020B0604030504040204" pitchFamily="34" charset="0"/>
+                <a:ea typeface="Tahoma" panose="020B0604030504040204" pitchFamily="34" charset="0"/>
+                <a:cs typeface="Tahoma" panose="020B0604030504040204" pitchFamily="34" charset="0"/>
+              </a:rPr>
+              <a:t>thiết</a:t>
+            </a:r>
+            <a:r>
+              <a:rPr lang="en-US" dirty="0" smtClean="0">
+                <a:solidFill>
+                  <a:schemeClr val="tx1"/>
+                </a:solidFill>
+                <a:latin typeface="Tahoma" panose="020B0604030504040204" pitchFamily="34" charset="0"/>
+                <a:ea typeface="Tahoma" panose="020B0604030504040204" pitchFamily="34" charset="0"/>
+                <a:cs typeface="Tahoma" panose="020B0604030504040204" pitchFamily="34" charset="0"/>
+              </a:rPr>
+              <a:t> </a:t>
+            </a:r>
+            <a:r>
+              <a:rPr lang="en-US" dirty="0" err="1" smtClean="0">
+                <a:solidFill>
+                  <a:schemeClr val="tx1"/>
+                </a:solidFill>
+                <a:latin typeface="Tahoma" panose="020B0604030504040204" pitchFamily="34" charset="0"/>
+                <a:ea typeface="Tahoma" panose="020B0604030504040204" pitchFamily="34" charset="0"/>
+                <a:cs typeface="Tahoma" panose="020B0604030504040204" pitchFamily="34" charset="0"/>
+              </a:rPr>
+              <a:t>kế</a:t>
+            </a:r>
+            <a:endParaRPr lang="en-US" dirty="0">
+              <a:solidFill>
+                <a:schemeClr val="tx1"/>
+              </a:solidFill>
+              <a:latin typeface="Tahoma" panose="020B0604030504040204" pitchFamily="34" charset="0"/>
+              <a:ea typeface="Tahoma" panose="020B0604030504040204" pitchFamily="34" charset="0"/>
+              <a:cs typeface="Tahoma" panose="020B0604030504040204" pitchFamily="34" charset="0"/>
+            </a:endParaRPr>
+          </a:p>
+        </p:txBody>
+      </p:sp>
+    </p:spTree>
+    <p:extLst>
+      <p:ext uri="{BB962C8B-B14F-4D97-AF65-F5344CB8AC3E}">
+        <p14:creationId xmlns:p14="http://schemas.microsoft.com/office/powerpoint/2010/main" val="1975629594"/>
+      </p:ext>
+    </p:extLst>
+  </p:cSld>
+  <p:clrMapOvr>
+    <a:masterClrMapping/>
+  </p:clrMapOvr>
+</p:sld>
+</file>
+
 <file path=ppt/theme/theme1.xml><?xml version="1.0" encoding="utf-8"?>
 <a:theme xmlns:a="http://schemas.openxmlformats.org/drawingml/2006/main" name="Office Theme">
   <a:themeElements>

--- a/_BaoCao/quocdunginfo/model.pptx
+++ b/_BaoCao/quocdunginfo/model.pptx
@@ -11,6 +11,8 @@
     <p:sldId id="259" r:id="rId5"/>
     <p:sldId id="260" r:id="rId6"/>
     <p:sldId id="261" r:id="rId7"/>
+    <p:sldId id="262" r:id="rId8"/>
+    <p:sldId id="263" r:id="rId9"/>
   </p:sldIdLst>
   <p:sldSz cx="12192000" cy="6858000"/>
   <p:notesSz cx="6858000" cy="9144000"/>
@@ -248,7 +250,7 @@
           <a:p>
             <a:fld id="{AB78E5E6-0990-4F48-9424-E063849A9480}" type="datetimeFigureOut">
               <a:rPr lang="en-US" smtClean="0"/>
-              <a:t>9/29/2014</a:t>
+              <a:t>24/10/2014</a:t>
             </a:fld>
             <a:endParaRPr lang="en-US"/>
           </a:p>
@@ -418,7 +420,7 @@
           <a:p>
             <a:fld id="{AB78E5E6-0990-4F48-9424-E063849A9480}" type="datetimeFigureOut">
               <a:rPr lang="en-US" smtClean="0"/>
-              <a:t>9/29/2014</a:t>
+              <a:t>24/10/2014</a:t>
             </a:fld>
             <a:endParaRPr lang="en-US"/>
           </a:p>
@@ -598,7 +600,7 @@
           <a:p>
             <a:fld id="{AB78E5E6-0990-4F48-9424-E063849A9480}" type="datetimeFigureOut">
               <a:rPr lang="en-US" smtClean="0"/>
-              <a:t>9/29/2014</a:t>
+              <a:t>24/10/2014</a:t>
             </a:fld>
             <a:endParaRPr lang="en-US"/>
           </a:p>
@@ -768,7 +770,7 @@
           <a:p>
             <a:fld id="{AB78E5E6-0990-4F48-9424-E063849A9480}" type="datetimeFigureOut">
               <a:rPr lang="en-US" smtClean="0"/>
-              <a:t>9/29/2014</a:t>
+              <a:t>24/10/2014</a:t>
             </a:fld>
             <a:endParaRPr lang="en-US"/>
           </a:p>
@@ -1014,7 +1016,7 @@
           <a:p>
             <a:fld id="{AB78E5E6-0990-4F48-9424-E063849A9480}" type="datetimeFigureOut">
               <a:rPr lang="en-US" smtClean="0"/>
-              <a:t>9/29/2014</a:t>
+              <a:t>24/10/2014</a:t>
             </a:fld>
             <a:endParaRPr lang="en-US"/>
           </a:p>
@@ -1246,7 +1248,7 @@
           <a:p>
             <a:fld id="{AB78E5E6-0990-4F48-9424-E063849A9480}" type="datetimeFigureOut">
               <a:rPr lang="en-US" smtClean="0"/>
-              <a:t>9/29/2014</a:t>
+              <a:t>24/10/2014</a:t>
             </a:fld>
             <a:endParaRPr lang="en-US"/>
           </a:p>
@@ -1613,7 +1615,7 @@
           <a:p>
             <a:fld id="{AB78E5E6-0990-4F48-9424-E063849A9480}" type="datetimeFigureOut">
               <a:rPr lang="en-US" smtClean="0"/>
-              <a:t>9/29/2014</a:t>
+              <a:t>24/10/2014</a:t>
             </a:fld>
             <a:endParaRPr lang="en-US"/>
           </a:p>
@@ -1731,7 +1733,7 @@
           <a:p>
             <a:fld id="{AB78E5E6-0990-4F48-9424-E063849A9480}" type="datetimeFigureOut">
               <a:rPr lang="en-US" smtClean="0"/>
-              <a:t>9/29/2014</a:t>
+              <a:t>24/10/2014</a:t>
             </a:fld>
             <a:endParaRPr lang="en-US"/>
           </a:p>
@@ -1826,7 +1828,7 @@
           <a:p>
             <a:fld id="{AB78E5E6-0990-4F48-9424-E063849A9480}" type="datetimeFigureOut">
               <a:rPr lang="en-US" smtClean="0"/>
-              <a:t>9/29/2014</a:t>
+              <a:t>24/10/2014</a:t>
             </a:fld>
             <a:endParaRPr lang="en-US"/>
           </a:p>
@@ -2103,7 +2105,7 @@
           <a:p>
             <a:fld id="{AB78E5E6-0990-4F48-9424-E063849A9480}" type="datetimeFigureOut">
               <a:rPr lang="en-US" smtClean="0"/>
-              <a:t>9/29/2014</a:t>
+              <a:t>24/10/2014</a:t>
             </a:fld>
             <a:endParaRPr lang="en-US"/>
           </a:p>
@@ -2356,7 +2358,7 @@
           <a:p>
             <a:fld id="{AB78E5E6-0990-4F48-9424-E063849A9480}" type="datetimeFigureOut">
               <a:rPr lang="en-US" smtClean="0"/>
-              <a:t>9/29/2014</a:t>
+              <a:t>24/10/2014</a:t>
             </a:fld>
             <a:endParaRPr lang="en-US"/>
           </a:p>
@@ -2569,7 +2571,7 @@
           <a:p>
             <a:fld id="{AB78E5E6-0990-4F48-9424-E063849A9480}" type="datetimeFigureOut">
               <a:rPr lang="en-US" smtClean="0"/>
-              <a:t>9/29/2014</a:t>
+              <a:t>24/10/2014</a:t>
             </a:fld>
             <a:endParaRPr lang="en-US"/>
           </a:p>
@@ -4316,8 +4318,8 @@
         </p:nvSpPr>
         <p:spPr>
           <a:xfrm>
-            <a:off x="1654672" y="1833094"/>
-            <a:ext cx="7811300" cy="491544"/>
+            <a:off x="2942055" y="1787675"/>
+            <a:ext cx="5272628" cy="332421"/>
           </a:xfrm>
           <a:prstGeom prst="rect">
             <a:avLst/>
@@ -4351,7 +4353,7 @@
           <a:p>
             <a:pPr algn="ctr"/>
             <a:r>
-              <a:rPr lang="en-US" dirty="0" smtClean="0">
+              <a:rPr lang="en-US" smtClean="0">
                 <a:solidFill>
                   <a:schemeClr val="tx1"/>
                 </a:solidFill>
@@ -4359,7 +4361,7 @@
                 <a:ea typeface="Tahoma" panose="020B0604030504040204" pitchFamily="34" charset="0"/>
                 <a:cs typeface="Tahoma" panose="020B0604030504040204" pitchFamily="34" charset="0"/>
               </a:rPr>
-              <a:t>Sync Orchestrator</a:t>
+              <a:t>Trung tâm điều khiển đồng bộ</a:t>
             </a:r>
             <a:endParaRPr lang="en-US" dirty="0">
               <a:solidFill>
@@ -4380,8 +4382,8 @@
         </p:nvSpPr>
         <p:spPr>
           <a:xfrm>
-            <a:off x="7490949" y="5041005"/>
-            <a:ext cx="1975023" cy="491544"/>
+            <a:off x="6239660" y="3586457"/>
+            <a:ext cx="1975023" cy="332196"/>
           </a:xfrm>
           <a:prstGeom prst="rect">
             <a:avLst/>
@@ -4415,7 +4417,7 @@
           <a:p>
             <a:pPr algn="ctr"/>
             <a:r>
-              <a:rPr lang="en-US" dirty="0" smtClean="0">
+              <a:rPr lang="en-US" smtClean="0">
                 <a:solidFill>
                   <a:schemeClr val="tx1"/>
                 </a:solidFill>
@@ -4423,7 +4425,7 @@
                 <a:ea typeface="Tahoma" panose="020B0604030504040204" pitchFamily="34" charset="0"/>
                 <a:cs typeface="Tahoma" panose="020B0604030504040204" pitchFamily="34" charset="0"/>
               </a:rPr>
-              <a:t>Provisioning DB</a:t>
+              <a:t>CSDL tập trung</a:t>
             </a:r>
             <a:endParaRPr lang="en-US" dirty="0">
               <a:solidFill>
@@ -4444,8 +4446,8 @@
         </p:nvSpPr>
         <p:spPr>
           <a:xfrm>
-            <a:off x="1654671" y="5041005"/>
-            <a:ext cx="1975023" cy="491544"/>
+            <a:off x="2942055" y="3606933"/>
+            <a:ext cx="1975023" cy="334906"/>
           </a:xfrm>
           <a:prstGeom prst="rect">
             <a:avLst/>
@@ -4479,7 +4481,7 @@
           <a:p>
             <a:pPr algn="ctr"/>
             <a:r>
-              <a:rPr lang="en-US" dirty="0" smtClean="0">
+              <a:rPr lang="en-US" smtClean="0">
                 <a:solidFill>
                   <a:schemeClr val="tx1"/>
                 </a:solidFill>
@@ -4487,7 +4489,7 @@
                 <a:ea typeface="Tahoma" panose="020B0604030504040204" pitchFamily="34" charset="0"/>
                 <a:cs typeface="Tahoma" panose="020B0604030504040204" pitchFamily="34" charset="0"/>
               </a:rPr>
-              <a:t>Registered DB</a:t>
+              <a:t>CSDL máy trạm</a:t>
             </a:r>
             <a:endParaRPr lang="en-US" dirty="0">
               <a:solidFill>
@@ -4508,8 +4510,8 @@
         </p:nvSpPr>
         <p:spPr>
           <a:xfrm>
-            <a:off x="1654671" y="433588"/>
-            <a:ext cx="7811301" cy="491544"/>
+            <a:off x="2942056" y="565484"/>
+            <a:ext cx="5272628" cy="359648"/>
           </a:xfrm>
           <a:prstGeom prst="rect">
             <a:avLst/>
@@ -4543,7 +4545,7 @@
           <a:p>
             <a:pPr algn="ctr"/>
             <a:r>
-              <a:rPr lang="en-US" dirty="0" smtClean="0">
+              <a:rPr lang="en-US" smtClean="0">
                 <a:solidFill>
                   <a:schemeClr val="tx1"/>
                 </a:solidFill>
@@ -4551,7 +4553,7 @@
                 <a:ea typeface="Tahoma" panose="020B0604030504040204" pitchFamily="34" charset="0"/>
                 <a:cs typeface="Tahoma" panose="020B0604030504040204" pitchFamily="34" charset="0"/>
               </a:rPr>
-              <a:t>Application</a:t>
+              <a:t>Ứng dụng</a:t>
             </a:r>
             <a:endParaRPr lang="en-US" dirty="0">
               <a:solidFill>
@@ -4572,7 +4574,7 @@
         </p:nvCxnSpPr>
         <p:spPr>
           <a:xfrm>
-            <a:off x="2896149" y="1056067"/>
+            <a:off x="4489295" y="1077738"/>
             <a:ext cx="0" cy="628508"/>
           </a:xfrm>
           <a:prstGeom prst="straightConnector1">
@@ -4609,7 +4611,7 @@
         </p:nvCxnSpPr>
         <p:spPr>
           <a:xfrm flipV="1">
-            <a:off x="7722498" y="1056068"/>
+            <a:off x="6615594" y="1104643"/>
             <a:ext cx="1" cy="628507"/>
           </a:xfrm>
           <a:prstGeom prst="straightConnector1">
@@ -4646,8 +4648,8 @@
         </p:nvSpPr>
         <p:spPr>
           <a:xfrm>
-            <a:off x="1859134" y="1099409"/>
-            <a:ext cx="972620" cy="491544"/>
+            <a:off x="2942055" y="1154036"/>
+            <a:ext cx="1547240" cy="491544"/>
           </a:xfrm>
           <a:prstGeom prst="rect">
             <a:avLst/>
@@ -4679,7 +4681,7 @@
           <a:p>
             <a:pPr algn="ctr"/>
             <a:r>
-              <a:rPr lang="en-US" dirty="0" smtClean="0">
+              <a:rPr lang="en-US">
                 <a:solidFill>
                   <a:schemeClr val="tx1"/>
                 </a:solidFill>
@@ -4687,7 +4689,18 @@
                 <a:ea typeface="Tahoma" panose="020B0604030504040204" pitchFamily="34" charset="0"/>
                 <a:cs typeface="Tahoma" panose="020B0604030504040204" pitchFamily="34" charset="0"/>
               </a:rPr>
-              <a:t>request</a:t>
+              <a:t>g</a:t>
+            </a:r>
+            <a:r>
+              <a:rPr lang="en-US" smtClean="0">
+                <a:solidFill>
+                  <a:schemeClr val="tx1"/>
+                </a:solidFill>
+                <a:latin typeface="Tahoma" panose="020B0604030504040204" pitchFamily="34" charset="0"/>
+                <a:ea typeface="Tahoma" panose="020B0604030504040204" pitchFamily="34" charset="0"/>
+                <a:cs typeface="Tahoma" panose="020B0604030504040204" pitchFamily="34" charset="0"/>
+              </a:rPr>
+              <a:t>ửi yêu cầu</a:t>
             </a:r>
             <a:endParaRPr lang="en-US" dirty="0">
               <a:solidFill>
@@ -4708,8 +4721,8 @@
         </p:nvSpPr>
         <p:spPr>
           <a:xfrm>
-            <a:off x="7785294" y="1146220"/>
-            <a:ext cx="972620" cy="491544"/>
+            <a:off x="6662114" y="1169369"/>
+            <a:ext cx="1387014" cy="491544"/>
           </a:xfrm>
           <a:prstGeom prst="rect">
             <a:avLst/>
@@ -4741,7 +4754,7 @@
           <a:p>
             <a:pPr algn="ctr"/>
             <a:r>
-              <a:rPr lang="en-US" dirty="0" smtClean="0">
+              <a:rPr lang="en-US">
                 <a:solidFill>
                   <a:schemeClr val="tx1"/>
                 </a:solidFill>
@@ -4749,7 +4762,18 @@
                 <a:ea typeface="Tahoma" panose="020B0604030504040204" pitchFamily="34" charset="0"/>
                 <a:cs typeface="Tahoma" panose="020B0604030504040204" pitchFamily="34" charset="0"/>
               </a:rPr>
-              <a:t>report</a:t>
+              <a:t>b</a:t>
+            </a:r>
+            <a:r>
+              <a:rPr lang="en-US" smtClean="0">
+                <a:solidFill>
+                  <a:schemeClr val="tx1"/>
+                </a:solidFill>
+                <a:latin typeface="Tahoma" panose="020B0604030504040204" pitchFamily="34" charset="0"/>
+                <a:ea typeface="Tahoma" panose="020B0604030504040204" pitchFamily="34" charset="0"/>
+                <a:cs typeface="Tahoma" panose="020B0604030504040204" pitchFamily="34" charset="0"/>
+              </a:rPr>
+              <a:t>áo cáo</a:t>
             </a:r>
             <a:endParaRPr lang="en-US" dirty="0">
               <a:solidFill>
@@ -4764,28 +4788,868 @@
       </p:sp>
       <p:grpSp>
         <p:nvGrpSpPr>
-          <p:cNvPr id="41" name="Group 40"/>
+          <p:cNvPr id="4" name="Group 3"/>
           <p:cNvGrpSpPr/>
           <p:nvPr/>
         </p:nvGrpSpPr>
         <p:grpSpPr>
           <a:xfrm>
-            <a:off x="2134149" y="3294841"/>
-            <a:ext cx="899376" cy="909037"/>
-            <a:chOff x="2134149" y="2496353"/>
-            <a:chExt cx="899376" cy="909037"/>
+            <a:off x="2889597" y="2175901"/>
+            <a:ext cx="2065406" cy="909037"/>
+            <a:chOff x="2877565" y="2440600"/>
+            <a:chExt cx="2065406" cy="909037"/>
+          </a:xfrm>
+        </p:grpSpPr>
+        <p:grpSp>
+          <p:nvGrpSpPr>
+            <p:cNvPr id="41" name="Group 40"/>
+            <p:cNvGrpSpPr/>
+            <p:nvPr/>
+          </p:nvGrpSpPr>
+          <p:grpSpPr>
+            <a:xfrm>
+              <a:off x="3722319" y="2440600"/>
+              <a:ext cx="418113" cy="909037"/>
+              <a:chOff x="2615412" y="2496353"/>
+              <a:chExt cx="418113" cy="909037"/>
+            </a:xfrm>
+          </p:grpSpPr>
+          <p:cxnSp>
+            <p:nvCxnSpPr>
+              <p:cNvPr id="37" name="Straight Arrow Connector 36"/>
+              <p:cNvCxnSpPr/>
+              <p:nvPr/>
+            </p:nvCxnSpPr>
+            <p:spPr>
+              <a:xfrm flipH="1">
+                <a:off x="2615412" y="2496353"/>
+                <a:ext cx="1" cy="909037"/>
+              </a:xfrm>
+              <a:prstGeom prst="straightConnector1">
+                <a:avLst/>
+              </a:prstGeom>
+              <a:ln w="28575">
+                <a:solidFill>
+                  <a:schemeClr val="tx1"/>
+                </a:solidFill>
+                <a:headEnd type="none" w="med" len="med"/>
+                <a:tailEnd type="arrow" w="med" len="med"/>
+              </a:ln>
+            </p:spPr>
+            <p:style>
+              <a:lnRef idx="1">
+                <a:schemeClr val="accent1"/>
+              </a:lnRef>
+              <a:fillRef idx="0">
+                <a:schemeClr val="accent1"/>
+              </a:fillRef>
+              <a:effectRef idx="0">
+                <a:schemeClr val="accent1"/>
+              </a:effectRef>
+              <a:fontRef idx="minor">
+                <a:schemeClr val="tx1"/>
+              </a:fontRef>
+            </p:style>
+          </p:cxnSp>
+          <p:cxnSp>
+            <p:nvCxnSpPr>
+              <p:cNvPr id="40" name="Straight Arrow Connector 39"/>
+              <p:cNvCxnSpPr/>
+              <p:nvPr/>
+            </p:nvCxnSpPr>
+            <p:spPr>
+              <a:xfrm flipH="1">
+                <a:off x="3033524" y="2496353"/>
+                <a:ext cx="1" cy="909037"/>
+              </a:xfrm>
+              <a:prstGeom prst="straightConnector1">
+                <a:avLst/>
+              </a:prstGeom>
+              <a:ln w="28575">
+                <a:solidFill>
+                  <a:schemeClr val="tx1"/>
+                </a:solidFill>
+                <a:headEnd type="arrow" w="med" len="med"/>
+                <a:tailEnd type="none" w="med" len="med"/>
+              </a:ln>
+            </p:spPr>
+            <p:style>
+              <a:lnRef idx="1">
+                <a:schemeClr val="accent1"/>
+              </a:lnRef>
+              <a:fillRef idx="0">
+                <a:schemeClr val="accent1"/>
+              </a:fillRef>
+              <a:effectRef idx="0">
+                <a:schemeClr val="accent1"/>
+              </a:effectRef>
+              <a:fontRef idx="minor">
+                <a:schemeClr val="tx1"/>
+              </a:fontRef>
+            </p:style>
+          </p:cxnSp>
+        </p:grpSp>
+        <p:sp>
+          <p:nvSpPr>
+            <p:cNvPr id="45" name="Rectangle 44"/>
+            <p:cNvSpPr/>
+            <p:nvPr/>
+          </p:nvSpPr>
+          <p:spPr>
+            <a:xfrm>
+              <a:off x="3970351" y="2699667"/>
+              <a:ext cx="972620" cy="491544"/>
+            </a:xfrm>
+            <a:prstGeom prst="rect">
+              <a:avLst/>
+            </a:prstGeom>
+            <a:noFill/>
+            <a:ln>
+              <a:noFill/>
+            </a:ln>
+          </p:spPr>
+          <p:style>
+            <a:lnRef idx="2">
+              <a:schemeClr val="accent1">
+                <a:shade val="50000"/>
+              </a:schemeClr>
+            </a:lnRef>
+            <a:fillRef idx="1">
+              <a:schemeClr val="accent1"/>
+            </a:fillRef>
+            <a:effectRef idx="0">
+              <a:schemeClr val="accent1"/>
+            </a:effectRef>
+            <a:fontRef idx="minor">
+              <a:schemeClr val="lt1"/>
+            </a:fontRef>
+          </p:style>
+          <p:txBody>
+            <a:bodyPr rtlCol="0" anchor="ctr"/>
+            <a:lstStyle/>
+            <a:p>
+              <a:pPr algn="ctr"/>
+              <a:r>
+                <a:rPr lang="en-US" sz="1400" smtClean="0">
+                  <a:solidFill>
+                    <a:schemeClr val="tx1"/>
+                  </a:solidFill>
+                  <a:latin typeface="Tahoma" panose="020B0604030504040204" pitchFamily="34" charset="0"/>
+                  <a:ea typeface="Tahoma" panose="020B0604030504040204" pitchFamily="34" charset="0"/>
+                  <a:cs typeface="Tahoma" panose="020B0604030504040204" pitchFamily="34" charset="0"/>
+                </a:rPr>
+                <a:t>đọc</a:t>
+              </a:r>
+              <a:endParaRPr lang="en-US" sz="1400" dirty="0" smtClean="0">
+                <a:solidFill>
+                  <a:schemeClr val="tx1"/>
+                </a:solidFill>
+                <a:latin typeface="Tahoma" panose="020B0604030504040204" pitchFamily="34" charset="0"/>
+                <a:ea typeface="Tahoma" panose="020B0604030504040204" pitchFamily="34" charset="0"/>
+                <a:cs typeface="Tahoma" panose="020B0604030504040204" pitchFamily="34" charset="0"/>
+              </a:endParaRPr>
+            </a:p>
+          </p:txBody>
+        </p:sp>
+        <p:sp>
+          <p:nvSpPr>
+            <p:cNvPr id="46" name="Rectangle 45"/>
+            <p:cNvSpPr/>
+            <p:nvPr/>
+          </p:nvSpPr>
+          <p:spPr>
+            <a:xfrm>
+              <a:off x="2877565" y="2692155"/>
+              <a:ext cx="972620" cy="491544"/>
+            </a:xfrm>
+            <a:prstGeom prst="rect">
+              <a:avLst/>
+            </a:prstGeom>
+            <a:noFill/>
+            <a:ln>
+              <a:noFill/>
+            </a:ln>
+          </p:spPr>
+          <p:style>
+            <a:lnRef idx="2">
+              <a:schemeClr val="accent1">
+                <a:shade val="50000"/>
+              </a:schemeClr>
+            </a:lnRef>
+            <a:fillRef idx="1">
+              <a:schemeClr val="accent1"/>
+            </a:fillRef>
+            <a:effectRef idx="0">
+              <a:schemeClr val="accent1"/>
+            </a:effectRef>
+            <a:fontRef idx="minor">
+              <a:schemeClr val="lt1"/>
+            </a:fontRef>
+          </p:style>
+          <p:txBody>
+            <a:bodyPr rtlCol="0" anchor="ctr"/>
+            <a:lstStyle/>
+            <a:p>
+              <a:pPr algn="ctr"/>
+              <a:r>
+                <a:rPr lang="en-US" sz="1400" smtClean="0">
+                  <a:solidFill>
+                    <a:schemeClr val="tx1"/>
+                  </a:solidFill>
+                  <a:latin typeface="Tahoma" panose="020B0604030504040204" pitchFamily="34" charset="0"/>
+                  <a:ea typeface="Tahoma" panose="020B0604030504040204" pitchFamily="34" charset="0"/>
+                  <a:cs typeface="Tahoma" panose="020B0604030504040204" pitchFamily="34" charset="0"/>
+                </a:rPr>
+                <a:t>ghi</a:t>
+              </a:r>
+              <a:endParaRPr lang="en-US" sz="1400" dirty="0" smtClean="0">
+                <a:solidFill>
+                  <a:schemeClr val="tx1"/>
+                </a:solidFill>
+                <a:latin typeface="Tahoma" panose="020B0604030504040204" pitchFamily="34" charset="0"/>
+                <a:ea typeface="Tahoma" panose="020B0604030504040204" pitchFamily="34" charset="0"/>
+                <a:cs typeface="Tahoma" panose="020B0604030504040204" pitchFamily="34" charset="0"/>
+              </a:endParaRPr>
+            </a:p>
+          </p:txBody>
+        </p:sp>
+      </p:grpSp>
+      <p:sp>
+        <p:nvSpPr>
+          <p:cNvPr id="49" name="Rectangle 48"/>
+          <p:cNvSpPr/>
+          <p:nvPr/>
+        </p:nvSpPr>
+        <p:spPr>
+          <a:xfrm>
+            <a:off x="6239660" y="4018903"/>
+            <a:ext cx="1975023" cy="320359"/>
+          </a:xfrm>
+          <a:prstGeom prst="rect">
+            <a:avLst/>
+          </a:prstGeom>
+          <a:noFill/>
+          <a:ln>
+            <a:solidFill>
+              <a:schemeClr val="tx1"/>
+            </a:solidFill>
+          </a:ln>
+        </p:spPr>
+        <p:style>
+          <a:lnRef idx="2">
+            <a:schemeClr val="accent1">
+              <a:shade val="50000"/>
+            </a:schemeClr>
+          </a:lnRef>
+          <a:fillRef idx="1">
+            <a:schemeClr val="accent1"/>
+          </a:fillRef>
+          <a:effectRef idx="0">
+            <a:schemeClr val="accent1"/>
+          </a:effectRef>
+          <a:fontRef idx="minor">
+            <a:schemeClr val="lt1"/>
+          </a:fontRef>
+        </p:style>
+        <p:txBody>
+          <a:bodyPr rtlCol="0" anchor="ctr"/>
+          <a:lstStyle/>
+          <a:p>
+            <a:pPr algn="ctr"/>
+            <a:r>
+              <a:rPr lang="en-US" smtClean="0">
+                <a:solidFill>
+                  <a:schemeClr val="tx1"/>
+                </a:solidFill>
+                <a:latin typeface="Tahoma" panose="020B0604030504040204" pitchFamily="34" charset="0"/>
+                <a:ea typeface="Tahoma" panose="020B0604030504040204" pitchFamily="34" charset="0"/>
+                <a:cs typeface="Tahoma" panose="020B0604030504040204" pitchFamily="34" charset="0"/>
+              </a:rPr>
+              <a:t>Phiên đồng bộ</a:t>
+            </a:r>
+            <a:endParaRPr lang="en-US" dirty="0">
+              <a:solidFill>
+                <a:schemeClr val="tx1"/>
+              </a:solidFill>
+              <a:latin typeface="Tahoma" panose="020B0604030504040204" pitchFamily="34" charset="0"/>
+              <a:ea typeface="Tahoma" panose="020B0604030504040204" pitchFamily="34" charset="0"/>
+              <a:cs typeface="Tahoma" panose="020B0604030504040204" pitchFamily="34" charset="0"/>
+            </a:endParaRPr>
+          </a:p>
+        </p:txBody>
+      </p:sp>
+      <p:sp>
+        <p:nvSpPr>
+          <p:cNvPr id="50" name="Rectangle 49"/>
+          <p:cNvSpPr/>
+          <p:nvPr/>
+        </p:nvSpPr>
+        <p:spPr>
+          <a:xfrm>
+            <a:off x="2942055" y="4047589"/>
+            <a:ext cx="1975023" cy="320359"/>
+          </a:xfrm>
+          <a:prstGeom prst="rect">
+            <a:avLst/>
+          </a:prstGeom>
+          <a:noFill/>
+          <a:ln>
+            <a:solidFill>
+              <a:schemeClr val="tx1"/>
+            </a:solidFill>
+          </a:ln>
+        </p:spPr>
+        <p:style>
+          <a:lnRef idx="2">
+            <a:schemeClr val="accent1">
+              <a:shade val="50000"/>
+            </a:schemeClr>
+          </a:lnRef>
+          <a:fillRef idx="1">
+            <a:schemeClr val="accent1"/>
+          </a:fillRef>
+          <a:effectRef idx="0">
+            <a:schemeClr val="accent1"/>
+          </a:effectRef>
+          <a:fontRef idx="minor">
+            <a:schemeClr val="lt1"/>
+          </a:fontRef>
+        </p:style>
+        <p:txBody>
+          <a:bodyPr rtlCol="0" anchor="ctr"/>
+          <a:lstStyle/>
+          <a:p>
+            <a:pPr algn="ctr"/>
+            <a:r>
+              <a:rPr lang="en-US" smtClean="0">
+                <a:solidFill>
+                  <a:schemeClr val="tx1"/>
+                </a:solidFill>
+                <a:latin typeface="Tahoma" panose="020B0604030504040204" pitchFamily="34" charset="0"/>
+                <a:ea typeface="Tahoma" panose="020B0604030504040204" pitchFamily="34" charset="0"/>
+                <a:cs typeface="Tahoma" panose="020B0604030504040204" pitchFamily="34" charset="0"/>
+              </a:rPr>
+              <a:t>Phiên đồng bộ</a:t>
+            </a:r>
+            <a:endParaRPr lang="en-US" dirty="0">
+              <a:solidFill>
+                <a:schemeClr val="tx1"/>
+              </a:solidFill>
+              <a:latin typeface="Tahoma" panose="020B0604030504040204" pitchFamily="34" charset="0"/>
+              <a:ea typeface="Tahoma" panose="020B0604030504040204" pitchFamily="34" charset="0"/>
+              <a:cs typeface="Tahoma" panose="020B0604030504040204" pitchFamily="34" charset="0"/>
+            </a:endParaRPr>
+          </a:p>
+        </p:txBody>
+      </p:sp>
+      <p:sp>
+        <p:nvSpPr>
+          <p:cNvPr id="60" name="Rectangle 59"/>
+          <p:cNvSpPr/>
+          <p:nvPr/>
+        </p:nvSpPr>
+        <p:spPr>
+          <a:xfrm>
+            <a:off x="2942055" y="3171811"/>
+            <a:ext cx="1975023" cy="329372"/>
+          </a:xfrm>
+          <a:prstGeom prst="rect">
+            <a:avLst/>
+          </a:prstGeom>
+          <a:noFill/>
+          <a:ln>
+            <a:solidFill>
+              <a:schemeClr val="tx1"/>
+            </a:solidFill>
+          </a:ln>
+        </p:spPr>
+        <p:style>
+          <a:lnRef idx="2">
+            <a:schemeClr val="accent1">
+              <a:shade val="50000"/>
+            </a:schemeClr>
+          </a:lnRef>
+          <a:fillRef idx="1">
+            <a:schemeClr val="accent1"/>
+          </a:fillRef>
+          <a:effectRef idx="0">
+            <a:schemeClr val="accent1"/>
+          </a:effectRef>
+          <a:fontRef idx="minor">
+            <a:schemeClr val="lt1"/>
+          </a:fontRef>
+        </p:style>
+        <p:txBody>
+          <a:bodyPr rtlCol="0" anchor="ctr"/>
+          <a:lstStyle/>
+          <a:p>
+            <a:pPr algn="ctr"/>
+            <a:r>
+              <a:rPr lang="en-US" smtClean="0">
+                <a:solidFill>
+                  <a:schemeClr val="tx1"/>
+                </a:solidFill>
+                <a:latin typeface="Tahoma" panose="020B0604030504040204" pitchFamily="34" charset="0"/>
+                <a:ea typeface="Tahoma" panose="020B0604030504040204" pitchFamily="34" charset="0"/>
+                <a:cs typeface="Tahoma" panose="020B0604030504040204" pitchFamily="34" charset="0"/>
+              </a:rPr>
+              <a:t>Hệ quản trị CSDL</a:t>
+            </a:r>
+            <a:endParaRPr lang="en-US" dirty="0">
+              <a:solidFill>
+                <a:schemeClr val="tx1"/>
+              </a:solidFill>
+              <a:latin typeface="Tahoma" panose="020B0604030504040204" pitchFamily="34" charset="0"/>
+              <a:ea typeface="Tahoma" panose="020B0604030504040204" pitchFamily="34" charset="0"/>
+              <a:cs typeface="Tahoma" panose="020B0604030504040204" pitchFamily="34" charset="0"/>
+            </a:endParaRPr>
+          </a:p>
+        </p:txBody>
+      </p:sp>
+      <p:sp>
+        <p:nvSpPr>
+          <p:cNvPr id="61" name="Rectangle 60"/>
+          <p:cNvSpPr/>
+          <p:nvPr/>
+        </p:nvSpPr>
+        <p:spPr>
+          <a:xfrm>
+            <a:off x="6239660" y="3165598"/>
+            <a:ext cx="1975023" cy="347617"/>
+          </a:xfrm>
+          <a:prstGeom prst="rect">
+            <a:avLst/>
+          </a:prstGeom>
+          <a:noFill/>
+          <a:ln>
+            <a:solidFill>
+              <a:schemeClr val="tx1"/>
+            </a:solidFill>
+          </a:ln>
+        </p:spPr>
+        <p:style>
+          <a:lnRef idx="2">
+            <a:schemeClr val="accent1">
+              <a:shade val="50000"/>
+            </a:schemeClr>
+          </a:lnRef>
+          <a:fillRef idx="1">
+            <a:schemeClr val="accent1"/>
+          </a:fillRef>
+          <a:effectRef idx="0">
+            <a:schemeClr val="accent1"/>
+          </a:effectRef>
+          <a:fontRef idx="minor">
+            <a:schemeClr val="lt1"/>
+          </a:fontRef>
+        </p:style>
+        <p:txBody>
+          <a:bodyPr rtlCol="0" anchor="ctr"/>
+          <a:lstStyle/>
+          <a:p>
+            <a:pPr algn="ctr"/>
+            <a:r>
+              <a:rPr lang="en-US" smtClean="0">
+                <a:solidFill>
+                  <a:schemeClr val="tx1"/>
+                </a:solidFill>
+                <a:latin typeface="Tahoma" panose="020B0604030504040204" pitchFamily="34" charset="0"/>
+                <a:ea typeface="Tahoma" panose="020B0604030504040204" pitchFamily="34" charset="0"/>
+                <a:cs typeface="Tahoma" panose="020B0604030504040204" pitchFamily="34" charset="0"/>
+              </a:rPr>
+              <a:t>Hệ quản trị CSDL</a:t>
+            </a:r>
+            <a:endParaRPr lang="en-US" dirty="0">
+              <a:solidFill>
+                <a:schemeClr val="tx1"/>
+              </a:solidFill>
+              <a:latin typeface="Tahoma" panose="020B0604030504040204" pitchFamily="34" charset="0"/>
+              <a:ea typeface="Tahoma" panose="020B0604030504040204" pitchFamily="34" charset="0"/>
+              <a:cs typeface="Tahoma" panose="020B0604030504040204" pitchFamily="34" charset="0"/>
+            </a:endParaRPr>
+          </a:p>
+        </p:txBody>
+      </p:sp>
+      <p:sp>
+        <p:nvSpPr>
+          <p:cNvPr id="30" name="Rectangle 29"/>
+          <p:cNvSpPr/>
+          <p:nvPr/>
+        </p:nvSpPr>
+        <p:spPr>
+          <a:xfrm rot="5400000">
+            <a:off x="7816542" y="2262553"/>
+            <a:ext cx="1380631" cy="425460"/>
+          </a:xfrm>
+          <a:prstGeom prst="rect">
+            <a:avLst/>
+          </a:prstGeom>
+          <a:noFill/>
+          <a:ln>
+            <a:solidFill>
+              <a:schemeClr val="tx1"/>
+            </a:solidFill>
+          </a:ln>
+        </p:spPr>
+        <p:style>
+          <a:lnRef idx="2">
+            <a:schemeClr val="accent1">
+              <a:shade val="50000"/>
+            </a:schemeClr>
+          </a:lnRef>
+          <a:fillRef idx="1">
+            <a:schemeClr val="accent1"/>
+          </a:fillRef>
+          <a:effectRef idx="0">
+            <a:schemeClr val="accent1"/>
+          </a:effectRef>
+          <a:fontRef idx="minor">
+            <a:schemeClr val="lt1"/>
+          </a:fontRef>
+        </p:style>
+        <p:txBody>
+          <a:bodyPr rtlCol="0" anchor="ctr"/>
+          <a:lstStyle/>
+          <a:p>
+            <a:pPr algn="ctr"/>
+            <a:r>
+              <a:rPr lang="en-US" sz="1400" dirty="0" smtClean="0">
+                <a:solidFill>
+                  <a:schemeClr val="tx1"/>
+                </a:solidFill>
+                <a:latin typeface="Tahoma" panose="020B0604030504040204" pitchFamily="34" charset="0"/>
+                <a:ea typeface="Tahoma" panose="020B0604030504040204" pitchFamily="34" charset="0"/>
+                <a:cs typeface="Tahoma" panose="020B0604030504040204" pitchFamily="34" charset="0"/>
+              </a:rPr>
+              <a:t>Sync framework</a:t>
+            </a:r>
+            <a:endParaRPr lang="en-US" sz="1400" dirty="0">
+              <a:solidFill>
+                <a:schemeClr val="tx1"/>
+              </a:solidFill>
+              <a:latin typeface="Tahoma" panose="020B0604030504040204" pitchFamily="34" charset="0"/>
+              <a:ea typeface="Tahoma" panose="020B0604030504040204" pitchFamily="34" charset="0"/>
+              <a:cs typeface="Tahoma" panose="020B0604030504040204" pitchFamily="34" charset="0"/>
+            </a:endParaRPr>
+          </a:p>
+        </p:txBody>
+      </p:sp>
+      <p:sp>
+        <p:nvSpPr>
+          <p:cNvPr id="33" name="Rectangle 32"/>
+          <p:cNvSpPr/>
+          <p:nvPr/>
+        </p:nvSpPr>
+        <p:spPr>
+          <a:xfrm rot="5400000">
+            <a:off x="7715957" y="1641306"/>
+            <a:ext cx="2600117" cy="448474"/>
+          </a:xfrm>
+          <a:prstGeom prst="rect">
+            <a:avLst/>
+          </a:prstGeom>
+          <a:noFill/>
+          <a:ln>
+            <a:solidFill>
+              <a:schemeClr val="tx1"/>
+            </a:solidFill>
+          </a:ln>
+        </p:spPr>
+        <p:style>
+          <a:lnRef idx="2">
+            <a:schemeClr val="accent1">
+              <a:shade val="50000"/>
+            </a:schemeClr>
+          </a:lnRef>
+          <a:fillRef idx="1">
+            <a:schemeClr val="accent1"/>
+          </a:fillRef>
+          <a:effectRef idx="0">
+            <a:schemeClr val="accent1"/>
+          </a:effectRef>
+          <a:fontRef idx="minor">
+            <a:schemeClr val="lt1"/>
+          </a:fontRef>
+        </p:style>
+        <p:txBody>
+          <a:bodyPr rtlCol="0" anchor="ctr"/>
+          <a:lstStyle/>
+          <a:p>
+            <a:pPr algn="ctr"/>
+            <a:r>
+              <a:rPr lang="en-US" sz="1600" dirty="0" smtClean="0">
+                <a:solidFill>
+                  <a:schemeClr val="tx1"/>
+                </a:solidFill>
+                <a:latin typeface="Tahoma" panose="020B0604030504040204" pitchFamily="34" charset="0"/>
+                <a:ea typeface="Tahoma" panose="020B0604030504040204" pitchFamily="34" charset="0"/>
+                <a:cs typeface="Tahoma" panose="020B0604030504040204" pitchFamily="34" charset="0"/>
+              </a:rPr>
+              <a:t>.NET Runtime</a:t>
+            </a:r>
+            <a:endParaRPr lang="en-US" sz="1600" dirty="0">
+              <a:solidFill>
+                <a:schemeClr val="tx1"/>
+              </a:solidFill>
+              <a:latin typeface="Tahoma" panose="020B0604030504040204" pitchFamily="34" charset="0"/>
+              <a:ea typeface="Tahoma" panose="020B0604030504040204" pitchFamily="34" charset="0"/>
+              <a:cs typeface="Tahoma" panose="020B0604030504040204" pitchFamily="34" charset="0"/>
+            </a:endParaRPr>
+          </a:p>
+        </p:txBody>
+      </p:sp>
+      <p:grpSp>
+        <p:nvGrpSpPr>
+          <p:cNvPr id="39" name="Group 38"/>
+          <p:cNvGrpSpPr/>
+          <p:nvPr/>
+        </p:nvGrpSpPr>
+        <p:grpSpPr>
+          <a:xfrm>
+            <a:off x="6218222" y="2191436"/>
+            <a:ext cx="2065406" cy="909037"/>
+            <a:chOff x="2877565" y="2440600"/>
+            <a:chExt cx="2065406" cy="909037"/>
+          </a:xfrm>
+        </p:grpSpPr>
+        <p:grpSp>
+          <p:nvGrpSpPr>
+            <p:cNvPr id="52" name="Group 51"/>
+            <p:cNvGrpSpPr/>
+            <p:nvPr/>
+          </p:nvGrpSpPr>
+          <p:grpSpPr>
+            <a:xfrm>
+              <a:off x="3722319" y="2440600"/>
+              <a:ext cx="418113" cy="909037"/>
+              <a:chOff x="2615412" y="2496353"/>
+              <a:chExt cx="418113" cy="909037"/>
+            </a:xfrm>
+          </p:grpSpPr>
+          <p:cxnSp>
+            <p:nvCxnSpPr>
+              <p:cNvPr id="57" name="Straight Arrow Connector 56"/>
+              <p:cNvCxnSpPr/>
+              <p:nvPr/>
+            </p:nvCxnSpPr>
+            <p:spPr>
+              <a:xfrm flipH="1">
+                <a:off x="2615412" y="2496353"/>
+                <a:ext cx="1" cy="909037"/>
+              </a:xfrm>
+              <a:prstGeom prst="straightConnector1">
+                <a:avLst/>
+              </a:prstGeom>
+              <a:ln w="28575">
+                <a:solidFill>
+                  <a:schemeClr val="tx1"/>
+                </a:solidFill>
+                <a:headEnd type="none" w="med" len="med"/>
+                <a:tailEnd type="arrow" w="med" len="med"/>
+              </a:ln>
+            </p:spPr>
+            <p:style>
+              <a:lnRef idx="1">
+                <a:schemeClr val="accent1"/>
+              </a:lnRef>
+              <a:fillRef idx="0">
+                <a:schemeClr val="accent1"/>
+              </a:fillRef>
+              <a:effectRef idx="0">
+                <a:schemeClr val="accent1"/>
+              </a:effectRef>
+              <a:fontRef idx="minor">
+                <a:schemeClr val="tx1"/>
+              </a:fontRef>
+            </p:style>
+          </p:cxnSp>
+          <p:cxnSp>
+            <p:nvCxnSpPr>
+              <p:cNvPr id="58" name="Straight Arrow Connector 57"/>
+              <p:cNvCxnSpPr/>
+              <p:nvPr/>
+            </p:nvCxnSpPr>
+            <p:spPr>
+              <a:xfrm flipH="1">
+                <a:off x="3033524" y="2496353"/>
+                <a:ext cx="1" cy="909037"/>
+              </a:xfrm>
+              <a:prstGeom prst="straightConnector1">
+                <a:avLst/>
+              </a:prstGeom>
+              <a:ln w="28575">
+                <a:solidFill>
+                  <a:schemeClr val="tx1"/>
+                </a:solidFill>
+                <a:headEnd type="arrow" w="med" len="med"/>
+                <a:tailEnd type="none" w="med" len="med"/>
+              </a:ln>
+            </p:spPr>
+            <p:style>
+              <a:lnRef idx="1">
+                <a:schemeClr val="accent1"/>
+              </a:lnRef>
+              <a:fillRef idx="0">
+                <a:schemeClr val="accent1"/>
+              </a:fillRef>
+              <a:effectRef idx="0">
+                <a:schemeClr val="accent1"/>
+              </a:effectRef>
+              <a:fontRef idx="minor">
+                <a:schemeClr val="tx1"/>
+              </a:fontRef>
+            </p:style>
+          </p:cxnSp>
+        </p:grpSp>
+        <p:sp>
+          <p:nvSpPr>
+            <p:cNvPr id="53" name="Rectangle 52"/>
+            <p:cNvSpPr/>
+            <p:nvPr/>
+          </p:nvSpPr>
+          <p:spPr>
+            <a:xfrm>
+              <a:off x="3970351" y="2699667"/>
+              <a:ext cx="972620" cy="491544"/>
+            </a:xfrm>
+            <a:prstGeom prst="rect">
+              <a:avLst/>
+            </a:prstGeom>
+            <a:noFill/>
+            <a:ln>
+              <a:noFill/>
+            </a:ln>
+          </p:spPr>
+          <p:style>
+            <a:lnRef idx="2">
+              <a:schemeClr val="accent1">
+                <a:shade val="50000"/>
+              </a:schemeClr>
+            </a:lnRef>
+            <a:fillRef idx="1">
+              <a:schemeClr val="accent1"/>
+            </a:fillRef>
+            <a:effectRef idx="0">
+              <a:schemeClr val="accent1"/>
+            </a:effectRef>
+            <a:fontRef idx="minor">
+              <a:schemeClr val="lt1"/>
+            </a:fontRef>
+          </p:style>
+          <p:txBody>
+            <a:bodyPr rtlCol="0" anchor="ctr"/>
+            <a:lstStyle/>
+            <a:p>
+              <a:pPr algn="ctr"/>
+              <a:r>
+                <a:rPr lang="en-US" sz="1400" smtClean="0">
+                  <a:solidFill>
+                    <a:schemeClr val="tx1"/>
+                  </a:solidFill>
+                  <a:latin typeface="Tahoma" panose="020B0604030504040204" pitchFamily="34" charset="0"/>
+                  <a:ea typeface="Tahoma" panose="020B0604030504040204" pitchFamily="34" charset="0"/>
+                  <a:cs typeface="Tahoma" panose="020B0604030504040204" pitchFamily="34" charset="0"/>
+                </a:rPr>
+                <a:t>đọc</a:t>
+              </a:r>
+              <a:endParaRPr lang="en-US" sz="1400" dirty="0" smtClean="0">
+                <a:solidFill>
+                  <a:schemeClr val="tx1"/>
+                </a:solidFill>
+                <a:latin typeface="Tahoma" panose="020B0604030504040204" pitchFamily="34" charset="0"/>
+                <a:ea typeface="Tahoma" panose="020B0604030504040204" pitchFamily="34" charset="0"/>
+                <a:cs typeface="Tahoma" panose="020B0604030504040204" pitchFamily="34" charset="0"/>
+              </a:endParaRPr>
+            </a:p>
+          </p:txBody>
+        </p:sp>
+        <p:sp>
+          <p:nvSpPr>
+            <p:cNvPr id="56" name="Rectangle 55"/>
+            <p:cNvSpPr/>
+            <p:nvPr/>
+          </p:nvSpPr>
+          <p:spPr>
+            <a:xfrm>
+              <a:off x="2877565" y="2692155"/>
+              <a:ext cx="972620" cy="491544"/>
+            </a:xfrm>
+            <a:prstGeom prst="rect">
+              <a:avLst/>
+            </a:prstGeom>
+            <a:noFill/>
+            <a:ln>
+              <a:noFill/>
+            </a:ln>
+          </p:spPr>
+          <p:style>
+            <a:lnRef idx="2">
+              <a:schemeClr val="accent1">
+                <a:shade val="50000"/>
+              </a:schemeClr>
+            </a:lnRef>
+            <a:fillRef idx="1">
+              <a:schemeClr val="accent1"/>
+            </a:fillRef>
+            <a:effectRef idx="0">
+              <a:schemeClr val="accent1"/>
+            </a:effectRef>
+            <a:fontRef idx="minor">
+              <a:schemeClr val="lt1"/>
+            </a:fontRef>
+          </p:style>
+          <p:txBody>
+            <a:bodyPr rtlCol="0" anchor="ctr"/>
+            <a:lstStyle/>
+            <a:p>
+              <a:pPr algn="ctr"/>
+              <a:r>
+                <a:rPr lang="en-US" sz="1400" smtClean="0">
+                  <a:solidFill>
+                    <a:schemeClr val="tx1"/>
+                  </a:solidFill>
+                  <a:latin typeface="Tahoma" panose="020B0604030504040204" pitchFamily="34" charset="0"/>
+                  <a:ea typeface="Tahoma" panose="020B0604030504040204" pitchFamily="34" charset="0"/>
+                  <a:cs typeface="Tahoma" panose="020B0604030504040204" pitchFamily="34" charset="0"/>
+                </a:rPr>
+                <a:t>ghi</a:t>
+              </a:r>
+              <a:endParaRPr lang="en-US" sz="1400" dirty="0" smtClean="0">
+                <a:solidFill>
+                  <a:schemeClr val="tx1"/>
+                </a:solidFill>
+                <a:latin typeface="Tahoma" panose="020B0604030504040204" pitchFamily="34" charset="0"/>
+                <a:ea typeface="Tahoma" panose="020B0604030504040204" pitchFamily="34" charset="0"/>
+                <a:cs typeface="Tahoma" panose="020B0604030504040204" pitchFamily="34" charset="0"/>
+              </a:endParaRPr>
+            </a:p>
+          </p:txBody>
+        </p:sp>
+      </p:grpSp>
+      <p:grpSp>
+        <p:nvGrpSpPr>
+          <p:cNvPr id="6" name="Group 5"/>
+          <p:cNvGrpSpPr/>
+          <p:nvPr/>
+        </p:nvGrpSpPr>
+        <p:grpSpPr>
+          <a:xfrm>
+            <a:off x="5067024" y="3641636"/>
+            <a:ext cx="1022690" cy="566132"/>
+            <a:chOff x="5065289" y="4634308"/>
+            <a:chExt cx="1022690" cy="566132"/>
           </a:xfrm>
         </p:grpSpPr>
         <p:cxnSp>
           <p:nvCxnSpPr>
-            <p:cNvPr id="37" name="Straight Arrow Connector 36"/>
+            <p:cNvPr id="51" name="Straight Arrow Connector 50"/>
             <p:cNvCxnSpPr/>
             <p:nvPr/>
           </p:nvCxnSpPr>
           <p:spPr>
             <a:xfrm flipH="1">
-              <a:off x="2134149" y="2496353"/>
-              <a:ext cx="1" cy="909037"/>
+              <a:off x="5065289" y="5200439"/>
+              <a:ext cx="1022690" cy="1"/>
             </a:xfrm>
             <a:prstGeom prst="straightConnector1">
               <a:avLst/>
@@ -4813,930 +5677,69 @@
             </a:fontRef>
           </p:style>
         </p:cxnSp>
-        <p:cxnSp>
-          <p:nvCxnSpPr>
-            <p:cNvPr id="40" name="Straight Arrow Connector 39"/>
-            <p:cNvCxnSpPr/>
+        <p:sp>
+          <p:nvSpPr>
+            <p:cNvPr id="62" name="Rectangle 61"/>
+            <p:cNvSpPr/>
             <p:nvPr/>
-          </p:nvCxnSpPr>
+          </p:nvSpPr>
           <p:spPr>
-            <a:xfrm flipH="1">
-              <a:off x="3033524" y="2496353"/>
-              <a:ext cx="1" cy="909037"/>
+            <a:xfrm>
+              <a:off x="5065289" y="4634308"/>
+              <a:ext cx="972620" cy="491544"/>
             </a:xfrm>
-            <a:prstGeom prst="straightConnector1">
+            <a:prstGeom prst="rect">
               <a:avLst/>
             </a:prstGeom>
-            <a:ln w="28575">
-              <a:solidFill>
-                <a:schemeClr val="tx1"/>
-              </a:solidFill>
-              <a:headEnd type="arrow" w="med" len="med"/>
-              <a:tailEnd type="none" w="med" len="med"/>
+            <a:noFill/>
+            <a:ln>
+              <a:noFill/>
             </a:ln>
           </p:spPr>
           <p:style>
-            <a:lnRef idx="1">
-              <a:schemeClr val="accent1"/>
+            <a:lnRef idx="2">
+              <a:schemeClr val="accent1">
+                <a:shade val="50000"/>
+              </a:schemeClr>
             </a:lnRef>
-            <a:fillRef idx="0">
+            <a:fillRef idx="1">
               <a:schemeClr val="accent1"/>
             </a:fillRef>
             <a:effectRef idx="0">
               <a:schemeClr val="accent1"/>
             </a:effectRef>
             <a:fontRef idx="minor">
-              <a:schemeClr val="tx1"/>
+              <a:schemeClr val="lt1"/>
             </a:fontRef>
           </p:style>
-        </p:cxnSp>
-      </p:grpSp>
-      <p:grpSp>
-        <p:nvGrpSpPr>
-          <p:cNvPr id="42" name="Group 41"/>
-          <p:cNvGrpSpPr/>
-          <p:nvPr/>
-        </p:nvGrpSpPr>
-        <p:grpSpPr>
-          <a:xfrm>
-            <a:off x="8028772" y="3294840"/>
-            <a:ext cx="899376" cy="909037"/>
-            <a:chOff x="2134149" y="2496353"/>
-            <a:chExt cx="899376" cy="909037"/>
-          </a:xfrm>
-        </p:grpSpPr>
-        <p:cxnSp>
-          <p:nvCxnSpPr>
-            <p:cNvPr id="43" name="Straight Arrow Connector 42"/>
-            <p:cNvCxnSpPr/>
-            <p:nvPr/>
-          </p:nvCxnSpPr>
-          <p:spPr>
-            <a:xfrm flipH="1">
-              <a:off x="2134149" y="2496353"/>
-              <a:ext cx="1" cy="909037"/>
-            </a:xfrm>
-            <a:prstGeom prst="straightConnector1">
-              <a:avLst/>
-            </a:prstGeom>
-            <a:ln w="28575">
-              <a:solidFill>
-                <a:schemeClr val="tx1"/>
-              </a:solidFill>
-              <a:headEnd type="none" w="med" len="med"/>
-              <a:tailEnd type="arrow" w="med" len="med"/>
-            </a:ln>
-          </p:spPr>
-          <p:style>
-            <a:lnRef idx="1">
-              <a:schemeClr val="accent1"/>
-            </a:lnRef>
-            <a:fillRef idx="0">
-              <a:schemeClr val="accent1"/>
-            </a:fillRef>
-            <a:effectRef idx="0">
-              <a:schemeClr val="accent1"/>
-            </a:effectRef>
-            <a:fontRef idx="minor">
-              <a:schemeClr val="tx1"/>
-            </a:fontRef>
-          </p:style>
-        </p:cxnSp>
-        <p:cxnSp>
-          <p:nvCxnSpPr>
-            <p:cNvPr id="44" name="Straight Arrow Connector 43"/>
-            <p:cNvCxnSpPr/>
-            <p:nvPr/>
-          </p:nvCxnSpPr>
-          <p:spPr>
-            <a:xfrm flipH="1">
-              <a:off x="3033524" y="2496353"/>
-              <a:ext cx="1" cy="909037"/>
-            </a:xfrm>
-            <a:prstGeom prst="straightConnector1">
-              <a:avLst/>
-            </a:prstGeom>
-            <a:ln w="28575">
-              <a:solidFill>
-                <a:schemeClr val="tx1"/>
-              </a:solidFill>
-              <a:headEnd type="arrow" w="med" len="med"/>
-              <a:tailEnd type="none" w="med" len="med"/>
-            </a:ln>
-          </p:spPr>
-          <p:style>
-            <a:lnRef idx="1">
-              <a:schemeClr val="accent1"/>
-            </a:lnRef>
-            <a:fillRef idx="0">
-              <a:schemeClr val="accent1"/>
-            </a:fillRef>
-            <a:effectRef idx="0">
-              <a:schemeClr val="accent1"/>
-            </a:effectRef>
-            <a:fontRef idx="minor">
-              <a:schemeClr val="tx1"/>
-            </a:fontRef>
-          </p:style>
-        </p:cxnSp>
-      </p:grpSp>
-      <p:sp>
-        <p:nvSpPr>
-          <p:cNvPr id="45" name="Rectangle 44"/>
-          <p:cNvSpPr/>
-          <p:nvPr/>
-        </p:nvSpPr>
-        <p:spPr>
-          <a:xfrm>
-            <a:off x="2947665" y="3553908"/>
-            <a:ext cx="972620" cy="491544"/>
-          </a:xfrm>
-          <a:prstGeom prst="rect">
-            <a:avLst/>
-          </a:prstGeom>
-          <a:noFill/>
-          <a:ln>
-            <a:noFill/>
-          </a:ln>
-        </p:spPr>
-        <p:style>
-          <a:lnRef idx="2">
-            <a:schemeClr val="accent1">
-              <a:shade val="50000"/>
-            </a:schemeClr>
-          </a:lnRef>
-          <a:fillRef idx="1">
-            <a:schemeClr val="accent1"/>
-          </a:fillRef>
-          <a:effectRef idx="0">
-            <a:schemeClr val="accent1"/>
-          </a:effectRef>
-          <a:fontRef idx="minor">
-            <a:schemeClr val="lt1"/>
-          </a:fontRef>
-        </p:style>
-        <p:txBody>
-          <a:bodyPr rtlCol="0" anchor="ctr"/>
-          <a:lstStyle/>
-          <a:p>
-            <a:pPr algn="ctr"/>
-            <a:r>
-              <a:rPr lang="en-US" sz="1400" dirty="0">
+          <p:txBody>
+            <a:bodyPr rtlCol="0" anchor="ctr"/>
+            <a:lstStyle/>
+            <a:p>
+              <a:pPr algn="ctr"/>
+              <a:r>
+                <a:rPr lang="en-US" sz="1400" smtClean="0">
+                  <a:solidFill>
+                    <a:schemeClr val="tx1"/>
+                  </a:solidFill>
+                  <a:latin typeface="Tahoma" panose="020B0604030504040204" pitchFamily="34" charset="0"/>
+                  <a:ea typeface="Tahoma" panose="020B0604030504040204" pitchFamily="34" charset="0"/>
+                  <a:cs typeface="Tahoma" panose="020B0604030504040204" pitchFamily="34" charset="0"/>
+                </a:rPr>
+                <a:t>Đăng ký phiên</a:t>
+              </a:r>
+              <a:endParaRPr lang="en-US" sz="1400" dirty="0" smtClean="0">
                 <a:solidFill>
                   <a:schemeClr val="tx1"/>
                 </a:solidFill>
                 <a:latin typeface="Tahoma" panose="020B0604030504040204" pitchFamily="34" charset="0"/>
                 <a:ea typeface="Tahoma" panose="020B0604030504040204" pitchFamily="34" charset="0"/>
                 <a:cs typeface="Tahoma" panose="020B0604030504040204" pitchFamily="34" charset="0"/>
-              </a:rPr>
-              <a:t>r</a:t>
-            </a:r>
-            <a:r>
-              <a:rPr lang="en-US" sz="1400" dirty="0" smtClean="0">
-                <a:solidFill>
-                  <a:schemeClr val="tx1"/>
-                </a:solidFill>
-                <a:latin typeface="Tahoma" panose="020B0604030504040204" pitchFamily="34" charset="0"/>
-                <a:ea typeface="Tahoma" panose="020B0604030504040204" pitchFamily="34" charset="0"/>
-                <a:cs typeface="Tahoma" panose="020B0604030504040204" pitchFamily="34" charset="0"/>
-              </a:rPr>
-              <a:t>ead</a:t>
-            </a:r>
-          </a:p>
-        </p:txBody>
-      </p:sp>
-      <p:sp>
-        <p:nvSpPr>
-          <p:cNvPr id="46" name="Rectangle 45"/>
-          <p:cNvSpPr/>
-          <p:nvPr/>
-        </p:nvSpPr>
-        <p:spPr>
-          <a:xfrm>
-            <a:off x="1193134" y="3546396"/>
-            <a:ext cx="972620" cy="491544"/>
-          </a:xfrm>
-          <a:prstGeom prst="rect">
-            <a:avLst/>
-          </a:prstGeom>
-          <a:noFill/>
-          <a:ln>
-            <a:noFill/>
-          </a:ln>
-        </p:spPr>
-        <p:style>
-          <a:lnRef idx="2">
-            <a:schemeClr val="accent1">
-              <a:shade val="50000"/>
-            </a:schemeClr>
-          </a:lnRef>
-          <a:fillRef idx="1">
-            <a:schemeClr val="accent1"/>
-          </a:fillRef>
-          <a:effectRef idx="0">
-            <a:schemeClr val="accent1"/>
-          </a:effectRef>
-          <a:fontRef idx="minor">
-            <a:schemeClr val="lt1"/>
-          </a:fontRef>
-        </p:style>
-        <p:txBody>
-          <a:bodyPr rtlCol="0" anchor="ctr"/>
-          <a:lstStyle/>
-          <a:p>
-            <a:pPr algn="ctr"/>
-            <a:r>
-              <a:rPr lang="en-US" sz="1400" dirty="0" smtClean="0">
-                <a:solidFill>
-                  <a:schemeClr val="tx1"/>
-                </a:solidFill>
-                <a:latin typeface="Tahoma" panose="020B0604030504040204" pitchFamily="34" charset="0"/>
-                <a:ea typeface="Tahoma" panose="020B0604030504040204" pitchFamily="34" charset="0"/>
-                <a:cs typeface="Tahoma" panose="020B0604030504040204" pitchFamily="34" charset="0"/>
-              </a:rPr>
-              <a:t>write</a:t>
-            </a:r>
-          </a:p>
-        </p:txBody>
-      </p:sp>
-      <p:sp>
-        <p:nvSpPr>
-          <p:cNvPr id="47" name="Rectangle 46"/>
-          <p:cNvSpPr/>
-          <p:nvPr/>
-        </p:nvSpPr>
-        <p:spPr>
-          <a:xfrm>
-            <a:off x="7101381" y="3505199"/>
-            <a:ext cx="972620" cy="491544"/>
-          </a:xfrm>
-          <a:prstGeom prst="rect">
-            <a:avLst/>
-          </a:prstGeom>
-          <a:noFill/>
-          <a:ln>
-            <a:noFill/>
-          </a:ln>
-        </p:spPr>
-        <p:style>
-          <a:lnRef idx="2">
-            <a:schemeClr val="accent1">
-              <a:shade val="50000"/>
-            </a:schemeClr>
-          </a:lnRef>
-          <a:fillRef idx="1">
-            <a:schemeClr val="accent1"/>
-          </a:fillRef>
-          <a:effectRef idx="0">
-            <a:schemeClr val="accent1"/>
-          </a:effectRef>
-          <a:fontRef idx="minor">
-            <a:schemeClr val="lt1"/>
-          </a:fontRef>
-        </p:style>
-        <p:txBody>
-          <a:bodyPr rtlCol="0" anchor="ctr"/>
-          <a:lstStyle/>
-          <a:p>
-            <a:pPr algn="ctr"/>
-            <a:r>
-              <a:rPr lang="en-US" sz="1400" dirty="0" smtClean="0">
-                <a:solidFill>
-                  <a:schemeClr val="tx1"/>
-                </a:solidFill>
-                <a:latin typeface="Tahoma" panose="020B0604030504040204" pitchFamily="34" charset="0"/>
-                <a:ea typeface="Tahoma" panose="020B0604030504040204" pitchFamily="34" charset="0"/>
-                <a:cs typeface="Tahoma" panose="020B0604030504040204" pitchFamily="34" charset="0"/>
-              </a:rPr>
-              <a:t>write</a:t>
-            </a:r>
-          </a:p>
-        </p:txBody>
-      </p:sp>
-      <p:sp>
-        <p:nvSpPr>
-          <p:cNvPr id="48" name="Rectangle 47"/>
-          <p:cNvSpPr/>
-          <p:nvPr/>
-        </p:nvSpPr>
-        <p:spPr>
-          <a:xfrm>
-            <a:off x="8863751" y="3505199"/>
-            <a:ext cx="972620" cy="491544"/>
-          </a:xfrm>
-          <a:prstGeom prst="rect">
-            <a:avLst/>
-          </a:prstGeom>
-          <a:noFill/>
-          <a:ln>
-            <a:noFill/>
-          </a:ln>
-        </p:spPr>
-        <p:style>
-          <a:lnRef idx="2">
-            <a:schemeClr val="accent1">
-              <a:shade val="50000"/>
-            </a:schemeClr>
-          </a:lnRef>
-          <a:fillRef idx="1">
-            <a:schemeClr val="accent1"/>
-          </a:fillRef>
-          <a:effectRef idx="0">
-            <a:schemeClr val="accent1"/>
-          </a:effectRef>
-          <a:fontRef idx="minor">
-            <a:schemeClr val="lt1"/>
-          </a:fontRef>
-        </p:style>
-        <p:txBody>
-          <a:bodyPr rtlCol="0" anchor="ctr"/>
-          <a:lstStyle/>
-          <a:p>
-            <a:pPr algn="ctr"/>
-            <a:r>
-              <a:rPr lang="en-US" sz="1400" dirty="0">
-                <a:solidFill>
-                  <a:schemeClr val="tx1"/>
-                </a:solidFill>
-                <a:latin typeface="Tahoma" panose="020B0604030504040204" pitchFamily="34" charset="0"/>
-                <a:ea typeface="Tahoma" panose="020B0604030504040204" pitchFamily="34" charset="0"/>
-                <a:cs typeface="Tahoma" panose="020B0604030504040204" pitchFamily="34" charset="0"/>
-              </a:rPr>
-              <a:t>r</a:t>
-            </a:r>
-            <a:r>
-              <a:rPr lang="en-US" sz="1400" dirty="0" smtClean="0">
-                <a:solidFill>
-                  <a:schemeClr val="tx1"/>
-                </a:solidFill>
-                <a:latin typeface="Tahoma" panose="020B0604030504040204" pitchFamily="34" charset="0"/>
-                <a:ea typeface="Tahoma" panose="020B0604030504040204" pitchFamily="34" charset="0"/>
-                <a:cs typeface="Tahoma" panose="020B0604030504040204" pitchFamily="34" charset="0"/>
-              </a:rPr>
-              <a:t>ead</a:t>
-            </a:r>
-          </a:p>
-        </p:txBody>
-      </p:sp>
-      <p:sp>
-        <p:nvSpPr>
-          <p:cNvPr id="49" name="Rectangle 48"/>
-          <p:cNvSpPr/>
-          <p:nvPr/>
-        </p:nvSpPr>
-        <p:spPr>
-          <a:xfrm>
-            <a:off x="7490949" y="5734321"/>
-            <a:ext cx="1975023" cy="640717"/>
-          </a:xfrm>
-          <a:prstGeom prst="rect">
-            <a:avLst/>
-          </a:prstGeom>
-          <a:noFill/>
-          <a:ln>
-            <a:solidFill>
-              <a:schemeClr val="tx1"/>
-            </a:solidFill>
-          </a:ln>
-        </p:spPr>
-        <p:style>
-          <a:lnRef idx="2">
-            <a:schemeClr val="accent1">
-              <a:shade val="50000"/>
-            </a:schemeClr>
-          </a:lnRef>
-          <a:fillRef idx="1">
-            <a:schemeClr val="accent1"/>
-          </a:fillRef>
-          <a:effectRef idx="0">
-            <a:schemeClr val="accent1"/>
-          </a:effectRef>
-          <a:fontRef idx="minor">
-            <a:schemeClr val="lt1"/>
-          </a:fontRef>
-        </p:style>
-        <p:txBody>
-          <a:bodyPr rtlCol="0" anchor="ctr"/>
-          <a:lstStyle/>
-          <a:p>
-            <a:pPr algn="ctr"/>
-            <a:r>
-              <a:rPr lang="en-US" dirty="0" smtClean="0">
-                <a:solidFill>
-                  <a:schemeClr val="tx1"/>
-                </a:solidFill>
-                <a:latin typeface="Tahoma" panose="020B0604030504040204" pitchFamily="34" charset="0"/>
-                <a:ea typeface="Tahoma" panose="020B0604030504040204" pitchFamily="34" charset="0"/>
-                <a:cs typeface="Tahoma" panose="020B0604030504040204" pitchFamily="34" charset="0"/>
-              </a:rPr>
-              <a:t>Provisioning Scope</a:t>
-            </a:r>
-            <a:endParaRPr lang="en-US" dirty="0">
-              <a:solidFill>
-                <a:schemeClr val="tx1"/>
-              </a:solidFill>
-              <a:latin typeface="Tahoma" panose="020B0604030504040204" pitchFamily="34" charset="0"/>
-              <a:ea typeface="Tahoma" panose="020B0604030504040204" pitchFamily="34" charset="0"/>
-              <a:cs typeface="Tahoma" panose="020B0604030504040204" pitchFamily="34" charset="0"/>
-            </a:endParaRPr>
-          </a:p>
-        </p:txBody>
-      </p:sp>
-      <p:sp>
-        <p:nvSpPr>
-          <p:cNvPr id="50" name="Rectangle 49"/>
-          <p:cNvSpPr/>
-          <p:nvPr/>
-        </p:nvSpPr>
-        <p:spPr>
-          <a:xfrm>
-            <a:off x="1666565" y="5734321"/>
-            <a:ext cx="1975023" cy="640717"/>
-          </a:xfrm>
-          <a:prstGeom prst="rect">
-            <a:avLst/>
-          </a:prstGeom>
-          <a:noFill/>
-          <a:ln>
-            <a:solidFill>
-              <a:schemeClr val="tx1"/>
-            </a:solidFill>
-          </a:ln>
-        </p:spPr>
-        <p:style>
-          <a:lnRef idx="2">
-            <a:schemeClr val="accent1">
-              <a:shade val="50000"/>
-            </a:schemeClr>
-          </a:lnRef>
-          <a:fillRef idx="1">
-            <a:schemeClr val="accent1"/>
-          </a:fillRef>
-          <a:effectRef idx="0">
-            <a:schemeClr val="accent1"/>
-          </a:effectRef>
-          <a:fontRef idx="minor">
-            <a:schemeClr val="lt1"/>
-          </a:fontRef>
-        </p:style>
-        <p:txBody>
-          <a:bodyPr rtlCol="0" anchor="ctr"/>
-          <a:lstStyle/>
-          <a:p>
-            <a:pPr algn="ctr"/>
-            <a:r>
-              <a:rPr lang="en-US" dirty="0" smtClean="0">
-                <a:solidFill>
-                  <a:schemeClr val="tx1"/>
-                </a:solidFill>
-                <a:latin typeface="Tahoma" panose="020B0604030504040204" pitchFamily="34" charset="0"/>
-                <a:ea typeface="Tahoma" panose="020B0604030504040204" pitchFamily="34" charset="0"/>
-                <a:cs typeface="Tahoma" panose="020B0604030504040204" pitchFamily="34" charset="0"/>
-              </a:rPr>
-              <a:t>Registered Scope</a:t>
-            </a:r>
-            <a:endParaRPr lang="en-US" dirty="0">
-              <a:solidFill>
-                <a:schemeClr val="tx1"/>
-              </a:solidFill>
-              <a:latin typeface="Tahoma" panose="020B0604030504040204" pitchFamily="34" charset="0"/>
-              <a:ea typeface="Tahoma" panose="020B0604030504040204" pitchFamily="34" charset="0"/>
-              <a:cs typeface="Tahoma" panose="020B0604030504040204" pitchFamily="34" charset="0"/>
-            </a:endParaRPr>
-          </a:p>
-        </p:txBody>
-      </p:sp>
-      <p:cxnSp>
-        <p:nvCxnSpPr>
-          <p:cNvPr id="51" name="Straight Arrow Connector 50"/>
-          <p:cNvCxnSpPr/>
-          <p:nvPr/>
-        </p:nvCxnSpPr>
-        <p:spPr>
-          <a:xfrm flipH="1" flipV="1">
-            <a:off x="3795130" y="6054679"/>
-            <a:ext cx="3571585" cy="1"/>
-          </a:xfrm>
-          <a:prstGeom prst="straightConnector1">
-            <a:avLst/>
-          </a:prstGeom>
-          <a:ln w="28575">
-            <a:solidFill>
-              <a:schemeClr val="tx1"/>
-            </a:solidFill>
-            <a:headEnd type="none" w="med" len="med"/>
-            <a:tailEnd type="arrow" w="med" len="med"/>
-          </a:ln>
-        </p:spPr>
-        <p:style>
-          <a:lnRef idx="1">
-            <a:schemeClr val="accent1"/>
-          </a:lnRef>
-          <a:fillRef idx="0">
-            <a:schemeClr val="accent1"/>
-          </a:fillRef>
-          <a:effectRef idx="0">
-            <a:schemeClr val="accent1"/>
-          </a:effectRef>
-          <a:fontRef idx="minor">
-            <a:schemeClr val="tx1"/>
-          </a:fontRef>
-        </p:style>
-      </p:cxnSp>
-      <p:sp>
-        <p:nvSpPr>
-          <p:cNvPr id="54" name="Rectangle 53"/>
-          <p:cNvSpPr/>
-          <p:nvPr/>
-        </p:nvSpPr>
-        <p:spPr>
-          <a:xfrm>
-            <a:off x="1654671" y="2564379"/>
-            <a:ext cx="7811300" cy="491544"/>
-          </a:xfrm>
-          <a:prstGeom prst="rect">
-            <a:avLst/>
-          </a:prstGeom>
-          <a:noFill/>
-          <a:ln>
-            <a:solidFill>
-              <a:schemeClr val="tx1"/>
-            </a:solidFill>
-          </a:ln>
-        </p:spPr>
-        <p:style>
-          <a:lnRef idx="2">
-            <a:schemeClr val="accent1">
-              <a:shade val="50000"/>
-            </a:schemeClr>
-          </a:lnRef>
-          <a:fillRef idx="1">
-            <a:schemeClr val="accent1"/>
-          </a:fillRef>
-          <a:effectRef idx="0">
-            <a:schemeClr val="accent1"/>
-          </a:effectRef>
-          <a:fontRef idx="minor">
-            <a:schemeClr val="lt1"/>
-          </a:fontRef>
-        </p:style>
-        <p:txBody>
-          <a:bodyPr rtlCol="0" anchor="ctr"/>
-          <a:lstStyle/>
-          <a:p>
-            <a:pPr algn="ctr"/>
-            <a:r>
-              <a:rPr lang="en-US" dirty="0" smtClean="0">
-                <a:solidFill>
-                  <a:schemeClr val="tx1"/>
-                </a:solidFill>
-                <a:latin typeface="Tahoma" panose="020B0604030504040204" pitchFamily="34" charset="0"/>
-                <a:ea typeface="Tahoma" panose="020B0604030504040204" pitchFamily="34" charset="0"/>
-                <a:cs typeface="Tahoma" panose="020B0604030504040204" pitchFamily="34" charset="0"/>
-              </a:rPr>
-              <a:t>Data synchronizing pipeline</a:t>
-            </a:r>
-            <a:endParaRPr lang="en-US" dirty="0">
-              <a:solidFill>
-                <a:schemeClr val="tx1"/>
-              </a:solidFill>
-              <a:latin typeface="Tahoma" panose="020B0604030504040204" pitchFamily="34" charset="0"/>
-              <a:ea typeface="Tahoma" panose="020B0604030504040204" pitchFamily="34" charset="0"/>
-              <a:cs typeface="Tahoma" panose="020B0604030504040204" pitchFamily="34" charset="0"/>
-            </a:endParaRPr>
-          </a:p>
-        </p:txBody>
-      </p:sp>
-      <p:cxnSp>
-        <p:nvCxnSpPr>
-          <p:cNvPr id="55" name="Straight Arrow Connector 54"/>
-          <p:cNvCxnSpPr/>
-          <p:nvPr/>
-        </p:nvCxnSpPr>
-        <p:spPr>
-          <a:xfrm flipH="1">
-            <a:off x="2642182" y="2578331"/>
-            <a:ext cx="5836277" cy="0"/>
-          </a:xfrm>
-          <a:prstGeom prst="straightConnector1">
-            <a:avLst/>
-          </a:prstGeom>
-          <a:ln w="28575">
-            <a:solidFill>
-              <a:schemeClr val="tx1"/>
-            </a:solidFill>
-            <a:headEnd type="arrow" w="med" len="med"/>
-            <a:tailEnd type="arrow" w="med" len="med"/>
-          </a:ln>
-        </p:spPr>
-        <p:style>
-          <a:lnRef idx="1">
-            <a:schemeClr val="accent1"/>
-          </a:lnRef>
-          <a:fillRef idx="0">
-            <a:schemeClr val="accent1"/>
-          </a:fillRef>
-          <a:effectRef idx="0">
-            <a:schemeClr val="accent1"/>
-          </a:effectRef>
-          <a:fontRef idx="minor">
-            <a:schemeClr val="tx1"/>
-          </a:fontRef>
-        </p:style>
-      </p:cxnSp>
-      <p:cxnSp>
-        <p:nvCxnSpPr>
-          <p:cNvPr id="59" name="Straight Arrow Connector 58"/>
-          <p:cNvCxnSpPr/>
-          <p:nvPr/>
-        </p:nvCxnSpPr>
-        <p:spPr>
-          <a:xfrm flipH="1">
-            <a:off x="2658021" y="3055923"/>
-            <a:ext cx="5836277" cy="0"/>
-          </a:xfrm>
-          <a:prstGeom prst="straightConnector1">
-            <a:avLst/>
-          </a:prstGeom>
-          <a:ln w="28575">
-            <a:solidFill>
-              <a:schemeClr val="tx1"/>
-            </a:solidFill>
-            <a:headEnd type="arrow" w="med" len="med"/>
-            <a:tailEnd type="arrow" w="med" len="med"/>
-          </a:ln>
-        </p:spPr>
-        <p:style>
-          <a:lnRef idx="1">
-            <a:schemeClr val="accent1"/>
-          </a:lnRef>
-          <a:fillRef idx="0">
-            <a:schemeClr val="accent1"/>
-          </a:fillRef>
-          <a:effectRef idx="0">
-            <a:schemeClr val="accent1"/>
-          </a:effectRef>
-          <a:fontRef idx="minor">
-            <a:schemeClr val="tx1"/>
-          </a:fontRef>
-        </p:style>
-      </p:cxnSp>
-      <p:sp>
-        <p:nvSpPr>
-          <p:cNvPr id="60" name="Rectangle 59"/>
-          <p:cNvSpPr/>
-          <p:nvPr/>
-        </p:nvSpPr>
-        <p:spPr>
-          <a:xfrm>
-            <a:off x="1654671" y="4350911"/>
-            <a:ext cx="1975023" cy="491544"/>
-          </a:xfrm>
-          <a:prstGeom prst="rect">
-            <a:avLst/>
-          </a:prstGeom>
-          <a:noFill/>
-          <a:ln>
-            <a:solidFill>
-              <a:schemeClr val="tx1"/>
-            </a:solidFill>
-          </a:ln>
-        </p:spPr>
-        <p:style>
-          <a:lnRef idx="2">
-            <a:schemeClr val="accent1">
-              <a:shade val="50000"/>
-            </a:schemeClr>
-          </a:lnRef>
-          <a:fillRef idx="1">
-            <a:schemeClr val="accent1"/>
-          </a:fillRef>
-          <a:effectRef idx="0">
-            <a:schemeClr val="accent1"/>
-          </a:effectRef>
-          <a:fontRef idx="minor">
-            <a:schemeClr val="lt1"/>
-          </a:fontRef>
-        </p:style>
-        <p:txBody>
-          <a:bodyPr rtlCol="0" anchor="ctr"/>
-          <a:lstStyle/>
-          <a:p>
-            <a:pPr algn="ctr"/>
-            <a:r>
-              <a:rPr lang="en-US" dirty="0" smtClean="0">
-                <a:solidFill>
-                  <a:schemeClr val="tx1"/>
-                </a:solidFill>
-                <a:latin typeface="Tahoma" panose="020B0604030504040204" pitchFamily="34" charset="0"/>
-                <a:ea typeface="Tahoma" panose="020B0604030504040204" pitchFamily="34" charset="0"/>
-                <a:cs typeface="Tahoma" panose="020B0604030504040204" pitchFamily="34" charset="0"/>
-              </a:rPr>
-              <a:t>DBMS</a:t>
-            </a:r>
-            <a:endParaRPr lang="en-US" dirty="0">
-              <a:solidFill>
-                <a:schemeClr val="tx1"/>
-              </a:solidFill>
-              <a:latin typeface="Tahoma" panose="020B0604030504040204" pitchFamily="34" charset="0"/>
-              <a:ea typeface="Tahoma" panose="020B0604030504040204" pitchFamily="34" charset="0"/>
-              <a:cs typeface="Tahoma" panose="020B0604030504040204" pitchFamily="34" charset="0"/>
-            </a:endParaRPr>
-          </a:p>
-        </p:txBody>
-      </p:sp>
-      <p:sp>
-        <p:nvSpPr>
-          <p:cNvPr id="61" name="Rectangle 60"/>
-          <p:cNvSpPr/>
-          <p:nvPr/>
-        </p:nvSpPr>
-        <p:spPr>
-          <a:xfrm>
-            <a:off x="7490947" y="4332666"/>
-            <a:ext cx="1975023" cy="491544"/>
-          </a:xfrm>
-          <a:prstGeom prst="rect">
-            <a:avLst/>
-          </a:prstGeom>
-          <a:noFill/>
-          <a:ln>
-            <a:solidFill>
-              <a:schemeClr val="tx1"/>
-            </a:solidFill>
-          </a:ln>
-        </p:spPr>
-        <p:style>
-          <a:lnRef idx="2">
-            <a:schemeClr val="accent1">
-              <a:shade val="50000"/>
-            </a:schemeClr>
-          </a:lnRef>
-          <a:fillRef idx="1">
-            <a:schemeClr val="accent1"/>
-          </a:fillRef>
-          <a:effectRef idx="0">
-            <a:schemeClr val="accent1"/>
-          </a:effectRef>
-          <a:fontRef idx="minor">
-            <a:schemeClr val="lt1"/>
-          </a:fontRef>
-        </p:style>
-        <p:txBody>
-          <a:bodyPr rtlCol="0" anchor="ctr"/>
-          <a:lstStyle/>
-          <a:p>
-            <a:pPr algn="ctr"/>
-            <a:r>
-              <a:rPr lang="en-US" dirty="0" smtClean="0">
-                <a:solidFill>
-                  <a:schemeClr val="tx1"/>
-                </a:solidFill>
-                <a:latin typeface="Tahoma" panose="020B0604030504040204" pitchFamily="34" charset="0"/>
-                <a:ea typeface="Tahoma" panose="020B0604030504040204" pitchFamily="34" charset="0"/>
-                <a:cs typeface="Tahoma" panose="020B0604030504040204" pitchFamily="34" charset="0"/>
-              </a:rPr>
-              <a:t>DBMS</a:t>
-            </a:r>
-            <a:endParaRPr lang="en-US" dirty="0">
-              <a:solidFill>
-                <a:schemeClr val="tx1"/>
-              </a:solidFill>
-              <a:latin typeface="Tahoma" panose="020B0604030504040204" pitchFamily="34" charset="0"/>
-              <a:ea typeface="Tahoma" panose="020B0604030504040204" pitchFamily="34" charset="0"/>
-              <a:cs typeface="Tahoma" panose="020B0604030504040204" pitchFamily="34" charset="0"/>
-            </a:endParaRPr>
-          </a:p>
-        </p:txBody>
-      </p:sp>
-      <p:sp>
-        <p:nvSpPr>
-          <p:cNvPr id="30" name="Rectangle 29"/>
-          <p:cNvSpPr/>
-          <p:nvPr/>
-        </p:nvSpPr>
-        <p:spPr>
-          <a:xfrm rot="5400000">
-            <a:off x="9321328" y="2138553"/>
-            <a:ext cx="1239231" cy="595516"/>
-          </a:xfrm>
-          <a:prstGeom prst="rect">
-            <a:avLst/>
-          </a:prstGeom>
-          <a:noFill/>
-          <a:ln>
-            <a:solidFill>
-              <a:schemeClr val="tx1"/>
-            </a:solidFill>
-          </a:ln>
-        </p:spPr>
-        <p:style>
-          <a:lnRef idx="2">
-            <a:schemeClr val="accent1">
-              <a:shade val="50000"/>
-            </a:schemeClr>
-          </a:lnRef>
-          <a:fillRef idx="1">
-            <a:schemeClr val="accent1"/>
-          </a:fillRef>
-          <a:effectRef idx="0">
-            <a:schemeClr val="accent1"/>
-          </a:effectRef>
-          <a:fontRef idx="minor">
-            <a:schemeClr val="lt1"/>
-          </a:fontRef>
-        </p:style>
-        <p:txBody>
-          <a:bodyPr rtlCol="0" anchor="ctr"/>
-          <a:lstStyle/>
-          <a:p>
-            <a:pPr algn="ctr"/>
-            <a:r>
-              <a:rPr lang="en-US" sz="1600" dirty="0" smtClean="0">
-                <a:solidFill>
-                  <a:schemeClr val="tx1"/>
-                </a:solidFill>
-                <a:latin typeface="Tahoma" panose="020B0604030504040204" pitchFamily="34" charset="0"/>
-                <a:ea typeface="Tahoma" panose="020B0604030504040204" pitchFamily="34" charset="0"/>
-                <a:cs typeface="Tahoma" panose="020B0604030504040204" pitchFamily="34" charset="0"/>
-              </a:rPr>
-              <a:t>Sync framework</a:t>
-            </a:r>
-            <a:endParaRPr lang="en-US" sz="1600" dirty="0">
-              <a:solidFill>
-                <a:schemeClr val="tx1"/>
-              </a:solidFill>
-              <a:latin typeface="Tahoma" panose="020B0604030504040204" pitchFamily="34" charset="0"/>
-              <a:ea typeface="Tahoma" panose="020B0604030504040204" pitchFamily="34" charset="0"/>
-              <a:cs typeface="Tahoma" panose="020B0604030504040204" pitchFamily="34" charset="0"/>
-            </a:endParaRPr>
-          </a:p>
-        </p:txBody>
-      </p:sp>
-      <p:sp>
-        <p:nvSpPr>
-          <p:cNvPr id="33" name="Rectangle 32"/>
-          <p:cNvSpPr/>
-          <p:nvPr/>
-        </p:nvSpPr>
-        <p:spPr>
-          <a:xfrm rot="5400000">
-            <a:off x="9375206" y="1446998"/>
-            <a:ext cx="2622336" cy="595516"/>
-          </a:xfrm>
-          <a:prstGeom prst="rect">
-            <a:avLst/>
-          </a:prstGeom>
-          <a:noFill/>
-          <a:ln>
-            <a:solidFill>
-              <a:schemeClr val="tx1"/>
-            </a:solidFill>
-          </a:ln>
-        </p:spPr>
-        <p:style>
-          <a:lnRef idx="2">
-            <a:schemeClr val="accent1">
-              <a:shade val="50000"/>
-            </a:schemeClr>
-          </a:lnRef>
-          <a:fillRef idx="1">
-            <a:schemeClr val="accent1"/>
-          </a:fillRef>
-          <a:effectRef idx="0">
-            <a:schemeClr val="accent1"/>
-          </a:effectRef>
-          <a:fontRef idx="minor">
-            <a:schemeClr val="lt1"/>
-          </a:fontRef>
-        </p:style>
-        <p:txBody>
-          <a:bodyPr rtlCol="0" anchor="ctr"/>
-          <a:lstStyle/>
-          <a:p>
-            <a:pPr algn="ctr"/>
-            <a:r>
-              <a:rPr lang="en-US" sz="1600" dirty="0" smtClean="0">
-                <a:solidFill>
-                  <a:schemeClr val="tx1"/>
-                </a:solidFill>
-                <a:latin typeface="Tahoma" panose="020B0604030504040204" pitchFamily="34" charset="0"/>
-                <a:ea typeface="Tahoma" panose="020B0604030504040204" pitchFamily="34" charset="0"/>
-                <a:cs typeface="Tahoma" panose="020B0604030504040204" pitchFamily="34" charset="0"/>
-              </a:rPr>
-              <a:t>.NET Runtime</a:t>
-            </a:r>
-            <a:endParaRPr lang="en-US" sz="1600" dirty="0">
-              <a:solidFill>
-                <a:schemeClr val="tx1"/>
-              </a:solidFill>
-              <a:latin typeface="Tahoma" panose="020B0604030504040204" pitchFamily="34" charset="0"/>
-              <a:ea typeface="Tahoma" panose="020B0604030504040204" pitchFamily="34" charset="0"/>
-              <a:cs typeface="Tahoma" panose="020B0604030504040204" pitchFamily="34" charset="0"/>
-            </a:endParaRPr>
-          </a:p>
-        </p:txBody>
-      </p:sp>
+              </a:endParaRPr>
+            </a:p>
+          </p:txBody>
+        </p:sp>
+      </p:grpSp>
     </p:spTree>
     <p:extLst>
       <p:ext uri="{BB962C8B-B14F-4D97-AF65-F5344CB8AC3E}">
@@ -5775,8 +5778,8 @@
         </p:nvSpPr>
         <p:spPr>
           <a:xfrm>
-            <a:off x="740273" y="2541430"/>
-            <a:ext cx="7811300" cy="491544"/>
+            <a:off x="2487111" y="2616572"/>
+            <a:ext cx="4556626" cy="416402"/>
           </a:xfrm>
           <a:prstGeom prst="rect">
             <a:avLst/>
@@ -5833,14 +5836,14 @@
       </p:sp>
       <p:sp>
         <p:nvSpPr>
-          <p:cNvPr id="7" name="Rectangle 6"/>
+          <p:cNvPr id="30" name="Rectangle 29"/>
           <p:cNvSpPr/>
           <p:nvPr/>
         </p:nvSpPr>
         <p:spPr>
           <a:xfrm>
-            <a:off x="3649825" y="405680"/>
-            <a:ext cx="2067322" cy="491544"/>
+            <a:off x="2487111" y="3669629"/>
+            <a:ext cx="4556626" cy="372982"/>
           </a:xfrm>
           <a:prstGeom prst="rect">
             <a:avLst/>
@@ -5874,6 +5877,17 @@
           <a:p>
             <a:pPr algn="ctr"/>
             <a:r>
+              <a:rPr lang="en-US" dirty="0" smtClean="0">
+                <a:solidFill>
+                  <a:schemeClr val="tx1"/>
+                </a:solidFill>
+                <a:latin typeface="Tahoma" panose="020B0604030504040204" pitchFamily="34" charset="0"/>
+                <a:ea typeface="Tahoma" panose="020B0604030504040204" pitchFamily="34" charset="0"/>
+                <a:cs typeface="Tahoma" panose="020B0604030504040204" pitchFamily="34" charset="0"/>
+              </a:rPr>
+              <a:t>Entity Framework </a:t>
+            </a:r>
+            <a:r>
               <a:rPr lang="en-US" dirty="0" err="1" smtClean="0">
                 <a:solidFill>
                   <a:schemeClr val="tx1"/>
@@ -5882,7 +5896,7 @@
                 <a:ea typeface="Tahoma" panose="020B0604030504040204" pitchFamily="34" charset="0"/>
                 <a:cs typeface="Tahoma" panose="020B0604030504040204" pitchFamily="34" charset="0"/>
               </a:rPr>
-              <a:t>DataFilter</a:t>
+              <a:t>DbContext</a:t>
             </a:r>
             <a:endParaRPr lang="en-US" dirty="0">
               <a:solidFill>
@@ -5897,14 +5911,14 @@
       </p:sp>
       <p:sp>
         <p:nvSpPr>
-          <p:cNvPr id="30" name="Rectangle 29"/>
+          <p:cNvPr id="31" name="Rectangle 30"/>
           <p:cNvSpPr/>
           <p:nvPr/>
         </p:nvSpPr>
         <p:spPr>
           <a:xfrm>
-            <a:off x="3000514" y="3695575"/>
-            <a:ext cx="3290816" cy="491544"/>
+            <a:off x="2487111" y="4116879"/>
+            <a:ext cx="1118972" cy="360067"/>
           </a:xfrm>
           <a:prstGeom prst="rect">
             <a:avLst/>
@@ -5938,81 +5952,6 @@
           <a:p>
             <a:pPr algn="ctr"/>
             <a:r>
-              <a:rPr lang="en-US" dirty="0" smtClean="0">
-                <a:solidFill>
-                  <a:schemeClr val="tx1"/>
-                </a:solidFill>
-                <a:latin typeface="Tahoma" panose="020B0604030504040204" pitchFamily="34" charset="0"/>
-                <a:ea typeface="Tahoma" panose="020B0604030504040204" pitchFamily="34" charset="0"/>
-                <a:cs typeface="Tahoma" panose="020B0604030504040204" pitchFamily="34" charset="0"/>
-              </a:rPr>
-              <a:t>Entity Framework </a:t>
-            </a:r>
-            <a:r>
-              <a:rPr lang="en-US" dirty="0" err="1" smtClean="0">
-                <a:solidFill>
-                  <a:schemeClr val="tx1"/>
-                </a:solidFill>
-                <a:latin typeface="Tahoma" panose="020B0604030504040204" pitchFamily="34" charset="0"/>
-                <a:ea typeface="Tahoma" panose="020B0604030504040204" pitchFamily="34" charset="0"/>
-                <a:cs typeface="Tahoma" panose="020B0604030504040204" pitchFamily="34" charset="0"/>
-              </a:rPr>
-              <a:t>DbContext</a:t>
-            </a:r>
-            <a:endParaRPr lang="en-US" dirty="0">
-              <a:solidFill>
-                <a:schemeClr val="tx1"/>
-              </a:solidFill>
-              <a:latin typeface="Tahoma" panose="020B0604030504040204" pitchFamily="34" charset="0"/>
-              <a:ea typeface="Tahoma" panose="020B0604030504040204" pitchFamily="34" charset="0"/>
-              <a:cs typeface="Tahoma" panose="020B0604030504040204" pitchFamily="34" charset="0"/>
-            </a:endParaRPr>
-          </a:p>
-        </p:txBody>
-      </p:sp>
-      <p:sp>
-        <p:nvSpPr>
-          <p:cNvPr id="31" name="Rectangle 30"/>
-          <p:cNvSpPr/>
-          <p:nvPr/>
-        </p:nvSpPr>
-        <p:spPr>
-          <a:xfrm>
-            <a:off x="2487111" y="4512722"/>
-            <a:ext cx="1118972" cy="491544"/>
-          </a:xfrm>
-          <a:prstGeom prst="rect">
-            <a:avLst/>
-          </a:prstGeom>
-          <a:noFill/>
-          <a:ln>
-            <a:solidFill>
-              <a:schemeClr val="tx1"/>
-            </a:solidFill>
-          </a:ln>
-        </p:spPr>
-        <p:style>
-          <a:lnRef idx="2">
-            <a:schemeClr val="accent1">
-              <a:shade val="50000"/>
-            </a:schemeClr>
-          </a:lnRef>
-          <a:fillRef idx="1">
-            <a:schemeClr val="accent1"/>
-          </a:fillRef>
-          <a:effectRef idx="0">
-            <a:schemeClr val="accent1"/>
-          </a:effectRef>
-          <a:fontRef idx="minor">
-            <a:schemeClr val="lt1"/>
-          </a:fontRef>
-        </p:style>
-        <p:txBody>
-          <a:bodyPr rtlCol="0" anchor="ctr"/>
-          <a:lstStyle/>
-          <a:p>
-            <a:pPr algn="ctr"/>
-            <a:r>
               <a:rPr lang="en-US" dirty="0" err="1" smtClean="0">
                 <a:solidFill>
                   <a:schemeClr val="tx1"/>
@@ -6034,208 +5973,16 @@
           </a:p>
         </p:txBody>
       </p:sp>
-      <p:sp>
-        <p:nvSpPr>
-          <p:cNvPr id="32" name="Rectangle 31"/>
-          <p:cNvSpPr/>
-          <p:nvPr/>
-        </p:nvSpPr>
-        <p:spPr>
-          <a:xfrm>
-            <a:off x="5942551" y="4512722"/>
-            <a:ext cx="1118972" cy="491544"/>
-          </a:xfrm>
-          <a:prstGeom prst="rect">
-            <a:avLst/>
-          </a:prstGeom>
-          <a:noFill/>
-          <a:ln>
-            <a:solidFill>
-              <a:schemeClr val="tx1"/>
-            </a:solidFill>
-          </a:ln>
-        </p:spPr>
-        <p:style>
-          <a:lnRef idx="2">
-            <a:schemeClr val="accent1">
-              <a:shade val="50000"/>
-            </a:schemeClr>
-          </a:lnRef>
-          <a:fillRef idx="1">
-            <a:schemeClr val="accent1"/>
-          </a:fillRef>
-          <a:effectRef idx="0">
-            <a:schemeClr val="accent1"/>
-          </a:effectRef>
-          <a:fontRef idx="minor">
-            <a:schemeClr val="lt1"/>
-          </a:fontRef>
-        </p:style>
-        <p:txBody>
-          <a:bodyPr rtlCol="0" anchor="ctr"/>
-          <a:lstStyle/>
-          <a:p>
-            <a:pPr algn="ctr"/>
-            <a:r>
-              <a:rPr lang="en-US" dirty="0" smtClean="0">
-                <a:solidFill>
-                  <a:schemeClr val="tx1"/>
-                </a:solidFill>
-                <a:latin typeface="Tahoma" panose="020B0604030504040204" pitchFamily="34" charset="0"/>
-                <a:ea typeface="Tahoma" panose="020B0604030504040204" pitchFamily="34" charset="0"/>
-                <a:cs typeface="Tahoma" panose="020B0604030504040204" pitchFamily="34" charset="0"/>
-              </a:rPr>
-              <a:t>…</a:t>
-            </a:r>
-            <a:endParaRPr lang="en-US" dirty="0">
-              <a:solidFill>
-                <a:schemeClr val="tx1"/>
-              </a:solidFill>
-              <a:latin typeface="Tahoma" panose="020B0604030504040204" pitchFamily="34" charset="0"/>
-              <a:ea typeface="Tahoma" panose="020B0604030504040204" pitchFamily="34" charset="0"/>
-              <a:cs typeface="Tahoma" panose="020B0604030504040204" pitchFamily="34" charset="0"/>
-            </a:endParaRPr>
-          </a:p>
-        </p:txBody>
-      </p:sp>
-      <p:sp>
-        <p:nvSpPr>
-          <p:cNvPr id="33" name="Rectangle 32"/>
-          <p:cNvSpPr/>
-          <p:nvPr/>
-        </p:nvSpPr>
-        <p:spPr>
-          <a:xfrm>
-            <a:off x="4214831" y="4512722"/>
-            <a:ext cx="1118972" cy="491544"/>
-          </a:xfrm>
-          <a:prstGeom prst="rect">
-            <a:avLst/>
-          </a:prstGeom>
-          <a:noFill/>
-          <a:ln>
-            <a:solidFill>
-              <a:schemeClr val="tx1"/>
-            </a:solidFill>
-          </a:ln>
-        </p:spPr>
-        <p:style>
-          <a:lnRef idx="2">
-            <a:schemeClr val="accent1">
-              <a:shade val="50000"/>
-            </a:schemeClr>
-          </a:lnRef>
-          <a:fillRef idx="1">
-            <a:schemeClr val="accent1"/>
-          </a:fillRef>
-          <a:effectRef idx="0">
-            <a:schemeClr val="accent1"/>
-          </a:effectRef>
-          <a:fontRef idx="minor">
-            <a:schemeClr val="lt1"/>
-          </a:fontRef>
-        </p:style>
-        <p:txBody>
-          <a:bodyPr rtlCol="0" anchor="ctr"/>
-          <a:lstStyle/>
-          <a:p>
-            <a:pPr algn="ctr"/>
-            <a:r>
-              <a:rPr lang="en-US" dirty="0" err="1" smtClean="0">
-                <a:solidFill>
-                  <a:schemeClr val="tx1"/>
-                </a:solidFill>
-                <a:latin typeface="Tahoma" panose="020B0604030504040204" pitchFamily="34" charset="0"/>
-                <a:ea typeface="Tahoma" panose="020B0604030504040204" pitchFamily="34" charset="0"/>
-                <a:cs typeface="Tahoma" panose="020B0604030504040204" pitchFamily="34" charset="0"/>
-              </a:rPr>
-              <a:t>DbSet</a:t>
-            </a:r>
-            <a:endParaRPr lang="en-US" dirty="0">
-              <a:solidFill>
-                <a:schemeClr val="tx1"/>
-              </a:solidFill>
-              <a:latin typeface="Tahoma" panose="020B0604030504040204" pitchFamily="34" charset="0"/>
-              <a:ea typeface="Tahoma" panose="020B0604030504040204" pitchFamily="34" charset="0"/>
-              <a:cs typeface="Tahoma" panose="020B0604030504040204" pitchFamily="34" charset="0"/>
-            </a:endParaRPr>
-          </a:p>
-        </p:txBody>
-      </p:sp>
-      <p:sp>
-        <p:nvSpPr>
-          <p:cNvPr id="36" name="Rectangle 35"/>
-          <p:cNvSpPr/>
-          <p:nvPr/>
-        </p:nvSpPr>
-        <p:spPr>
-          <a:xfrm>
-            <a:off x="6484251" y="367045"/>
-            <a:ext cx="2067322" cy="491544"/>
-          </a:xfrm>
-          <a:prstGeom prst="rect">
-            <a:avLst/>
-          </a:prstGeom>
-          <a:noFill/>
-          <a:ln>
-            <a:solidFill>
-              <a:schemeClr val="tx1"/>
-            </a:solidFill>
-          </a:ln>
-        </p:spPr>
-        <p:style>
-          <a:lnRef idx="2">
-            <a:schemeClr val="accent1">
-              <a:shade val="50000"/>
-            </a:schemeClr>
-          </a:lnRef>
-          <a:fillRef idx="1">
-            <a:schemeClr val="accent1"/>
-          </a:fillRef>
-          <a:effectRef idx="0">
-            <a:schemeClr val="accent1"/>
-          </a:effectRef>
-          <a:fontRef idx="minor">
-            <a:schemeClr val="lt1"/>
-          </a:fontRef>
-        </p:style>
-        <p:txBody>
-          <a:bodyPr rtlCol="0" anchor="ctr"/>
-          <a:lstStyle/>
-          <a:p>
-            <a:pPr algn="ctr"/>
-            <a:r>
-              <a:rPr lang="en-US" dirty="0" smtClean="0">
-                <a:solidFill>
-                  <a:schemeClr val="tx1"/>
-                </a:solidFill>
-                <a:latin typeface="Tahoma" panose="020B0604030504040204" pitchFamily="34" charset="0"/>
-                <a:ea typeface="Tahoma" panose="020B0604030504040204" pitchFamily="34" charset="0"/>
-                <a:cs typeface="Tahoma" panose="020B0604030504040204" pitchFamily="34" charset="0"/>
-              </a:rPr>
-              <a:t>Entity</a:t>
-            </a:r>
-            <a:endParaRPr lang="en-US" dirty="0">
-              <a:solidFill>
-                <a:schemeClr val="tx1"/>
-              </a:solidFill>
-              <a:latin typeface="Tahoma" panose="020B0604030504040204" pitchFamily="34" charset="0"/>
-              <a:ea typeface="Tahoma" panose="020B0604030504040204" pitchFamily="34" charset="0"/>
-              <a:cs typeface="Tahoma" panose="020B0604030504040204" pitchFamily="34" charset="0"/>
-            </a:endParaRPr>
-          </a:p>
-        </p:txBody>
-      </p:sp>
       <p:cxnSp>
         <p:nvCxnSpPr>
-          <p:cNvPr id="37" name="Straight Arrow Connector 36"/>
+          <p:cNvPr id="46" name="Straight Arrow Connector 45"/>
           <p:cNvCxnSpPr/>
           <p:nvPr/>
         </p:nvCxnSpPr>
         <p:spPr>
           <a:xfrm flipV="1">
-            <a:off x="1773934" y="922985"/>
-            <a:ext cx="0" cy="1511121"/>
+            <a:off x="4749955" y="3092415"/>
+            <a:ext cx="0" cy="487249"/>
           </a:xfrm>
           <a:prstGeom prst="straightConnector1">
             <a:avLst/>
@@ -6263,16 +6010,208 @@
           </a:fontRef>
         </p:style>
       </p:cxnSp>
+      <p:sp>
+        <p:nvSpPr>
+          <p:cNvPr id="14" name="Rectangle 13"/>
+          <p:cNvSpPr/>
+          <p:nvPr/>
+        </p:nvSpPr>
+        <p:spPr>
+          <a:xfrm>
+            <a:off x="4214831" y="4124163"/>
+            <a:ext cx="1118972" cy="360067"/>
+          </a:xfrm>
+          <a:prstGeom prst="rect">
+            <a:avLst/>
+          </a:prstGeom>
+          <a:noFill/>
+          <a:ln>
+            <a:solidFill>
+              <a:schemeClr val="tx1"/>
+            </a:solidFill>
+          </a:ln>
+        </p:spPr>
+        <p:style>
+          <a:lnRef idx="2">
+            <a:schemeClr val="accent1">
+              <a:shade val="50000"/>
+            </a:schemeClr>
+          </a:lnRef>
+          <a:fillRef idx="1">
+            <a:schemeClr val="accent1"/>
+          </a:fillRef>
+          <a:effectRef idx="0">
+            <a:schemeClr val="accent1"/>
+          </a:effectRef>
+          <a:fontRef idx="minor">
+            <a:schemeClr val="lt1"/>
+          </a:fontRef>
+        </p:style>
+        <p:txBody>
+          <a:bodyPr rtlCol="0" anchor="ctr"/>
+          <a:lstStyle/>
+          <a:p>
+            <a:pPr algn="ctr"/>
+            <a:r>
+              <a:rPr lang="en-US" dirty="0" err="1" smtClean="0">
+                <a:solidFill>
+                  <a:schemeClr val="tx1"/>
+                </a:solidFill>
+                <a:latin typeface="Tahoma" panose="020B0604030504040204" pitchFamily="34" charset="0"/>
+                <a:ea typeface="Tahoma" panose="020B0604030504040204" pitchFamily="34" charset="0"/>
+                <a:cs typeface="Tahoma" panose="020B0604030504040204" pitchFamily="34" charset="0"/>
+              </a:rPr>
+              <a:t>DbSet</a:t>
+            </a:r>
+            <a:endParaRPr lang="en-US" dirty="0">
+              <a:solidFill>
+                <a:schemeClr val="tx1"/>
+              </a:solidFill>
+              <a:latin typeface="Tahoma" panose="020B0604030504040204" pitchFamily="34" charset="0"/>
+              <a:ea typeface="Tahoma" panose="020B0604030504040204" pitchFamily="34" charset="0"/>
+              <a:cs typeface="Tahoma" panose="020B0604030504040204" pitchFamily="34" charset="0"/>
+            </a:endParaRPr>
+          </a:p>
+        </p:txBody>
+      </p:sp>
+      <p:sp>
+        <p:nvSpPr>
+          <p:cNvPr id="15" name="Rectangle 14"/>
+          <p:cNvSpPr/>
+          <p:nvPr/>
+        </p:nvSpPr>
+        <p:spPr>
+          <a:xfrm>
+            <a:off x="5924765" y="4115674"/>
+            <a:ext cx="1118972" cy="360067"/>
+          </a:xfrm>
+          <a:prstGeom prst="rect">
+            <a:avLst/>
+          </a:prstGeom>
+          <a:noFill/>
+          <a:ln>
+            <a:solidFill>
+              <a:schemeClr val="tx1"/>
+            </a:solidFill>
+          </a:ln>
+        </p:spPr>
+        <p:style>
+          <a:lnRef idx="2">
+            <a:schemeClr val="accent1">
+              <a:shade val="50000"/>
+            </a:schemeClr>
+          </a:lnRef>
+          <a:fillRef idx="1">
+            <a:schemeClr val="accent1"/>
+          </a:fillRef>
+          <a:effectRef idx="0">
+            <a:schemeClr val="accent1"/>
+          </a:effectRef>
+          <a:fontRef idx="minor">
+            <a:schemeClr val="lt1"/>
+          </a:fontRef>
+        </p:style>
+        <p:txBody>
+          <a:bodyPr rtlCol="0" anchor="ctr"/>
+          <a:lstStyle/>
+          <a:p>
+            <a:pPr algn="ctr"/>
+            <a:r>
+              <a:rPr lang="en-US" smtClean="0">
+                <a:solidFill>
+                  <a:schemeClr val="tx1"/>
+                </a:solidFill>
+                <a:latin typeface="Tahoma" panose="020B0604030504040204" pitchFamily="34" charset="0"/>
+                <a:ea typeface="Tahoma" panose="020B0604030504040204" pitchFamily="34" charset="0"/>
+                <a:cs typeface="Tahoma" panose="020B0604030504040204" pitchFamily="34" charset="0"/>
+              </a:rPr>
+              <a:t>DbSet</a:t>
+            </a:r>
+            <a:endParaRPr lang="en-US" dirty="0">
+              <a:solidFill>
+                <a:schemeClr val="tx1"/>
+              </a:solidFill>
+              <a:latin typeface="Tahoma" panose="020B0604030504040204" pitchFamily="34" charset="0"/>
+              <a:ea typeface="Tahoma" panose="020B0604030504040204" pitchFamily="34" charset="0"/>
+              <a:cs typeface="Tahoma" panose="020B0604030504040204" pitchFamily="34" charset="0"/>
+            </a:endParaRPr>
+          </a:p>
+        </p:txBody>
+      </p:sp>
+      <p:sp>
+        <p:nvSpPr>
+          <p:cNvPr id="17" name="Rectangle 16"/>
+          <p:cNvSpPr/>
+          <p:nvPr/>
+        </p:nvSpPr>
+        <p:spPr>
+          <a:xfrm>
+            <a:off x="2487111" y="1731337"/>
+            <a:ext cx="1247028" cy="338282"/>
+          </a:xfrm>
+          <a:prstGeom prst="rect">
+            <a:avLst/>
+          </a:prstGeom>
+          <a:noFill/>
+          <a:ln>
+            <a:solidFill>
+              <a:schemeClr val="tx1"/>
+            </a:solidFill>
+          </a:ln>
+        </p:spPr>
+        <p:style>
+          <a:lnRef idx="2">
+            <a:schemeClr val="accent1">
+              <a:shade val="50000"/>
+            </a:schemeClr>
+          </a:lnRef>
+          <a:fillRef idx="1">
+            <a:schemeClr val="accent1"/>
+          </a:fillRef>
+          <a:effectRef idx="0">
+            <a:schemeClr val="accent1"/>
+          </a:effectRef>
+          <a:fontRef idx="minor">
+            <a:schemeClr val="lt1"/>
+          </a:fontRef>
+        </p:style>
+        <p:txBody>
+          <a:bodyPr rtlCol="0" anchor="ctr"/>
+          <a:lstStyle/>
+          <a:p>
+            <a:pPr algn="ctr"/>
+            <a:r>
+              <a:rPr lang="en-US" smtClean="0">
+                <a:solidFill>
+                  <a:schemeClr val="tx1"/>
+                </a:solidFill>
+                <a:latin typeface="Tahoma" panose="020B0604030504040204" pitchFamily="34" charset="0"/>
+                <a:ea typeface="Tahoma" panose="020B0604030504040204" pitchFamily="34" charset="0"/>
+                <a:cs typeface="Tahoma" panose="020B0604030504040204" pitchFamily="34" charset="0"/>
+              </a:rPr>
+              <a:t>Entity</a:t>
+            </a:r>
+            <a:endParaRPr lang="en-US" dirty="0">
+              <a:solidFill>
+                <a:schemeClr val="tx1"/>
+              </a:solidFill>
+              <a:latin typeface="Tahoma" panose="020B0604030504040204" pitchFamily="34" charset="0"/>
+              <a:ea typeface="Tahoma" panose="020B0604030504040204" pitchFamily="34" charset="0"/>
+              <a:cs typeface="Tahoma" panose="020B0604030504040204" pitchFamily="34" charset="0"/>
+            </a:endParaRPr>
+          </a:p>
+        </p:txBody>
+      </p:sp>
       <p:cxnSp>
         <p:nvCxnSpPr>
-          <p:cNvPr id="42" name="Straight Arrow Connector 41"/>
+          <p:cNvPr id="18" name="Straight Arrow Connector 17"/>
           <p:cNvCxnSpPr/>
           <p:nvPr/>
         </p:nvCxnSpPr>
         <p:spPr>
           <a:xfrm flipV="1">
-            <a:off x="7502887" y="965914"/>
-            <a:ext cx="0" cy="1511121"/>
+            <a:off x="3110625" y="2081465"/>
+            <a:ext cx="0" cy="462171"/>
           </a:xfrm>
           <a:prstGeom prst="straightConnector1">
             <a:avLst/>
@@ -6302,14 +6241,14 @@
       </p:cxnSp>
       <p:sp>
         <p:nvSpPr>
-          <p:cNvPr id="43" name="Rectangle 42"/>
+          <p:cNvPr id="19" name="Rectangle 18"/>
           <p:cNvSpPr/>
           <p:nvPr/>
         </p:nvSpPr>
         <p:spPr>
           <a:xfrm>
-            <a:off x="802520" y="405680"/>
-            <a:ext cx="2067322" cy="491544"/>
+            <a:off x="5796709" y="1719305"/>
+            <a:ext cx="1247028" cy="338282"/>
           </a:xfrm>
           <a:prstGeom prst="rect">
             <a:avLst/>
@@ -6343,7 +6282,7 @@
           <a:p>
             <a:pPr algn="ctr"/>
             <a:r>
-              <a:rPr lang="en-US" dirty="0" smtClean="0">
+              <a:rPr lang="en-US" smtClean="0">
                 <a:solidFill>
                   <a:schemeClr val="tx1"/>
                 </a:solidFill>
@@ -6364,16 +6303,80 @@
           </a:p>
         </p:txBody>
       </p:sp>
+      <p:sp>
+        <p:nvSpPr>
+          <p:cNvPr id="20" name="Rectangle 19"/>
+          <p:cNvSpPr/>
+          <p:nvPr/>
+        </p:nvSpPr>
+        <p:spPr>
+          <a:xfrm>
+            <a:off x="4115560" y="1731337"/>
+            <a:ext cx="1247028" cy="338282"/>
+          </a:xfrm>
+          <a:prstGeom prst="rect">
+            <a:avLst/>
+          </a:prstGeom>
+          <a:noFill/>
+          <a:ln>
+            <a:solidFill>
+              <a:schemeClr val="tx1"/>
+            </a:solidFill>
+          </a:ln>
+        </p:spPr>
+        <p:style>
+          <a:lnRef idx="2">
+            <a:schemeClr val="accent1">
+              <a:shade val="50000"/>
+            </a:schemeClr>
+          </a:lnRef>
+          <a:fillRef idx="1">
+            <a:schemeClr val="accent1"/>
+          </a:fillRef>
+          <a:effectRef idx="0">
+            <a:schemeClr val="accent1"/>
+          </a:effectRef>
+          <a:fontRef idx="minor">
+            <a:schemeClr val="lt1"/>
+          </a:fontRef>
+        </p:style>
+        <p:txBody>
+          <a:bodyPr rtlCol="0" anchor="ctr"/>
+          <a:lstStyle/>
+          <a:p>
+            <a:pPr algn="ctr"/>
+            <a:r>
+              <a:rPr lang="en-US" dirty="0" err="1" smtClean="0">
+                <a:solidFill>
+                  <a:schemeClr val="tx1"/>
+                </a:solidFill>
+                <a:latin typeface="Tahoma" panose="020B0604030504040204" pitchFamily="34" charset="0"/>
+                <a:ea typeface="Tahoma" panose="020B0604030504040204" pitchFamily="34" charset="0"/>
+                <a:cs typeface="Tahoma" panose="020B0604030504040204" pitchFamily="34" charset="0"/>
+              </a:rPr>
+              <a:t>DataFilter</a:t>
+            </a:r>
+            <a:endParaRPr lang="en-US" dirty="0">
+              <a:solidFill>
+                <a:schemeClr val="tx1"/>
+              </a:solidFill>
+              <a:latin typeface="Tahoma" panose="020B0604030504040204" pitchFamily="34" charset="0"/>
+              <a:ea typeface="Tahoma" panose="020B0604030504040204" pitchFamily="34" charset="0"/>
+              <a:cs typeface="Tahoma" panose="020B0604030504040204" pitchFamily="34" charset="0"/>
+            </a:endParaRPr>
+          </a:p>
+        </p:txBody>
+      </p:sp>
       <p:cxnSp>
         <p:nvCxnSpPr>
-          <p:cNvPr id="44" name="Straight Arrow Connector 43"/>
+          <p:cNvPr id="21" name="Straight Arrow Connector 20"/>
           <p:cNvCxnSpPr/>
           <p:nvPr/>
         </p:nvCxnSpPr>
         <p:spPr>
           <a:xfrm flipV="1">
-            <a:off x="4683486" y="965914"/>
-            <a:ext cx="0" cy="1517561"/>
+            <a:off x="4751106" y="2104315"/>
+            <a:ext cx="0" cy="462171"/>
           </a:xfrm>
           <a:prstGeom prst="straightConnector1">
             <a:avLst/>
@@ -6403,14 +6406,14 @@
       </p:cxnSp>
       <p:cxnSp>
         <p:nvCxnSpPr>
-          <p:cNvPr id="46" name="Straight Arrow Connector 45"/>
+          <p:cNvPr id="22" name="Straight Arrow Connector 21"/>
           <p:cNvCxnSpPr/>
           <p:nvPr/>
         </p:nvCxnSpPr>
         <p:spPr>
           <a:xfrm flipV="1">
-            <a:off x="4689795" y="3092415"/>
-            <a:ext cx="0" cy="487249"/>
+            <a:off x="6402637" y="2081465"/>
+            <a:ext cx="0" cy="462171"/>
           </a:xfrm>
           <a:prstGeom prst="straightConnector1">
             <a:avLst/>
@@ -6476,7 +6479,7 @@
         </p:nvSpPr>
         <p:spPr>
           <a:xfrm>
-            <a:off x="4416929" y="3680131"/>
+            <a:off x="4427834" y="3331209"/>
             <a:ext cx="2067322" cy="491544"/>
           </a:xfrm>
           <a:prstGeom prst="rect">
@@ -6551,7 +6554,7 @@
             <a:solidFill>
               <a:schemeClr val="tx1"/>
             </a:solidFill>
-            <a:prstDash val="dash"/>
+            <a:prstDash val="lgDash"/>
           </a:ln>
         </p:spPr>
         <p:style>
@@ -6616,7 +6619,7 @@
             <a:solidFill>
               <a:schemeClr val="tx1"/>
             </a:solidFill>
-            <a:prstDash val="dash"/>
+            <a:prstDash val="lgDash"/>
           </a:ln>
         </p:spPr>
         <p:style>
@@ -6670,7 +6673,7 @@
         </p:nvSpPr>
         <p:spPr>
           <a:xfrm>
-            <a:off x="1568549" y="2456640"/>
+            <a:off x="2134037" y="2106055"/>
             <a:ext cx="2067322" cy="491544"/>
           </a:xfrm>
           <a:prstGeom prst="rect">
@@ -6734,7 +6737,7 @@
         </p:nvSpPr>
         <p:spPr>
           <a:xfrm>
-            <a:off x="7374777" y="3680131"/>
+            <a:off x="6682431" y="3335423"/>
             <a:ext cx="2067322" cy="491544"/>
           </a:xfrm>
           <a:prstGeom prst="rect">
@@ -6798,7 +6801,7 @@
         </p:nvSpPr>
         <p:spPr>
           <a:xfrm>
-            <a:off x="7374777" y="2338584"/>
+            <a:off x="6682431" y="2132284"/>
             <a:ext cx="2067322" cy="491544"/>
           </a:xfrm>
           <a:prstGeom prst="rect">
@@ -6862,7 +6865,7 @@
         </p:nvSpPr>
         <p:spPr>
           <a:xfrm>
-            <a:off x="1568549" y="3680131"/>
+            <a:off x="2134037" y="3331209"/>
             <a:ext cx="2067322" cy="491544"/>
           </a:xfrm>
           <a:prstGeom prst="rect">
@@ -6926,10 +6929,10 @@
         </p:nvGrpSpPr>
         <p:grpSpPr>
           <a:xfrm>
-            <a:off x="2594984" y="2143782"/>
-            <a:ext cx="5813454" cy="1536349"/>
-            <a:chOff x="2594984" y="2066508"/>
-            <a:chExt cx="5813454" cy="1536349"/>
+            <a:off x="3224463" y="2167846"/>
+            <a:ext cx="4499772" cy="1175395"/>
+            <a:chOff x="3224463" y="2066508"/>
+            <a:chExt cx="4499772" cy="1175395"/>
           </a:xfrm>
         </p:grpSpPr>
         <p:grpSp>
@@ -6940,10 +6943,10 @@
           </p:nvGrpSpPr>
           <p:grpSpPr>
             <a:xfrm>
-              <a:off x="2594984" y="2261310"/>
-              <a:ext cx="5813454" cy="1341547"/>
-              <a:chOff x="2594984" y="2261310"/>
-              <a:chExt cx="5813454" cy="1341547"/>
+              <a:off x="3224463" y="2261310"/>
+              <a:ext cx="4499772" cy="980593"/>
+              <a:chOff x="3224463" y="2261310"/>
+              <a:chExt cx="4499772" cy="980593"/>
             </a:xfrm>
           </p:grpSpPr>
           <p:cxnSp>
@@ -6955,7 +6958,7 @@
             <p:spPr>
               <a:xfrm>
                 <a:off x="5450590" y="2261310"/>
-                <a:ext cx="0" cy="842498"/>
+                <a:ext cx="0" cy="476805"/>
               </a:xfrm>
               <a:prstGeom prst="line">
                 <a:avLst/>
@@ -6989,8 +6992,8 @@
             </p:nvCxnSpPr>
             <p:spPr>
               <a:xfrm flipH="1">
-                <a:off x="5450590" y="3103808"/>
-                <a:ext cx="2957848" cy="0"/>
+                <a:off x="5450590" y="2718796"/>
+                <a:ext cx="2273645" cy="0"/>
               </a:xfrm>
               <a:prstGeom prst="line">
                 <a:avLst/>
@@ -7024,8 +7027,8 @@
             </p:nvCxnSpPr>
             <p:spPr>
               <a:xfrm flipH="1">
-                <a:off x="2602210" y="3103808"/>
-                <a:ext cx="2848380" cy="0"/>
+                <a:off x="3224463" y="2718793"/>
+                <a:ext cx="2226127" cy="0"/>
               </a:xfrm>
               <a:prstGeom prst="line">
                 <a:avLst/>
@@ -7059,7 +7062,7 @@
             </p:nvCxnSpPr>
             <p:spPr>
               <a:xfrm flipV="1">
-                <a:off x="2594984" y="3103809"/>
+                <a:off x="3236047" y="2730823"/>
                 <a:ext cx="0" cy="499048"/>
               </a:xfrm>
               <a:prstGeom prst="line">
@@ -7094,7 +7097,7 @@
             </p:nvCxnSpPr>
             <p:spPr>
               <a:xfrm flipV="1">
-                <a:off x="5441895" y="3103809"/>
+                <a:off x="5453927" y="2742855"/>
                 <a:ext cx="0" cy="499048"/>
               </a:xfrm>
               <a:prstGeom prst="line">
@@ -7129,7 +7132,7 @@
             </p:nvCxnSpPr>
             <p:spPr>
               <a:xfrm flipV="1">
-                <a:off x="8408438" y="3103809"/>
+                <a:off x="7724235" y="2718793"/>
                 <a:ext cx="0" cy="499048"/>
               </a:xfrm>
               <a:prstGeom prst="line">
@@ -7214,10 +7217,10 @@
         </p:nvGrpSpPr>
         <p:grpSpPr>
           <a:xfrm>
-            <a:off x="2615769" y="550294"/>
-            <a:ext cx="5792669" cy="1906346"/>
-            <a:chOff x="2615769" y="473020"/>
-            <a:chExt cx="5792669" cy="1906346"/>
+            <a:off x="3224463" y="562326"/>
+            <a:ext cx="4493882" cy="1569958"/>
+            <a:chOff x="3224463" y="485052"/>
+            <a:chExt cx="4493882" cy="1569958"/>
           </a:xfrm>
         </p:grpSpPr>
         <p:sp>
@@ -7228,7 +7231,7 @@
           </p:nvSpPr>
           <p:spPr>
             <a:xfrm>
-              <a:off x="5334680" y="473020"/>
+              <a:off x="5310616" y="485052"/>
               <a:ext cx="231820" cy="206062"/>
             </a:xfrm>
             <a:prstGeom prst="triangle">
@@ -7276,8 +7279,8 @@
           </p:nvCxnSpPr>
           <p:spPr>
             <a:xfrm>
-              <a:off x="2615769" y="1113076"/>
-              <a:ext cx="0" cy="1266290"/>
+              <a:off x="3224463" y="1097180"/>
+              <a:ext cx="0" cy="925539"/>
             </a:xfrm>
             <a:prstGeom prst="line">
               <a:avLst/>
@@ -7310,9 +7313,9 @@
             <p:nvPr/>
           </p:nvCxnSpPr>
           <p:spPr>
-            <a:xfrm>
-              <a:off x="8408438" y="1113076"/>
-              <a:ext cx="0" cy="1148234"/>
+            <a:xfrm flipH="1">
+              <a:off x="7716092" y="1127273"/>
+              <a:ext cx="2253" cy="927737"/>
             </a:xfrm>
             <a:prstGeom prst="line">
               <a:avLst/>
@@ -7381,8 +7384,8 @@
           </p:nvCxnSpPr>
           <p:spPr>
             <a:xfrm>
-              <a:off x="2615769" y="1113076"/>
-              <a:ext cx="5792669" cy="0"/>
+              <a:off x="3224463" y="1113076"/>
+              <a:ext cx="4491629" cy="0"/>
             </a:xfrm>
             <a:prstGeom prst="line">
               <a:avLst/>
@@ -7409,6 +7412,155 @@
           </p:style>
         </p:cxnSp>
       </p:grpSp>
+      <p:sp>
+        <p:nvSpPr>
+          <p:cNvPr id="27" name="Rectangle 26"/>
+          <p:cNvSpPr/>
+          <p:nvPr/>
+        </p:nvSpPr>
+        <p:spPr>
+          <a:xfrm>
+            <a:off x="4416929" y="4321801"/>
+            <a:ext cx="2067322" cy="491544"/>
+          </a:xfrm>
+          <a:prstGeom prst="rect">
+            <a:avLst/>
+          </a:prstGeom>
+          <a:noFill/>
+          <a:ln>
+            <a:solidFill>
+              <a:schemeClr val="tx1"/>
+            </a:solidFill>
+          </a:ln>
+        </p:spPr>
+        <p:style>
+          <a:lnRef idx="2">
+            <a:schemeClr val="accent1">
+              <a:shade val="50000"/>
+            </a:schemeClr>
+          </a:lnRef>
+          <a:fillRef idx="1">
+            <a:schemeClr val="accent1"/>
+          </a:fillRef>
+          <a:effectRef idx="0">
+            <a:schemeClr val="accent1"/>
+          </a:effectRef>
+          <a:fontRef idx="minor">
+            <a:schemeClr val="lt1"/>
+          </a:fontRef>
+        </p:style>
+        <p:txBody>
+          <a:bodyPr rtlCol="0" anchor="ctr"/>
+          <a:lstStyle/>
+          <a:p>
+            <a:pPr algn="ctr"/>
+            <a:r>
+              <a:rPr lang="en-US" dirty="0" smtClean="0">
+                <a:solidFill>
+                  <a:schemeClr val="tx1"/>
+                </a:solidFill>
+                <a:latin typeface="Tahoma" panose="020B0604030504040204" pitchFamily="34" charset="0"/>
+                <a:ea typeface="Tahoma" panose="020B0604030504040204" pitchFamily="34" charset="0"/>
+                <a:cs typeface="Tahoma" panose="020B0604030504040204" pitchFamily="34" charset="0"/>
+              </a:rPr>
+              <a:t>Concreted class</a:t>
+            </a:r>
+            <a:endParaRPr lang="en-US" dirty="0">
+              <a:solidFill>
+                <a:schemeClr val="tx1"/>
+              </a:solidFill>
+              <a:latin typeface="Tahoma" panose="020B0604030504040204" pitchFamily="34" charset="0"/>
+              <a:ea typeface="Tahoma" panose="020B0604030504040204" pitchFamily="34" charset="0"/>
+              <a:cs typeface="Tahoma" panose="020B0604030504040204" pitchFamily="34" charset="0"/>
+            </a:endParaRPr>
+          </a:p>
+        </p:txBody>
+      </p:sp>
+      <p:sp>
+        <p:nvSpPr>
+          <p:cNvPr id="31" name="Isosceles Triangle 30"/>
+          <p:cNvSpPr/>
+          <p:nvPr/>
+        </p:nvSpPr>
+        <p:spPr>
+          <a:xfrm>
+            <a:off x="5321863" y="3814956"/>
+            <a:ext cx="231820" cy="206062"/>
+          </a:xfrm>
+          <a:prstGeom prst="triangle">
+            <a:avLst/>
+          </a:prstGeom>
+          <a:solidFill>
+            <a:schemeClr val="tx1"/>
+          </a:solidFill>
+          <a:ln>
+            <a:solidFill>
+              <a:schemeClr val="tx1"/>
+            </a:solidFill>
+          </a:ln>
+        </p:spPr>
+        <p:style>
+          <a:lnRef idx="2">
+            <a:schemeClr val="accent1">
+              <a:shade val="50000"/>
+            </a:schemeClr>
+          </a:lnRef>
+          <a:fillRef idx="1">
+            <a:schemeClr val="accent1"/>
+          </a:fillRef>
+          <a:effectRef idx="0">
+            <a:schemeClr val="accent1"/>
+          </a:effectRef>
+          <a:fontRef idx="minor">
+            <a:schemeClr val="lt1"/>
+          </a:fontRef>
+        </p:style>
+        <p:txBody>
+          <a:bodyPr rtlCol="0" anchor="ctr"/>
+          <a:lstStyle/>
+          <a:p>
+            <a:pPr algn="ctr"/>
+            <a:endParaRPr lang="en-US"/>
+          </a:p>
+        </p:txBody>
+      </p:sp>
+      <p:cxnSp>
+        <p:nvCxnSpPr>
+          <p:cNvPr id="34" name="Straight Connector 33"/>
+          <p:cNvCxnSpPr>
+            <a:endCxn id="27" idx="0"/>
+          </p:cNvCxnSpPr>
+          <p:nvPr/>
+        </p:nvCxnSpPr>
+        <p:spPr>
+          <a:xfrm flipH="1">
+            <a:off x="5450590" y="4021865"/>
+            <a:ext cx="2552" cy="299936"/>
+          </a:xfrm>
+          <a:prstGeom prst="line">
+            <a:avLst/>
+          </a:prstGeom>
+          <a:ln w="28575">
+            <a:solidFill>
+              <a:schemeClr val="tx1"/>
+            </a:solidFill>
+          </a:ln>
+        </p:spPr>
+        <p:style>
+          <a:lnRef idx="1">
+            <a:schemeClr val="accent1"/>
+          </a:lnRef>
+          <a:fillRef idx="0">
+            <a:schemeClr val="accent1"/>
+          </a:fillRef>
+          <a:effectRef idx="0">
+            <a:schemeClr val="accent1"/>
+          </a:effectRef>
+          <a:fontRef idx="minor">
+            <a:schemeClr val="tx1"/>
+          </a:fontRef>
+        </p:style>
+      </p:cxnSp>
     </p:spTree>
     <p:extLst>
       <p:ext uri="{BB962C8B-B14F-4D97-AF65-F5344CB8AC3E}">
@@ -8084,7 +8236,7 @@
           <a:p>
             <a:pPr algn="ctr"/>
             <a:r>
-              <a:rPr lang="en-US" sz="1400" dirty="0" smtClean="0">
+              <a:rPr lang="en-US" sz="1400" smtClean="0">
                 <a:solidFill>
                   <a:schemeClr val="tx1"/>
                 </a:solidFill>
@@ -8092,7 +8244,7 @@
                 <a:ea typeface="Tahoma" panose="020B0604030504040204" pitchFamily="34" charset="0"/>
                 <a:cs typeface="Tahoma" panose="020B0604030504040204" pitchFamily="34" charset="0"/>
               </a:rPr>
-              <a:t>Data biding</a:t>
+              <a:t>Data binding</a:t>
             </a:r>
             <a:endParaRPr lang="en-US" sz="1400" dirty="0">
               <a:solidFill>
@@ -8670,7 +8822,7 @@
           <a:p>
             <a:pPr algn="ctr"/>
             <a:r>
-              <a:rPr lang="en-US" sz="1400" dirty="0" smtClean="0">
+              <a:rPr lang="en-US" sz="1400" smtClean="0">
                 <a:solidFill>
                   <a:schemeClr val="tx1"/>
                 </a:solidFill>
@@ -8678,7 +8830,7 @@
                 <a:ea typeface="Tahoma" panose="020B0604030504040204" pitchFamily="34" charset="0"/>
                 <a:cs typeface="Tahoma" panose="020B0604030504040204" pitchFamily="34" charset="0"/>
               </a:rPr>
-              <a:t>Data biding</a:t>
+              <a:t>Data binding</a:t>
             </a:r>
             <a:endParaRPr lang="en-US" sz="1400" dirty="0">
               <a:solidFill>
@@ -8933,70 +9085,6 @@
               <a:t>Fire event</a:t>
             </a:r>
             <a:endParaRPr lang="en-US" sz="1400" dirty="0">
-              <a:solidFill>
-                <a:schemeClr val="tx1"/>
-              </a:solidFill>
-              <a:latin typeface="Tahoma" panose="020B0604030504040204" pitchFamily="34" charset="0"/>
-              <a:ea typeface="Tahoma" panose="020B0604030504040204" pitchFamily="34" charset="0"/>
-              <a:cs typeface="Tahoma" panose="020B0604030504040204" pitchFamily="34" charset="0"/>
-            </a:endParaRPr>
-          </a:p>
-        </p:txBody>
-      </p:sp>
-      <p:sp>
-        <p:nvSpPr>
-          <p:cNvPr id="63" name="Rectangle 62"/>
-          <p:cNvSpPr/>
-          <p:nvPr/>
-        </p:nvSpPr>
-        <p:spPr>
-          <a:xfrm>
-            <a:off x="803039" y="4938181"/>
-            <a:ext cx="5028020" cy="724066"/>
-          </a:xfrm>
-          <a:prstGeom prst="rect">
-            <a:avLst/>
-          </a:prstGeom>
-          <a:noFill/>
-          <a:ln>
-            <a:solidFill>
-              <a:schemeClr val="tx1"/>
-            </a:solidFill>
-          </a:ln>
-        </p:spPr>
-        <p:style>
-          <a:lnRef idx="2">
-            <a:schemeClr val="accent1">
-              <a:shade val="50000"/>
-            </a:schemeClr>
-          </a:lnRef>
-          <a:fillRef idx="1">
-            <a:schemeClr val="accent1"/>
-          </a:fillRef>
-          <a:effectRef idx="0">
-            <a:schemeClr val="accent1"/>
-          </a:effectRef>
-          <a:fontRef idx="minor">
-            <a:schemeClr val="lt1"/>
-          </a:fontRef>
-        </p:style>
-        <p:txBody>
-          <a:bodyPr rtlCol="0" anchor="ctr"/>
-          <a:lstStyle/>
-          <a:p>
-            <a:pPr algn="ctr"/>
-            <a:r>
-              <a:rPr lang="en-US" dirty="0" smtClean="0">
-                <a:solidFill>
-                  <a:schemeClr val="tx1"/>
-                </a:solidFill>
-                <a:latin typeface="Tahoma" panose="020B0604030504040204" pitchFamily="34" charset="0"/>
-                <a:ea typeface="Tahoma" panose="020B0604030504040204" pitchFamily="34" charset="0"/>
-                <a:cs typeface="Tahoma" panose="020B0604030504040204" pitchFamily="34" charset="0"/>
-              </a:rPr>
-              <a:t>View, Model, Presenter in this model are instance NOT class</a:t>
-            </a:r>
-            <a:endParaRPr lang="en-US" dirty="0">
               <a:solidFill>
                 <a:schemeClr val="tx1"/>
               </a:solidFill>
@@ -9045,8 +9133,72 @@
         </p:nvSpPr>
         <p:spPr>
           <a:xfrm>
-            <a:off x="4914315" y="2614731"/>
-            <a:ext cx="1463039" cy="949083"/>
+            <a:off x="5333416" y="2728406"/>
+            <a:ext cx="1343610" cy="645993"/>
+          </a:xfrm>
+          <a:prstGeom prst="rect">
+            <a:avLst/>
+          </a:prstGeom>
+          <a:noFill/>
+          <a:ln cmpd="dbl">
+            <a:solidFill>
+              <a:schemeClr val="tx1"/>
+            </a:solidFill>
+          </a:ln>
+        </p:spPr>
+        <p:style>
+          <a:lnRef idx="2">
+            <a:schemeClr val="accent1">
+              <a:shade val="50000"/>
+            </a:schemeClr>
+          </a:lnRef>
+          <a:fillRef idx="1">
+            <a:schemeClr val="accent1"/>
+          </a:fillRef>
+          <a:effectRef idx="0">
+            <a:schemeClr val="accent1"/>
+          </a:effectRef>
+          <a:fontRef idx="minor">
+            <a:schemeClr val="lt1"/>
+          </a:fontRef>
+        </p:style>
+        <p:txBody>
+          <a:bodyPr rtlCol="0" anchor="ctr"/>
+          <a:lstStyle/>
+          <a:p>
+            <a:pPr algn="ctr"/>
+            <a:r>
+              <a:rPr lang="en-US" smtClean="0">
+                <a:solidFill>
+                  <a:schemeClr val="tx1"/>
+                </a:solidFill>
+                <a:latin typeface="Tahoma" panose="020B0604030504040204" pitchFamily="34" charset="0"/>
+                <a:ea typeface="Tahoma" panose="020B0604030504040204" pitchFamily="34" charset="0"/>
+                <a:cs typeface="Tahoma" panose="020B0604030504040204" pitchFamily="34" charset="0"/>
+              </a:rPr>
+              <a:t>Máy chủ tập trung</a:t>
+            </a:r>
+            <a:endParaRPr lang="en-US" dirty="0">
+              <a:solidFill>
+                <a:schemeClr val="tx1"/>
+              </a:solidFill>
+              <a:latin typeface="Tahoma" panose="020B0604030504040204" pitchFamily="34" charset="0"/>
+              <a:ea typeface="Tahoma" panose="020B0604030504040204" pitchFamily="34" charset="0"/>
+              <a:cs typeface="Tahoma" panose="020B0604030504040204" pitchFamily="34" charset="0"/>
+            </a:endParaRPr>
+          </a:p>
+        </p:txBody>
+      </p:sp>
+      <p:sp>
+        <p:nvSpPr>
+          <p:cNvPr id="3" name="Rectangle 2"/>
+          <p:cNvSpPr/>
+          <p:nvPr/>
+        </p:nvSpPr>
+        <p:spPr>
+          <a:xfrm>
+            <a:off x="3142666" y="2730104"/>
+            <a:ext cx="1343610" cy="645993"/>
           </a:xfrm>
           <a:prstGeom prst="rect">
             <a:avLst/>
@@ -9080,7 +9232,7 @@
           <a:p>
             <a:pPr algn="ctr"/>
             <a:r>
-              <a:rPr lang="en-US" dirty="0" err="1" smtClean="0">
+              <a:rPr lang="en-US" smtClean="0">
                 <a:solidFill>
                   <a:schemeClr val="tx1"/>
                 </a:solidFill>
@@ -9088,73 +9240,7 @@
                 <a:ea typeface="Tahoma" panose="020B0604030504040204" pitchFamily="34" charset="0"/>
                 <a:cs typeface="Tahoma" panose="020B0604030504040204" pitchFamily="34" charset="0"/>
               </a:rPr>
-              <a:t>Phân</a:t>
-            </a:r>
-            <a:r>
-              <a:rPr lang="en-US" dirty="0" smtClean="0">
-                <a:solidFill>
-                  <a:schemeClr val="tx1"/>
-                </a:solidFill>
-                <a:latin typeface="Tahoma" panose="020B0604030504040204" pitchFamily="34" charset="0"/>
-                <a:ea typeface="Tahoma" panose="020B0604030504040204" pitchFamily="34" charset="0"/>
-                <a:cs typeface="Tahoma" panose="020B0604030504040204" pitchFamily="34" charset="0"/>
-              </a:rPr>
-              <a:t> </a:t>
-            </a:r>
-            <a:r>
-              <a:rPr lang="en-US" dirty="0" err="1" smtClean="0">
-                <a:solidFill>
-                  <a:schemeClr val="tx1"/>
-                </a:solidFill>
-                <a:latin typeface="Tahoma" panose="020B0604030504040204" pitchFamily="34" charset="0"/>
-                <a:ea typeface="Tahoma" panose="020B0604030504040204" pitchFamily="34" charset="0"/>
-                <a:cs typeface="Tahoma" panose="020B0604030504040204" pitchFamily="34" charset="0"/>
-              </a:rPr>
-              <a:t>tích</a:t>
-            </a:r>
-            <a:r>
-              <a:rPr lang="en-US" dirty="0" smtClean="0">
-                <a:solidFill>
-                  <a:schemeClr val="tx1"/>
-                </a:solidFill>
-                <a:latin typeface="Tahoma" panose="020B0604030504040204" pitchFamily="34" charset="0"/>
-                <a:ea typeface="Tahoma" panose="020B0604030504040204" pitchFamily="34" charset="0"/>
-                <a:cs typeface="Tahoma" panose="020B0604030504040204" pitchFamily="34" charset="0"/>
-              </a:rPr>
-              <a:t>, </a:t>
-            </a:r>
-            <a:r>
-              <a:rPr lang="en-US" dirty="0" err="1" smtClean="0">
-                <a:solidFill>
-                  <a:schemeClr val="tx1"/>
-                </a:solidFill>
-                <a:latin typeface="Tahoma" panose="020B0604030504040204" pitchFamily="34" charset="0"/>
-                <a:ea typeface="Tahoma" panose="020B0604030504040204" pitchFamily="34" charset="0"/>
-                <a:cs typeface="Tahoma" panose="020B0604030504040204" pitchFamily="34" charset="0"/>
-              </a:rPr>
-              <a:t>thiết</a:t>
-            </a:r>
-            <a:r>
-              <a:rPr lang="en-US" dirty="0" smtClean="0">
-                <a:solidFill>
-                  <a:schemeClr val="tx1"/>
-                </a:solidFill>
-                <a:latin typeface="Tahoma" panose="020B0604030504040204" pitchFamily="34" charset="0"/>
-                <a:ea typeface="Tahoma" panose="020B0604030504040204" pitchFamily="34" charset="0"/>
-                <a:cs typeface="Tahoma" panose="020B0604030504040204" pitchFamily="34" charset="0"/>
-              </a:rPr>
-              <a:t> </a:t>
-            </a:r>
-            <a:r>
-              <a:rPr lang="en-US" dirty="0" err="1" smtClean="0">
-                <a:solidFill>
-                  <a:schemeClr val="tx1"/>
-                </a:solidFill>
-                <a:latin typeface="Tahoma" panose="020B0604030504040204" pitchFamily="34" charset="0"/>
-                <a:ea typeface="Tahoma" panose="020B0604030504040204" pitchFamily="34" charset="0"/>
-                <a:cs typeface="Tahoma" panose="020B0604030504040204" pitchFamily="34" charset="0"/>
-              </a:rPr>
-              <a:t>kế</a:t>
+              <a:t>Máy trạm 1</a:t>
             </a:r>
             <a:endParaRPr lang="en-US" dirty="0">
               <a:solidFill>
@@ -9167,10 +9253,3559 @@
           </a:p>
         </p:txBody>
       </p:sp>
+      <p:sp>
+        <p:nvSpPr>
+          <p:cNvPr id="5" name="Rectangle 4"/>
+          <p:cNvSpPr/>
+          <p:nvPr/>
+        </p:nvSpPr>
+        <p:spPr>
+          <a:xfrm>
+            <a:off x="7625766" y="2699214"/>
+            <a:ext cx="1343610" cy="645993"/>
+          </a:xfrm>
+          <a:prstGeom prst="rect">
+            <a:avLst/>
+          </a:prstGeom>
+          <a:noFill/>
+          <a:ln>
+            <a:solidFill>
+              <a:schemeClr val="tx1"/>
+            </a:solidFill>
+          </a:ln>
+        </p:spPr>
+        <p:style>
+          <a:lnRef idx="2">
+            <a:schemeClr val="accent1">
+              <a:shade val="50000"/>
+            </a:schemeClr>
+          </a:lnRef>
+          <a:fillRef idx="1">
+            <a:schemeClr val="accent1"/>
+          </a:fillRef>
+          <a:effectRef idx="0">
+            <a:schemeClr val="accent1"/>
+          </a:effectRef>
+          <a:fontRef idx="minor">
+            <a:schemeClr val="lt1"/>
+          </a:fontRef>
+        </p:style>
+        <p:txBody>
+          <a:bodyPr rtlCol="0" anchor="ctr"/>
+          <a:lstStyle/>
+          <a:p>
+            <a:pPr algn="ctr"/>
+            <a:r>
+              <a:rPr lang="en-US" smtClean="0">
+                <a:solidFill>
+                  <a:schemeClr val="tx1"/>
+                </a:solidFill>
+                <a:latin typeface="Tahoma" panose="020B0604030504040204" pitchFamily="34" charset="0"/>
+                <a:ea typeface="Tahoma" panose="020B0604030504040204" pitchFamily="34" charset="0"/>
+                <a:cs typeface="Tahoma" panose="020B0604030504040204" pitchFamily="34" charset="0"/>
+              </a:rPr>
+              <a:t>Máy trạm 2</a:t>
+            </a:r>
+            <a:endParaRPr lang="en-US" dirty="0">
+              <a:solidFill>
+                <a:schemeClr val="tx1"/>
+              </a:solidFill>
+              <a:latin typeface="Tahoma" panose="020B0604030504040204" pitchFamily="34" charset="0"/>
+              <a:ea typeface="Tahoma" panose="020B0604030504040204" pitchFamily="34" charset="0"/>
+              <a:cs typeface="Tahoma" panose="020B0604030504040204" pitchFamily="34" charset="0"/>
+            </a:endParaRPr>
+          </a:p>
+        </p:txBody>
+      </p:sp>
+      <p:sp>
+        <p:nvSpPr>
+          <p:cNvPr id="6" name="Rectangle 5"/>
+          <p:cNvSpPr/>
+          <p:nvPr/>
+        </p:nvSpPr>
+        <p:spPr>
+          <a:xfrm>
+            <a:off x="5333416" y="4161808"/>
+            <a:ext cx="1343610" cy="645993"/>
+          </a:xfrm>
+          <a:prstGeom prst="rect">
+            <a:avLst/>
+          </a:prstGeom>
+          <a:noFill/>
+          <a:ln>
+            <a:solidFill>
+              <a:schemeClr val="tx1"/>
+            </a:solidFill>
+          </a:ln>
+        </p:spPr>
+        <p:style>
+          <a:lnRef idx="2">
+            <a:schemeClr val="accent1">
+              <a:shade val="50000"/>
+            </a:schemeClr>
+          </a:lnRef>
+          <a:fillRef idx="1">
+            <a:schemeClr val="accent1"/>
+          </a:fillRef>
+          <a:effectRef idx="0">
+            <a:schemeClr val="accent1"/>
+          </a:effectRef>
+          <a:fontRef idx="minor">
+            <a:schemeClr val="lt1"/>
+          </a:fontRef>
+        </p:style>
+        <p:txBody>
+          <a:bodyPr rtlCol="0" anchor="ctr"/>
+          <a:lstStyle/>
+          <a:p>
+            <a:pPr algn="ctr"/>
+            <a:r>
+              <a:rPr lang="en-US" smtClean="0">
+                <a:solidFill>
+                  <a:schemeClr val="tx1"/>
+                </a:solidFill>
+                <a:latin typeface="Tahoma" panose="020B0604030504040204" pitchFamily="34" charset="0"/>
+                <a:ea typeface="Tahoma" panose="020B0604030504040204" pitchFamily="34" charset="0"/>
+                <a:cs typeface="Tahoma" panose="020B0604030504040204" pitchFamily="34" charset="0"/>
+              </a:rPr>
+              <a:t>Máy chủ trạm</a:t>
+            </a:r>
+            <a:endParaRPr lang="en-US" dirty="0">
+              <a:solidFill>
+                <a:schemeClr val="tx1"/>
+              </a:solidFill>
+              <a:latin typeface="Tahoma" panose="020B0604030504040204" pitchFamily="34" charset="0"/>
+              <a:ea typeface="Tahoma" panose="020B0604030504040204" pitchFamily="34" charset="0"/>
+              <a:cs typeface="Tahoma" panose="020B0604030504040204" pitchFamily="34" charset="0"/>
+            </a:endParaRPr>
+          </a:p>
+        </p:txBody>
+      </p:sp>
+      <p:sp>
+        <p:nvSpPr>
+          <p:cNvPr id="7" name="Rectangle 6"/>
+          <p:cNvSpPr/>
+          <p:nvPr/>
+        </p:nvSpPr>
+        <p:spPr>
+          <a:xfrm>
+            <a:off x="3142666" y="4161808"/>
+            <a:ext cx="1343610" cy="645993"/>
+          </a:xfrm>
+          <a:prstGeom prst="rect">
+            <a:avLst/>
+          </a:prstGeom>
+          <a:noFill/>
+          <a:ln>
+            <a:solidFill>
+              <a:schemeClr val="tx1"/>
+            </a:solidFill>
+          </a:ln>
+        </p:spPr>
+        <p:style>
+          <a:lnRef idx="2">
+            <a:schemeClr val="accent1">
+              <a:shade val="50000"/>
+            </a:schemeClr>
+          </a:lnRef>
+          <a:fillRef idx="1">
+            <a:schemeClr val="accent1"/>
+          </a:fillRef>
+          <a:effectRef idx="0">
+            <a:schemeClr val="accent1"/>
+          </a:effectRef>
+          <a:fontRef idx="minor">
+            <a:schemeClr val="lt1"/>
+          </a:fontRef>
+        </p:style>
+        <p:txBody>
+          <a:bodyPr rtlCol="0" anchor="ctr"/>
+          <a:lstStyle/>
+          <a:p>
+            <a:pPr algn="ctr"/>
+            <a:r>
+              <a:rPr lang="en-US" smtClean="0">
+                <a:solidFill>
+                  <a:schemeClr val="tx1"/>
+                </a:solidFill>
+                <a:latin typeface="Tahoma" panose="020B0604030504040204" pitchFamily="34" charset="0"/>
+                <a:ea typeface="Tahoma" panose="020B0604030504040204" pitchFamily="34" charset="0"/>
+                <a:cs typeface="Tahoma" panose="020B0604030504040204" pitchFamily="34" charset="0"/>
+              </a:rPr>
+              <a:t>Máy trạm 3</a:t>
+            </a:r>
+            <a:endParaRPr lang="en-US" dirty="0">
+              <a:solidFill>
+                <a:schemeClr val="tx1"/>
+              </a:solidFill>
+              <a:latin typeface="Tahoma" panose="020B0604030504040204" pitchFamily="34" charset="0"/>
+              <a:ea typeface="Tahoma" panose="020B0604030504040204" pitchFamily="34" charset="0"/>
+              <a:cs typeface="Tahoma" panose="020B0604030504040204" pitchFamily="34" charset="0"/>
+            </a:endParaRPr>
+          </a:p>
+        </p:txBody>
+      </p:sp>
+      <p:sp>
+        <p:nvSpPr>
+          <p:cNvPr id="8" name="Rectangle 7"/>
+          <p:cNvSpPr/>
+          <p:nvPr/>
+        </p:nvSpPr>
+        <p:spPr>
+          <a:xfrm>
+            <a:off x="7625766" y="4161807"/>
+            <a:ext cx="1343610" cy="645993"/>
+          </a:xfrm>
+          <a:prstGeom prst="rect">
+            <a:avLst/>
+          </a:prstGeom>
+          <a:noFill/>
+          <a:ln>
+            <a:solidFill>
+              <a:schemeClr val="tx1"/>
+            </a:solidFill>
+          </a:ln>
+        </p:spPr>
+        <p:style>
+          <a:lnRef idx="2">
+            <a:schemeClr val="accent1">
+              <a:shade val="50000"/>
+            </a:schemeClr>
+          </a:lnRef>
+          <a:fillRef idx="1">
+            <a:schemeClr val="accent1"/>
+          </a:fillRef>
+          <a:effectRef idx="0">
+            <a:schemeClr val="accent1"/>
+          </a:effectRef>
+          <a:fontRef idx="minor">
+            <a:schemeClr val="lt1"/>
+          </a:fontRef>
+        </p:style>
+        <p:txBody>
+          <a:bodyPr rtlCol="0" anchor="ctr"/>
+          <a:lstStyle/>
+          <a:p>
+            <a:pPr algn="ctr"/>
+            <a:r>
+              <a:rPr lang="en-US" smtClean="0">
+                <a:solidFill>
+                  <a:schemeClr val="tx1"/>
+                </a:solidFill>
+                <a:latin typeface="Tahoma" panose="020B0604030504040204" pitchFamily="34" charset="0"/>
+                <a:ea typeface="Tahoma" panose="020B0604030504040204" pitchFamily="34" charset="0"/>
+                <a:cs typeface="Tahoma" panose="020B0604030504040204" pitchFamily="34" charset="0"/>
+              </a:rPr>
+              <a:t>Máy trạm 4</a:t>
+            </a:r>
+            <a:endParaRPr lang="en-US" dirty="0">
+              <a:solidFill>
+                <a:schemeClr val="tx1"/>
+              </a:solidFill>
+              <a:latin typeface="Tahoma" panose="020B0604030504040204" pitchFamily="34" charset="0"/>
+              <a:ea typeface="Tahoma" panose="020B0604030504040204" pitchFamily="34" charset="0"/>
+              <a:cs typeface="Tahoma" panose="020B0604030504040204" pitchFamily="34" charset="0"/>
+            </a:endParaRPr>
+          </a:p>
+        </p:txBody>
+      </p:sp>
+      <p:cxnSp>
+        <p:nvCxnSpPr>
+          <p:cNvPr id="9" name="Straight Connector 8"/>
+          <p:cNvCxnSpPr/>
+          <p:nvPr/>
+        </p:nvCxnSpPr>
+        <p:spPr>
+          <a:xfrm>
+            <a:off x="3142666" y="3810000"/>
+            <a:ext cx="5826710" cy="0"/>
+          </a:xfrm>
+          <a:prstGeom prst="line">
+            <a:avLst/>
+          </a:prstGeom>
+          <a:ln w="12700">
+            <a:solidFill>
+              <a:schemeClr val="tx1"/>
+            </a:solidFill>
+            <a:prstDash val="lgDash"/>
+          </a:ln>
+        </p:spPr>
+        <p:style>
+          <a:lnRef idx="1">
+            <a:schemeClr val="accent1"/>
+          </a:lnRef>
+          <a:fillRef idx="0">
+            <a:schemeClr val="accent1"/>
+          </a:fillRef>
+          <a:effectRef idx="0">
+            <a:schemeClr val="accent1"/>
+          </a:effectRef>
+          <a:fontRef idx="minor">
+            <a:schemeClr val="tx1"/>
+          </a:fontRef>
+        </p:style>
+      </p:cxnSp>
+      <p:cxnSp>
+        <p:nvCxnSpPr>
+          <p:cNvPr id="11" name="Straight Connector 10"/>
+          <p:cNvCxnSpPr/>
+          <p:nvPr/>
+        </p:nvCxnSpPr>
+        <p:spPr>
+          <a:xfrm>
+            <a:off x="4889500" y="2247900"/>
+            <a:ext cx="0" cy="1562100"/>
+          </a:xfrm>
+          <a:prstGeom prst="line">
+            <a:avLst/>
+          </a:prstGeom>
+          <a:ln w="12700">
+            <a:solidFill>
+              <a:schemeClr val="tx1"/>
+            </a:solidFill>
+            <a:prstDash val="lgDash"/>
+          </a:ln>
+        </p:spPr>
+        <p:style>
+          <a:lnRef idx="1">
+            <a:schemeClr val="accent1"/>
+          </a:lnRef>
+          <a:fillRef idx="0">
+            <a:schemeClr val="accent1"/>
+          </a:fillRef>
+          <a:effectRef idx="0">
+            <a:schemeClr val="accent1"/>
+          </a:effectRef>
+          <a:fontRef idx="minor">
+            <a:schemeClr val="tx1"/>
+          </a:fontRef>
+        </p:style>
+      </p:cxnSp>
+      <p:cxnSp>
+        <p:nvCxnSpPr>
+          <p:cNvPr id="12" name="Straight Connector 11"/>
+          <p:cNvCxnSpPr/>
+          <p:nvPr/>
+        </p:nvCxnSpPr>
+        <p:spPr>
+          <a:xfrm>
+            <a:off x="7188200" y="2247900"/>
+            <a:ext cx="0" cy="1562100"/>
+          </a:xfrm>
+          <a:prstGeom prst="line">
+            <a:avLst/>
+          </a:prstGeom>
+          <a:ln w="12700">
+            <a:solidFill>
+              <a:schemeClr val="tx1"/>
+            </a:solidFill>
+            <a:prstDash val="lgDash"/>
+          </a:ln>
+        </p:spPr>
+        <p:style>
+          <a:lnRef idx="1">
+            <a:schemeClr val="accent1"/>
+          </a:lnRef>
+          <a:fillRef idx="0">
+            <a:schemeClr val="accent1"/>
+          </a:fillRef>
+          <a:effectRef idx="0">
+            <a:schemeClr val="accent1"/>
+          </a:effectRef>
+          <a:fontRef idx="minor">
+            <a:schemeClr val="tx1"/>
+          </a:fontRef>
+        </p:style>
+      </p:cxnSp>
+      <p:sp>
+        <p:nvSpPr>
+          <p:cNvPr id="13" name="Rectangle 12"/>
+          <p:cNvSpPr/>
+          <p:nvPr/>
+        </p:nvSpPr>
+        <p:spPr>
+          <a:xfrm>
+            <a:off x="4230395" y="1188374"/>
+            <a:ext cx="1343610" cy="645993"/>
+          </a:xfrm>
+          <a:prstGeom prst="rect">
+            <a:avLst/>
+          </a:prstGeom>
+          <a:noFill/>
+          <a:ln>
+            <a:solidFill>
+              <a:schemeClr val="tx1"/>
+            </a:solidFill>
+          </a:ln>
+        </p:spPr>
+        <p:style>
+          <a:lnRef idx="2">
+            <a:schemeClr val="accent1">
+              <a:shade val="50000"/>
+            </a:schemeClr>
+          </a:lnRef>
+          <a:fillRef idx="1">
+            <a:schemeClr val="accent1"/>
+          </a:fillRef>
+          <a:effectRef idx="0">
+            <a:schemeClr val="accent1"/>
+          </a:effectRef>
+          <a:fontRef idx="minor">
+            <a:schemeClr val="lt1"/>
+          </a:fontRef>
+        </p:style>
+        <p:txBody>
+          <a:bodyPr rtlCol="0" anchor="ctr"/>
+          <a:lstStyle/>
+          <a:p>
+            <a:pPr algn="ctr"/>
+            <a:r>
+              <a:rPr lang="en-US" smtClean="0">
+                <a:solidFill>
+                  <a:schemeClr val="tx1"/>
+                </a:solidFill>
+                <a:latin typeface="Tahoma" panose="020B0604030504040204" pitchFamily="34" charset="0"/>
+                <a:ea typeface="Tahoma" panose="020B0604030504040204" pitchFamily="34" charset="0"/>
+                <a:cs typeface="Tahoma" panose="020B0604030504040204" pitchFamily="34" charset="0"/>
+              </a:rPr>
+              <a:t>Máy chủ dự phòng</a:t>
+            </a:r>
+            <a:endParaRPr lang="en-US" dirty="0">
+              <a:solidFill>
+                <a:schemeClr val="tx1"/>
+              </a:solidFill>
+              <a:latin typeface="Tahoma" panose="020B0604030504040204" pitchFamily="34" charset="0"/>
+              <a:ea typeface="Tahoma" panose="020B0604030504040204" pitchFamily="34" charset="0"/>
+              <a:cs typeface="Tahoma" panose="020B0604030504040204" pitchFamily="34" charset="0"/>
+            </a:endParaRPr>
+          </a:p>
+        </p:txBody>
+      </p:sp>
+      <p:cxnSp>
+        <p:nvCxnSpPr>
+          <p:cNvPr id="14" name="Straight Connector 13"/>
+          <p:cNvCxnSpPr/>
+          <p:nvPr/>
+        </p:nvCxnSpPr>
+        <p:spPr>
+          <a:xfrm>
+            <a:off x="3101391" y="2247900"/>
+            <a:ext cx="5826710" cy="0"/>
+          </a:xfrm>
+          <a:prstGeom prst="line">
+            <a:avLst/>
+          </a:prstGeom>
+          <a:ln w="12700">
+            <a:solidFill>
+              <a:schemeClr val="tx1"/>
+            </a:solidFill>
+            <a:prstDash val="lgDash"/>
+          </a:ln>
+        </p:spPr>
+        <p:style>
+          <a:lnRef idx="1">
+            <a:schemeClr val="accent1"/>
+          </a:lnRef>
+          <a:fillRef idx="0">
+            <a:schemeClr val="accent1"/>
+          </a:fillRef>
+          <a:effectRef idx="0">
+            <a:schemeClr val="accent1"/>
+          </a:effectRef>
+          <a:fontRef idx="minor">
+            <a:schemeClr val="tx1"/>
+          </a:fontRef>
+        </p:style>
+      </p:cxnSp>
+      <p:sp>
+        <p:nvSpPr>
+          <p:cNvPr id="15" name="Rectangle 14"/>
+          <p:cNvSpPr/>
+          <p:nvPr/>
+        </p:nvSpPr>
+        <p:spPr>
+          <a:xfrm>
+            <a:off x="2940342" y="783327"/>
+            <a:ext cx="870534" cy="490726"/>
+          </a:xfrm>
+          <a:prstGeom prst="rect">
+            <a:avLst/>
+          </a:prstGeom>
+          <a:noFill/>
+          <a:ln>
+            <a:noFill/>
+          </a:ln>
+        </p:spPr>
+        <p:style>
+          <a:lnRef idx="2">
+            <a:schemeClr val="accent1">
+              <a:shade val="50000"/>
+            </a:schemeClr>
+          </a:lnRef>
+          <a:fillRef idx="1">
+            <a:schemeClr val="accent1"/>
+          </a:fillRef>
+          <a:effectRef idx="0">
+            <a:schemeClr val="accent1"/>
+          </a:effectRef>
+          <a:fontRef idx="minor">
+            <a:schemeClr val="lt1"/>
+          </a:fontRef>
+        </p:style>
+        <p:txBody>
+          <a:bodyPr rtlCol="0" anchor="ctr"/>
+          <a:lstStyle/>
+          <a:p>
+            <a:pPr algn="ctr"/>
+            <a:r>
+              <a:rPr lang="en-US" sz="1400" smtClean="0">
+                <a:solidFill>
+                  <a:schemeClr val="tx1"/>
+                </a:solidFill>
+                <a:latin typeface="Tahoma" panose="020B0604030504040204" pitchFamily="34" charset="0"/>
+                <a:ea typeface="Tahoma" panose="020B0604030504040204" pitchFamily="34" charset="0"/>
+                <a:cs typeface="Tahoma" panose="020B0604030504040204" pitchFamily="34" charset="0"/>
+              </a:rPr>
+              <a:t>LAN 4</a:t>
+            </a:r>
+            <a:endParaRPr lang="en-US" sz="1400" dirty="0">
+              <a:solidFill>
+                <a:schemeClr val="tx1"/>
+              </a:solidFill>
+              <a:latin typeface="Tahoma" panose="020B0604030504040204" pitchFamily="34" charset="0"/>
+              <a:ea typeface="Tahoma" panose="020B0604030504040204" pitchFamily="34" charset="0"/>
+              <a:cs typeface="Tahoma" panose="020B0604030504040204" pitchFamily="34" charset="0"/>
+            </a:endParaRPr>
+          </a:p>
+        </p:txBody>
+      </p:sp>
+      <p:sp>
+        <p:nvSpPr>
+          <p:cNvPr id="16" name="Rectangle 15"/>
+          <p:cNvSpPr/>
+          <p:nvPr/>
+        </p:nvSpPr>
+        <p:spPr>
+          <a:xfrm>
+            <a:off x="2898192" y="2132934"/>
+            <a:ext cx="870534" cy="490726"/>
+          </a:xfrm>
+          <a:prstGeom prst="rect">
+            <a:avLst/>
+          </a:prstGeom>
+          <a:noFill/>
+          <a:ln>
+            <a:noFill/>
+          </a:ln>
+        </p:spPr>
+        <p:style>
+          <a:lnRef idx="2">
+            <a:schemeClr val="accent1">
+              <a:shade val="50000"/>
+            </a:schemeClr>
+          </a:lnRef>
+          <a:fillRef idx="1">
+            <a:schemeClr val="accent1"/>
+          </a:fillRef>
+          <a:effectRef idx="0">
+            <a:schemeClr val="accent1"/>
+          </a:effectRef>
+          <a:fontRef idx="minor">
+            <a:schemeClr val="lt1"/>
+          </a:fontRef>
+        </p:style>
+        <p:txBody>
+          <a:bodyPr rtlCol="0" anchor="ctr"/>
+          <a:lstStyle/>
+          <a:p>
+            <a:pPr algn="ctr"/>
+            <a:r>
+              <a:rPr lang="en-US" sz="1400" smtClean="0">
+                <a:solidFill>
+                  <a:schemeClr val="tx1"/>
+                </a:solidFill>
+                <a:latin typeface="Tahoma" panose="020B0604030504040204" pitchFamily="34" charset="0"/>
+                <a:ea typeface="Tahoma" panose="020B0604030504040204" pitchFamily="34" charset="0"/>
+                <a:cs typeface="Tahoma" panose="020B0604030504040204" pitchFamily="34" charset="0"/>
+              </a:rPr>
+              <a:t>LAN 1</a:t>
+            </a:r>
+            <a:endParaRPr lang="en-US" sz="1400" dirty="0">
+              <a:solidFill>
+                <a:schemeClr val="tx1"/>
+              </a:solidFill>
+              <a:latin typeface="Tahoma" panose="020B0604030504040204" pitchFamily="34" charset="0"/>
+              <a:ea typeface="Tahoma" panose="020B0604030504040204" pitchFamily="34" charset="0"/>
+              <a:cs typeface="Tahoma" panose="020B0604030504040204" pitchFamily="34" charset="0"/>
+            </a:endParaRPr>
+          </a:p>
+        </p:txBody>
+      </p:sp>
+      <p:sp>
+        <p:nvSpPr>
+          <p:cNvPr id="17" name="Rectangle 16"/>
+          <p:cNvSpPr/>
+          <p:nvPr/>
+        </p:nvSpPr>
+        <p:spPr>
+          <a:xfrm>
+            <a:off x="8266825" y="2132934"/>
+            <a:ext cx="870534" cy="490726"/>
+          </a:xfrm>
+          <a:prstGeom prst="rect">
+            <a:avLst/>
+          </a:prstGeom>
+          <a:noFill/>
+          <a:ln>
+            <a:noFill/>
+          </a:ln>
+        </p:spPr>
+        <p:style>
+          <a:lnRef idx="2">
+            <a:schemeClr val="accent1">
+              <a:shade val="50000"/>
+            </a:schemeClr>
+          </a:lnRef>
+          <a:fillRef idx="1">
+            <a:schemeClr val="accent1"/>
+          </a:fillRef>
+          <a:effectRef idx="0">
+            <a:schemeClr val="accent1"/>
+          </a:effectRef>
+          <a:fontRef idx="minor">
+            <a:schemeClr val="lt1"/>
+          </a:fontRef>
+        </p:style>
+        <p:txBody>
+          <a:bodyPr rtlCol="0" anchor="ctr"/>
+          <a:lstStyle/>
+          <a:p>
+            <a:pPr algn="ctr"/>
+            <a:r>
+              <a:rPr lang="en-US" sz="1400" smtClean="0">
+                <a:solidFill>
+                  <a:schemeClr val="tx1"/>
+                </a:solidFill>
+                <a:latin typeface="Tahoma" panose="020B0604030504040204" pitchFamily="34" charset="0"/>
+                <a:ea typeface="Tahoma" panose="020B0604030504040204" pitchFamily="34" charset="0"/>
+                <a:cs typeface="Tahoma" panose="020B0604030504040204" pitchFamily="34" charset="0"/>
+              </a:rPr>
+              <a:t>LAN 2</a:t>
+            </a:r>
+            <a:endParaRPr lang="en-US" sz="1400" dirty="0">
+              <a:solidFill>
+                <a:schemeClr val="tx1"/>
+              </a:solidFill>
+              <a:latin typeface="Tahoma" panose="020B0604030504040204" pitchFamily="34" charset="0"/>
+              <a:ea typeface="Tahoma" panose="020B0604030504040204" pitchFamily="34" charset="0"/>
+              <a:cs typeface="Tahoma" panose="020B0604030504040204" pitchFamily="34" charset="0"/>
+            </a:endParaRPr>
+          </a:p>
+        </p:txBody>
+      </p:sp>
+      <p:sp>
+        <p:nvSpPr>
+          <p:cNvPr id="18" name="Rectangle 17"/>
+          <p:cNvSpPr/>
+          <p:nvPr/>
+        </p:nvSpPr>
+        <p:spPr>
+          <a:xfrm>
+            <a:off x="2940342" y="3727904"/>
+            <a:ext cx="870534" cy="490726"/>
+          </a:xfrm>
+          <a:prstGeom prst="rect">
+            <a:avLst/>
+          </a:prstGeom>
+          <a:noFill/>
+          <a:ln>
+            <a:noFill/>
+          </a:ln>
+        </p:spPr>
+        <p:style>
+          <a:lnRef idx="2">
+            <a:schemeClr val="accent1">
+              <a:shade val="50000"/>
+            </a:schemeClr>
+          </a:lnRef>
+          <a:fillRef idx="1">
+            <a:schemeClr val="accent1"/>
+          </a:fillRef>
+          <a:effectRef idx="0">
+            <a:schemeClr val="accent1"/>
+          </a:effectRef>
+          <a:fontRef idx="minor">
+            <a:schemeClr val="lt1"/>
+          </a:fontRef>
+        </p:style>
+        <p:txBody>
+          <a:bodyPr rtlCol="0" anchor="ctr"/>
+          <a:lstStyle/>
+          <a:p>
+            <a:pPr algn="ctr"/>
+            <a:r>
+              <a:rPr lang="en-US" sz="1400" smtClean="0">
+                <a:solidFill>
+                  <a:schemeClr val="tx1"/>
+                </a:solidFill>
+                <a:latin typeface="Tahoma" panose="020B0604030504040204" pitchFamily="34" charset="0"/>
+                <a:ea typeface="Tahoma" panose="020B0604030504040204" pitchFamily="34" charset="0"/>
+                <a:cs typeface="Tahoma" panose="020B0604030504040204" pitchFamily="34" charset="0"/>
+              </a:rPr>
+              <a:t>LAN 3</a:t>
+            </a:r>
+            <a:endParaRPr lang="en-US" sz="1400" dirty="0">
+              <a:solidFill>
+                <a:schemeClr val="tx1"/>
+              </a:solidFill>
+              <a:latin typeface="Tahoma" panose="020B0604030504040204" pitchFamily="34" charset="0"/>
+              <a:ea typeface="Tahoma" panose="020B0604030504040204" pitchFamily="34" charset="0"/>
+              <a:cs typeface="Tahoma" panose="020B0604030504040204" pitchFamily="34" charset="0"/>
+            </a:endParaRPr>
+          </a:p>
+        </p:txBody>
+      </p:sp>
+      <p:sp>
+        <p:nvSpPr>
+          <p:cNvPr id="19" name="Rectangle 18"/>
+          <p:cNvSpPr/>
+          <p:nvPr/>
+        </p:nvSpPr>
+        <p:spPr>
+          <a:xfrm>
+            <a:off x="4833208" y="3420092"/>
+            <a:ext cx="2344026" cy="490726"/>
+          </a:xfrm>
+          <a:prstGeom prst="rect">
+            <a:avLst/>
+          </a:prstGeom>
+          <a:noFill/>
+          <a:ln>
+            <a:noFill/>
+          </a:ln>
+        </p:spPr>
+        <p:style>
+          <a:lnRef idx="2">
+            <a:schemeClr val="accent1">
+              <a:shade val="50000"/>
+            </a:schemeClr>
+          </a:lnRef>
+          <a:fillRef idx="1">
+            <a:schemeClr val="accent1"/>
+          </a:fillRef>
+          <a:effectRef idx="0">
+            <a:schemeClr val="accent1"/>
+          </a:effectRef>
+          <a:fontRef idx="minor">
+            <a:schemeClr val="lt1"/>
+          </a:fontRef>
+        </p:style>
+        <p:txBody>
+          <a:bodyPr rtlCol="0" anchor="ctr"/>
+          <a:lstStyle/>
+          <a:p>
+            <a:pPr algn="ctr"/>
+            <a:r>
+              <a:rPr lang="en-US" sz="1400" smtClean="0">
+                <a:solidFill>
+                  <a:schemeClr val="tx1"/>
+                </a:solidFill>
+                <a:latin typeface="Tahoma" panose="020B0604030504040204" pitchFamily="34" charset="0"/>
+                <a:ea typeface="Tahoma" panose="020B0604030504040204" pitchFamily="34" charset="0"/>
+                <a:cs typeface="Tahoma" panose="020B0604030504040204" pitchFamily="34" charset="0"/>
+              </a:rPr>
+              <a:t>Internet hoặc  mạng nội bộ </a:t>
+            </a:r>
+            <a:endParaRPr lang="en-US" sz="1400" dirty="0">
+              <a:solidFill>
+                <a:schemeClr val="tx1"/>
+              </a:solidFill>
+              <a:latin typeface="Tahoma" panose="020B0604030504040204" pitchFamily="34" charset="0"/>
+              <a:ea typeface="Tahoma" panose="020B0604030504040204" pitchFamily="34" charset="0"/>
+              <a:cs typeface="Tahoma" panose="020B0604030504040204" pitchFamily="34" charset="0"/>
+            </a:endParaRPr>
+          </a:p>
+        </p:txBody>
+      </p:sp>
+      <p:cxnSp>
+        <p:nvCxnSpPr>
+          <p:cNvPr id="21" name="Straight Connector 20"/>
+          <p:cNvCxnSpPr/>
+          <p:nvPr/>
+        </p:nvCxnSpPr>
+        <p:spPr>
+          <a:xfrm>
+            <a:off x="4552951" y="3073400"/>
+            <a:ext cx="716965" cy="0"/>
+          </a:xfrm>
+          <a:prstGeom prst="line">
+            <a:avLst/>
+          </a:prstGeom>
+          <a:ln w="28575">
+            <a:solidFill>
+              <a:schemeClr val="tx1"/>
+            </a:solidFill>
+            <a:prstDash val="dash"/>
+            <a:headEnd type="arrow" w="med" len="med"/>
+            <a:tailEnd type="arrow" w="med" len="med"/>
+          </a:ln>
+        </p:spPr>
+        <p:style>
+          <a:lnRef idx="1">
+            <a:schemeClr val="accent1"/>
+          </a:lnRef>
+          <a:fillRef idx="0">
+            <a:schemeClr val="accent1"/>
+          </a:fillRef>
+          <a:effectRef idx="0">
+            <a:schemeClr val="accent1"/>
+          </a:effectRef>
+          <a:fontRef idx="minor">
+            <a:schemeClr val="tx1"/>
+          </a:fontRef>
+        </p:style>
+      </p:cxnSp>
+      <p:cxnSp>
+        <p:nvCxnSpPr>
+          <p:cNvPr id="23" name="Straight Connector 22"/>
+          <p:cNvCxnSpPr/>
+          <p:nvPr/>
+        </p:nvCxnSpPr>
+        <p:spPr>
+          <a:xfrm>
+            <a:off x="6045200" y="3412501"/>
+            <a:ext cx="0" cy="699123"/>
+          </a:xfrm>
+          <a:prstGeom prst="line">
+            <a:avLst/>
+          </a:prstGeom>
+          <a:ln w="28575">
+            <a:solidFill>
+              <a:schemeClr val="tx1"/>
+            </a:solidFill>
+            <a:headEnd type="arrow" w="med" len="med"/>
+            <a:tailEnd type="arrow" w="med" len="med"/>
+          </a:ln>
+        </p:spPr>
+        <p:style>
+          <a:lnRef idx="1">
+            <a:schemeClr val="accent1"/>
+          </a:lnRef>
+          <a:fillRef idx="0">
+            <a:schemeClr val="accent1"/>
+          </a:fillRef>
+          <a:effectRef idx="0">
+            <a:schemeClr val="accent1"/>
+          </a:effectRef>
+          <a:fontRef idx="minor">
+            <a:schemeClr val="tx1"/>
+          </a:fontRef>
+        </p:style>
+      </p:cxnSp>
+      <p:cxnSp>
+        <p:nvCxnSpPr>
+          <p:cNvPr id="26" name="Straight Connector 25"/>
+          <p:cNvCxnSpPr/>
+          <p:nvPr/>
+        </p:nvCxnSpPr>
+        <p:spPr>
+          <a:xfrm>
+            <a:off x="6778626" y="4508500"/>
+            <a:ext cx="774698" cy="0"/>
+          </a:xfrm>
+          <a:prstGeom prst="line">
+            <a:avLst/>
+          </a:prstGeom>
+          <a:ln w="28575">
+            <a:solidFill>
+              <a:schemeClr val="tx1"/>
+            </a:solidFill>
+            <a:prstDash val="dash"/>
+            <a:headEnd type="arrow" w="med" len="med"/>
+            <a:tailEnd type="arrow" w="med" len="med"/>
+          </a:ln>
+        </p:spPr>
+        <p:style>
+          <a:lnRef idx="1">
+            <a:schemeClr val="accent1"/>
+          </a:lnRef>
+          <a:fillRef idx="0">
+            <a:schemeClr val="accent1"/>
+          </a:fillRef>
+          <a:effectRef idx="0">
+            <a:schemeClr val="accent1"/>
+          </a:effectRef>
+          <a:fontRef idx="minor">
+            <a:schemeClr val="tx1"/>
+          </a:fontRef>
+        </p:style>
+      </p:cxnSp>
+      <p:cxnSp>
+        <p:nvCxnSpPr>
+          <p:cNvPr id="27" name="Straight Connector 26"/>
+          <p:cNvCxnSpPr/>
+          <p:nvPr/>
+        </p:nvCxnSpPr>
+        <p:spPr>
+          <a:xfrm>
+            <a:off x="5341646" y="1930400"/>
+            <a:ext cx="0" cy="693260"/>
+          </a:xfrm>
+          <a:prstGeom prst="line">
+            <a:avLst/>
+          </a:prstGeom>
+          <a:ln w="28575">
+            <a:solidFill>
+              <a:schemeClr val="tx1"/>
+            </a:solidFill>
+            <a:headEnd type="arrow" w="med" len="med"/>
+            <a:tailEnd type="arrow" w="med" len="med"/>
+          </a:ln>
+        </p:spPr>
+        <p:style>
+          <a:lnRef idx="1">
+            <a:schemeClr val="accent1"/>
+          </a:lnRef>
+          <a:fillRef idx="0">
+            <a:schemeClr val="accent1"/>
+          </a:fillRef>
+          <a:effectRef idx="0">
+            <a:schemeClr val="accent1"/>
+          </a:effectRef>
+          <a:fontRef idx="minor">
+            <a:schemeClr val="tx1"/>
+          </a:fontRef>
+        </p:style>
+      </p:cxnSp>
+      <p:cxnSp>
+        <p:nvCxnSpPr>
+          <p:cNvPr id="30" name="Straight Connector 29"/>
+          <p:cNvCxnSpPr/>
+          <p:nvPr/>
+        </p:nvCxnSpPr>
+        <p:spPr>
+          <a:xfrm>
+            <a:off x="6818751" y="3060700"/>
+            <a:ext cx="716965" cy="0"/>
+          </a:xfrm>
+          <a:prstGeom prst="line">
+            <a:avLst/>
+          </a:prstGeom>
+          <a:ln w="28575">
+            <a:solidFill>
+              <a:schemeClr val="tx1"/>
+            </a:solidFill>
+            <a:prstDash val="solid"/>
+            <a:headEnd type="arrow" w="med" len="med"/>
+            <a:tailEnd type="arrow" w="med" len="med"/>
+          </a:ln>
+        </p:spPr>
+        <p:style>
+          <a:lnRef idx="1">
+            <a:schemeClr val="accent1"/>
+          </a:lnRef>
+          <a:fillRef idx="0">
+            <a:schemeClr val="accent1"/>
+          </a:fillRef>
+          <a:effectRef idx="0">
+            <a:schemeClr val="accent1"/>
+          </a:effectRef>
+          <a:fontRef idx="minor">
+            <a:schemeClr val="tx1"/>
+          </a:fontRef>
+        </p:style>
+      </p:cxnSp>
+      <p:cxnSp>
+        <p:nvCxnSpPr>
+          <p:cNvPr id="35" name="Straight Connector 34"/>
+          <p:cNvCxnSpPr/>
+          <p:nvPr/>
+        </p:nvCxnSpPr>
+        <p:spPr>
+          <a:xfrm>
+            <a:off x="4543717" y="4508500"/>
+            <a:ext cx="716965" cy="0"/>
+          </a:xfrm>
+          <a:prstGeom prst="line">
+            <a:avLst/>
+          </a:prstGeom>
+          <a:ln w="28575">
+            <a:solidFill>
+              <a:schemeClr val="tx1"/>
+            </a:solidFill>
+            <a:prstDash val="solid"/>
+            <a:headEnd type="arrow" w="med" len="med"/>
+            <a:tailEnd type="arrow" w="med" len="med"/>
+          </a:ln>
+        </p:spPr>
+        <p:style>
+          <a:lnRef idx="1">
+            <a:schemeClr val="accent1"/>
+          </a:lnRef>
+          <a:fillRef idx="0">
+            <a:schemeClr val="accent1"/>
+          </a:fillRef>
+          <a:effectRef idx="0">
+            <a:schemeClr val="accent1"/>
+          </a:effectRef>
+          <a:fontRef idx="minor">
+            <a:schemeClr val="tx1"/>
+          </a:fontRef>
+        </p:style>
+      </p:cxnSp>
+      <p:grpSp>
+        <p:nvGrpSpPr>
+          <p:cNvPr id="39" name="Group 38"/>
+          <p:cNvGrpSpPr/>
+          <p:nvPr/>
+        </p:nvGrpSpPr>
+        <p:grpSpPr>
+          <a:xfrm>
+            <a:off x="6724523" y="4980457"/>
+            <a:ext cx="2669591" cy="984920"/>
+            <a:chOff x="6318543" y="1016252"/>
+            <a:chExt cx="2669591" cy="984920"/>
+          </a:xfrm>
+        </p:grpSpPr>
+        <p:cxnSp>
+          <p:nvCxnSpPr>
+            <p:cNvPr id="32" name="Straight Connector 31"/>
+            <p:cNvCxnSpPr/>
+            <p:nvPr/>
+          </p:nvCxnSpPr>
+          <p:spPr>
+            <a:xfrm>
+              <a:off x="6318543" y="1256780"/>
+              <a:ext cx="716965" cy="0"/>
+            </a:xfrm>
+            <a:prstGeom prst="line">
+              <a:avLst/>
+            </a:prstGeom>
+            <a:ln w="28575">
+              <a:solidFill>
+                <a:schemeClr val="tx1"/>
+              </a:solidFill>
+              <a:prstDash val="solid"/>
+              <a:headEnd type="arrow" w="med" len="med"/>
+              <a:tailEnd type="arrow" w="med" len="med"/>
+            </a:ln>
+          </p:spPr>
+          <p:style>
+            <a:lnRef idx="1">
+              <a:schemeClr val="accent1"/>
+            </a:lnRef>
+            <a:fillRef idx="0">
+              <a:schemeClr val="accent1"/>
+            </a:fillRef>
+            <a:effectRef idx="0">
+              <a:schemeClr val="accent1"/>
+            </a:effectRef>
+            <a:fontRef idx="minor">
+              <a:schemeClr val="tx1"/>
+            </a:fontRef>
+          </p:style>
+        </p:cxnSp>
+        <p:sp>
+          <p:nvSpPr>
+            <p:cNvPr id="36" name="Rectangle 35"/>
+            <p:cNvSpPr/>
+            <p:nvPr/>
+          </p:nvSpPr>
+          <p:spPr>
+            <a:xfrm>
+              <a:off x="7035508" y="1016252"/>
+              <a:ext cx="1473492" cy="490726"/>
+            </a:xfrm>
+            <a:prstGeom prst="rect">
+              <a:avLst/>
+            </a:prstGeom>
+            <a:noFill/>
+            <a:ln>
+              <a:noFill/>
+            </a:ln>
+          </p:spPr>
+          <p:style>
+            <a:lnRef idx="2">
+              <a:schemeClr val="accent1">
+                <a:shade val="50000"/>
+              </a:schemeClr>
+            </a:lnRef>
+            <a:fillRef idx="1">
+              <a:schemeClr val="accent1"/>
+            </a:fillRef>
+            <a:effectRef idx="0">
+              <a:schemeClr val="accent1"/>
+            </a:effectRef>
+            <a:fontRef idx="minor">
+              <a:schemeClr val="lt1"/>
+            </a:fontRef>
+          </p:style>
+          <p:txBody>
+            <a:bodyPr rtlCol="0" anchor="ctr"/>
+            <a:lstStyle/>
+            <a:p>
+              <a:pPr algn="ctr"/>
+              <a:r>
+                <a:rPr lang="en-US" sz="1400" smtClean="0">
+                  <a:solidFill>
+                    <a:schemeClr val="tx1"/>
+                  </a:solidFill>
+                  <a:latin typeface="Tahoma" panose="020B0604030504040204" pitchFamily="34" charset="0"/>
+                  <a:ea typeface="Tahoma" panose="020B0604030504040204" pitchFamily="34" charset="0"/>
+                  <a:cs typeface="Tahoma" panose="020B0604030504040204" pitchFamily="34" charset="0"/>
+                </a:rPr>
+                <a:t>Kết nối trực tiếp</a:t>
+              </a:r>
+              <a:endParaRPr lang="en-US" sz="1400" dirty="0">
+                <a:solidFill>
+                  <a:schemeClr val="tx1"/>
+                </a:solidFill>
+                <a:latin typeface="Tahoma" panose="020B0604030504040204" pitchFamily="34" charset="0"/>
+                <a:ea typeface="Tahoma" panose="020B0604030504040204" pitchFamily="34" charset="0"/>
+                <a:cs typeface="Tahoma" panose="020B0604030504040204" pitchFamily="34" charset="0"/>
+              </a:endParaRPr>
+            </a:p>
+          </p:txBody>
+        </p:sp>
+        <p:cxnSp>
+          <p:nvCxnSpPr>
+            <p:cNvPr id="37" name="Straight Connector 36"/>
+            <p:cNvCxnSpPr/>
+            <p:nvPr/>
+          </p:nvCxnSpPr>
+          <p:spPr>
+            <a:xfrm>
+              <a:off x="6318543" y="1663700"/>
+              <a:ext cx="716965" cy="0"/>
+            </a:xfrm>
+            <a:prstGeom prst="line">
+              <a:avLst/>
+            </a:prstGeom>
+            <a:ln w="28575">
+              <a:solidFill>
+                <a:schemeClr val="tx1"/>
+              </a:solidFill>
+              <a:prstDash val="dash"/>
+              <a:headEnd type="arrow" w="med" len="med"/>
+              <a:tailEnd type="arrow" w="med" len="med"/>
+            </a:ln>
+          </p:spPr>
+          <p:style>
+            <a:lnRef idx="1">
+              <a:schemeClr val="accent1"/>
+            </a:lnRef>
+            <a:fillRef idx="0">
+              <a:schemeClr val="accent1"/>
+            </a:fillRef>
+            <a:effectRef idx="0">
+              <a:schemeClr val="accent1"/>
+            </a:effectRef>
+            <a:fontRef idx="minor">
+              <a:schemeClr val="tx1"/>
+            </a:fontRef>
+          </p:style>
+        </p:cxnSp>
+        <p:sp>
+          <p:nvSpPr>
+            <p:cNvPr id="38" name="Rectangle 37"/>
+            <p:cNvSpPr/>
+            <p:nvPr/>
+          </p:nvSpPr>
+          <p:spPr>
+            <a:xfrm>
+              <a:off x="7032042" y="1510446"/>
+              <a:ext cx="1956092" cy="490726"/>
+            </a:xfrm>
+            <a:prstGeom prst="rect">
+              <a:avLst/>
+            </a:prstGeom>
+            <a:noFill/>
+            <a:ln>
+              <a:noFill/>
+            </a:ln>
+          </p:spPr>
+          <p:style>
+            <a:lnRef idx="2">
+              <a:schemeClr val="accent1">
+                <a:shade val="50000"/>
+              </a:schemeClr>
+            </a:lnRef>
+            <a:fillRef idx="1">
+              <a:schemeClr val="accent1"/>
+            </a:fillRef>
+            <a:effectRef idx="0">
+              <a:schemeClr val="accent1"/>
+            </a:effectRef>
+            <a:fontRef idx="minor">
+              <a:schemeClr val="lt1"/>
+            </a:fontRef>
+          </p:style>
+          <p:txBody>
+            <a:bodyPr rtlCol="0" anchor="ctr"/>
+            <a:lstStyle/>
+            <a:p>
+              <a:r>
+                <a:rPr lang="en-US" sz="1400" smtClean="0">
+                  <a:solidFill>
+                    <a:schemeClr val="tx1"/>
+                  </a:solidFill>
+                  <a:latin typeface="Tahoma" panose="020B0604030504040204" pitchFamily="34" charset="0"/>
+                  <a:ea typeface="Tahoma" panose="020B0604030504040204" pitchFamily="34" charset="0"/>
+                  <a:cs typeface="Tahoma" panose="020B0604030504040204" pitchFamily="34" charset="0"/>
+                </a:rPr>
+                <a:t>Kết nối gián tiếp,</a:t>
+              </a:r>
+            </a:p>
+            <a:p>
+              <a:r>
+                <a:rPr lang="en-US" sz="1400" smtClean="0">
+                  <a:solidFill>
+                    <a:schemeClr val="tx1"/>
+                  </a:solidFill>
+                  <a:latin typeface="Tahoma" panose="020B0604030504040204" pitchFamily="34" charset="0"/>
+                  <a:ea typeface="Tahoma" panose="020B0604030504040204" pitchFamily="34" charset="0"/>
+                  <a:cs typeface="Tahoma" panose="020B0604030504040204" pitchFamily="34" charset="0"/>
+                </a:rPr>
+                <a:t>sử dụng CSDL tạm</a:t>
+              </a:r>
+              <a:endParaRPr lang="en-US" sz="1400" dirty="0">
+                <a:solidFill>
+                  <a:schemeClr val="tx1"/>
+                </a:solidFill>
+                <a:latin typeface="Tahoma" panose="020B0604030504040204" pitchFamily="34" charset="0"/>
+                <a:ea typeface="Tahoma" panose="020B0604030504040204" pitchFamily="34" charset="0"/>
+                <a:cs typeface="Tahoma" panose="020B0604030504040204" pitchFamily="34" charset="0"/>
+              </a:endParaRPr>
+            </a:p>
+          </p:txBody>
+        </p:sp>
+      </p:grpSp>
+      <p:cxnSp>
+        <p:nvCxnSpPr>
+          <p:cNvPr id="42" name="Straight Connector 41"/>
+          <p:cNvCxnSpPr/>
+          <p:nvPr/>
+        </p:nvCxnSpPr>
+        <p:spPr>
+          <a:xfrm>
+            <a:off x="6078246" y="914400"/>
+            <a:ext cx="0" cy="1362630"/>
+          </a:xfrm>
+          <a:prstGeom prst="line">
+            <a:avLst/>
+          </a:prstGeom>
+          <a:ln w="12700">
+            <a:solidFill>
+              <a:schemeClr val="tx1"/>
+            </a:solidFill>
+            <a:prstDash val="lgDash"/>
+          </a:ln>
+        </p:spPr>
+        <p:style>
+          <a:lnRef idx="1">
+            <a:schemeClr val="accent1"/>
+          </a:lnRef>
+          <a:fillRef idx="0">
+            <a:schemeClr val="accent1"/>
+          </a:fillRef>
+          <a:effectRef idx="0">
+            <a:schemeClr val="accent1"/>
+          </a:effectRef>
+          <a:fontRef idx="minor">
+            <a:schemeClr val="tx1"/>
+          </a:fontRef>
+        </p:style>
+      </p:cxnSp>
+      <p:sp>
+        <p:nvSpPr>
+          <p:cNvPr id="43" name="Rectangle 42"/>
+          <p:cNvSpPr/>
+          <p:nvPr/>
+        </p:nvSpPr>
+        <p:spPr>
+          <a:xfrm>
+            <a:off x="6493587" y="1197819"/>
+            <a:ext cx="1343610" cy="645993"/>
+          </a:xfrm>
+          <a:prstGeom prst="rect">
+            <a:avLst/>
+          </a:prstGeom>
+          <a:noFill/>
+          <a:ln>
+            <a:solidFill>
+              <a:schemeClr val="tx1"/>
+            </a:solidFill>
+          </a:ln>
+        </p:spPr>
+        <p:style>
+          <a:lnRef idx="2">
+            <a:schemeClr val="accent1">
+              <a:shade val="50000"/>
+            </a:schemeClr>
+          </a:lnRef>
+          <a:fillRef idx="1">
+            <a:schemeClr val="accent1"/>
+          </a:fillRef>
+          <a:effectRef idx="0">
+            <a:schemeClr val="accent1"/>
+          </a:effectRef>
+          <a:fontRef idx="minor">
+            <a:schemeClr val="lt1"/>
+          </a:fontRef>
+        </p:style>
+        <p:txBody>
+          <a:bodyPr rtlCol="0" anchor="ctr"/>
+          <a:lstStyle/>
+          <a:p>
+            <a:pPr algn="ctr"/>
+            <a:r>
+              <a:rPr lang="en-US" smtClean="0">
+                <a:solidFill>
+                  <a:schemeClr val="tx1"/>
+                </a:solidFill>
+                <a:latin typeface="Tahoma" panose="020B0604030504040204" pitchFamily="34" charset="0"/>
+                <a:ea typeface="Tahoma" panose="020B0604030504040204" pitchFamily="34" charset="0"/>
+                <a:cs typeface="Tahoma" panose="020B0604030504040204" pitchFamily="34" charset="0"/>
+              </a:rPr>
+              <a:t>Web Server</a:t>
+            </a:r>
+            <a:endParaRPr lang="en-US" dirty="0">
+              <a:solidFill>
+                <a:schemeClr val="tx1"/>
+              </a:solidFill>
+              <a:latin typeface="Tahoma" panose="020B0604030504040204" pitchFamily="34" charset="0"/>
+              <a:ea typeface="Tahoma" panose="020B0604030504040204" pitchFamily="34" charset="0"/>
+              <a:cs typeface="Tahoma" panose="020B0604030504040204" pitchFamily="34" charset="0"/>
+            </a:endParaRPr>
+          </a:p>
+        </p:txBody>
+      </p:sp>
+      <p:cxnSp>
+        <p:nvCxnSpPr>
+          <p:cNvPr id="44" name="Straight Connector 43"/>
+          <p:cNvCxnSpPr/>
+          <p:nvPr/>
+        </p:nvCxnSpPr>
+        <p:spPr>
+          <a:xfrm>
+            <a:off x="6656097" y="1930400"/>
+            <a:ext cx="0" cy="693260"/>
+          </a:xfrm>
+          <a:prstGeom prst="line">
+            <a:avLst/>
+          </a:prstGeom>
+          <a:ln w="28575">
+            <a:solidFill>
+              <a:schemeClr val="tx1"/>
+            </a:solidFill>
+            <a:headEnd type="arrow" w="med" len="med"/>
+            <a:tailEnd type="arrow" w="med" len="med"/>
+          </a:ln>
+        </p:spPr>
+        <p:style>
+          <a:lnRef idx="1">
+            <a:schemeClr val="accent1"/>
+          </a:lnRef>
+          <a:fillRef idx="0">
+            <a:schemeClr val="accent1"/>
+          </a:fillRef>
+          <a:effectRef idx="0">
+            <a:schemeClr val="accent1"/>
+          </a:effectRef>
+          <a:fontRef idx="minor">
+            <a:schemeClr val="tx1"/>
+          </a:fontRef>
+        </p:style>
+      </p:cxnSp>
+      <p:sp>
+        <p:nvSpPr>
+          <p:cNvPr id="45" name="Rectangle 44"/>
+          <p:cNvSpPr/>
+          <p:nvPr/>
+        </p:nvSpPr>
+        <p:spPr>
+          <a:xfrm>
+            <a:off x="8297571" y="782993"/>
+            <a:ext cx="870534" cy="490726"/>
+          </a:xfrm>
+          <a:prstGeom prst="rect">
+            <a:avLst/>
+          </a:prstGeom>
+          <a:noFill/>
+          <a:ln>
+            <a:noFill/>
+          </a:ln>
+        </p:spPr>
+        <p:style>
+          <a:lnRef idx="2">
+            <a:schemeClr val="accent1">
+              <a:shade val="50000"/>
+            </a:schemeClr>
+          </a:lnRef>
+          <a:fillRef idx="1">
+            <a:schemeClr val="accent1"/>
+          </a:fillRef>
+          <a:effectRef idx="0">
+            <a:schemeClr val="accent1"/>
+          </a:effectRef>
+          <a:fontRef idx="minor">
+            <a:schemeClr val="lt1"/>
+          </a:fontRef>
+        </p:style>
+        <p:txBody>
+          <a:bodyPr rtlCol="0" anchor="ctr"/>
+          <a:lstStyle/>
+          <a:p>
+            <a:pPr algn="ctr"/>
+            <a:r>
+              <a:rPr lang="en-US" sz="1400" smtClean="0">
+                <a:solidFill>
+                  <a:schemeClr val="tx1"/>
+                </a:solidFill>
+                <a:latin typeface="Tahoma" panose="020B0604030504040204" pitchFamily="34" charset="0"/>
+                <a:ea typeface="Tahoma" panose="020B0604030504040204" pitchFamily="34" charset="0"/>
+                <a:cs typeface="Tahoma" panose="020B0604030504040204" pitchFamily="34" charset="0"/>
+              </a:rPr>
+              <a:t>LAN 5</a:t>
+            </a:r>
+            <a:endParaRPr lang="en-US" sz="1400" dirty="0">
+              <a:solidFill>
+                <a:schemeClr val="tx1"/>
+              </a:solidFill>
+              <a:latin typeface="Tahoma" panose="020B0604030504040204" pitchFamily="34" charset="0"/>
+              <a:ea typeface="Tahoma" panose="020B0604030504040204" pitchFamily="34" charset="0"/>
+              <a:cs typeface="Tahoma" panose="020B0604030504040204" pitchFamily="34" charset="0"/>
+            </a:endParaRPr>
+          </a:p>
+        </p:txBody>
+      </p:sp>
     </p:spTree>
     <p:extLst>
       <p:ext uri="{BB962C8B-B14F-4D97-AF65-F5344CB8AC3E}">
         <p14:creationId xmlns:p14="http://schemas.microsoft.com/office/powerpoint/2010/main" val="1975629594"/>
+      </p:ext>
+    </p:extLst>
+  </p:cSld>
+  <p:clrMapOvr>
+    <a:masterClrMapping/>
+  </p:clrMapOvr>
+</p:sld>
+</file>
+
+<file path=ppt/slides/slide7.xml><?xml version="1.0" encoding="utf-8"?>
+<p:sld xmlns:a="http://schemas.openxmlformats.org/drawingml/2006/main" xmlns:r="http://schemas.openxmlformats.org/officeDocument/2006/relationships" xmlns:p="http://schemas.openxmlformats.org/presentationml/2006/main">
+  <p:cSld>
+    <p:spTree>
+      <p:nvGrpSpPr>
+        <p:cNvPr id="1" name=""/>
+        <p:cNvGrpSpPr/>
+        <p:nvPr/>
+      </p:nvGrpSpPr>
+      <p:grpSpPr>
+        <a:xfrm>
+          <a:off x="0" y="0"/>
+          <a:ext cx="0" cy="0"/>
+          <a:chOff x="0" y="0"/>
+          <a:chExt cx="0" cy="0"/>
+        </a:xfrm>
+      </p:grpSpPr>
+      <p:sp>
+        <p:nvSpPr>
+          <p:cNvPr id="13" name="Rectangle 12"/>
+          <p:cNvSpPr/>
+          <p:nvPr/>
+        </p:nvSpPr>
+        <p:spPr>
+          <a:xfrm>
+            <a:off x="2072815" y="646953"/>
+            <a:ext cx="1343610" cy="645993"/>
+          </a:xfrm>
+          <a:prstGeom prst="rect">
+            <a:avLst/>
+          </a:prstGeom>
+          <a:noFill/>
+          <a:ln>
+            <a:solidFill>
+              <a:schemeClr val="tx1"/>
+            </a:solidFill>
+          </a:ln>
+        </p:spPr>
+        <p:style>
+          <a:lnRef idx="2">
+            <a:schemeClr val="accent1">
+              <a:shade val="50000"/>
+            </a:schemeClr>
+          </a:lnRef>
+          <a:fillRef idx="1">
+            <a:schemeClr val="accent1"/>
+          </a:fillRef>
+          <a:effectRef idx="0">
+            <a:schemeClr val="accent1"/>
+          </a:effectRef>
+          <a:fontRef idx="minor">
+            <a:schemeClr val="lt1"/>
+          </a:fontRef>
+        </p:style>
+        <p:txBody>
+          <a:bodyPr rtlCol="0" anchor="ctr"/>
+          <a:lstStyle/>
+          <a:p>
+            <a:pPr algn="ctr"/>
+            <a:r>
+              <a:rPr lang="en-US" smtClean="0">
+                <a:solidFill>
+                  <a:schemeClr val="tx1"/>
+                </a:solidFill>
+                <a:latin typeface="Tahoma" panose="020B0604030504040204" pitchFamily="34" charset="0"/>
+                <a:ea typeface="Tahoma" panose="020B0604030504040204" pitchFamily="34" charset="0"/>
+                <a:cs typeface="Tahoma" panose="020B0604030504040204" pitchFamily="34" charset="0"/>
+              </a:rPr>
+              <a:t>SHARED Project</a:t>
+            </a:r>
+            <a:endParaRPr lang="en-US" dirty="0">
+              <a:solidFill>
+                <a:schemeClr val="tx1"/>
+              </a:solidFill>
+              <a:latin typeface="Tahoma" panose="020B0604030504040204" pitchFamily="34" charset="0"/>
+              <a:ea typeface="Tahoma" panose="020B0604030504040204" pitchFamily="34" charset="0"/>
+              <a:cs typeface="Tahoma" panose="020B0604030504040204" pitchFamily="34" charset="0"/>
+            </a:endParaRPr>
+          </a:p>
+        </p:txBody>
+      </p:sp>
+      <p:cxnSp>
+        <p:nvCxnSpPr>
+          <p:cNvPr id="27" name="Straight Connector 26"/>
+          <p:cNvCxnSpPr>
+            <a:stCxn id="13" idx="2"/>
+          </p:cNvCxnSpPr>
+          <p:nvPr/>
+        </p:nvCxnSpPr>
+        <p:spPr>
+          <a:xfrm flipH="1">
+            <a:off x="1473199" y="1292946"/>
+            <a:ext cx="1271421" cy="630483"/>
+          </a:xfrm>
+          <a:prstGeom prst="line">
+            <a:avLst/>
+          </a:prstGeom>
+          <a:ln w="28575">
+            <a:solidFill>
+              <a:schemeClr val="tx1"/>
+            </a:solidFill>
+            <a:headEnd type="arrow" w="med" len="med"/>
+            <a:tailEnd type="none" w="med" len="med"/>
+          </a:ln>
+        </p:spPr>
+        <p:style>
+          <a:lnRef idx="1">
+            <a:schemeClr val="accent1"/>
+          </a:lnRef>
+          <a:fillRef idx="0">
+            <a:schemeClr val="accent1"/>
+          </a:fillRef>
+          <a:effectRef idx="0">
+            <a:schemeClr val="accent1"/>
+          </a:effectRef>
+          <a:fontRef idx="minor">
+            <a:schemeClr val="tx1"/>
+          </a:fontRef>
+        </p:style>
+      </p:cxnSp>
+      <p:sp>
+        <p:nvSpPr>
+          <p:cNvPr id="33" name="Rectangle 32"/>
+          <p:cNvSpPr/>
+          <p:nvPr/>
+        </p:nvSpPr>
+        <p:spPr>
+          <a:xfrm>
+            <a:off x="801394" y="1923429"/>
+            <a:ext cx="1343610" cy="645993"/>
+          </a:xfrm>
+          <a:prstGeom prst="rect">
+            <a:avLst/>
+          </a:prstGeom>
+          <a:noFill/>
+          <a:ln>
+            <a:solidFill>
+              <a:schemeClr val="tx1"/>
+            </a:solidFill>
+          </a:ln>
+        </p:spPr>
+        <p:style>
+          <a:lnRef idx="2">
+            <a:schemeClr val="accent1">
+              <a:shade val="50000"/>
+            </a:schemeClr>
+          </a:lnRef>
+          <a:fillRef idx="1">
+            <a:schemeClr val="accent1"/>
+          </a:fillRef>
+          <a:effectRef idx="0">
+            <a:schemeClr val="accent1"/>
+          </a:effectRef>
+          <a:fontRef idx="minor">
+            <a:schemeClr val="lt1"/>
+          </a:fontRef>
+        </p:style>
+        <p:txBody>
+          <a:bodyPr rtlCol="0" anchor="ctr"/>
+          <a:lstStyle/>
+          <a:p>
+            <a:pPr algn="ctr"/>
+            <a:r>
+              <a:rPr lang="en-US" smtClean="0">
+                <a:solidFill>
+                  <a:schemeClr val="tx1"/>
+                </a:solidFill>
+                <a:latin typeface="Tahoma" panose="020B0604030504040204" pitchFamily="34" charset="0"/>
+                <a:ea typeface="Tahoma" panose="020B0604030504040204" pitchFamily="34" charset="0"/>
+                <a:cs typeface="Tahoma" panose="020B0604030504040204" pitchFamily="34" charset="0"/>
+              </a:rPr>
+              <a:t>WEB Project</a:t>
+            </a:r>
+            <a:endParaRPr lang="en-US" dirty="0">
+              <a:solidFill>
+                <a:schemeClr val="tx1"/>
+              </a:solidFill>
+              <a:latin typeface="Tahoma" panose="020B0604030504040204" pitchFamily="34" charset="0"/>
+              <a:ea typeface="Tahoma" panose="020B0604030504040204" pitchFamily="34" charset="0"/>
+              <a:cs typeface="Tahoma" panose="020B0604030504040204" pitchFamily="34" charset="0"/>
+            </a:endParaRPr>
+          </a:p>
+        </p:txBody>
+      </p:sp>
+      <p:sp>
+        <p:nvSpPr>
+          <p:cNvPr id="34" name="Rectangle 33"/>
+          <p:cNvSpPr/>
+          <p:nvPr/>
+        </p:nvSpPr>
+        <p:spPr>
+          <a:xfrm>
+            <a:off x="3173952" y="1923429"/>
+            <a:ext cx="1343610" cy="645993"/>
+          </a:xfrm>
+          <a:prstGeom prst="rect">
+            <a:avLst/>
+          </a:prstGeom>
+          <a:noFill/>
+          <a:ln>
+            <a:solidFill>
+              <a:schemeClr val="tx1"/>
+            </a:solidFill>
+          </a:ln>
+        </p:spPr>
+        <p:style>
+          <a:lnRef idx="2">
+            <a:schemeClr val="accent1">
+              <a:shade val="50000"/>
+            </a:schemeClr>
+          </a:lnRef>
+          <a:fillRef idx="1">
+            <a:schemeClr val="accent1"/>
+          </a:fillRef>
+          <a:effectRef idx="0">
+            <a:schemeClr val="accent1"/>
+          </a:effectRef>
+          <a:fontRef idx="minor">
+            <a:schemeClr val="lt1"/>
+          </a:fontRef>
+        </p:style>
+        <p:txBody>
+          <a:bodyPr rtlCol="0" anchor="ctr"/>
+          <a:lstStyle/>
+          <a:p>
+            <a:pPr algn="ctr"/>
+            <a:r>
+              <a:rPr lang="en-US" smtClean="0">
+                <a:solidFill>
+                  <a:schemeClr val="tx1"/>
+                </a:solidFill>
+                <a:latin typeface="Tahoma" panose="020B0604030504040204" pitchFamily="34" charset="0"/>
+                <a:ea typeface="Tahoma" panose="020B0604030504040204" pitchFamily="34" charset="0"/>
+                <a:cs typeface="Tahoma" panose="020B0604030504040204" pitchFamily="34" charset="0"/>
+              </a:rPr>
+              <a:t>WINFORM Project</a:t>
+            </a:r>
+            <a:endParaRPr lang="en-US" dirty="0">
+              <a:solidFill>
+                <a:schemeClr val="tx1"/>
+              </a:solidFill>
+              <a:latin typeface="Tahoma" panose="020B0604030504040204" pitchFamily="34" charset="0"/>
+              <a:ea typeface="Tahoma" panose="020B0604030504040204" pitchFamily="34" charset="0"/>
+              <a:cs typeface="Tahoma" panose="020B0604030504040204" pitchFamily="34" charset="0"/>
+            </a:endParaRPr>
+          </a:p>
+        </p:txBody>
+      </p:sp>
+      <p:cxnSp>
+        <p:nvCxnSpPr>
+          <p:cNvPr id="40" name="Straight Connector 39"/>
+          <p:cNvCxnSpPr>
+            <a:stCxn id="13" idx="2"/>
+            <a:endCxn id="34" idx="0"/>
+          </p:cNvCxnSpPr>
+          <p:nvPr/>
+        </p:nvCxnSpPr>
+        <p:spPr>
+          <a:xfrm>
+            <a:off x="2744620" y="1292946"/>
+            <a:ext cx="1101137" cy="630483"/>
+          </a:xfrm>
+          <a:prstGeom prst="line">
+            <a:avLst/>
+          </a:prstGeom>
+          <a:ln w="28575">
+            <a:solidFill>
+              <a:schemeClr val="tx1"/>
+            </a:solidFill>
+            <a:headEnd type="arrow" w="med" len="med"/>
+            <a:tailEnd type="none" w="med" len="med"/>
+          </a:ln>
+        </p:spPr>
+        <p:style>
+          <a:lnRef idx="1">
+            <a:schemeClr val="accent1"/>
+          </a:lnRef>
+          <a:fillRef idx="0">
+            <a:schemeClr val="accent1"/>
+          </a:fillRef>
+          <a:effectRef idx="0">
+            <a:schemeClr val="accent1"/>
+          </a:effectRef>
+          <a:fontRef idx="minor">
+            <a:schemeClr val="tx1"/>
+          </a:fontRef>
+        </p:style>
+      </p:cxnSp>
+    </p:spTree>
+    <p:extLst>
+      <p:ext uri="{BB962C8B-B14F-4D97-AF65-F5344CB8AC3E}">
+        <p14:creationId xmlns:p14="http://schemas.microsoft.com/office/powerpoint/2010/main" val="487141338"/>
+      </p:ext>
+    </p:extLst>
+  </p:cSld>
+  <p:clrMapOvr>
+    <a:masterClrMapping/>
+  </p:clrMapOvr>
+</p:sld>
+</file>
+
+<file path=ppt/slides/slide8.xml><?xml version="1.0" encoding="utf-8"?>
+<p:sld xmlns:a="http://schemas.openxmlformats.org/drawingml/2006/main" xmlns:r="http://schemas.openxmlformats.org/officeDocument/2006/relationships" xmlns:p="http://schemas.openxmlformats.org/presentationml/2006/main">
+  <p:cSld>
+    <p:spTree>
+      <p:nvGrpSpPr>
+        <p:cNvPr id="1" name=""/>
+        <p:cNvGrpSpPr/>
+        <p:nvPr/>
+      </p:nvGrpSpPr>
+      <p:grpSpPr>
+        <a:xfrm>
+          <a:off x="0" y="0"/>
+          <a:ext cx="0" cy="0"/>
+          <a:chOff x="0" y="0"/>
+          <a:chExt cx="0" cy="0"/>
+        </a:xfrm>
+      </p:grpSpPr>
+      <p:cxnSp>
+        <p:nvCxnSpPr>
+          <p:cNvPr id="40" name="Straight Connector 39"/>
+          <p:cNvCxnSpPr>
+            <a:stCxn id="3" idx="2"/>
+            <a:endCxn id="9" idx="0"/>
+          </p:cNvCxnSpPr>
+          <p:nvPr/>
+        </p:nvCxnSpPr>
+        <p:spPr>
+          <a:xfrm>
+            <a:off x="4542590" y="1747386"/>
+            <a:ext cx="2831022" cy="2280457"/>
+          </a:xfrm>
+          <a:prstGeom prst="line">
+            <a:avLst/>
+          </a:prstGeom>
+          <a:ln w="28575">
+            <a:solidFill>
+              <a:schemeClr val="tx1"/>
+            </a:solidFill>
+            <a:headEnd type="arrow" w="med" len="med"/>
+            <a:tailEnd type="none" w="med" len="med"/>
+          </a:ln>
+        </p:spPr>
+        <p:style>
+          <a:lnRef idx="1">
+            <a:schemeClr val="accent1"/>
+          </a:lnRef>
+          <a:fillRef idx="0">
+            <a:schemeClr val="accent1"/>
+          </a:fillRef>
+          <a:effectRef idx="0">
+            <a:schemeClr val="accent1"/>
+          </a:effectRef>
+          <a:fontRef idx="minor">
+            <a:schemeClr val="tx1"/>
+          </a:fontRef>
+        </p:style>
+      </p:cxnSp>
+      <p:graphicFrame>
+        <p:nvGraphicFramePr>
+          <p:cNvPr id="3" name="Table 2"/>
+          <p:cNvGraphicFramePr>
+            <a:graphicFrameLocks noGrp="1"/>
+          </p:cNvGraphicFramePr>
+          <p:nvPr>
+            <p:extLst>
+              <p:ext uri="{D42A27DB-BD31-4B8C-83A1-F6EECF244321}">
+                <p14:modId xmlns:p14="http://schemas.microsoft.com/office/powerpoint/2010/main" val="4268480979"/>
+              </p:ext>
+            </p:extLst>
+          </p:nvPr>
+        </p:nvGraphicFramePr>
+        <p:xfrm>
+          <a:off x="3549316" y="634866"/>
+          <a:ext cx="1986548" cy="1112520"/>
+        </p:xfrm>
+        <a:graphic>
+          <a:graphicData uri="http://schemas.openxmlformats.org/drawingml/2006/table">
+            <a:tbl>
+              <a:tblPr firstRow="1" bandRow="1">
+                <a:tableStyleId>{2D5ABB26-0587-4C30-8999-92F81FD0307C}</a:tableStyleId>
+              </a:tblPr>
+              <a:tblGrid>
+                <a:gridCol w="993274"/>
+                <a:gridCol w="993274"/>
+              </a:tblGrid>
+              <a:tr h="370840">
+                <a:tc gridSpan="2">
+                  <a:txBody>
+                    <a:bodyPr/>
+                    <a:lstStyle/>
+                    <a:p>
+                      <a:pPr algn="ctr"/>
+                      <a:r>
+                        <a:rPr lang="en-US" smtClean="0"/>
+                        <a:t>SHARED</a:t>
+                      </a:r>
+                      <a:r>
+                        <a:rPr lang="en-US" baseline="0" smtClean="0"/>
+                        <a:t> project</a:t>
+                      </a:r>
+                      <a:endParaRPr lang="en-US"/>
+                    </a:p>
+                  </a:txBody>
+                  <a:tcPr>
+                    <a:lnL w="12700" cap="flat" cmpd="sng" algn="ctr">
+                      <a:solidFill>
+                        <a:schemeClr val="tx1"/>
+                      </a:solidFill>
+                      <a:prstDash val="solid"/>
+                      <a:round/>
+                      <a:headEnd type="none" w="med" len="med"/>
+                      <a:tailEnd type="none" w="med" len="med"/>
+                    </a:lnL>
+                    <a:lnR w="12700" cap="flat" cmpd="sng" algn="ctr">
+                      <a:solidFill>
+                        <a:schemeClr val="tx1"/>
+                      </a:solidFill>
+                      <a:prstDash val="solid"/>
+                      <a:round/>
+                      <a:headEnd type="none" w="med" len="med"/>
+                      <a:tailEnd type="none" w="med" len="med"/>
+                    </a:lnR>
+                    <a:lnT w="12700" cap="flat" cmpd="sng" algn="ctr">
+                      <a:solidFill>
+                        <a:schemeClr val="tx1"/>
+                      </a:solidFill>
+                      <a:prstDash val="solid"/>
+                      <a:round/>
+                      <a:headEnd type="none" w="med" len="med"/>
+                      <a:tailEnd type="none" w="med" len="med"/>
+                    </a:lnT>
+                    <a:lnB w="12700" cap="flat" cmpd="sng" algn="ctr">
+                      <a:solidFill>
+                        <a:schemeClr val="tx1"/>
+                      </a:solidFill>
+                      <a:prstDash val="solid"/>
+                      <a:round/>
+                      <a:headEnd type="none" w="med" len="med"/>
+                      <a:tailEnd type="none" w="med" len="med"/>
+                    </a:lnB>
+                  </a:tcPr>
+                </a:tc>
+                <a:tc hMerge="1">
+                  <a:txBody>
+                    <a:bodyPr/>
+                    <a:lstStyle/>
+                    <a:p>
+                      <a:endParaRPr lang="en-US"/>
+                    </a:p>
+                  </a:txBody>
+                  <a:tcPr/>
+                </a:tc>
+              </a:tr>
+              <a:tr h="370840">
+                <a:tc>
+                  <a:txBody>
+                    <a:bodyPr/>
+                    <a:lstStyle/>
+                    <a:p>
+                      <a:pPr algn="ctr"/>
+                      <a:r>
+                        <a:rPr lang="en-US" smtClean="0"/>
+                        <a:t>Helper</a:t>
+                      </a:r>
+                      <a:endParaRPr lang="en-US"/>
+                    </a:p>
+                  </a:txBody>
+                  <a:tcPr>
+                    <a:lnL w="12700" cap="flat" cmpd="sng" algn="ctr">
+                      <a:solidFill>
+                        <a:schemeClr val="tx1"/>
+                      </a:solidFill>
+                      <a:prstDash val="solid"/>
+                      <a:round/>
+                      <a:headEnd type="none" w="med" len="med"/>
+                      <a:tailEnd type="none" w="med" len="med"/>
+                    </a:lnL>
+                    <a:lnR w="12700" cap="flat" cmpd="sng" algn="ctr">
+                      <a:solidFill>
+                        <a:schemeClr val="tx1"/>
+                      </a:solidFill>
+                      <a:prstDash val="solid"/>
+                      <a:round/>
+                      <a:headEnd type="none" w="med" len="med"/>
+                      <a:tailEnd type="none" w="med" len="med"/>
+                    </a:lnR>
+                    <a:lnT w="12700" cap="flat" cmpd="sng" algn="ctr">
+                      <a:solidFill>
+                        <a:schemeClr val="tx1"/>
+                      </a:solidFill>
+                      <a:prstDash val="solid"/>
+                      <a:round/>
+                      <a:headEnd type="none" w="med" len="med"/>
+                      <a:tailEnd type="none" w="med" len="med"/>
+                    </a:lnT>
+                    <a:lnB w="12700" cap="flat" cmpd="sng" algn="ctr">
+                      <a:solidFill>
+                        <a:schemeClr val="tx1"/>
+                      </a:solidFill>
+                      <a:prstDash val="solid"/>
+                      <a:round/>
+                      <a:headEnd type="none" w="med" len="med"/>
+                      <a:tailEnd type="none" w="med" len="med"/>
+                    </a:lnB>
+                  </a:tcPr>
+                </a:tc>
+                <a:tc>
+                  <a:txBody>
+                    <a:bodyPr/>
+                    <a:lstStyle/>
+                    <a:p>
+                      <a:pPr algn="ctr"/>
+                      <a:r>
+                        <a:rPr lang="en-US" smtClean="0"/>
+                        <a:t>Global</a:t>
+                      </a:r>
+                      <a:endParaRPr lang="en-US"/>
+                    </a:p>
+                  </a:txBody>
+                  <a:tcPr>
+                    <a:lnL w="12700" cap="flat" cmpd="sng" algn="ctr">
+                      <a:solidFill>
+                        <a:schemeClr val="tx1"/>
+                      </a:solidFill>
+                      <a:prstDash val="solid"/>
+                      <a:round/>
+                      <a:headEnd type="none" w="med" len="med"/>
+                      <a:tailEnd type="none" w="med" len="med"/>
+                    </a:lnL>
+                    <a:lnR w="12700" cap="flat" cmpd="sng" algn="ctr">
+                      <a:solidFill>
+                        <a:schemeClr val="tx1"/>
+                      </a:solidFill>
+                      <a:prstDash val="solid"/>
+                      <a:round/>
+                      <a:headEnd type="none" w="med" len="med"/>
+                      <a:tailEnd type="none" w="med" len="med"/>
+                    </a:lnR>
+                    <a:lnT w="12700" cap="flat" cmpd="sng" algn="ctr">
+                      <a:solidFill>
+                        <a:schemeClr val="tx1"/>
+                      </a:solidFill>
+                      <a:prstDash val="solid"/>
+                      <a:round/>
+                      <a:headEnd type="none" w="med" len="med"/>
+                      <a:tailEnd type="none" w="med" len="med"/>
+                    </a:lnT>
+                    <a:lnB w="12700" cap="flat" cmpd="sng" algn="ctr">
+                      <a:solidFill>
+                        <a:schemeClr val="tx1"/>
+                      </a:solidFill>
+                      <a:prstDash val="solid"/>
+                      <a:round/>
+                      <a:headEnd type="none" w="med" len="med"/>
+                      <a:tailEnd type="none" w="med" len="med"/>
+                    </a:lnB>
+                  </a:tcPr>
+                </a:tc>
+              </a:tr>
+              <a:tr h="370840">
+                <a:tc gridSpan="2">
+                  <a:txBody>
+                    <a:bodyPr/>
+                    <a:lstStyle/>
+                    <a:p>
+                      <a:pPr algn="ctr"/>
+                      <a:r>
+                        <a:rPr lang="en-US" smtClean="0"/>
+                        <a:t>…</a:t>
+                      </a:r>
+                      <a:endParaRPr lang="en-US"/>
+                    </a:p>
+                  </a:txBody>
+                  <a:tcPr>
+                    <a:lnL w="12700" cap="flat" cmpd="sng" algn="ctr">
+                      <a:solidFill>
+                        <a:schemeClr val="tx1"/>
+                      </a:solidFill>
+                      <a:prstDash val="solid"/>
+                      <a:round/>
+                      <a:headEnd type="none" w="med" len="med"/>
+                      <a:tailEnd type="none" w="med" len="med"/>
+                    </a:lnL>
+                    <a:lnR w="12700" cap="flat" cmpd="sng" algn="ctr">
+                      <a:solidFill>
+                        <a:schemeClr val="tx1"/>
+                      </a:solidFill>
+                      <a:prstDash val="solid"/>
+                      <a:round/>
+                      <a:headEnd type="none" w="med" len="med"/>
+                      <a:tailEnd type="none" w="med" len="med"/>
+                    </a:lnR>
+                    <a:lnT w="12700" cap="flat" cmpd="sng" algn="ctr">
+                      <a:solidFill>
+                        <a:schemeClr val="tx1"/>
+                      </a:solidFill>
+                      <a:prstDash val="solid"/>
+                      <a:round/>
+                      <a:headEnd type="none" w="med" len="med"/>
+                      <a:tailEnd type="none" w="med" len="med"/>
+                    </a:lnT>
+                    <a:lnB w="12700" cap="flat" cmpd="sng" algn="ctr">
+                      <a:noFill/>
+                      <a:prstDash val="solid"/>
+                      <a:round/>
+                      <a:headEnd type="none" w="med" len="med"/>
+                      <a:tailEnd type="none" w="med" len="med"/>
+                    </a:lnB>
+                  </a:tcPr>
+                </a:tc>
+                <a:tc hMerge="1">
+                  <a:txBody>
+                    <a:bodyPr/>
+                    <a:lstStyle/>
+                    <a:p>
+                      <a:pPr algn="ctr"/>
+                      <a:endParaRPr lang="en-US"/>
+                    </a:p>
+                  </a:txBody>
+                  <a:tcPr>
+                    <a:lnL w="12700" cap="flat" cmpd="sng" algn="ctr">
+                      <a:solidFill>
+                        <a:schemeClr val="tx1"/>
+                      </a:solidFill>
+                      <a:prstDash val="solid"/>
+                      <a:round/>
+                      <a:headEnd type="none" w="med" len="med"/>
+                      <a:tailEnd type="none" w="med" len="med"/>
+                    </a:lnL>
+                    <a:lnR w="12700" cap="flat" cmpd="sng" algn="ctr">
+                      <a:solidFill>
+                        <a:schemeClr val="tx1"/>
+                      </a:solidFill>
+                      <a:prstDash val="solid"/>
+                      <a:round/>
+                      <a:headEnd type="none" w="med" len="med"/>
+                      <a:tailEnd type="none" w="med" len="med"/>
+                    </a:lnR>
+                    <a:lnT w="12700" cap="flat" cmpd="sng" algn="ctr">
+                      <a:solidFill>
+                        <a:schemeClr val="tx1"/>
+                      </a:solidFill>
+                      <a:prstDash val="solid"/>
+                      <a:round/>
+                      <a:headEnd type="none" w="med" len="med"/>
+                      <a:tailEnd type="none" w="med" len="med"/>
+                    </a:lnT>
+                    <a:lnB w="12700" cap="flat" cmpd="sng" algn="ctr">
+                      <a:solidFill>
+                        <a:schemeClr val="tx1"/>
+                      </a:solidFill>
+                      <a:prstDash val="solid"/>
+                      <a:round/>
+                      <a:headEnd type="none" w="med" len="med"/>
+                      <a:tailEnd type="none" w="med" len="med"/>
+                    </a:lnB>
+                  </a:tcPr>
+                </a:tc>
+              </a:tr>
+            </a:tbl>
+          </a:graphicData>
+        </a:graphic>
+      </p:graphicFrame>
+      <p:graphicFrame>
+        <p:nvGraphicFramePr>
+          <p:cNvPr id="9" name="Table 8"/>
+          <p:cNvGraphicFramePr>
+            <a:graphicFrameLocks noGrp="1"/>
+          </p:cNvGraphicFramePr>
+          <p:nvPr>
+            <p:extLst>
+              <p:ext uri="{D42A27DB-BD31-4B8C-83A1-F6EECF244321}">
+                <p14:modId xmlns:p14="http://schemas.microsoft.com/office/powerpoint/2010/main" val="1112281146"/>
+              </p:ext>
+            </p:extLst>
+          </p:nvPr>
+        </p:nvGraphicFramePr>
+        <p:xfrm>
+          <a:off x="6380338" y="4027843"/>
+          <a:ext cx="1986548" cy="1112520"/>
+        </p:xfrm>
+        <a:graphic>
+          <a:graphicData uri="http://schemas.openxmlformats.org/drawingml/2006/table">
+            <a:tbl>
+              <a:tblPr firstRow="1" bandRow="1">
+                <a:tableStyleId>{2D5ABB26-0587-4C30-8999-92F81FD0307C}</a:tableStyleId>
+              </a:tblPr>
+              <a:tblGrid>
+                <a:gridCol w="993274"/>
+                <a:gridCol w="993274"/>
+              </a:tblGrid>
+              <a:tr h="370840">
+                <a:tc gridSpan="2">
+                  <a:txBody>
+                    <a:bodyPr/>
+                    <a:lstStyle/>
+                    <a:p>
+                      <a:pPr algn="ctr"/>
+                      <a:r>
+                        <a:rPr lang="en-US" smtClean="0"/>
+                        <a:t>Common Bussiness</a:t>
+                      </a:r>
+                      <a:endParaRPr lang="en-US"/>
+                    </a:p>
+                  </a:txBody>
+                  <a:tcPr>
+                    <a:lnL w="12700" cap="flat" cmpd="sng" algn="ctr">
+                      <a:solidFill>
+                        <a:schemeClr val="tx1"/>
+                      </a:solidFill>
+                      <a:prstDash val="solid"/>
+                      <a:round/>
+                      <a:headEnd type="none" w="med" len="med"/>
+                      <a:tailEnd type="none" w="med" len="med"/>
+                    </a:lnL>
+                    <a:lnR w="12700" cap="flat" cmpd="sng" algn="ctr">
+                      <a:solidFill>
+                        <a:schemeClr val="tx1"/>
+                      </a:solidFill>
+                      <a:prstDash val="solid"/>
+                      <a:round/>
+                      <a:headEnd type="none" w="med" len="med"/>
+                      <a:tailEnd type="none" w="med" len="med"/>
+                    </a:lnR>
+                    <a:lnT w="12700" cap="flat" cmpd="sng" algn="ctr">
+                      <a:solidFill>
+                        <a:schemeClr val="tx1"/>
+                      </a:solidFill>
+                      <a:prstDash val="solid"/>
+                      <a:round/>
+                      <a:headEnd type="none" w="med" len="med"/>
+                      <a:tailEnd type="none" w="med" len="med"/>
+                    </a:lnT>
+                    <a:lnB w="12700" cap="flat" cmpd="sng" algn="ctr">
+                      <a:solidFill>
+                        <a:schemeClr val="tx1"/>
+                      </a:solidFill>
+                      <a:prstDash val="solid"/>
+                      <a:round/>
+                      <a:headEnd type="none" w="med" len="med"/>
+                      <a:tailEnd type="none" w="med" len="med"/>
+                    </a:lnB>
+                  </a:tcPr>
+                </a:tc>
+                <a:tc hMerge="1">
+                  <a:txBody>
+                    <a:bodyPr/>
+                    <a:lstStyle/>
+                    <a:p>
+                      <a:endParaRPr lang="en-US"/>
+                    </a:p>
+                  </a:txBody>
+                  <a:tcPr/>
+                </a:tc>
+              </a:tr>
+              <a:tr h="370840">
+                <a:tc>
+                  <a:txBody>
+                    <a:bodyPr/>
+                    <a:lstStyle/>
+                    <a:p>
+                      <a:pPr algn="ctr"/>
+                      <a:r>
+                        <a:rPr lang="en-US" smtClean="0"/>
+                        <a:t>Helper</a:t>
+                      </a:r>
+                      <a:endParaRPr lang="en-US"/>
+                    </a:p>
+                  </a:txBody>
+                  <a:tcPr>
+                    <a:lnL w="12700" cap="flat" cmpd="sng" algn="ctr">
+                      <a:solidFill>
+                        <a:schemeClr val="tx1"/>
+                      </a:solidFill>
+                      <a:prstDash val="solid"/>
+                      <a:round/>
+                      <a:headEnd type="none" w="med" len="med"/>
+                      <a:tailEnd type="none" w="med" len="med"/>
+                    </a:lnL>
+                    <a:lnR w="12700" cap="flat" cmpd="sng" algn="ctr">
+                      <a:solidFill>
+                        <a:schemeClr val="tx1"/>
+                      </a:solidFill>
+                      <a:prstDash val="solid"/>
+                      <a:round/>
+                      <a:headEnd type="none" w="med" len="med"/>
+                      <a:tailEnd type="none" w="med" len="med"/>
+                    </a:lnR>
+                    <a:lnT w="12700" cap="flat" cmpd="sng" algn="ctr">
+                      <a:solidFill>
+                        <a:schemeClr val="tx1"/>
+                      </a:solidFill>
+                      <a:prstDash val="solid"/>
+                      <a:round/>
+                      <a:headEnd type="none" w="med" len="med"/>
+                      <a:tailEnd type="none" w="med" len="med"/>
+                    </a:lnT>
+                    <a:lnB w="12700" cap="flat" cmpd="sng" algn="ctr">
+                      <a:solidFill>
+                        <a:schemeClr val="tx1"/>
+                      </a:solidFill>
+                      <a:prstDash val="solid"/>
+                      <a:round/>
+                      <a:headEnd type="none" w="med" len="med"/>
+                      <a:tailEnd type="none" w="med" len="med"/>
+                    </a:lnB>
+                  </a:tcPr>
+                </a:tc>
+                <a:tc>
+                  <a:txBody>
+                    <a:bodyPr/>
+                    <a:lstStyle/>
+                    <a:p>
+                      <a:pPr algn="ctr"/>
+                      <a:r>
+                        <a:rPr lang="en-US" smtClean="0"/>
+                        <a:t>Global</a:t>
+                      </a:r>
+                      <a:endParaRPr lang="en-US"/>
+                    </a:p>
+                  </a:txBody>
+                  <a:tcPr>
+                    <a:lnL w="12700" cap="flat" cmpd="sng" algn="ctr">
+                      <a:solidFill>
+                        <a:schemeClr val="tx1"/>
+                      </a:solidFill>
+                      <a:prstDash val="solid"/>
+                      <a:round/>
+                      <a:headEnd type="none" w="med" len="med"/>
+                      <a:tailEnd type="none" w="med" len="med"/>
+                    </a:lnL>
+                    <a:lnR w="12700" cap="flat" cmpd="sng" algn="ctr">
+                      <a:solidFill>
+                        <a:schemeClr val="tx1"/>
+                      </a:solidFill>
+                      <a:prstDash val="solid"/>
+                      <a:round/>
+                      <a:headEnd type="none" w="med" len="med"/>
+                      <a:tailEnd type="none" w="med" len="med"/>
+                    </a:lnR>
+                    <a:lnT w="12700" cap="flat" cmpd="sng" algn="ctr">
+                      <a:solidFill>
+                        <a:schemeClr val="tx1"/>
+                      </a:solidFill>
+                      <a:prstDash val="solid"/>
+                      <a:round/>
+                      <a:headEnd type="none" w="med" len="med"/>
+                      <a:tailEnd type="none" w="med" len="med"/>
+                    </a:lnT>
+                    <a:lnB w="12700" cap="flat" cmpd="sng" algn="ctr">
+                      <a:solidFill>
+                        <a:schemeClr val="tx1"/>
+                      </a:solidFill>
+                      <a:prstDash val="solid"/>
+                      <a:round/>
+                      <a:headEnd type="none" w="med" len="med"/>
+                      <a:tailEnd type="none" w="med" len="med"/>
+                    </a:lnB>
+                  </a:tcPr>
+                </a:tc>
+              </a:tr>
+              <a:tr h="370840">
+                <a:tc gridSpan="2">
+                  <a:txBody>
+                    <a:bodyPr/>
+                    <a:lstStyle/>
+                    <a:p>
+                      <a:pPr algn="ctr"/>
+                      <a:r>
+                        <a:rPr lang="en-US" smtClean="0"/>
+                        <a:t>…</a:t>
+                      </a:r>
+                      <a:endParaRPr lang="en-US"/>
+                    </a:p>
+                  </a:txBody>
+                  <a:tcPr>
+                    <a:lnL w="12700" cap="flat" cmpd="sng" algn="ctr">
+                      <a:solidFill>
+                        <a:schemeClr val="tx1"/>
+                      </a:solidFill>
+                      <a:prstDash val="solid"/>
+                      <a:round/>
+                      <a:headEnd type="none" w="med" len="med"/>
+                      <a:tailEnd type="none" w="med" len="med"/>
+                    </a:lnL>
+                    <a:lnR w="12700" cap="flat" cmpd="sng" algn="ctr">
+                      <a:solidFill>
+                        <a:schemeClr val="tx1"/>
+                      </a:solidFill>
+                      <a:prstDash val="solid"/>
+                      <a:round/>
+                      <a:headEnd type="none" w="med" len="med"/>
+                      <a:tailEnd type="none" w="med" len="med"/>
+                    </a:lnR>
+                    <a:lnT w="12700" cap="flat" cmpd="sng" algn="ctr">
+                      <a:solidFill>
+                        <a:schemeClr val="tx1"/>
+                      </a:solidFill>
+                      <a:prstDash val="solid"/>
+                      <a:round/>
+                      <a:headEnd type="none" w="med" len="med"/>
+                      <a:tailEnd type="none" w="med" len="med"/>
+                    </a:lnT>
+                    <a:lnB w="12700" cap="flat" cmpd="sng" algn="ctr">
+                      <a:noFill/>
+                      <a:prstDash val="solid"/>
+                      <a:round/>
+                      <a:headEnd type="none" w="med" len="med"/>
+                      <a:tailEnd type="none" w="med" len="med"/>
+                    </a:lnB>
+                  </a:tcPr>
+                </a:tc>
+                <a:tc hMerge="1">
+                  <a:txBody>
+                    <a:bodyPr/>
+                    <a:lstStyle/>
+                    <a:p>
+                      <a:pPr algn="ctr"/>
+                      <a:endParaRPr lang="en-US"/>
+                    </a:p>
+                  </a:txBody>
+                  <a:tcPr>
+                    <a:lnL w="12700" cap="flat" cmpd="sng" algn="ctr">
+                      <a:solidFill>
+                        <a:schemeClr val="tx1"/>
+                      </a:solidFill>
+                      <a:prstDash val="solid"/>
+                      <a:round/>
+                      <a:headEnd type="none" w="med" len="med"/>
+                      <a:tailEnd type="none" w="med" len="med"/>
+                    </a:lnL>
+                    <a:lnR w="12700" cap="flat" cmpd="sng" algn="ctr">
+                      <a:solidFill>
+                        <a:schemeClr val="tx1"/>
+                      </a:solidFill>
+                      <a:prstDash val="solid"/>
+                      <a:round/>
+                      <a:headEnd type="none" w="med" len="med"/>
+                      <a:tailEnd type="none" w="med" len="med"/>
+                    </a:lnR>
+                    <a:lnT w="12700" cap="flat" cmpd="sng" algn="ctr">
+                      <a:solidFill>
+                        <a:schemeClr val="tx1"/>
+                      </a:solidFill>
+                      <a:prstDash val="solid"/>
+                      <a:round/>
+                      <a:headEnd type="none" w="med" len="med"/>
+                      <a:tailEnd type="none" w="med" len="med"/>
+                    </a:lnT>
+                    <a:lnB w="12700" cap="flat" cmpd="sng" algn="ctr">
+                      <a:solidFill>
+                        <a:schemeClr val="tx1"/>
+                      </a:solidFill>
+                      <a:prstDash val="solid"/>
+                      <a:round/>
+                      <a:headEnd type="none" w="med" len="med"/>
+                      <a:tailEnd type="none" w="med" len="med"/>
+                    </a:lnB>
+                  </a:tcPr>
+                </a:tc>
+              </a:tr>
+            </a:tbl>
+          </a:graphicData>
+        </a:graphic>
+      </p:graphicFrame>
+      <p:graphicFrame>
+        <p:nvGraphicFramePr>
+          <p:cNvPr id="10" name="Table 9"/>
+          <p:cNvGraphicFramePr>
+            <a:graphicFrameLocks noGrp="1"/>
+          </p:cNvGraphicFramePr>
+          <p:nvPr>
+            <p:extLst>
+              <p:ext uri="{D42A27DB-BD31-4B8C-83A1-F6EECF244321}">
+                <p14:modId xmlns:p14="http://schemas.microsoft.com/office/powerpoint/2010/main" val="3277907804"/>
+              </p:ext>
+            </p:extLst>
+          </p:nvPr>
+        </p:nvGraphicFramePr>
+        <p:xfrm>
+          <a:off x="1582822" y="2296781"/>
+          <a:ext cx="1986548" cy="1112520"/>
+        </p:xfrm>
+        <a:graphic>
+          <a:graphicData uri="http://schemas.openxmlformats.org/drawingml/2006/table">
+            <a:tbl>
+              <a:tblPr firstRow="1" bandRow="1">
+                <a:tableStyleId>{2D5ABB26-0587-4C30-8999-92F81FD0307C}</a:tableStyleId>
+              </a:tblPr>
+              <a:tblGrid>
+                <a:gridCol w="993274"/>
+                <a:gridCol w="993274"/>
+              </a:tblGrid>
+              <a:tr h="370840">
+                <a:tc gridSpan="2">
+                  <a:txBody>
+                    <a:bodyPr/>
+                    <a:lstStyle/>
+                    <a:p>
+                      <a:pPr algn="ctr"/>
+                      <a:r>
+                        <a:rPr lang="en-US" smtClean="0"/>
+                        <a:t>WEB project</a:t>
+                      </a:r>
+                      <a:endParaRPr lang="en-US"/>
+                    </a:p>
+                  </a:txBody>
+                  <a:tcPr>
+                    <a:lnL w="12700" cap="flat" cmpd="sng" algn="ctr">
+                      <a:solidFill>
+                        <a:schemeClr val="tx1"/>
+                      </a:solidFill>
+                      <a:prstDash val="solid"/>
+                      <a:round/>
+                      <a:headEnd type="none" w="med" len="med"/>
+                      <a:tailEnd type="none" w="med" len="med"/>
+                    </a:lnL>
+                    <a:lnR w="12700" cap="flat" cmpd="sng" algn="ctr">
+                      <a:solidFill>
+                        <a:schemeClr val="tx1"/>
+                      </a:solidFill>
+                      <a:prstDash val="solid"/>
+                      <a:round/>
+                      <a:headEnd type="none" w="med" len="med"/>
+                      <a:tailEnd type="none" w="med" len="med"/>
+                    </a:lnR>
+                    <a:lnT w="12700" cap="flat" cmpd="sng" algn="ctr">
+                      <a:solidFill>
+                        <a:schemeClr val="tx1"/>
+                      </a:solidFill>
+                      <a:prstDash val="solid"/>
+                      <a:round/>
+                      <a:headEnd type="none" w="med" len="med"/>
+                      <a:tailEnd type="none" w="med" len="med"/>
+                    </a:lnT>
+                    <a:lnB w="12700" cap="flat" cmpd="sng" algn="ctr">
+                      <a:solidFill>
+                        <a:schemeClr val="tx1"/>
+                      </a:solidFill>
+                      <a:prstDash val="solid"/>
+                      <a:round/>
+                      <a:headEnd type="none" w="med" len="med"/>
+                      <a:tailEnd type="none" w="med" len="med"/>
+                    </a:lnB>
+                  </a:tcPr>
+                </a:tc>
+                <a:tc hMerge="1">
+                  <a:txBody>
+                    <a:bodyPr/>
+                    <a:lstStyle/>
+                    <a:p>
+                      <a:endParaRPr lang="en-US"/>
+                    </a:p>
+                  </a:txBody>
+                  <a:tcPr/>
+                </a:tc>
+              </a:tr>
+              <a:tr h="370840">
+                <a:tc>
+                  <a:txBody>
+                    <a:bodyPr/>
+                    <a:lstStyle/>
+                    <a:p>
+                      <a:pPr algn="ctr"/>
+                      <a:r>
+                        <a:rPr lang="en-US" smtClean="0"/>
+                        <a:t>Helper</a:t>
+                      </a:r>
+                      <a:endParaRPr lang="en-US"/>
+                    </a:p>
+                  </a:txBody>
+                  <a:tcPr>
+                    <a:lnL w="12700" cap="flat" cmpd="sng" algn="ctr">
+                      <a:solidFill>
+                        <a:schemeClr val="tx1"/>
+                      </a:solidFill>
+                      <a:prstDash val="solid"/>
+                      <a:round/>
+                      <a:headEnd type="none" w="med" len="med"/>
+                      <a:tailEnd type="none" w="med" len="med"/>
+                    </a:lnL>
+                    <a:lnR w="12700" cap="flat" cmpd="sng" algn="ctr">
+                      <a:solidFill>
+                        <a:schemeClr val="tx1"/>
+                      </a:solidFill>
+                      <a:prstDash val="solid"/>
+                      <a:round/>
+                      <a:headEnd type="none" w="med" len="med"/>
+                      <a:tailEnd type="none" w="med" len="med"/>
+                    </a:lnR>
+                    <a:lnT w="12700" cap="flat" cmpd="sng" algn="ctr">
+                      <a:solidFill>
+                        <a:schemeClr val="tx1"/>
+                      </a:solidFill>
+                      <a:prstDash val="solid"/>
+                      <a:round/>
+                      <a:headEnd type="none" w="med" len="med"/>
+                      <a:tailEnd type="none" w="med" len="med"/>
+                    </a:lnT>
+                    <a:lnB w="12700" cap="flat" cmpd="sng" algn="ctr">
+                      <a:solidFill>
+                        <a:schemeClr val="tx1"/>
+                      </a:solidFill>
+                      <a:prstDash val="solid"/>
+                      <a:round/>
+                      <a:headEnd type="none" w="med" len="med"/>
+                      <a:tailEnd type="none" w="med" len="med"/>
+                    </a:lnB>
+                  </a:tcPr>
+                </a:tc>
+                <a:tc>
+                  <a:txBody>
+                    <a:bodyPr/>
+                    <a:lstStyle/>
+                    <a:p>
+                      <a:pPr algn="ctr"/>
+                      <a:r>
+                        <a:rPr lang="en-US" smtClean="0"/>
+                        <a:t>Global</a:t>
+                      </a:r>
+                      <a:endParaRPr lang="en-US"/>
+                    </a:p>
+                  </a:txBody>
+                  <a:tcPr>
+                    <a:lnL w="12700" cap="flat" cmpd="sng" algn="ctr">
+                      <a:solidFill>
+                        <a:schemeClr val="tx1"/>
+                      </a:solidFill>
+                      <a:prstDash val="solid"/>
+                      <a:round/>
+                      <a:headEnd type="none" w="med" len="med"/>
+                      <a:tailEnd type="none" w="med" len="med"/>
+                    </a:lnL>
+                    <a:lnR w="12700" cap="flat" cmpd="sng" algn="ctr">
+                      <a:solidFill>
+                        <a:schemeClr val="tx1"/>
+                      </a:solidFill>
+                      <a:prstDash val="solid"/>
+                      <a:round/>
+                      <a:headEnd type="none" w="med" len="med"/>
+                      <a:tailEnd type="none" w="med" len="med"/>
+                    </a:lnR>
+                    <a:lnT w="12700" cap="flat" cmpd="sng" algn="ctr">
+                      <a:solidFill>
+                        <a:schemeClr val="tx1"/>
+                      </a:solidFill>
+                      <a:prstDash val="solid"/>
+                      <a:round/>
+                      <a:headEnd type="none" w="med" len="med"/>
+                      <a:tailEnd type="none" w="med" len="med"/>
+                    </a:lnT>
+                    <a:lnB w="12700" cap="flat" cmpd="sng" algn="ctr">
+                      <a:solidFill>
+                        <a:schemeClr val="tx1"/>
+                      </a:solidFill>
+                      <a:prstDash val="solid"/>
+                      <a:round/>
+                      <a:headEnd type="none" w="med" len="med"/>
+                      <a:tailEnd type="none" w="med" len="med"/>
+                    </a:lnB>
+                  </a:tcPr>
+                </a:tc>
+              </a:tr>
+              <a:tr h="370840">
+                <a:tc gridSpan="2">
+                  <a:txBody>
+                    <a:bodyPr/>
+                    <a:lstStyle/>
+                    <a:p>
+                      <a:pPr algn="ctr"/>
+                      <a:r>
+                        <a:rPr lang="en-US" smtClean="0"/>
+                        <a:t>…</a:t>
+                      </a:r>
+                      <a:endParaRPr lang="en-US"/>
+                    </a:p>
+                  </a:txBody>
+                  <a:tcPr>
+                    <a:lnL w="12700" cap="flat" cmpd="sng" algn="ctr">
+                      <a:solidFill>
+                        <a:schemeClr val="tx1"/>
+                      </a:solidFill>
+                      <a:prstDash val="solid"/>
+                      <a:round/>
+                      <a:headEnd type="none" w="med" len="med"/>
+                      <a:tailEnd type="none" w="med" len="med"/>
+                    </a:lnL>
+                    <a:lnR w="12700" cap="flat" cmpd="sng" algn="ctr">
+                      <a:solidFill>
+                        <a:schemeClr val="tx1"/>
+                      </a:solidFill>
+                      <a:prstDash val="solid"/>
+                      <a:round/>
+                      <a:headEnd type="none" w="med" len="med"/>
+                      <a:tailEnd type="none" w="med" len="med"/>
+                    </a:lnR>
+                    <a:lnT w="12700" cap="flat" cmpd="sng" algn="ctr">
+                      <a:solidFill>
+                        <a:schemeClr val="tx1"/>
+                      </a:solidFill>
+                      <a:prstDash val="solid"/>
+                      <a:round/>
+                      <a:headEnd type="none" w="med" len="med"/>
+                      <a:tailEnd type="none" w="med" len="med"/>
+                    </a:lnT>
+                    <a:lnB w="12700" cap="flat" cmpd="sng" algn="ctr">
+                      <a:noFill/>
+                      <a:prstDash val="solid"/>
+                      <a:round/>
+                      <a:headEnd type="none" w="med" len="med"/>
+                      <a:tailEnd type="none" w="med" len="med"/>
+                    </a:lnB>
+                  </a:tcPr>
+                </a:tc>
+                <a:tc hMerge="1">
+                  <a:txBody>
+                    <a:bodyPr/>
+                    <a:lstStyle/>
+                    <a:p>
+                      <a:pPr algn="ctr"/>
+                      <a:endParaRPr lang="en-US"/>
+                    </a:p>
+                  </a:txBody>
+                  <a:tcPr>
+                    <a:lnL w="12700" cap="flat" cmpd="sng" algn="ctr">
+                      <a:solidFill>
+                        <a:schemeClr val="tx1"/>
+                      </a:solidFill>
+                      <a:prstDash val="solid"/>
+                      <a:round/>
+                      <a:headEnd type="none" w="med" len="med"/>
+                      <a:tailEnd type="none" w="med" len="med"/>
+                    </a:lnL>
+                    <a:lnR w="12700" cap="flat" cmpd="sng" algn="ctr">
+                      <a:solidFill>
+                        <a:schemeClr val="tx1"/>
+                      </a:solidFill>
+                      <a:prstDash val="solid"/>
+                      <a:round/>
+                      <a:headEnd type="none" w="med" len="med"/>
+                      <a:tailEnd type="none" w="med" len="med"/>
+                    </a:lnR>
+                    <a:lnT w="12700" cap="flat" cmpd="sng" algn="ctr">
+                      <a:solidFill>
+                        <a:schemeClr val="tx1"/>
+                      </a:solidFill>
+                      <a:prstDash val="solid"/>
+                      <a:round/>
+                      <a:headEnd type="none" w="med" len="med"/>
+                      <a:tailEnd type="none" w="med" len="med"/>
+                    </a:lnT>
+                    <a:lnB w="12700" cap="flat" cmpd="sng" algn="ctr">
+                      <a:solidFill>
+                        <a:schemeClr val="tx1"/>
+                      </a:solidFill>
+                      <a:prstDash val="solid"/>
+                      <a:round/>
+                      <a:headEnd type="none" w="med" len="med"/>
+                      <a:tailEnd type="none" w="med" len="med"/>
+                    </a:lnB>
+                  </a:tcPr>
+                </a:tc>
+              </a:tr>
+            </a:tbl>
+          </a:graphicData>
+        </a:graphic>
+      </p:graphicFrame>
+      <p:graphicFrame>
+        <p:nvGraphicFramePr>
+          <p:cNvPr id="11" name="Table 10"/>
+          <p:cNvGraphicFramePr>
+            <a:graphicFrameLocks noGrp="1"/>
+          </p:cNvGraphicFramePr>
+          <p:nvPr>
+            <p:extLst>
+              <p:ext uri="{D42A27DB-BD31-4B8C-83A1-F6EECF244321}">
+                <p14:modId xmlns:p14="http://schemas.microsoft.com/office/powerpoint/2010/main" val="3126418360"/>
+              </p:ext>
+            </p:extLst>
+          </p:nvPr>
+        </p:nvGraphicFramePr>
+        <p:xfrm>
+          <a:off x="8317830" y="2252665"/>
+          <a:ext cx="1986548" cy="1112520"/>
+        </p:xfrm>
+        <a:graphic>
+          <a:graphicData uri="http://schemas.openxmlformats.org/drawingml/2006/table">
+            <a:tbl>
+              <a:tblPr firstRow="1" bandRow="1">
+                <a:tableStyleId>{2D5ABB26-0587-4C30-8999-92F81FD0307C}</a:tableStyleId>
+              </a:tblPr>
+              <a:tblGrid>
+                <a:gridCol w="993274"/>
+                <a:gridCol w="993274"/>
+              </a:tblGrid>
+              <a:tr h="370840">
+                <a:tc gridSpan="2">
+                  <a:txBody>
+                    <a:bodyPr/>
+                    <a:lstStyle/>
+                    <a:p>
+                      <a:pPr algn="ctr"/>
+                      <a:r>
+                        <a:rPr lang="en-US" smtClean="0"/>
+                        <a:t>WINFORM project</a:t>
+                      </a:r>
+                      <a:endParaRPr lang="en-US"/>
+                    </a:p>
+                  </a:txBody>
+                  <a:tcPr>
+                    <a:lnL w="12700" cap="flat" cmpd="sng" algn="ctr">
+                      <a:solidFill>
+                        <a:schemeClr val="tx1"/>
+                      </a:solidFill>
+                      <a:prstDash val="solid"/>
+                      <a:round/>
+                      <a:headEnd type="none" w="med" len="med"/>
+                      <a:tailEnd type="none" w="med" len="med"/>
+                    </a:lnL>
+                    <a:lnR w="12700" cap="flat" cmpd="sng" algn="ctr">
+                      <a:solidFill>
+                        <a:schemeClr val="tx1"/>
+                      </a:solidFill>
+                      <a:prstDash val="solid"/>
+                      <a:round/>
+                      <a:headEnd type="none" w="med" len="med"/>
+                      <a:tailEnd type="none" w="med" len="med"/>
+                    </a:lnR>
+                    <a:lnT w="12700" cap="flat" cmpd="sng" algn="ctr">
+                      <a:solidFill>
+                        <a:schemeClr val="tx1"/>
+                      </a:solidFill>
+                      <a:prstDash val="solid"/>
+                      <a:round/>
+                      <a:headEnd type="none" w="med" len="med"/>
+                      <a:tailEnd type="none" w="med" len="med"/>
+                    </a:lnT>
+                    <a:lnB w="12700" cap="flat" cmpd="sng" algn="ctr">
+                      <a:solidFill>
+                        <a:schemeClr val="tx1"/>
+                      </a:solidFill>
+                      <a:prstDash val="solid"/>
+                      <a:round/>
+                      <a:headEnd type="none" w="med" len="med"/>
+                      <a:tailEnd type="none" w="med" len="med"/>
+                    </a:lnB>
+                  </a:tcPr>
+                </a:tc>
+                <a:tc hMerge="1">
+                  <a:txBody>
+                    <a:bodyPr/>
+                    <a:lstStyle/>
+                    <a:p>
+                      <a:endParaRPr lang="en-US"/>
+                    </a:p>
+                  </a:txBody>
+                  <a:tcPr/>
+                </a:tc>
+              </a:tr>
+              <a:tr h="370840">
+                <a:tc>
+                  <a:txBody>
+                    <a:bodyPr/>
+                    <a:lstStyle/>
+                    <a:p>
+                      <a:pPr algn="ctr"/>
+                      <a:r>
+                        <a:rPr lang="en-US" smtClean="0"/>
+                        <a:t>Helper</a:t>
+                      </a:r>
+                      <a:endParaRPr lang="en-US"/>
+                    </a:p>
+                  </a:txBody>
+                  <a:tcPr>
+                    <a:lnL w="12700" cap="flat" cmpd="sng" algn="ctr">
+                      <a:solidFill>
+                        <a:schemeClr val="tx1"/>
+                      </a:solidFill>
+                      <a:prstDash val="solid"/>
+                      <a:round/>
+                      <a:headEnd type="none" w="med" len="med"/>
+                      <a:tailEnd type="none" w="med" len="med"/>
+                    </a:lnL>
+                    <a:lnR w="12700" cap="flat" cmpd="sng" algn="ctr">
+                      <a:solidFill>
+                        <a:schemeClr val="tx1"/>
+                      </a:solidFill>
+                      <a:prstDash val="solid"/>
+                      <a:round/>
+                      <a:headEnd type="none" w="med" len="med"/>
+                      <a:tailEnd type="none" w="med" len="med"/>
+                    </a:lnR>
+                    <a:lnT w="12700" cap="flat" cmpd="sng" algn="ctr">
+                      <a:solidFill>
+                        <a:schemeClr val="tx1"/>
+                      </a:solidFill>
+                      <a:prstDash val="solid"/>
+                      <a:round/>
+                      <a:headEnd type="none" w="med" len="med"/>
+                      <a:tailEnd type="none" w="med" len="med"/>
+                    </a:lnT>
+                    <a:lnB w="12700" cap="flat" cmpd="sng" algn="ctr">
+                      <a:solidFill>
+                        <a:schemeClr val="tx1"/>
+                      </a:solidFill>
+                      <a:prstDash val="solid"/>
+                      <a:round/>
+                      <a:headEnd type="none" w="med" len="med"/>
+                      <a:tailEnd type="none" w="med" len="med"/>
+                    </a:lnB>
+                  </a:tcPr>
+                </a:tc>
+                <a:tc>
+                  <a:txBody>
+                    <a:bodyPr/>
+                    <a:lstStyle/>
+                    <a:p>
+                      <a:pPr algn="ctr"/>
+                      <a:r>
+                        <a:rPr lang="en-US" smtClean="0"/>
+                        <a:t>Global</a:t>
+                      </a:r>
+                      <a:endParaRPr lang="en-US"/>
+                    </a:p>
+                  </a:txBody>
+                  <a:tcPr>
+                    <a:lnL w="12700" cap="flat" cmpd="sng" algn="ctr">
+                      <a:solidFill>
+                        <a:schemeClr val="tx1"/>
+                      </a:solidFill>
+                      <a:prstDash val="solid"/>
+                      <a:round/>
+                      <a:headEnd type="none" w="med" len="med"/>
+                      <a:tailEnd type="none" w="med" len="med"/>
+                    </a:lnL>
+                    <a:lnR w="12700" cap="flat" cmpd="sng" algn="ctr">
+                      <a:solidFill>
+                        <a:schemeClr val="tx1"/>
+                      </a:solidFill>
+                      <a:prstDash val="solid"/>
+                      <a:round/>
+                      <a:headEnd type="none" w="med" len="med"/>
+                      <a:tailEnd type="none" w="med" len="med"/>
+                    </a:lnR>
+                    <a:lnT w="12700" cap="flat" cmpd="sng" algn="ctr">
+                      <a:solidFill>
+                        <a:schemeClr val="tx1"/>
+                      </a:solidFill>
+                      <a:prstDash val="solid"/>
+                      <a:round/>
+                      <a:headEnd type="none" w="med" len="med"/>
+                      <a:tailEnd type="none" w="med" len="med"/>
+                    </a:lnT>
+                    <a:lnB w="12700" cap="flat" cmpd="sng" algn="ctr">
+                      <a:solidFill>
+                        <a:schemeClr val="tx1"/>
+                      </a:solidFill>
+                      <a:prstDash val="solid"/>
+                      <a:round/>
+                      <a:headEnd type="none" w="med" len="med"/>
+                      <a:tailEnd type="none" w="med" len="med"/>
+                    </a:lnB>
+                  </a:tcPr>
+                </a:tc>
+              </a:tr>
+              <a:tr h="370840">
+                <a:tc gridSpan="2">
+                  <a:txBody>
+                    <a:bodyPr/>
+                    <a:lstStyle/>
+                    <a:p>
+                      <a:pPr algn="ctr"/>
+                      <a:r>
+                        <a:rPr lang="en-US" smtClean="0"/>
+                        <a:t>…</a:t>
+                      </a:r>
+                      <a:endParaRPr lang="en-US"/>
+                    </a:p>
+                  </a:txBody>
+                  <a:tcPr>
+                    <a:lnL w="12700" cap="flat" cmpd="sng" algn="ctr">
+                      <a:solidFill>
+                        <a:schemeClr val="tx1"/>
+                      </a:solidFill>
+                      <a:prstDash val="solid"/>
+                      <a:round/>
+                      <a:headEnd type="none" w="med" len="med"/>
+                      <a:tailEnd type="none" w="med" len="med"/>
+                    </a:lnL>
+                    <a:lnR w="12700" cap="flat" cmpd="sng" algn="ctr">
+                      <a:solidFill>
+                        <a:schemeClr val="tx1"/>
+                      </a:solidFill>
+                      <a:prstDash val="solid"/>
+                      <a:round/>
+                      <a:headEnd type="none" w="med" len="med"/>
+                      <a:tailEnd type="none" w="med" len="med"/>
+                    </a:lnR>
+                    <a:lnT w="12700" cap="flat" cmpd="sng" algn="ctr">
+                      <a:solidFill>
+                        <a:schemeClr val="tx1"/>
+                      </a:solidFill>
+                      <a:prstDash val="solid"/>
+                      <a:round/>
+                      <a:headEnd type="none" w="med" len="med"/>
+                      <a:tailEnd type="none" w="med" len="med"/>
+                    </a:lnT>
+                    <a:lnB w="12700" cap="flat" cmpd="sng" algn="ctr">
+                      <a:noFill/>
+                      <a:prstDash val="solid"/>
+                      <a:round/>
+                      <a:headEnd type="none" w="med" len="med"/>
+                      <a:tailEnd type="none" w="med" len="med"/>
+                    </a:lnB>
+                  </a:tcPr>
+                </a:tc>
+                <a:tc hMerge="1">
+                  <a:txBody>
+                    <a:bodyPr/>
+                    <a:lstStyle/>
+                    <a:p>
+                      <a:pPr algn="ctr"/>
+                      <a:endParaRPr lang="en-US"/>
+                    </a:p>
+                  </a:txBody>
+                  <a:tcPr>
+                    <a:lnL w="12700" cap="flat" cmpd="sng" algn="ctr">
+                      <a:solidFill>
+                        <a:schemeClr val="tx1"/>
+                      </a:solidFill>
+                      <a:prstDash val="solid"/>
+                      <a:round/>
+                      <a:headEnd type="none" w="med" len="med"/>
+                      <a:tailEnd type="none" w="med" len="med"/>
+                    </a:lnL>
+                    <a:lnR w="12700" cap="flat" cmpd="sng" algn="ctr">
+                      <a:solidFill>
+                        <a:schemeClr val="tx1"/>
+                      </a:solidFill>
+                      <a:prstDash val="solid"/>
+                      <a:round/>
+                      <a:headEnd type="none" w="med" len="med"/>
+                      <a:tailEnd type="none" w="med" len="med"/>
+                    </a:lnR>
+                    <a:lnT w="12700" cap="flat" cmpd="sng" algn="ctr">
+                      <a:solidFill>
+                        <a:schemeClr val="tx1"/>
+                      </a:solidFill>
+                      <a:prstDash val="solid"/>
+                      <a:round/>
+                      <a:headEnd type="none" w="med" len="med"/>
+                      <a:tailEnd type="none" w="med" len="med"/>
+                    </a:lnT>
+                    <a:lnB w="12700" cap="flat" cmpd="sng" algn="ctr">
+                      <a:solidFill>
+                        <a:schemeClr val="tx1"/>
+                      </a:solidFill>
+                      <a:prstDash val="solid"/>
+                      <a:round/>
+                      <a:headEnd type="none" w="med" len="med"/>
+                      <a:tailEnd type="none" w="med" len="med"/>
+                    </a:lnB>
+                  </a:tcPr>
+                </a:tc>
+              </a:tr>
+            </a:tbl>
+          </a:graphicData>
+        </a:graphic>
+      </p:graphicFrame>
+      <p:cxnSp>
+        <p:nvCxnSpPr>
+          <p:cNvPr id="14" name="Straight Connector 13"/>
+          <p:cNvCxnSpPr>
+            <a:stCxn id="3" idx="1"/>
+            <a:endCxn id="10" idx="0"/>
+          </p:cNvCxnSpPr>
+          <p:nvPr/>
+        </p:nvCxnSpPr>
+        <p:spPr>
+          <a:xfrm flipH="1">
+            <a:off x="2576096" y="1191126"/>
+            <a:ext cx="973220" cy="1105655"/>
+          </a:xfrm>
+          <a:prstGeom prst="line">
+            <a:avLst/>
+          </a:prstGeom>
+          <a:ln w="28575">
+            <a:solidFill>
+              <a:schemeClr val="tx1"/>
+            </a:solidFill>
+            <a:headEnd type="arrow" w="med" len="med"/>
+            <a:tailEnd type="none" w="med" len="med"/>
+          </a:ln>
+        </p:spPr>
+        <p:style>
+          <a:lnRef idx="1">
+            <a:schemeClr val="accent1"/>
+          </a:lnRef>
+          <a:fillRef idx="0">
+            <a:schemeClr val="accent1"/>
+          </a:fillRef>
+          <a:effectRef idx="0">
+            <a:schemeClr val="accent1"/>
+          </a:effectRef>
+          <a:fontRef idx="minor">
+            <a:schemeClr val="tx1"/>
+          </a:fontRef>
+        </p:style>
+      </p:cxnSp>
+      <p:cxnSp>
+        <p:nvCxnSpPr>
+          <p:cNvPr id="15" name="Straight Connector 14"/>
+          <p:cNvCxnSpPr>
+            <a:stCxn id="3" idx="3"/>
+            <a:endCxn id="11" idx="0"/>
+          </p:cNvCxnSpPr>
+          <p:nvPr/>
+        </p:nvCxnSpPr>
+        <p:spPr>
+          <a:xfrm>
+            <a:off x="5535864" y="1191126"/>
+            <a:ext cx="3775240" cy="1061539"/>
+          </a:xfrm>
+          <a:prstGeom prst="line">
+            <a:avLst/>
+          </a:prstGeom>
+          <a:ln w="28575">
+            <a:solidFill>
+              <a:schemeClr val="tx1"/>
+            </a:solidFill>
+            <a:headEnd type="arrow" w="med" len="med"/>
+            <a:tailEnd type="none" w="med" len="med"/>
+          </a:ln>
+        </p:spPr>
+        <p:style>
+          <a:lnRef idx="1">
+            <a:schemeClr val="accent1"/>
+          </a:lnRef>
+          <a:fillRef idx="0">
+            <a:schemeClr val="accent1"/>
+          </a:fillRef>
+          <a:effectRef idx="0">
+            <a:schemeClr val="accent1"/>
+          </a:effectRef>
+          <a:fontRef idx="minor">
+            <a:schemeClr val="tx1"/>
+          </a:fontRef>
+        </p:style>
+      </p:cxnSp>
+      <p:cxnSp>
+        <p:nvCxnSpPr>
+          <p:cNvPr id="18" name="Straight Connector 17"/>
+          <p:cNvCxnSpPr/>
+          <p:nvPr/>
+        </p:nvCxnSpPr>
+        <p:spPr>
+          <a:xfrm flipV="1">
+            <a:off x="8434659" y="3511597"/>
+            <a:ext cx="936603" cy="1267084"/>
+          </a:xfrm>
+          <a:prstGeom prst="line">
+            <a:avLst/>
+          </a:prstGeom>
+          <a:ln w="28575">
+            <a:solidFill>
+              <a:schemeClr val="tx1"/>
+            </a:solidFill>
+            <a:headEnd type="arrow" w="med" len="med"/>
+            <a:tailEnd type="none" w="med" len="med"/>
+          </a:ln>
+        </p:spPr>
+        <p:style>
+          <a:lnRef idx="1">
+            <a:schemeClr val="accent1"/>
+          </a:lnRef>
+          <a:fillRef idx="0">
+            <a:schemeClr val="accent1"/>
+          </a:fillRef>
+          <a:effectRef idx="0">
+            <a:schemeClr val="accent1"/>
+          </a:effectRef>
+          <a:fontRef idx="minor">
+            <a:schemeClr val="tx1"/>
+          </a:fontRef>
+        </p:style>
+      </p:cxnSp>
+      <p:cxnSp>
+        <p:nvCxnSpPr>
+          <p:cNvPr id="20" name="Straight Connector 19"/>
+          <p:cNvCxnSpPr>
+            <a:endCxn id="10" idx="2"/>
+          </p:cNvCxnSpPr>
+          <p:nvPr/>
+        </p:nvCxnSpPr>
+        <p:spPr>
+          <a:xfrm flipH="1" flipV="1">
+            <a:off x="2576096" y="3409301"/>
+            <a:ext cx="3801664" cy="1369380"/>
+          </a:xfrm>
+          <a:prstGeom prst="line">
+            <a:avLst/>
+          </a:prstGeom>
+          <a:ln w="28575">
+            <a:solidFill>
+              <a:schemeClr val="tx1"/>
+            </a:solidFill>
+            <a:headEnd type="arrow" w="med" len="med"/>
+            <a:tailEnd type="none" w="med" len="med"/>
+          </a:ln>
+        </p:spPr>
+        <p:style>
+          <a:lnRef idx="1">
+            <a:schemeClr val="accent1"/>
+          </a:lnRef>
+          <a:fillRef idx="0">
+            <a:schemeClr val="accent1"/>
+          </a:fillRef>
+          <a:effectRef idx="0">
+            <a:schemeClr val="accent1"/>
+          </a:effectRef>
+          <a:fontRef idx="minor">
+            <a:schemeClr val="tx1"/>
+          </a:fontRef>
+        </p:style>
+      </p:cxnSp>
+      <p:cxnSp>
+        <p:nvCxnSpPr>
+          <p:cNvPr id="31" name="Straight Connector 30"/>
+          <p:cNvCxnSpPr/>
+          <p:nvPr/>
+        </p:nvCxnSpPr>
+        <p:spPr>
+          <a:xfrm>
+            <a:off x="1585412" y="2079458"/>
+            <a:ext cx="8737683" cy="0"/>
+          </a:xfrm>
+          <a:prstGeom prst="line">
+            <a:avLst/>
+          </a:prstGeom>
+          <a:ln w="12700">
+            <a:solidFill>
+              <a:schemeClr val="tx1"/>
+            </a:solidFill>
+            <a:prstDash val="lgDash"/>
+          </a:ln>
+        </p:spPr>
+        <p:style>
+          <a:lnRef idx="1">
+            <a:schemeClr val="accent1"/>
+          </a:lnRef>
+          <a:fillRef idx="0">
+            <a:schemeClr val="accent1"/>
+          </a:fillRef>
+          <a:effectRef idx="0">
+            <a:schemeClr val="accent1"/>
+          </a:effectRef>
+          <a:fontRef idx="minor">
+            <a:schemeClr val="tx1"/>
+          </a:fontRef>
+        </p:style>
+      </p:cxnSp>
+      <p:cxnSp>
+        <p:nvCxnSpPr>
+          <p:cNvPr id="35" name="Straight Connector 34"/>
+          <p:cNvCxnSpPr/>
+          <p:nvPr/>
+        </p:nvCxnSpPr>
+        <p:spPr>
+          <a:xfrm>
+            <a:off x="1585412" y="3715753"/>
+            <a:ext cx="8737683" cy="0"/>
+          </a:xfrm>
+          <a:prstGeom prst="line">
+            <a:avLst/>
+          </a:prstGeom>
+          <a:ln w="12700">
+            <a:solidFill>
+              <a:schemeClr val="tx1"/>
+            </a:solidFill>
+            <a:prstDash val="lgDash"/>
+          </a:ln>
+        </p:spPr>
+        <p:style>
+          <a:lnRef idx="1">
+            <a:schemeClr val="accent1"/>
+          </a:lnRef>
+          <a:fillRef idx="0">
+            <a:schemeClr val="accent1"/>
+          </a:fillRef>
+          <a:effectRef idx="0">
+            <a:schemeClr val="accent1"/>
+          </a:effectRef>
+          <a:fontRef idx="minor">
+            <a:schemeClr val="tx1"/>
+          </a:fontRef>
+        </p:style>
+      </p:cxnSp>
+      <p:sp>
+        <p:nvSpPr>
+          <p:cNvPr id="36" name="Rectangle 35"/>
+          <p:cNvSpPr/>
+          <p:nvPr/>
+        </p:nvSpPr>
+        <p:spPr>
+          <a:xfrm>
+            <a:off x="7780421" y="639091"/>
+            <a:ext cx="2542674" cy="689529"/>
+          </a:xfrm>
+          <a:prstGeom prst="rect">
+            <a:avLst/>
+          </a:prstGeom>
+          <a:noFill/>
+          <a:ln>
+            <a:noFill/>
+          </a:ln>
+        </p:spPr>
+        <p:style>
+          <a:lnRef idx="2">
+            <a:schemeClr val="accent1">
+              <a:shade val="50000"/>
+            </a:schemeClr>
+          </a:lnRef>
+          <a:fillRef idx="1">
+            <a:schemeClr val="accent1"/>
+          </a:fillRef>
+          <a:effectRef idx="0">
+            <a:schemeClr val="accent1"/>
+          </a:effectRef>
+          <a:fontRef idx="minor">
+            <a:schemeClr val="lt1"/>
+          </a:fontRef>
+        </p:style>
+        <p:txBody>
+          <a:bodyPr rtlCol="0" anchor="ctr"/>
+          <a:lstStyle/>
+          <a:p>
+            <a:pPr algn="ctr"/>
+            <a:r>
+              <a:rPr lang="en-US" sz="1400" smtClean="0">
+                <a:solidFill>
+                  <a:schemeClr val="tx1"/>
+                </a:solidFill>
+                <a:latin typeface="Tahoma" panose="020B0604030504040204" pitchFamily="34" charset="0"/>
+                <a:ea typeface="Tahoma" panose="020B0604030504040204" pitchFamily="34" charset="0"/>
+                <a:cs typeface="Tahoma" panose="020B0604030504040204" pitchFamily="34" charset="0"/>
+              </a:rPr>
+              <a:t>Các project chia sẻ giữa các phân hệ khác</a:t>
+            </a:r>
+          </a:p>
+          <a:p>
+            <a:pPr algn="ctr"/>
+            <a:r>
+              <a:rPr lang="en-US" sz="1400" smtClean="0">
+                <a:solidFill>
+                  <a:schemeClr val="tx1"/>
+                </a:solidFill>
+                <a:latin typeface="Tahoma" panose="020B0604030504040204" pitchFamily="34" charset="0"/>
+                <a:ea typeface="Tahoma" panose="020B0604030504040204" pitchFamily="34" charset="0"/>
+                <a:cs typeface="Tahoma" panose="020B0604030504040204" pitchFamily="34" charset="0"/>
+              </a:rPr>
+              <a:t>(cross-project)</a:t>
+            </a:r>
+            <a:endParaRPr lang="en-US" sz="1400" dirty="0">
+              <a:solidFill>
+                <a:schemeClr val="tx1"/>
+              </a:solidFill>
+              <a:latin typeface="Tahoma" panose="020B0604030504040204" pitchFamily="34" charset="0"/>
+              <a:ea typeface="Tahoma" panose="020B0604030504040204" pitchFamily="34" charset="0"/>
+              <a:cs typeface="Tahoma" panose="020B0604030504040204" pitchFamily="34" charset="0"/>
+            </a:endParaRPr>
+          </a:p>
+        </p:txBody>
+      </p:sp>
+      <p:sp>
+        <p:nvSpPr>
+          <p:cNvPr id="37" name="Rectangle 36"/>
+          <p:cNvSpPr/>
+          <p:nvPr/>
+        </p:nvSpPr>
+        <p:spPr>
+          <a:xfrm>
+            <a:off x="1448728" y="4027843"/>
+            <a:ext cx="1888436" cy="689529"/>
+          </a:xfrm>
+          <a:prstGeom prst="rect">
+            <a:avLst/>
+          </a:prstGeom>
+          <a:noFill/>
+          <a:ln>
+            <a:noFill/>
+          </a:ln>
+        </p:spPr>
+        <p:style>
+          <a:lnRef idx="2">
+            <a:schemeClr val="accent1">
+              <a:shade val="50000"/>
+            </a:schemeClr>
+          </a:lnRef>
+          <a:fillRef idx="1">
+            <a:schemeClr val="accent1"/>
+          </a:fillRef>
+          <a:effectRef idx="0">
+            <a:schemeClr val="accent1"/>
+          </a:effectRef>
+          <a:fontRef idx="minor">
+            <a:schemeClr val="lt1"/>
+          </a:fontRef>
+        </p:style>
+        <p:txBody>
+          <a:bodyPr rtlCol="0" anchor="ctr"/>
+          <a:lstStyle/>
+          <a:p>
+            <a:pPr algn="ctr"/>
+            <a:r>
+              <a:rPr lang="en-US" sz="1400" smtClean="0">
+                <a:solidFill>
+                  <a:schemeClr val="tx1"/>
+                </a:solidFill>
+                <a:latin typeface="Tahoma" panose="020B0604030504040204" pitchFamily="34" charset="0"/>
+                <a:ea typeface="Tahoma" panose="020B0604030504040204" pitchFamily="34" charset="0"/>
+                <a:cs typeface="Tahoma" panose="020B0604030504040204" pitchFamily="34" charset="0"/>
+              </a:rPr>
+              <a:t>Lớp nghiệp xử lý dữ liệu vụ chung</a:t>
+            </a:r>
+          </a:p>
+          <a:p>
+            <a:pPr algn="ctr"/>
+            <a:r>
+              <a:rPr lang="en-US" sz="1400" smtClean="0">
+                <a:solidFill>
+                  <a:schemeClr val="tx1"/>
+                </a:solidFill>
+                <a:latin typeface="Tahoma" panose="020B0604030504040204" pitchFamily="34" charset="0"/>
+                <a:ea typeface="Tahoma" panose="020B0604030504040204" pitchFamily="34" charset="0"/>
+                <a:cs typeface="Tahoma" panose="020B0604030504040204" pitchFamily="34" charset="0"/>
+              </a:rPr>
+              <a:t>(cross-platform)</a:t>
+            </a:r>
+            <a:endParaRPr lang="en-US" sz="1400" dirty="0">
+              <a:solidFill>
+                <a:schemeClr val="tx1"/>
+              </a:solidFill>
+              <a:latin typeface="Tahoma" panose="020B0604030504040204" pitchFamily="34" charset="0"/>
+              <a:ea typeface="Tahoma" panose="020B0604030504040204" pitchFamily="34" charset="0"/>
+              <a:cs typeface="Tahoma" panose="020B0604030504040204" pitchFamily="34" charset="0"/>
+            </a:endParaRPr>
+          </a:p>
+        </p:txBody>
+      </p:sp>
+      <p:cxnSp>
+        <p:nvCxnSpPr>
+          <p:cNvPr id="46" name="Straight Connector 45"/>
+          <p:cNvCxnSpPr/>
+          <p:nvPr/>
+        </p:nvCxnSpPr>
+        <p:spPr>
+          <a:xfrm>
+            <a:off x="6070559" y="2079458"/>
+            <a:ext cx="0" cy="1636295"/>
+          </a:xfrm>
+          <a:prstGeom prst="line">
+            <a:avLst/>
+          </a:prstGeom>
+          <a:ln w="12700">
+            <a:solidFill>
+              <a:schemeClr val="tx1"/>
+            </a:solidFill>
+            <a:prstDash val="lgDash"/>
+          </a:ln>
+        </p:spPr>
+        <p:style>
+          <a:lnRef idx="1">
+            <a:schemeClr val="accent1"/>
+          </a:lnRef>
+          <a:fillRef idx="0">
+            <a:schemeClr val="accent1"/>
+          </a:fillRef>
+          <a:effectRef idx="0">
+            <a:schemeClr val="accent1"/>
+          </a:effectRef>
+          <a:fontRef idx="minor">
+            <a:schemeClr val="tx1"/>
+          </a:fontRef>
+        </p:style>
+      </p:cxnSp>
+      <p:sp>
+        <p:nvSpPr>
+          <p:cNvPr id="52" name="Rectangle 51"/>
+          <p:cNvSpPr/>
+          <p:nvPr/>
+        </p:nvSpPr>
+        <p:spPr>
+          <a:xfrm>
+            <a:off x="6136702" y="2192601"/>
+            <a:ext cx="1888436" cy="689529"/>
+          </a:xfrm>
+          <a:prstGeom prst="rect">
+            <a:avLst/>
+          </a:prstGeom>
+          <a:noFill/>
+          <a:ln>
+            <a:noFill/>
+          </a:ln>
+        </p:spPr>
+        <p:style>
+          <a:lnRef idx="2">
+            <a:schemeClr val="accent1">
+              <a:shade val="50000"/>
+            </a:schemeClr>
+          </a:lnRef>
+          <a:fillRef idx="1">
+            <a:schemeClr val="accent1"/>
+          </a:fillRef>
+          <a:effectRef idx="0">
+            <a:schemeClr val="accent1"/>
+          </a:effectRef>
+          <a:fontRef idx="minor">
+            <a:schemeClr val="lt1"/>
+          </a:fontRef>
+        </p:style>
+        <p:txBody>
+          <a:bodyPr rtlCol="0" anchor="ctr"/>
+          <a:lstStyle/>
+          <a:p>
+            <a:pPr algn="ctr"/>
+            <a:r>
+              <a:rPr lang="en-US" sz="1400" smtClean="0">
+                <a:solidFill>
+                  <a:schemeClr val="tx1"/>
+                </a:solidFill>
+                <a:latin typeface="Tahoma" panose="020B0604030504040204" pitchFamily="34" charset="0"/>
+                <a:ea typeface="Tahoma" panose="020B0604030504040204" pitchFamily="34" charset="0"/>
+                <a:cs typeface="Tahoma" panose="020B0604030504040204" pitchFamily="34" charset="0"/>
+              </a:rPr>
+              <a:t>Ứng dụng nền tảng Windows Desktop</a:t>
+            </a:r>
+            <a:endParaRPr lang="en-US" sz="1400" dirty="0">
+              <a:solidFill>
+                <a:schemeClr val="tx1"/>
+              </a:solidFill>
+              <a:latin typeface="Tahoma" panose="020B0604030504040204" pitchFamily="34" charset="0"/>
+              <a:ea typeface="Tahoma" panose="020B0604030504040204" pitchFamily="34" charset="0"/>
+              <a:cs typeface="Tahoma" panose="020B0604030504040204" pitchFamily="34" charset="0"/>
+            </a:endParaRPr>
+          </a:p>
+        </p:txBody>
+      </p:sp>
+      <p:sp>
+        <p:nvSpPr>
+          <p:cNvPr id="53" name="Rectangle 52"/>
+          <p:cNvSpPr/>
+          <p:nvPr/>
+        </p:nvSpPr>
+        <p:spPr>
+          <a:xfrm>
+            <a:off x="3768430" y="2863573"/>
+            <a:ext cx="1888436" cy="689529"/>
+          </a:xfrm>
+          <a:prstGeom prst="rect">
+            <a:avLst/>
+          </a:prstGeom>
+          <a:noFill/>
+          <a:ln>
+            <a:noFill/>
+          </a:ln>
+        </p:spPr>
+        <p:style>
+          <a:lnRef idx="2">
+            <a:schemeClr val="accent1">
+              <a:shade val="50000"/>
+            </a:schemeClr>
+          </a:lnRef>
+          <a:fillRef idx="1">
+            <a:schemeClr val="accent1"/>
+          </a:fillRef>
+          <a:effectRef idx="0">
+            <a:schemeClr val="accent1"/>
+          </a:effectRef>
+          <a:fontRef idx="minor">
+            <a:schemeClr val="lt1"/>
+          </a:fontRef>
+        </p:style>
+        <p:txBody>
+          <a:bodyPr rtlCol="0" anchor="ctr"/>
+          <a:lstStyle/>
+          <a:p>
+            <a:pPr algn="ctr"/>
+            <a:r>
+              <a:rPr lang="en-US" sz="1400" smtClean="0">
+                <a:solidFill>
+                  <a:schemeClr val="tx1"/>
+                </a:solidFill>
+                <a:latin typeface="Tahoma" panose="020B0604030504040204" pitchFamily="34" charset="0"/>
+                <a:ea typeface="Tahoma" panose="020B0604030504040204" pitchFamily="34" charset="0"/>
+                <a:cs typeface="Tahoma" panose="020B0604030504040204" pitchFamily="34" charset="0"/>
+              </a:rPr>
+              <a:t>Ứng dụng nền tảng Web</a:t>
+            </a:r>
+            <a:endParaRPr lang="en-US" sz="1400" dirty="0">
+              <a:solidFill>
+                <a:schemeClr val="tx1"/>
+              </a:solidFill>
+              <a:latin typeface="Tahoma" panose="020B0604030504040204" pitchFamily="34" charset="0"/>
+              <a:ea typeface="Tahoma" panose="020B0604030504040204" pitchFamily="34" charset="0"/>
+              <a:cs typeface="Tahoma" panose="020B0604030504040204" pitchFamily="34" charset="0"/>
+            </a:endParaRPr>
+          </a:p>
+        </p:txBody>
+      </p:sp>
+    </p:spTree>
+    <p:extLst>
+      <p:ext uri="{BB962C8B-B14F-4D97-AF65-F5344CB8AC3E}">
+        <p14:creationId xmlns:p14="http://schemas.microsoft.com/office/powerpoint/2010/main" val="3369107112"/>
       </p:ext>
     </p:extLst>
   </p:cSld>

--- a/_BaoCao/quocdunginfo/model.pptx
+++ b/_BaoCao/quocdunginfo/model.pptx
@@ -12426,8 +12426,8 @@
         </p:nvCxnSpPr>
         <p:spPr>
           <a:xfrm>
-            <a:off x="1585412" y="2079458"/>
-            <a:ext cx="8737683" cy="0"/>
+            <a:off x="1167022" y="2079458"/>
+            <a:ext cx="9517020" cy="0"/>
           </a:xfrm>
           <a:prstGeom prst="line">
             <a:avLst/>
